--- a/org.mwc.debrief.legacy/test_data/master_template/long_tracks/long_tracks_temp.pptx
+++ b/org.mwc.debrief.legacy/test_data/master_template/long_tracks/long_tracks_temp.pptx
@@ -22732,7 +22732,7 @@
                 <a:latin typeface="Open Sans" panose="020B0606030504020204" pitchFamily="34" charset="0"/>
                 <a:ea typeface="Open Sans" panose="020B0606030504020204" pitchFamily="34" charset="0"/>
               </a:rPr>
-              <a:t>???</a:t>
+              <a:t/>
             </a:r>
             <a:endParaRPr lang="en-US" sz="2000" dirty="0">
               <a:solidFill>

--- a/org.mwc.debrief.legacy/test_data/master_template/long_tracks/long_tracks_temp.pptx
+++ b/org.mwc.debrief.legacy/test_data/master_template/long_tracks/long_tracks_temp.pptx
@@ -11004,7 +11004,7 @@
         </p:nvSpPr>
         <p:spPr>
           <a:xfrm>
-            <a:off x="2018437" y="1293390"/>
+            <a:off x="4449014" y="4442518"/>
             <a:ext cx="613385" cy="354359"/>
           </a:xfrm>
           <a:prstGeom prst="wedgeRectCallout">
@@ -11065,7 +11065,7 @@
         </p:nvSpPr>
         <p:spPr>
           <a:xfrm>
-            <a:off x="2018437" y="1293390"/>
+            <a:off x="6120811" y="2535190"/>
             <a:ext cx="613385" cy="354359"/>
           </a:xfrm>
           <a:prstGeom prst="wedgeRectCallout">
@@ -22800,7 +22800,7 @@
                                     <p:cond delay="0"/>
                                   </p:stCondLst>
                                   <p:childTnLst>
-                                    <p:animMotion origin="layout" path="M 0.1994 0.4592 L 0.1994 0.4592" pathEditMode="relative" rAng="0" ptsTypes="AAAAAAAA">
+                                    <p:animMotion origin="layout" path="M 0.0000 0.0000 L 0.0000 0.0000" pathEditMode="relative" rAng="0" ptsTypes="AAAAAAAA">
                                       <p:cBhvr>
                                         <p:cTn id="7" dur="100" fill="hold"/>
                                         <p:tgtEl>
@@ -22813,7 +22813,7 @@
                                       </p:cBhvr>
                                       <p:rCtr x="-156" y="8009"/>
                                     </p:animMotion>
-                                    <p:animMotion origin="layout" path="M 0.1994 0.4592 L 0.2014 0.4437" pathEditMode="relative" rAng="0" ptsTypes="AAAAAAAA">
+                                    <p:animMotion origin="layout" path="M 0.0000 0.0000 L 0.0020 -0.0155" pathEditMode="relative" rAng="0" ptsTypes="AAAAAAAA">
                                       <p:cBhvr>
                                         <p:cTn id="8" dur="100" fill="hold"/>
                                         <p:tgtEl>
@@ -22826,7 +22826,7 @@
                                       </p:cBhvr>
                                       <p:rCtr x="-156" y="8009"/>
                                     </p:animMotion>
-                                    <p:animMotion origin="layout" path="M 0.2014 0.4437 L 0.2035 0.4295" pathEditMode="relative" rAng="0" ptsTypes="AAAAAAAA">
+                                    <p:animMotion origin="layout" path="M 0.0020 -0.0155 L 0.0041 -0.0297" pathEditMode="relative" rAng="0" ptsTypes="AAAAAAAA">
                                       <p:cBhvr>
                                         <p:cTn id="9" dur="100" fill="hold"/>
                                         <p:tgtEl>
@@ -22839,7 +22839,7 @@
                                       </p:cBhvr>
                                       <p:rCtr x="-156" y="8009"/>
                                     </p:animMotion>
-                                    <p:animMotion origin="layout" path="M 0.2035 0.4295 L 0.2055 0.4140" pathEditMode="relative" rAng="0" ptsTypes="AAAAAAAA">
+                                    <p:animMotion origin="layout" path="M 0.0041 -0.0297 L 0.0061 -0.0452" pathEditMode="relative" rAng="0" ptsTypes="AAAAAAAA">
                                       <p:cBhvr>
                                         <p:cTn id="10" dur="100" fill="hold"/>
                                         <p:tgtEl>
@@ -22852,7 +22852,7 @@
                                       </p:cBhvr>
                                       <p:rCtr x="-156" y="8009"/>
                                     </p:animMotion>
-                                    <p:animMotion origin="layout" path="M 0.2055 0.4140 L 0.2075 0.3986" pathEditMode="relative" rAng="0" ptsTypes="AAAAAAAA">
+                                    <p:animMotion origin="layout" path="M 0.0061 -0.0452 L 0.0082 -0.0606" pathEditMode="relative" rAng="0" ptsTypes="AAAAAAAA">
                                       <p:cBhvr>
                                         <p:cTn id="11" dur="100" fill="hold"/>
                                         <p:tgtEl>
@@ -22865,7 +22865,7 @@
                                       </p:cBhvr>
                                       <p:rCtr x="-156" y="8009"/>
                                     </p:animMotion>
-                                    <p:animMotion origin="layout" path="M 0.2075 0.3986 L 0.2096 0.3831" pathEditMode="relative" rAng="0" ptsTypes="AAAAAAAA">
+                                    <p:animMotion origin="layout" path="M 0.0082 -0.0606 L 0.0102 -0.0761" pathEditMode="relative" rAng="0" ptsTypes="AAAAAAAA">
                                       <p:cBhvr>
                                         <p:cTn id="12" dur="100" fill="hold"/>
                                         <p:tgtEl>
@@ -22878,7 +22878,7 @@
                                       </p:cBhvr>
                                       <p:rCtr x="-156" y="8009"/>
                                     </p:animMotion>
-                                    <p:animMotion origin="layout" path="M 0.2096 0.3831 L 0.2116 0.3689" pathEditMode="relative" rAng="0" ptsTypes="AAAAAAAA">
+                                    <p:animMotion origin="layout" path="M 0.0102 -0.0761 L 0.0123 -0.0903" pathEditMode="relative" rAng="0" ptsTypes="AAAAAAAA">
                                       <p:cBhvr>
                                         <p:cTn id="13" dur="100" fill="hold"/>
                                         <p:tgtEl>
@@ -22891,7 +22891,7 @@
                                       </p:cBhvr>
                                       <p:rCtr x="-156" y="8009"/>
                                     </p:animMotion>
-                                    <p:animMotion origin="layout" path="M 0.2116 0.3689 L 0.2144 0.3534" pathEditMode="relative" rAng="0" ptsTypes="AAAAAAAA">
+                                    <p:animMotion origin="layout" path="M 0.0123 -0.0903 L 0.0150 -0.1058" pathEditMode="relative" rAng="0" ptsTypes="AAAAAAAA">
                                       <p:cBhvr>
                                         <p:cTn id="14" dur="100" fill="hold"/>
                                         <p:tgtEl>
@@ -22904,7 +22904,7 @@
                                       </p:cBhvr>
                                       <p:rCtr x="-156" y="8009"/>
                                     </p:animMotion>
-                                    <p:animMotion origin="layout" path="M 0.2144 0.3534 L 0.2164 0.3380" pathEditMode="relative" rAng="0" ptsTypes="AAAAAAAA">
+                                    <p:animMotion origin="layout" path="M 0.0150 -0.1058 L 0.0171 -0.1212" pathEditMode="relative" rAng="0" ptsTypes="AAAAAAAA">
                                       <p:cBhvr>
                                         <p:cTn id="15" dur="100" fill="hold"/>
                                         <p:tgtEl>
@@ -22917,7 +22917,7 @@
                                       </p:cBhvr>
                                       <p:rCtr x="-156" y="8009"/>
                                     </p:animMotion>
-                                    <p:animMotion origin="layout" path="M 0.2164 0.3380 L 0.2185 0.3225" pathEditMode="relative" rAng="0" ptsTypes="AAAAAAAA">
+                                    <p:animMotion origin="layout" path="M 0.0171 -0.1212 L 0.0191 -0.1367" pathEditMode="relative" rAng="0" ptsTypes="AAAAAAAA">
                                       <p:cBhvr>
                                         <p:cTn id="16" dur="100" fill="hold"/>
                                         <p:tgtEl>
@@ -22930,7 +22930,7 @@
                                       </p:cBhvr>
                                       <p:rCtr x="-156" y="8009"/>
                                     </p:animMotion>
-                                    <p:animMotion origin="layout" path="M 0.2185 0.3225 L 0.2205 0.3071" pathEditMode="relative" rAng="0" ptsTypes="AAAAAAAA">
+                                    <p:animMotion origin="layout" path="M 0.0191 -0.1367 L 0.0211 -0.1521" pathEditMode="relative" rAng="0" ptsTypes="AAAAAAAA">
                                       <p:cBhvr>
                                         <p:cTn id="17" dur="100" fill="hold"/>
                                         <p:tgtEl>
@@ -22943,7 +22943,7 @@
                                       </p:cBhvr>
                                       <p:rCtr x="-156" y="8009"/>
                                     </p:animMotion>
-                                    <p:animMotion origin="layout" path="M 0.2205 0.3071 L 0.2226 0.2928" pathEditMode="relative" rAng="0" ptsTypes="AAAAAAAA">
+                                    <p:animMotion origin="layout" path="M 0.0211 -0.1521 L 0.0232 -0.1664" pathEditMode="relative" rAng="0" ptsTypes="AAAAAAAA">
                                       <p:cBhvr>
                                         <p:cTn id="18" dur="100" fill="hold"/>
                                         <p:tgtEl>
@@ -22956,7 +22956,7 @@
                                       </p:cBhvr>
                                       <p:rCtr x="-156" y="8009"/>
                                     </p:animMotion>
-                                    <p:animMotion origin="layout" path="M 0.2226 0.2928 L 0.2246 0.2773" pathEditMode="relative" rAng="0" ptsTypes="AAAAAAAA">
+                                    <p:animMotion origin="layout" path="M 0.0232 -0.1664 L 0.0252 -0.1818" pathEditMode="relative" rAng="0" ptsTypes="AAAAAAAA">
                                       <p:cBhvr>
                                         <p:cTn id="19" dur="100" fill="hold"/>
                                         <p:tgtEl>
@@ -22969,7 +22969,7 @@
                                       </p:cBhvr>
                                       <p:rCtr x="-156" y="8009"/>
                                     </p:animMotion>
-                                    <p:animMotion origin="layout" path="M 0.2246 0.2773 L 0.2266 0.2619" pathEditMode="relative" rAng="0" ptsTypes="AAAAAAAA">
+                                    <p:animMotion origin="layout" path="M 0.0252 -0.1818 L 0.0273 -0.1973" pathEditMode="relative" rAng="0" ptsTypes="AAAAAAAA">
                                       <p:cBhvr>
                                         <p:cTn id="20" dur="100" fill="hold"/>
                                         <p:tgtEl>
@@ -22982,7 +22982,7 @@
                                       </p:cBhvr>
                                       <p:rCtr x="-156" y="8009"/>
                                     </p:animMotion>
-                                    <p:animMotion origin="layout" path="M 0.2266 0.2619 L 0.2294 0.2476" pathEditMode="relative" rAng="0" ptsTypes="AAAAAAAA">
+                                    <p:animMotion origin="layout" path="M 0.0273 -0.1973 L 0.0300 -0.2116" pathEditMode="relative" rAng="0" ptsTypes="AAAAAAAA">
                                       <p:cBhvr>
                                         <p:cTn id="21" dur="100" fill="hold"/>
                                         <p:tgtEl>
@@ -22995,7 +22995,7 @@
                                       </p:cBhvr>
                                       <p:rCtr x="-156" y="8009"/>
                                     </p:animMotion>
-                                    <p:animMotion origin="layout" path="M 0.2294 0.2476 L 0.2307 0.2322" pathEditMode="relative" rAng="0" ptsTypes="AAAAAAAA">
+                                    <p:animMotion origin="layout" path="M 0.0300 -0.2116 L 0.0314 -0.2270" pathEditMode="relative" rAng="0" ptsTypes="AAAAAAAA">
                                       <p:cBhvr>
                                         <p:cTn id="22" dur="100" fill="hold"/>
                                         <p:tgtEl>
@@ -23008,7 +23008,7 @@
                                       </p:cBhvr>
                                       <p:rCtr x="-156" y="8009"/>
                                     </p:animMotion>
-                                    <p:animMotion origin="layout" path="M 0.2307 0.2322 L 0.2287 0.2179" pathEditMode="relative" rAng="0" ptsTypes="AAAAAAAA">
+                                    <p:animMotion origin="layout" path="M 0.0314 -0.2270 L 0.0293 -0.2413" pathEditMode="relative" rAng="0" ptsTypes="AAAAAAAA">
                                       <p:cBhvr>
                                         <p:cTn id="23" dur="100" fill="hold"/>
                                         <p:tgtEl>
@@ -23021,7 +23021,7 @@
                                       </p:cBhvr>
                                       <p:rCtr x="-156" y="8009"/>
                                     </p:animMotion>
-                                    <p:animMotion origin="layout" path="M 0.2287 0.2179 L 0.2219 0.2084" pathEditMode="relative" rAng="0" ptsTypes="AAAAAAAA">
+                                    <p:animMotion origin="layout" path="M 0.0293 -0.2413 L 0.0225 -0.2508" pathEditMode="relative" rAng="0" ptsTypes="AAAAAAAA">
                                       <p:cBhvr>
                                         <p:cTn id="24" dur="100" fill="hold"/>
                                         <p:tgtEl>
@@ -23034,7 +23034,7 @@
                                       </p:cBhvr>
                                       <p:rCtr x="-156" y="8009"/>
                                     </p:animMotion>
-                                    <p:animMotion origin="layout" path="M 0.2219 0.2084 L 0.2123 0.2025" pathEditMode="relative" rAng="0" ptsTypes="AAAAAAAA">
+                                    <p:animMotion origin="layout" path="M 0.0225 -0.2508 L 0.0130 -0.2567" pathEditMode="relative" rAng="0" ptsTypes="AAAAAAAA">
                                       <p:cBhvr>
                                         <p:cTn id="25" dur="100" fill="hold"/>
                                         <p:tgtEl>
@@ -23047,7 +23047,7 @@
                                       </p:cBhvr>
                                       <p:rCtr x="-156" y="8009"/>
                                     </p:animMotion>
-                                    <p:animMotion origin="layout" path="M 0.2123 0.2025 L 0.2014 0.2001" pathEditMode="relative" rAng="0" ptsTypes="AAAAAAAA">
+                                    <p:animMotion origin="layout" path="M 0.0130 -0.2567 L 0.0020 -0.2591" pathEditMode="relative" rAng="0" ptsTypes="AAAAAAAA">
                                       <p:cBhvr>
                                         <p:cTn id="26" dur="100" fill="hold"/>
                                         <p:tgtEl>
@@ -23060,7 +23060,7 @@
                                       </p:cBhvr>
                                       <p:rCtr x="-156" y="8009"/>
                                     </p:animMotion>
-                                    <p:animMotion origin="layout" path="M 0.2014 0.2001 L 0.1905 0.1953" pathEditMode="relative" rAng="0" ptsTypes="AAAAAAAA">
+                                    <p:animMotion origin="layout" path="M 0.0020 -0.2591 L -0.0089 -0.2639" pathEditMode="relative" rAng="0" ptsTypes="AAAAAAAA">
                                       <p:cBhvr>
                                         <p:cTn id="27" dur="100" fill="hold"/>
                                         <p:tgtEl>
@@ -23073,7 +23073,7 @@
                                       </p:cBhvr>
                                       <p:rCtr x="-156" y="8009"/>
                                     </p:animMotion>
-                                    <p:animMotion origin="layout" path="M 0.1905 0.1953 L 0.1803 0.1906" pathEditMode="relative" rAng="0" ptsTypes="AAAAAAAA">
+                                    <p:animMotion origin="layout" path="M -0.0089 -0.2639 L -0.0191 -0.2686" pathEditMode="relative" rAng="0" ptsTypes="AAAAAAAA">
                                       <p:cBhvr>
                                         <p:cTn id="28" dur="100" fill="hold"/>
                                         <p:tgtEl>
@@ -23086,7 +23086,7 @@
                                       </p:cBhvr>
                                       <p:rCtr x="-156" y="8009"/>
                                     </p:animMotion>
-                                    <p:animMotion origin="layout" path="M 0.1803 0.1906 L 0.1734 0.1799" pathEditMode="relative" rAng="0" ptsTypes="AAAAAAAA">
+                                    <p:animMotion origin="layout" path="M -0.0191 -0.2686 L -0.0259 -0.2793" pathEditMode="relative" rAng="0" ptsTypes="AAAAAAAA">
                                       <p:cBhvr>
                                         <p:cTn id="29" dur="100" fill="hold"/>
                                         <p:tgtEl>
@@ -23099,7 +23099,7 @@
                                       </p:cBhvr>
                                       <p:rCtr x="-156" y="8009"/>
                                     </p:animMotion>
-                                    <p:animMotion origin="layout" path="M 0.1734 0.1799 L 0.1714 0.1680" pathEditMode="relative" rAng="0" ptsTypes="AAAAAAAA">
+                                    <p:animMotion origin="layout" path="M -0.0259 -0.2793 L -0.0280 -0.2912" pathEditMode="relative" rAng="0" ptsTypes="AAAAAAAA">
                                       <p:cBhvr>
                                         <p:cTn id="30" dur="100" fill="hold"/>
                                         <p:tgtEl>
@@ -23112,7 +23112,7 @@
                                       </p:cBhvr>
                                       <p:rCtr x="-156" y="8009"/>
                                     </p:animMotion>
-                                    <p:animMotion origin="layout" path="M 0.1714 0.1680 L 0.1748 0.1561" pathEditMode="relative" rAng="0" ptsTypes="AAAAAAAA">
+                                    <p:animMotion origin="layout" path="M -0.0280 -0.2912 L -0.0246 -0.3031" pathEditMode="relative" rAng="0" ptsTypes="AAAAAAAA">
                                       <p:cBhvr>
                                         <p:cTn id="31" dur="100" fill="hold"/>
                                         <p:tgtEl>
@@ -23125,7 +23125,7 @@
                                       </p:cBhvr>
                                       <p:rCtr x="-156" y="8009"/>
                                     </p:animMotion>
-                                    <p:animMotion origin="layout" path="M 0.1748 0.1561 L 0.1823 0.1490" pathEditMode="relative" rAng="0" ptsTypes="AAAAAAAA">
+                                    <p:animMotion origin="layout" path="M -0.0246 -0.3031 L -0.0171 -0.3102" pathEditMode="relative" rAng="0" ptsTypes="AAAAAAAA">
                                       <p:cBhvr>
                                         <p:cTn id="32" dur="100" fill="hold"/>
                                         <p:tgtEl>
@@ -23138,7 +23138,7 @@
                                       </p:cBhvr>
                                       <p:rCtr x="-156" y="8009"/>
                                     </p:animMotion>
-                                    <p:animMotion origin="layout" path="M 0.1823 0.1490 L 0.1919 0.1442" pathEditMode="relative" rAng="0" ptsTypes="AAAAAAAA">
+                                    <p:animMotion origin="layout" path="M -0.0171 -0.3102 L -0.0075 -0.3150" pathEditMode="relative" rAng="0" ptsTypes="AAAAAAAA">
                                       <p:cBhvr>
                                         <p:cTn id="33" dur="100" fill="hold"/>
                                         <p:tgtEl>
@@ -23151,7 +23151,7 @@
                                       </p:cBhvr>
                                       <p:rCtr x="-156" y="8009"/>
                                     </p:animMotion>
-                                    <p:animMotion origin="layout" path="M 0.1919 0.1442 L 0.2000 0.1395" pathEditMode="relative" rAng="0" ptsTypes="AAAAAAAA">
+                                    <p:animMotion origin="layout" path="M -0.0075 -0.3150 L 0.0007 -0.3197" pathEditMode="relative" rAng="0" ptsTypes="AAAAAAAA">
                                       <p:cBhvr>
                                         <p:cTn id="34" dur="100" fill="hold"/>
                                         <p:tgtEl>
@@ -23164,7 +23164,7 @@
                                       </p:cBhvr>
                                       <p:rCtr x="-156" y="8009"/>
                                     </p:animMotion>
-                                    <p:animMotion origin="layout" path="M 0.2000 0.1395 L 0.2041 0.1288" pathEditMode="relative" rAng="0" ptsTypes="AAAAAAAA">
+                                    <p:animMotion origin="layout" path="M 0.0007 -0.3197 L 0.0048 -0.3304" pathEditMode="relative" rAng="0" ptsTypes="AAAAAAAA">
                                       <p:cBhvr>
                                         <p:cTn id="35" dur="100" fill="hold"/>
                                         <p:tgtEl>
@@ -23177,7 +23177,7 @@
                                       </p:cBhvr>
                                       <p:rCtr x="-156" y="8009"/>
                                     </p:animMotion>
-                                    <p:animMotion origin="layout" path="M 0.2041 0.1288 L 0.2035 0.1157" pathEditMode="relative" rAng="0" ptsTypes="AAAAAAAA">
+                                    <p:animMotion origin="layout" path="M 0.0048 -0.3304 L 0.0041 -0.3435" pathEditMode="relative" rAng="0" ptsTypes="AAAAAAAA">
                                       <p:cBhvr>
                                         <p:cTn id="36" dur="100" fill="hold"/>
                                         <p:tgtEl>
@@ -23190,7 +23190,7 @@
                                       </p:cBhvr>
                                       <p:rCtr x="-156" y="8009"/>
                                     </p:animMotion>
-                                    <p:animMotion origin="layout" path="M 0.2035 0.1157 L 0.1966 0.1062" pathEditMode="relative" rAng="0" ptsTypes="AAAAAAAA">
+                                    <p:animMotion origin="layout" path="M 0.0041 -0.3435 L -0.0027 -0.3530" pathEditMode="relative" rAng="0" ptsTypes="AAAAAAAA">
                                       <p:cBhvr>
                                         <p:cTn id="37" dur="100" fill="hold"/>
                                         <p:tgtEl>
@@ -23203,7 +23203,7 @@
                                       </p:cBhvr>
                                       <p:rCtr x="-156" y="8009"/>
                                     </p:animMotion>
-                                    <p:animMotion origin="layout" path="M 0.1966 0.1062 L 0.1857 0.1050" pathEditMode="relative" rAng="0" ptsTypes="AAAAAAAA">
+                                    <p:animMotion origin="layout" path="M -0.0027 -0.3530 L -0.0136 -0.3542" pathEditMode="relative" rAng="0" ptsTypes="AAAAAAAA">
                                       <p:cBhvr>
                                         <p:cTn id="38" dur="100" fill="hold"/>
                                         <p:tgtEl>
@@ -23216,7 +23216,7 @@
                                       </p:cBhvr>
                                       <p:rCtr x="-156" y="8009"/>
                                     </p:animMotion>
-                                    <p:animMotion origin="layout" path="M 0.1857 0.1050 L 0.1768 0.1145" pathEditMode="relative" rAng="0" ptsTypes="AAAAAAAA">
+                                    <p:animMotion origin="layout" path="M -0.0136 -0.3542 L -0.0225 -0.3447" pathEditMode="relative" rAng="0" ptsTypes="AAAAAAAA">
                                       <p:cBhvr>
                                         <p:cTn id="39" dur="100" fill="hold"/>
                                         <p:tgtEl>
@@ -23229,7 +23229,7 @@
                                       </p:cBhvr>
                                       <p:rCtr x="-156" y="8009"/>
                                     </p:animMotion>
-                                    <p:animMotion origin="layout" path="M 0.1768 0.1145 L 0.1748 0.1300" pathEditMode="relative" rAng="0" ptsTypes="AAAAAAAA">
+                                    <p:animMotion origin="layout" path="M -0.0225 -0.3447 L -0.0246 -0.3292" pathEditMode="relative" rAng="0" ptsTypes="AAAAAAAA">
                                       <p:cBhvr>
                                         <p:cTn id="40" dur="100" fill="hold"/>
                                         <p:tgtEl>
@@ -23242,7 +23242,7 @@
                                       </p:cBhvr>
                                       <p:rCtr x="-156" y="8009"/>
                                     </p:animMotion>
-                                    <p:animMotion origin="layout" path="M 0.1748 0.1300 L 0.1816 0.1419" pathEditMode="relative" rAng="0" ptsTypes="AAAAAAAA">
+                                    <p:animMotion origin="layout" path="M -0.0246 -0.3292 L -0.0177 -0.3173" pathEditMode="relative" rAng="0" ptsTypes="AAAAAAAA">
                                       <p:cBhvr>
                                         <p:cTn id="41" dur="100" fill="hold"/>
                                         <p:tgtEl>
@@ -23255,7 +23255,7 @@
                                       </p:cBhvr>
                                       <p:rCtr x="-156" y="8009"/>
                                     </p:animMotion>
-                                    <p:animMotion origin="layout" path="M 0.1816 0.1419 L 0.1932 0.1442" pathEditMode="relative" rAng="0" ptsTypes="AAAAAAAA">
+                                    <p:animMotion origin="layout" path="M -0.0177 -0.3173 L -0.0061 -0.3150" pathEditMode="relative" rAng="0" ptsTypes="AAAAAAAA">
                                       <p:cBhvr>
                                         <p:cTn id="42" dur="100" fill="hold"/>
                                         <p:tgtEl>
@@ -23268,7 +23268,7 @@
                                       </p:cBhvr>
                                       <p:rCtr x="-156" y="8009"/>
                                     </p:animMotion>
-                                    <p:animMotion origin="layout" path="M 0.1932 0.1442 L 0.2082 0.1442" pathEditMode="relative" rAng="0" ptsTypes="AAAAAAAA">
+                                    <p:animMotion origin="layout" path="M -0.0061 -0.3150 L 0.0089 -0.3150" pathEditMode="relative" rAng="0" ptsTypes="AAAAAAAA">
                                       <p:cBhvr>
                                         <p:cTn id="43" dur="100" fill="hold"/>
                                         <p:tgtEl>
@@ -23281,7 +23281,7 @@
                                       </p:cBhvr>
                                       <p:rCtr x="-156" y="8009"/>
                                     </p:animMotion>
-                                    <p:animMotion origin="layout" path="M 0.2082 0.1442 L 0.2157 0.1561" pathEditMode="relative" rAng="0" ptsTypes="AAAAAAAA">
+                                    <p:animMotion origin="layout" path="M 0.0089 -0.3150 L 0.0164 -0.3031" pathEditMode="relative" rAng="0" ptsTypes="AAAAAAAA">
                                       <p:cBhvr>
                                         <p:cTn id="44" dur="100" fill="hold"/>
                                         <p:tgtEl>
@@ -23294,7 +23294,7 @@
                                       </p:cBhvr>
                                       <p:rCtr x="-156" y="8009"/>
                                     </p:animMotion>
-                                    <p:animMotion origin="layout" path="M 0.2157 0.1561 L 0.2082 0.1656" pathEditMode="relative" rAng="0" ptsTypes="AAAAAAAA">
+                                    <p:animMotion origin="layout" path="M 0.0164 -0.3031 L 0.0089 -0.2936" pathEditMode="relative" rAng="0" ptsTypes="AAAAAAAA">
                                       <p:cBhvr>
                                         <p:cTn id="45" dur="100" fill="hold"/>
                                         <p:tgtEl>
@@ -23307,7 +23307,7 @@
                                       </p:cBhvr>
                                       <p:rCtr x="-156" y="8009"/>
                                     </p:animMotion>
-                                    <p:animMotion origin="layout" path="M 0.2082 0.1656 L 0.1939 0.1632" pathEditMode="relative" rAng="0" ptsTypes="AAAAAAAA">
+                                    <p:animMotion origin="layout" path="M 0.0089 -0.2936 L -0.0055 -0.2959" pathEditMode="relative" rAng="0" ptsTypes="AAAAAAAA">
                                       <p:cBhvr>
                                         <p:cTn id="46" dur="100" fill="hold"/>
                                         <p:tgtEl>
@@ -23320,7 +23320,7 @@
                                       </p:cBhvr>
                                       <p:rCtr x="-156" y="8009"/>
                                     </p:animMotion>
-                                    <p:animMotion origin="layout" path="M 0.1939 0.1632 L 0.1884 0.1478" pathEditMode="relative" rAng="0" ptsTypes="AAAAAAAA">
+                                    <p:animMotion origin="layout" path="M -0.0055 -0.2959 L -0.0109 -0.3114" pathEditMode="relative" rAng="0" ptsTypes="AAAAAAAA">
                                       <p:cBhvr>
                                         <p:cTn id="47" dur="100" fill="hold"/>
                                         <p:tgtEl>
@@ -23333,7 +23333,7 @@
                                       </p:cBhvr>
                                       <p:rCtr x="-156" y="8009"/>
                                     </p:animMotion>
-                                    <p:animMotion origin="layout" path="M 0.1884 0.1478 L 0.1925 0.1264" pathEditMode="relative" rAng="0" ptsTypes="AAAAAAAA">
+                                    <p:animMotion origin="layout" path="M -0.0109 -0.3114 L -0.0068 -0.3328" pathEditMode="relative" rAng="0" ptsTypes="AAAAAAAA">
                                       <p:cBhvr>
                                         <p:cTn id="48" dur="100" fill="hold"/>
                                         <p:tgtEl>
@@ -23346,7 +23346,7 @@
                                       </p:cBhvr>
                                       <p:rCtr x="-156" y="8009"/>
                                     </p:animMotion>
-                                    <p:animMotion origin="layout" path="M 0.1925 0.1264 L 0.2062 0.1205" pathEditMode="relative" rAng="0" ptsTypes="AAAAAAAA">
+                                    <p:animMotion origin="layout" path="M -0.0068 -0.3328 L 0.0068 -0.3387" pathEditMode="relative" rAng="0" ptsTypes="AAAAAAAA">
                                       <p:cBhvr>
                                         <p:cTn id="49" dur="100" fill="hold"/>
                                         <p:tgtEl>
@@ -23359,7 +23359,7 @@
                                       </p:cBhvr>
                                       <p:rCtr x="-156" y="8009"/>
                                     </p:animMotion>
-                                    <p:animMotion origin="layout" path="M 0.2062 0.1205 L 0.2144 0.1359" pathEditMode="relative" rAng="0" ptsTypes="AAAAAAAA">
+                                    <p:animMotion origin="layout" path="M 0.0068 -0.3387 L 0.0150 -0.3233" pathEditMode="relative" rAng="0" ptsTypes="AAAAAAAA">
                                       <p:cBhvr>
                                         <p:cTn id="50" dur="100" fill="hold"/>
                                         <p:tgtEl>
@@ -23372,7 +23372,7 @@
                                       </p:cBhvr>
                                       <p:rCtr x="-156" y="8009"/>
                                     </p:animMotion>
-                                    <p:animMotion origin="layout" path="M 0.2144 0.1359 L 0.2137 0.1609" pathEditMode="relative" rAng="0" ptsTypes="AAAAAAAA">
+                                    <p:animMotion origin="layout" path="M 0.0150 -0.3233 L 0.0143 -0.2983" pathEditMode="relative" rAng="0" ptsTypes="AAAAAAAA">
                                       <p:cBhvr>
                                         <p:cTn id="51" dur="100" fill="hold"/>
                                         <p:tgtEl>
@@ -23385,7 +23385,7 @@
                                       </p:cBhvr>
                                       <p:rCtr x="-156" y="8009"/>
                                     </p:animMotion>
-                                    <p:animMotion origin="layout" path="M 0.2137 0.1609 L 0.2185 0.1811" pathEditMode="relative" rAng="0" ptsTypes="AAAAAAAA">
+                                    <p:animMotion origin="layout" path="M 0.0143 -0.2983 L 0.0191 -0.2781" pathEditMode="relative" rAng="0" ptsTypes="AAAAAAAA">
                                       <p:cBhvr>
                                         <p:cTn id="52" dur="100" fill="hold"/>
                                         <p:tgtEl>
@@ -23398,7 +23398,7 @@
                                       </p:cBhvr>
                                       <p:rCtr x="-156" y="8009"/>
                                     </p:animMotion>
-                                    <p:animMotion origin="layout" path="M 0.2185 0.1811 L 0.2301 0.1799" pathEditMode="relative" rAng="0" ptsTypes="AAAAAAAA">
+                                    <p:animMotion origin="layout" path="M 0.0191 -0.2781 L 0.0307 -0.2793" pathEditMode="relative" rAng="0" ptsTypes="AAAAAAAA">
                                       <p:cBhvr>
                                         <p:cTn id="53" dur="100" fill="hold"/>
                                         <p:tgtEl>
@@ -23411,7 +23411,7 @@
                                       </p:cBhvr>
                                       <p:rCtr x="-156" y="8009"/>
                                     </p:animMotion>
-                                    <p:animMotion origin="layout" path="M 0.2301 0.1799 L 0.2342 0.1609" pathEditMode="relative" rAng="0" ptsTypes="AAAAAAAA">
+                                    <p:animMotion origin="layout" path="M 0.0307 -0.2793 L 0.0348 -0.2983" pathEditMode="relative" rAng="0" ptsTypes="AAAAAAAA">
                                       <p:cBhvr>
                                         <p:cTn id="54" dur="100" fill="hold"/>
                                         <p:tgtEl>
@@ -23424,7 +23424,7 @@
                                       </p:cBhvr>
                                       <p:rCtr x="-156" y="8009"/>
                                     </p:animMotion>
-                                    <p:animMotion origin="layout" path="M 0.2342 0.1609 L 0.2362 0.1371" pathEditMode="relative" rAng="0" ptsTypes="AAAAAAAA">
+                                    <p:animMotion origin="layout" path="M 0.0348 -0.2983 L 0.0368 -0.3221" pathEditMode="relative" rAng="0" ptsTypes="AAAAAAAA">
                                       <p:cBhvr>
                                         <p:cTn id="55" dur="100" fill="hold"/>
                                         <p:tgtEl>
@@ -23437,7 +23437,7 @@
                                       </p:cBhvr>
                                       <p:rCtr x="-156" y="8009"/>
                                     </p:animMotion>
-                                    <p:animMotion origin="layout" path="M 0.2362 0.1371 L 0.2464 0.1312" pathEditMode="relative" rAng="0" ptsTypes="AAAAAAAA">
+                                    <p:animMotion origin="layout" path="M 0.0368 -0.3221 L 0.0471 -0.3280" pathEditMode="relative" rAng="0" ptsTypes="AAAAAAAA">
                                       <p:cBhvr>
                                         <p:cTn id="56" dur="100" fill="hold"/>
                                         <p:tgtEl>
@@ -23450,7 +23450,7 @@
                                       </p:cBhvr>
                                       <p:rCtr x="-156" y="8009"/>
                                     </p:animMotion>
-                                    <p:animMotion origin="layout" path="M 0.2464 0.1312 L 0.2498 0.1430" pathEditMode="relative" rAng="0" ptsTypes="AAAAAAAA">
+                                    <p:animMotion origin="layout" path="M 0.0471 -0.3280 L 0.0505 -0.3162" pathEditMode="relative" rAng="0" ptsTypes="AAAAAAAA">
                                       <p:cBhvr>
                                         <p:cTn id="57" dur="100" fill="hold"/>
                                         <p:tgtEl>
@@ -23463,7 +23463,7 @@
                                       </p:cBhvr>
                                       <p:rCtr x="-156" y="8009"/>
                                     </p:animMotion>
-                                    <p:animMotion origin="layout" path="M 0.2498 0.1430 L 0.2471 0.1632" pathEditMode="relative" rAng="0" ptsTypes="AAAAAAAA">
+                                    <p:animMotion origin="layout" path="M 0.0505 -0.3162 L 0.0478 -0.2959" pathEditMode="relative" rAng="0" ptsTypes="AAAAAAAA">
                                       <p:cBhvr>
                                         <p:cTn id="58" dur="100" fill="hold"/>
                                         <p:tgtEl>
@@ -23476,7 +23476,7 @@
                                       </p:cBhvr>
                                       <p:rCtr x="-156" y="8009"/>
                                     </p:animMotion>
-                                    <p:animMotion origin="layout" path="M 0.2471 0.1632 L 0.2560 0.1775" pathEditMode="relative" rAng="0" ptsTypes="AAAAAAAA">
+                                    <p:animMotion origin="layout" path="M 0.0478 -0.2959 L 0.0566 -0.2817" pathEditMode="relative" rAng="0" ptsTypes="AAAAAAAA">
                                       <p:cBhvr>
                                         <p:cTn id="59" dur="100" fill="hold"/>
                                         <p:tgtEl>
@@ -23489,7 +23489,7 @@
                                       </p:cBhvr>
                                       <p:rCtr x="-156" y="8009"/>
                                     </p:animMotion>
-                                    <p:animMotion origin="layout" path="M 0.2560 0.1775 L 0.2696 0.1716" pathEditMode="relative" rAng="0" ptsTypes="AAAAAAAA">
+                                    <p:animMotion origin="layout" path="M 0.0566 -0.2817 L 0.0703 -0.2876" pathEditMode="relative" rAng="0" ptsTypes="AAAAAAAA">
                                       <p:cBhvr>
                                         <p:cTn id="60" dur="100" fill="hold"/>
                                         <p:tgtEl>
@@ -23502,7 +23502,7 @@
                                       </p:cBhvr>
                                       <p:rCtr x="-156" y="8009"/>
                                     </p:animMotion>
-                                    <p:animMotion origin="layout" path="M 0.2696 0.1716 L 0.2751 0.1514" pathEditMode="relative" rAng="0" ptsTypes="AAAAAAAA">
+                                    <p:animMotion origin="layout" path="M 0.0703 -0.2876 L 0.0757 -0.3078" pathEditMode="relative" rAng="0" ptsTypes="AAAAAAAA">
                                       <p:cBhvr>
                                         <p:cTn id="61" dur="100" fill="hold"/>
                                         <p:tgtEl>
@@ -23515,7 +23515,7 @@
                                       </p:cBhvr>
                                       <p:rCtr x="-156" y="8009"/>
                                     </p:animMotion>
-                                    <p:animMotion origin="layout" path="M 0.2751 0.1514 L 0.2867 0.1395" pathEditMode="relative" rAng="0" ptsTypes="AAAAAAAA">
+                                    <p:animMotion origin="layout" path="M 0.0757 -0.3078 L 0.0873 -0.3197" pathEditMode="relative" rAng="0" ptsTypes="AAAAAAAA">
                                       <p:cBhvr>
                                         <p:cTn id="62" dur="100" fill="hold"/>
                                         <p:tgtEl>
@@ -23528,7 +23528,7 @@
                                       </p:cBhvr>
                                       <p:rCtr x="-156" y="8009"/>
                                     </p:animMotion>
-                                    <p:animMotion origin="layout" path="M 0.2867 0.1395 L 0.2962 0.1490" pathEditMode="relative" rAng="0" ptsTypes="AAAAAAAA">
+                                    <p:animMotion origin="layout" path="M 0.0873 -0.3197 L 0.0969 -0.3102" pathEditMode="relative" rAng="0" ptsTypes="AAAAAAAA">
                                       <p:cBhvr>
                                         <p:cTn id="63" dur="100" fill="hold"/>
                                         <p:tgtEl>
@@ -23541,7 +23541,7 @@
                                       </p:cBhvr>
                                       <p:rCtr x="-156" y="8009"/>
                                     </p:animMotion>
-                                    <p:animMotion origin="layout" path="M 0.2962 0.1490 L 0.2894 0.1621" pathEditMode="relative" rAng="0" ptsTypes="AAAAAAAA">
+                                    <p:animMotion origin="layout" path="M 0.0969 -0.3102 L 0.0901 -0.2971" pathEditMode="relative" rAng="0" ptsTypes="AAAAAAAA">
                                       <p:cBhvr>
                                         <p:cTn id="64" dur="100" fill="hold"/>
                                         <p:tgtEl>
@@ -23554,7 +23554,7 @@
                                       </p:cBhvr>
                                       <p:rCtr x="-156" y="8009"/>
                                     </p:animMotion>
-                                    <p:animMotion origin="layout" path="M 0.2894 0.1621 L 0.2751 0.1609" pathEditMode="relative" rAng="0" ptsTypes="AAAAAAAA">
+                                    <p:animMotion origin="layout" path="M 0.0901 -0.2971 L 0.0757 -0.2983" pathEditMode="relative" rAng="0" ptsTypes="AAAAAAAA">
                                       <p:cBhvr>
                                         <p:cTn id="65" dur="100" fill="hold"/>
                                         <p:tgtEl>
@@ -23567,7 +23567,7 @@
                                       </p:cBhvr>
                                       <p:rCtr x="-156" y="8009"/>
                                     </p:animMotion>
-                                    <p:animMotion origin="layout" path="M 0.2751 0.1609 L 0.2628 0.1680" pathEditMode="relative" rAng="0" ptsTypes="AAAAAAAA">
+                                    <p:animMotion origin="layout" path="M 0.0757 -0.2983 L 0.0634 -0.2912" pathEditMode="relative" rAng="0" ptsTypes="AAAAAAAA">
                                       <p:cBhvr>
                                         <p:cTn id="66" dur="100" fill="hold"/>
                                         <p:tgtEl>
@@ -23580,7 +23580,7 @@
                                       </p:cBhvr>
                                       <p:rCtr x="-156" y="8009"/>
                                     </p:animMotion>
-                                    <p:animMotion origin="layout" path="M 0.2628 0.1680 L 0.2512 0.1846" pathEditMode="relative" rAng="0" ptsTypes="AAAAAAAA">
+                                    <p:animMotion origin="layout" path="M 0.0634 -0.2912 L 0.0518 -0.2746" pathEditMode="relative" rAng="0" ptsTypes="AAAAAAAA">
                                       <p:cBhvr>
                                         <p:cTn id="67" dur="100" fill="hold"/>
                                         <p:tgtEl>
@@ -23593,7 +23593,7 @@
                                       </p:cBhvr>
                                       <p:rCtr x="-156" y="8009"/>
                                     </p:animMotion>
-                                    <p:animMotion origin="layout" path="M 0.2512 0.1846 L 0.2485 0.2025" pathEditMode="relative" rAng="0" ptsTypes="AAAAAAAA">
+                                    <p:animMotion origin="layout" path="M 0.0518 -0.2746 L 0.0491 -0.2567" pathEditMode="relative" rAng="0" ptsTypes="AAAAAAAA">
                                       <p:cBhvr>
                                         <p:cTn id="68" dur="100" fill="hold"/>
                                         <p:tgtEl>
@@ -23606,7 +23606,7 @@
                                       </p:cBhvr>
                                       <p:rCtr x="-156" y="8009"/>
                                     </p:animMotion>
-                                    <p:animMotion origin="layout" path="M 0.2485 0.2025 L 0.2567 0.2108" pathEditMode="relative" rAng="0" ptsTypes="AAAAAAAA">
+                                    <p:animMotion origin="layout" path="M 0.0491 -0.2567 L 0.0573 -0.2484" pathEditMode="relative" rAng="0" ptsTypes="AAAAAAAA">
                                       <p:cBhvr>
                                         <p:cTn id="69" dur="100" fill="hold"/>
                                         <p:tgtEl>
@@ -23619,7 +23619,7 @@
                                       </p:cBhvr>
                                       <p:rCtr x="-156" y="8009"/>
                                     </p:animMotion>
-                                    <p:animMotion origin="layout" path="M 0.2567 0.2108 L 0.2662 0.2048" pathEditMode="relative" rAng="0" ptsTypes="AAAAAAAA">
+                                    <p:animMotion origin="layout" path="M 0.0573 -0.2484 L 0.0669 -0.2543" pathEditMode="relative" rAng="0" ptsTypes="AAAAAAAA">
                                       <p:cBhvr>
                                         <p:cTn id="70" dur="100" fill="hold"/>
                                         <p:tgtEl>
@@ -23632,7 +23632,7 @@
                                       </p:cBhvr>
                                       <p:rCtr x="-156" y="8009"/>
                                     </p:animMotion>
-                                    <p:animMotion origin="layout" path="M 0.2662 0.2048 L 0.2751 0.1918" pathEditMode="relative" rAng="0" ptsTypes="AAAAAAAA">
+                                    <p:animMotion origin="layout" path="M 0.0669 -0.2543 L 0.0757 -0.2674" pathEditMode="relative" rAng="0" ptsTypes="AAAAAAAA">
                                       <p:cBhvr>
                                         <p:cTn id="71" dur="100" fill="hold"/>
                                         <p:tgtEl>
@@ -23645,7 +23645,7 @@
                                       </p:cBhvr>
                                       <p:rCtr x="-156" y="8009"/>
                                     </p:animMotion>
-                                    <p:animMotion origin="layout" path="M 0.2751 0.1918 L 0.2846 0.1775" pathEditMode="relative" rAng="0" ptsTypes="AAAAAAAA">
+                                    <p:animMotion origin="layout" path="M 0.0757 -0.2674 L 0.0853 -0.2817" pathEditMode="relative" rAng="0" ptsTypes="AAAAAAAA">
                                       <p:cBhvr>
                                         <p:cTn id="72" dur="100" fill="hold"/>
                                         <p:tgtEl>
@@ -23658,7 +23658,7 @@
                                       </p:cBhvr>
                                       <p:rCtr x="-156" y="8009"/>
                                     </p:animMotion>
-                                    <p:animMotion origin="layout" path="M 0.2846 0.1775 L 0.2949 0.1621" pathEditMode="relative" rAng="0" ptsTypes="AAAAAAAA">
+                                    <p:animMotion origin="layout" path="M 0.0853 -0.2817 L 0.0955 -0.2971" pathEditMode="relative" rAng="0" ptsTypes="AAAAAAAA">
                                       <p:cBhvr>
                                         <p:cTn id="73" dur="100" fill="hold"/>
                                         <p:tgtEl>
@@ -23671,7 +23671,7 @@
                                       </p:cBhvr>
                                       <p:rCtr x="-156" y="8009"/>
                                     </p:animMotion>
-                                    <p:animMotion origin="layout" path="M 0.2949 0.1621 L 0.3037 0.1490" pathEditMode="relative" rAng="0" ptsTypes="AAAAAAAA">
+                                    <p:animMotion origin="layout" path="M 0.0955 -0.2971 L 0.1044 -0.3102" pathEditMode="relative" rAng="0" ptsTypes="AAAAAAAA">
                                       <p:cBhvr>
                                         <p:cTn id="74" dur="100" fill="hold"/>
                                         <p:tgtEl>
@@ -23684,7 +23684,7 @@
                                       </p:cBhvr>
                                       <p:rCtr x="-156" y="8009"/>
                                     </p:animMotion>
-                                    <p:animMotion origin="layout" path="M 0.3037 0.1490 L 0.3119 0.1371" pathEditMode="relative" rAng="0" ptsTypes="AAAAAAAA">
+                                    <p:animMotion origin="layout" path="M 0.1044 -0.3102 L 0.1126 -0.3221" pathEditMode="relative" rAng="0" ptsTypes="AAAAAAAA">
                                       <p:cBhvr>
                                         <p:cTn id="75" dur="100" fill="hold"/>
                                         <p:tgtEl>
@@ -23697,7 +23697,7 @@
                                       </p:cBhvr>
                                       <p:rCtr x="-156" y="8009"/>
                                     </p:animMotion>
-                                    <p:animMotion origin="layout" path="M 0.3119 0.1371 L 0.3181 0.1252" pathEditMode="relative" rAng="0" ptsTypes="AAAAAAAA">
+                                    <p:animMotion origin="layout" path="M 0.1126 -0.3221 L 0.1187 -0.3340" pathEditMode="relative" rAng="0" ptsTypes="AAAAAAAA">
                                       <p:cBhvr>
                                         <p:cTn id="76" dur="100" fill="hold"/>
                                         <p:tgtEl>
@@ -23710,7 +23710,7 @@
                                       </p:cBhvr>
                                       <p:rCtr x="-156" y="8009"/>
                                     </p:animMotion>
-                                    <p:animMotion origin="layout" path="M 0.3181 0.1252 L 0.3222 0.1121" pathEditMode="relative" rAng="0" ptsTypes="AAAAAAAA">
+                                    <p:animMotion origin="layout" path="M 0.1187 -0.3340 L 0.1228 -0.3471" pathEditMode="relative" rAng="0" ptsTypes="AAAAAAAA">
                                       <p:cBhvr>
                                         <p:cTn id="77" dur="100" fill="hold"/>
                                         <p:tgtEl>
@@ -23723,7 +23723,7 @@
                                       </p:cBhvr>
                                       <p:rCtr x="-156" y="8009"/>
                                     </p:animMotion>
-                                    <p:animMotion origin="layout" path="M 0.3222 0.1121 L 0.3256 0.1003" pathEditMode="relative" rAng="0" ptsTypes="AAAAAAAA">
+                                    <p:animMotion origin="layout" path="M 0.1228 -0.3471 L 0.1262 -0.3589" pathEditMode="relative" rAng="0" ptsTypes="AAAAAAAA">
                                       <p:cBhvr>
                                         <p:cTn id="78" dur="100" fill="hold"/>
                                         <p:tgtEl>
@@ -23736,7 +23736,7 @@
                                       </p:cBhvr>
                                       <p:rCtr x="-156" y="8009"/>
                                     </p:animMotion>
-                                    <p:animMotion origin="layout" path="M 0.3256 0.1003 L 0.3290 0.0896" pathEditMode="relative" rAng="0" ptsTypes="AAAAAAAA">
+                                    <p:animMotion origin="layout" path="M 0.1262 -0.3589 L 0.1296 -0.3696" pathEditMode="relative" rAng="0" ptsTypes="AAAAAAAA">
                                       <p:cBhvr>
                                         <p:cTn id="79" dur="100" fill="hold"/>
                                         <p:tgtEl>
@@ -23749,7 +23749,7 @@
                                       </p:cBhvr>
                                       <p:rCtr x="-156" y="8009"/>
                                     </p:animMotion>
-                                    <p:animMotion origin="layout" path="M 0.3290 0.0896 L 0.3317 0.0777" pathEditMode="relative" rAng="0" ptsTypes="AAAAAAAA">
+                                    <p:animMotion origin="layout" path="M 0.1296 -0.3696 L 0.1323 -0.3815" pathEditMode="relative" rAng="0" ptsTypes="AAAAAAAA">
                                       <p:cBhvr>
                                         <p:cTn id="80" dur="100" fill="hold"/>
                                         <p:tgtEl>
@@ -23762,7 +23762,7 @@
                                       </p:cBhvr>
                                       <p:rCtr x="-156" y="8009"/>
                                     </p:animMotion>
-                                    <p:animMotion origin="layout" path="M 0.3317 0.0777 L 0.3351 0.0670" pathEditMode="relative" rAng="0" ptsTypes="AAAAAAAA">
+                                    <p:animMotion origin="layout" path="M 0.1323 -0.3815 L 0.1358 -0.3922" pathEditMode="relative" rAng="0" ptsTypes="AAAAAAAA">
                                       <p:cBhvr>
                                         <p:cTn id="81" dur="100" fill="hold"/>
                                         <p:tgtEl>
@@ -23775,7 +23775,7 @@
                                       </p:cBhvr>
                                       <p:rCtr x="-156" y="8009"/>
                                     </p:animMotion>
-                                    <p:animMotion origin="layout" path="M 0.3351 0.0670 L 0.3378 0.0563" pathEditMode="relative" rAng="0" ptsTypes="AAAAAAAA">
+                                    <p:animMotion origin="layout" path="M 0.1358 -0.3922 L 0.1385 -0.4029" pathEditMode="relative" rAng="0" ptsTypes="AAAAAAAA">
                                       <p:cBhvr>
                                         <p:cTn id="82" dur="100" fill="hold"/>
                                         <p:tgtEl>
@@ -23788,7 +23788,7 @@
                                       </p:cBhvr>
                                       <p:rCtr x="-156" y="8009"/>
                                     </p:animMotion>
-                                    <p:animMotion origin="layout" path="M 0.3378 0.0563 L 0.3413 0.0456" pathEditMode="relative" rAng="0" ptsTypes="AAAAAAAA">
+                                    <p:animMotion origin="layout" path="M 0.1385 -0.4029 L 0.1419 -0.4136" pathEditMode="relative" rAng="0" ptsTypes="AAAAAAAA">
                                       <p:cBhvr>
                                         <p:cTn id="83" dur="100" fill="hold"/>
                                         <p:tgtEl>
@@ -23801,7 +23801,7 @@
                                       </p:cBhvr>
                                       <p:rCtr x="-156" y="8009"/>
                                     </p:animMotion>
-                                    <p:animMotion origin="layout" path="M 0.3413 0.0456 L 0.3440 0.0349" pathEditMode="relative" rAng="0" ptsTypes="AAAAAAAA">
+                                    <p:animMotion origin="layout" path="M 0.1419 -0.4136 L 0.1446 -0.4243" pathEditMode="relative" rAng="0" ptsTypes="AAAAAAAA">
                                       <p:cBhvr>
                                         <p:cTn id="84" dur="100" fill="hold"/>
                                         <p:tgtEl>
@@ -23814,7 +23814,7 @@
                                       </p:cBhvr>
                                       <p:rCtr x="-156" y="8009"/>
                                     </p:animMotion>
-                                    <p:animMotion origin="layout" path="M 0.3440 0.0349 L 0.3474 0.0242" pathEditMode="relative" rAng="0" ptsTypes="AAAAAAAA">
+                                    <p:animMotion origin="layout" path="M 0.1446 -0.4243 L 0.1480 -0.4350" pathEditMode="relative" rAng="0" ptsTypes="AAAAAAAA">
                                       <p:cBhvr>
                                         <p:cTn id="85" dur="100" fill="hold"/>
                                         <p:tgtEl>
@@ -23827,7 +23827,7 @@
                                       </p:cBhvr>
                                       <p:rCtr x="-156" y="8009"/>
                                     </p:animMotion>
-                                    <p:animMotion origin="layout" path="M 0.3474 0.0242 L 0.3501 0.0135" pathEditMode="relative" rAng="0" ptsTypes="AAAAAAAA">
+                                    <p:animMotion origin="layout" path="M 0.1480 -0.4350 L 0.1508 -0.4457" pathEditMode="relative" rAng="0" ptsTypes="AAAAAAAA">
                                       <p:cBhvr>
                                         <p:cTn id="86" dur="100" fill="hold"/>
                                         <p:tgtEl>
@@ -23840,7 +23840,7 @@
                                       </p:cBhvr>
                                       <p:rCtr x="-156" y="8009"/>
                                     </p:animMotion>
-                                    <p:animMotion origin="layout" path="M 0.3501 0.0135 L 0.3535 0.0040" pathEditMode="relative" rAng="0" ptsTypes="AAAAAAAA">
+                                    <p:animMotion origin="layout" path="M 0.1508 -0.4457 L 0.1542 -0.4552" pathEditMode="relative" rAng="0" ptsTypes="AAAAAAAA">
                                       <p:cBhvr>
                                         <p:cTn id="87" dur="100" fill="hold"/>
                                         <p:tgtEl>
@@ -23853,7 +23853,7 @@
                                       </p:cBhvr>
                                       <p:rCtr x="-156" y="8009"/>
                                     </p:animMotion>
-                                    <p:animMotion origin="layout" path="M 0.3535 0.0040 L 0.3563 -0.0067" pathEditMode="relative" rAng="0" ptsTypes="AAAAAAAA">
+                                    <p:animMotion origin="layout" path="M 0.1542 -0.4552 L 0.1569 -0.4659" pathEditMode="relative" rAng="0" ptsTypes="AAAAAAAA">
                                       <p:cBhvr>
                                         <p:cTn id="88" dur="100" fill="hold"/>
                                         <p:tgtEl>
@@ -23866,7 +23866,7 @@
                                       </p:cBhvr>
                                       <p:rCtr x="-156" y="8009"/>
                                     </p:animMotion>
-                                    <p:animMotion origin="layout" path="M 0.3563 -0.0067 L 0.3590 -0.0174" pathEditMode="relative" rAng="0" ptsTypes="AAAAAAAA">
+                                    <p:animMotion origin="layout" path="M 0.1569 -0.4659 L 0.1596 -0.4766" pathEditMode="relative" rAng="0" ptsTypes="AAAAAAAA">
                                       <p:cBhvr>
                                         <p:cTn id="89" dur="100" fill="hold"/>
                                         <p:tgtEl>
@@ -23879,7 +23879,7 @@
                                       </p:cBhvr>
                                       <p:rCtr x="-156" y="8009"/>
                                     </p:animMotion>
-                                    <p:animMotion origin="layout" path="M 0.3590 -0.0174 L 0.3624 -0.0281" pathEditMode="relative" rAng="0" ptsTypes="AAAAAAAA">
+                                    <p:animMotion origin="layout" path="M 0.1596 -0.4766 L 0.1630 -0.4873" pathEditMode="relative" rAng="0" ptsTypes="AAAAAAAA">
                                       <p:cBhvr>
                                         <p:cTn id="90" dur="100" fill="hold"/>
                                         <p:tgtEl>
@@ -23892,7 +23892,7 @@
                                       </p:cBhvr>
                                       <p:rCtr x="-156" y="8009"/>
                                     </p:animMotion>
-                                    <p:animMotion origin="layout" path="M 0.3624 -0.0281 L 0.3651 -0.0376" pathEditMode="relative" rAng="0" ptsTypes="AAAAAAAA">
+                                    <p:animMotion origin="layout" path="M 0.1630 -0.4873 L 0.1658 -0.4968" pathEditMode="relative" rAng="0" ptsTypes="AAAAAAAA">
                                       <p:cBhvr>
                                         <p:cTn id="91" dur="100" fill="hold"/>
                                         <p:tgtEl>
@@ -23905,7 +23905,7 @@
                                       </p:cBhvr>
                                       <p:rCtr x="-156" y="8009"/>
                                     </p:animMotion>
-                                    <p:animMotion origin="layout" path="M 0.3651 -0.0376 L 0.3685 -0.0483" pathEditMode="relative" rAng="0" ptsTypes="AAAAAAAA">
+                                    <p:animMotion origin="layout" path="M 0.1658 -0.4968 L 0.1692 -0.5075" pathEditMode="relative" rAng="0" ptsTypes="AAAAAAAA">
                                       <p:cBhvr>
                                         <p:cTn id="92" dur="100" fill="hold"/>
                                         <p:tgtEl>
@@ -23918,7 +23918,7 @@
                                       </p:cBhvr>
                                       <p:rCtr x="-156" y="8009"/>
                                     </p:animMotion>
-                                    <p:animMotion origin="layout" path="M 0.3685 -0.0483 L 0.3713 -0.0602" pathEditMode="relative" rAng="0" ptsTypes="AAAAAAAA">
+                                    <p:animMotion origin="layout" path="M 0.1692 -0.5075 L 0.1719 -0.5194" pathEditMode="relative" rAng="0" ptsTypes="AAAAAAAA">
                                       <p:cBhvr>
                                         <p:cTn id="93" dur="100" fill="hold"/>
                                         <p:tgtEl>
@@ -23940,7 +23940,7 @@
                                     <p:cond delay="0"/>
                                   </p:stCondLst>
                                   <p:childTnLst>
-                                    <p:animMotion origin="layout" path="M 0.3365 0.1811 L 0.3365 0.1811" pathEditMode="relative" rAng="0" ptsTypes="AAAAAAAA">
+                                    <p:animMotion origin="layout" path="M 0.0000 0.0000 L 0.0000 0.0000" pathEditMode="relative" rAng="0" ptsTypes="AAAAAAAA">
                                       <p:cBhvr>
                                         <p:cTn id="8" dur="100" fill="hold"/>
                                         <p:tgtEl>
@@ -23953,7 +23953,7 @@
                                       </p:cBhvr>
                                       <p:rCtr x="-156" y="8009"/>
                                     </p:animMotion>
-                                    <p:animMotion origin="layout" path="M 0.3365 0.1811 L 0.3153 0.1763" pathEditMode="relative" rAng="0" ptsTypes="AAAAAAAA">
+                                    <p:animMotion origin="layout" path="M 0.0000 0.0000 L -0.0211 -0.0048" pathEditMode="relative" rAng="0" ptsTypes="AAAAAAAA">
                                       <p:cBhvr>
                                         <p:cTn id="9" dur="100" fill="hold"/>
                                         <p:tgtEl>
@@ -23966,7 +23966,7 @@
                                       </p:cBhvr>
                                       <p:rCtr x="-156" y="8009"/>
                                     </p:animMotion>
-                                    <p:animMotion origin="layout" path="M 0.3153 0.1763 L 0.2949 0.1716" pathEditMode="relative" rAng="0" ptsTypes="AAAAAAAA">
+                                    <p:animMotion origin="layout" path="M -0.0211 -0.0048 L -0.0416 -0.0095" pathEditMode="relative" rAng="0" ptsTypes="AAAAAAAA">
                                       <p:cBhvr>
                                         <p:cTn id="10" dur="100" fill="hold"/>
                                         <p:tgtEl>
@@ -23979,7 +23979,7 @@
                                       </p:cBhvr>
                                       <p:rCtr x="-156" y="8009"/>
                                     </p:animMotion>
-                                    <p:animMotion origin="layout" path="M 0.2949 0.1716 L 0.2737 0.1668" pathEditMode="relative" rAng="0" ptsTypes="AAAAAAAA">
+                                    <p:animMotion origin="layout" path="M -0.0416 -0.0095 L -0.0628 -0.0143" pathEditMode="relative" rAng="0" ptsTypes="AAAAAAAA">
                                       <p:cBhvr>
                                         <p:cTn id="11" dur="100" fill="hold"/>
                                         <p:tgtEl>
@@ -23992,7 +23992,7 @@
                                       </p:cBhvr>
                                       <p:rCtr x="-156" y="8009"/>
                                     </p:animMotion>
-                                    <p:animMotion origin="layout" path="M 0.2737 0.1668 L 0.2526 0.1621" pathEditMode="relative" rAng="0" ptsTypes="AAAAAAAA">
+                                    <p:animMotion origin="layout" path="M -0.0628 -0.0143 L -0.0839 -0.0190" pathEditMode="relative" rAng="0" ptsTypes="AAAAAAAA">
                                       <p:cBhvr>
                                         <p:cTn id="12" dur="100" fill="hold"/>
                                         <p:tgtEl>
@@ -24005,7 +24005,7 @@
                                       </p:cBhvr>
                                       <p:rCtr x="-156" y="8009"/>
                                     </p:animMotion>
-                                    <p:animMotion origin="layout" path="M 0.2526 0.1621 L 0.2314 0.1573" pathEditMode="relative" rAng="0" ptsTypes="AAAAAAAA">
+                                    <p:animMotion origin="layout" path="M -0.0839 -0.0190 L -0.1051 -0.0238" pathEditMode="relative" rAng="0" ptsTypes="AAAAAAAA">
                                       <p:cBhvr>
                                         <p:cTn id="13" dur="100" fill="hold"/>
                                         <p:tgtEl>
@@ -24018,7 +24018,7 @@
                                       </p:cBhvr>
                                       <p:rCtr x="-156" y="8009"/>
                                     </p:animMotion>
-                                    <p:animMotion origin="layout" path="M 0.2314 0.1573 L 0.2110 0.1537" pathEditMode="relative" rAng="0" ptsTypes="AAAAAAAA">
+                                    <p:animMotion origin="layout" path="M -0.1051 -0.0238 L -0.1255 -0.0273" pathEditMode="relative" rAng="0" ptsTypes="AAAAAAAA">
                                       <p:cBhvr>
                                         <p:cTn id="14" dur="100" fill="hold"/>
                                         <p:tgtEl>
@@ -24031,7 +24031,7 @@
                                       </p:cBhvr>
                                       <p:rCtr x="-156" y="8009"/>
                                     </p:animMotion>
-                                    <p:animMotion origin="layout" path="M 0.2110 0.1537 L 0.1898 0.1478" pathEditMode="relative" rAng="0" ptsTypes="AAAAAAAA">
+                                    <p:animMotion origin="layout" path="M -0.1255 -0.0273 L -0.1467 -0.0333" pathEditMode="relative" rAng="0" ptsTypes="AAAAAAAA">
                                       <p:cBhvr>
                                         <p:cTn id="15" dur="100" fill="hold"/>
                                         <p:tgtEl>
@@ -24044,7 +24044,7 @@
                                       </p:cBhvr>
                                       <p:rCtr x="-156" y="8009"/>
                                     </p:animMotion>
-                                    <p:animMotion origin="layout" path="M 0.1898 0.1478 L 0.1687 0.1430" pathEditMode="relative" rAng="0" ptsTypes="AAAAAAAA">
+                                    <p:animMotion origin="layout" path="M -0.1467 -0.0333 L -0.1678 -0.0380" pathEditMode="relative" rAng="0" ptsTypes="AAAAAAAA">
                                       <p:cBhvr>
                                         <p:cTn id="16" dur="100" fill="hold"/>
                                         <p:tgtEl>
@@ -24057,7 +24057,7 @@
                                       </p:cBhvr>
                                       <p:rCtr x="-156" y="8009"/>
                                     </p:animMotion>
-                                    <p:animMotion origin="layout" path="M 0.1687 0.1430 L 0.1475 0.1383" pathEditMode="relative" rAng="0" ptsTypes="AAAAAAAA">
+                                    <p:animMotion origin="layout" path="M -0.1678 -0.0380 L -0.1890 -0.0428" pathEditMode="relative" rAng="0" ptsTypes="AAAAAAAA">
                                       <p:cBhvr>
                                         <p:cTn id="17" dur="100" fill="hold"/>
                                         <p:tgtEl>
@@ -24070,7 +24070,7 @@
                                       </p:cBhvr>
                                       <p:rCtr x="-156" y="8009"/>
                                     </p:animMotion>
-                                    <p:animMotion origin="layout" path="M 0.1475 0.1383 L 0.1264 0.1335" pathEditMode="relative" rAng="0" ptsTypes="AAAAAAAA">
+                                    <p:animMotion origin="layout" path="M -0.1890 -0.0428 L -0.2101 -0.0475" pathEditMode="relative" rAng="0" ptsTypes="AAAAAAAA">
                                       <p:cBhvr>
                                         <p:cTn id="18" dur="100" fill="hold"/>
                                         <p:tgtEl>
@@ -24083,7 +24083,7 @@
                                       </p:cBhvr>
                                       <p:rCtr x="-156" y="8009"/>
                                     </p:animMotion>
-                                    <p:animMotion origin="layout" path="M 0.1264 0.1335 L 0.1059 0.1288" pathEditMode="relative" rAng="0" ptsTypes="AAAAAAAA">
+                                    <p:animMotion origin="layout" path="M -0.2101 -0.0475 L -0.2306 -0.0523" pathEditMode="relative" rAng="0" ptsTypes="AAAAAAAA">
                                       <p:cBhvr>
                                         <p:cTn id="19" dur="100" fill="hold"/>
                                         <p:tgtEl>
@@ -24096,7 +24096,7 @@
                                       </p:cBhvr>
                                       <p:rCtr x="-156" y="8009"/>
                                     </p:animMotion>
-                                    <p:animMotion origin="layout" path="M 0.1059 0.1288 L 0.0847 0.1240" pathEditMode="relative" rAng="0" ptsTypes="AAAAAAAA">
+                                    <p:animMotion origin="layout" path="M -0.2306 -0.0523 L -0.2517 -0.0570" pathEditMode="relative" rAng="0" ptsTypes="AAAAAAAA">
                                       <p:cBhvr>
                                         <p:cTn id="20" dur="100" fill="hold"/>
                                         <p:tgtEl>
@@ -24109,7 +24109,7 @@
                                       </p:cBhvr>
                                       <p:rCtr x="-156" y="8009"/>
                                     </p:animMotion>
-                                    <p:animMotion origin="layout" path="M 0.0847 0.1240 L 0.0636 0.1193" pathEditMode="relative" rAng="0" ptsTypes="AAAAAAAA">
+                                    <p:animMotion origin="layout" path="M -0.2517 -0.0570 L -0.2729 -0.0618" pathEditMode="relative" rAng="0" ptsTypes="AAAAAAAA">
                                       <p:cBhvr>
                                         <p:cTn id="21" dur="100" fill="hold"/>
                                         <p:tgtEl>
@@ -24122,7 +24122,7 @@
                                       </p:cBhvr>
                                       <p:rCtr x="-156" y="8009"/>
                                     </p:animMotion>
-                                    <p:animMotion origin="layout" path="M 0.0636 0.1193 L 0.0438 0.1121" pathEditMode="relative" rAng="0" ptsTypes="AAAAAAAA">
+                                    <p:animMotion origin="layout" path="M -0.2729 -0.0618 L -0.2927 -0.0689" pathEditMode="relative" rAng="0" ptsTypes="AAAAAAAA">
                                       <p:cBhvr>
                                         <p:cTn id="22" dur="100" fill="hold"/>
                                         <p:tgtEl>
@@ -24135,7 +24135,7 @@
                                       </p:cBhvr>
                                       <p:rCtr x="-156" y="8009"/>
                                     </p:animMotion>
-                                    <p:animMotion origin="layout" path="M 0.0438 0.1121 L 0.0397 0.0919" pathEditMode="relative" rAng="0" ptsTypes="AAAAAAAA">
+                                    <p:animMotion origin="layout" path="M -0.2927 -0.0689 L -0.2968 -0.0891" pathEditMode="relative" rAng="0" ptsTypes="AAAAAAAA">
                                       <p:cBhvr>
                                         <p:cTn id="23" dur="100" fill="hold"/>
                                         <p:tgtEl>
@@ -24148,7 +24148,7 @@
                                       </p:cBhvr>
                                       <p:rCtr x="-156" y="8009"/>
                                     </p:animMotion>
-                                    <p:animMotion origin="layout" path="M 0.0397 0.0919 L 0.0520 0.0789" pathEditMode="relative" rAng="0" ptsTypes="AAAAAAAA">
+                                    <p:animMotion origin="layout" path="M -0.2968 -0.0891 L -0.2845 -0.1022" pathEditMode="relative" rAng="0" ptsTypes="AAAAAAAA">
                                       <p:cBhvr>
                                         <p:cTn id="24" dur="100" fill="hold"/>
                                         <p:tgtEl>
@@ -24161,7 +24161,7 @@
                                       </p:cBhvr>
                                       <p:rCtr x="-156" y="8009"/>
                                     </p:animMotion>
-                                    <p:animMotion origin="layout" path="M 0.0520 0.0789 L 0.0677 0.0682" pathEditMode="relative" rAng="0" ptsTypes="AAAAAAAA">
+                                    <p:animMotion origin="layout" path="M -0.2845 -0.1022 L -0.2688 -0.1129" pathEditMode="relative" rAng="0" ptsTypes="AAAAAAAA">
                                       <p:cBhvr>
                                         <p:cTn id="25" dur="100" fill="hold"/>
                                         <p:tgtEl>
@@ -24174,7 +24174,7 @@
                                       </p:cBhvr>
                                       <p:rCtr x="-156" y="8009"/>
                                     </p:animMotion>
-                                    <p:animMotion origin="layout" path="M 0.0677 0.0682 L 0.0841 0.0563" pathEditMode="relative" rAng="0" ptsTypes="AAAAAAAA">
+                                    <p:animMotion origin="layout" path="M -0.2688 -0.1129 L -0.2524 -0.1248" pathEditMode="relative" rAng="0" ptsTypes="AAAAAAAA">
                                       <p:cBhvr>
                                         <p:cTn id="26" dur="100" fill="hold"/>
                                         <p:tgtEl>
@@ -24187,7 +24187,7 @@
                                       </p:cBhvr>
                                       <p:rCtr x="-156" y="8009"/>
                                     </p:animMotion>
-                                    <p:animMotion origin="layout" path="M 0.0841 0.0563 L 0.1011 0.0432" pathEditMode="relative" rAng="0" ptsTypes="AAAAAAAA">
+                                    <p:animMotion origin="layout" path="M -0.2524 -0.1248 L -0.2354 -0.1379" pathEditMode="relative" rAng="0" ptsTypes="AAAAAAAA">
                                       <p:cBhvr>
                                         <p:cTn id="27" dur="100" fill="hold"/>
                                         <p:tgtEl>
@@ -24200,7 +24200,7 @@
                                       </p:cBhvr>
                                       <p:rCtr x="-156" y="8009"/>
                                     </p:animMotion>
-                                    <p:animMotion origin="layout" path="M 0.1011 0.0432 L 0.1209 0.0396" pathEditMode="relative" rAng="0" ptsTypes="AAAAAAAA">
+                                    <p:animMotion origin="layout" path="M -0.2354 -0.1379 L -0.2156 -0.1414" pathEditMode="relative" rAng="0" ptsTypes="AAAAAAAA">
                                       <p:cBhvr>
                                         <p:cTn id="28" dur="100" fill="hold"/>
                                         <p:tgtEl>
@@ -24213,7 +24213,7 @@
                                       </p:cBhvr>
                                       <p:rCtr x="-156" y="8009"/>
                                     </p:animMotion>
-                                    <p:animMotion origin="layout" path="M 0.1209 0.0396 L 0.1359 0.0527" pathEditMode="relative" rAng="0" ptsTypes="AAAAAAAA">
+                                    <p:animMotion origin="layout" path="M -0.2156 -0.1414 L -0.2006 -0.1284" pathEditMode="relative" rAng="0" ptsTypes="AAAAAAAA">
                                       <p:cBhvr>
                                         <p:cTn id="29" dur="100" fill="hold"/>
                                         <p:tgtEl>
@@ -24226,7 +24226,7 @@
                                       </p:cBhvr>
                                       <p:rCtr x="-156" y="8009"/>
                                     </p:animMotion>
-                                    <p:animMotion origin="layout" path="M 0.1359 0.0527 L 0.1441 0.0717" pathEditMode="relative" rAng="0" ptsTypes="AAAAAAAA">
+                                    <p:animMotion origin="layout" path="M -0.2006 -0.1284 L -0.1924 -0.1093" pathEditMode="relative" rAng="0" ptsTypes="AAAAAAAA">
                                       <p:cBhvr>
                                         <p:cTn id="30" dur="100" fill="hold"/>
                                         <p:tgtEl>
@@ -24239,7 +24239,7 @@
                                       </p:cBhvr>
                                       <p:rCtr x="-156" y="8009"/>
                                     </p:animMotion>
-                                    <p:animMotion origin="layout" path="M 0.1441 0.0717 L 0.1516 0.0872" pathEditMode="relative" rAng="0" ptsTypes="AAAAAAAA">
+                                    <p:animMotion origin="layout" path="M -0.1924 -0.1093 L -0.1849 -0.0939" pathEditMode="relative" rAng="0" ptsTypes="AAAAAAAA">
                                       <p:cBhvr>
                                         <p:cTn id="31" dur="100" fill="hold"/>
                                         <p:tgtEl>
@@ -24252,7 +24252,7 @@
                                       </p:cBhvr>
                                       <p:rCtr x="-156" y="8009"/>
                                     </p:animMotion>
-                                    <p:animMotion origin="layout" path="M 0.1516 0.0872 L 0.1571 0.1003" pathEditMode="relative" rAng="0" ptsTypes="AAAAAAAA">
+                                    <p:animMotion origin="layout" path="M -0.1849 -0.0939 L -0.1794 -0.0808" pathEditMode="relative" rAng="0" ptsTypes="AAAAAAAA">
                                       <p:cBhvr>
                                         <p:cTn id="32" dur="100" fill="hold"/>
                                         <p:tgtEl>
@@ -24265,7 +24265,7 @@
                                       </p:cBhvr>
                                       <p:rCtr x="-156" y="8009"/>
                                     </p:animMotion>
-                                    <p:animMotion origin="layout" path="M 0.1571 0.1003 L 0.1659 0.1086" pathEditMode="relative" rAng="0" ptsTypes="AAAAAAAA">
+                                    <p:animMotion origin="layout" path="M -0.1794 -0.0808 L -0.1706 -0.0725" pathEditMode="relative" rAng="0" ptsTypes="AAAAAAAA">
                                       <p:cBhvr>
                                         <p:cTn id="33" dur="100" fill="hold"/>
                                         <p:tgtEl>
@@ -24278,7 +24278,7 @@
                                       </p:cBhvr>
                                       <p:rCtr x="-156" y="8009"/>
                                     </p:animMotion>
-                                    <p:animMotion origin="layout" path="M 0.1659 0.1086 L 0.1748 0.1157" pathEditMode="relative" rAng="0" ptsTypes="AAAAAAAA">
+                                    <p:animMotion origin="layout" path="M -0.1706 -0.0725 L -0.1617 -0.0654" pathEditMode="relative" rAng="0" ptsTypes="AAAAAAAA">
                                       <p:cBhvr>
                                         <p:cTn id="34" dur="100" fill="hold"/>
                                         <p:tgtEl>
@@ -24291,7 +24291,7 @@
                                       </p:cBhvr>
                                       <p:rCtr x="-156" y="8009"/>
                                     </p:animMotion>
-                                    <p:animMotion origin="layout" path="M 0.1748 0.1157 L 0.1837 0.1228" pathEditMode="relative" rAng="0" ptsTypes="AAAAAAAA">
+                                    <p:animMotion origin="layout" path="M -0.1617 -0.0654 L -0.1528 -0.0582" pathEditMode="relative" rAng="0" ptsTypes="AAAAAAAA">
                                       <p:cBhvr>
                                         <p:cTn id="35" dur="100" fill="hold"/>
                                         <p:tgtEl>
@@ -24304,7 +24304,7 @@
                                       </p:cBhvr>
                                       <p:rCtr x="-156" y="8009"/>
                                     </p:animMotion>
-                                    <p:animMotion origin="layout" path="M 0.1837 0.1228 L 0.1925 0.1288" pathEditMode="relative" rAng="0" ptsTypes="AAAAAAAA">
+                                    <p:animMotion origin="layout" path="M -0.1528 -0.0582 L -0.1439 -0.0523" pathEditMode="relative" rAng="0" ptsTypes="AAAAAAAA">
                                       <p:cBhvr>
                                         <p:cTn id="36" dur="100" fill="hold"/>
                                         <p:tgtEl>
@@ -24317,7 +24317,7 @@
                                       </p:cBhvr>
                                       <p:rCtr x="-156" y="8009"/>
                                     </p:animMotion>
-                                    <p:animMotion origin="layout" path="M 0.1925 0.1288 L 0.2014 0.1264" pathEditMode="relative" rAng="0" ptsTypes="AAAAAAAA">
+                                    <p:animMotion origin="layout" path="M -0.1439 -0.0523 L -0.1351 -0.0547" pathEditMode="relative" rAng="0" ptsTypes="AAAAAAAA">
                                       <p:cBhvr>
                                         <p:cTn id="37" dur="100" fill="hold"/>
                                         <p:tgtEl>
@@ -24330,7 +24330,7 @@
                                       </p:cBhvr>
                                       <p:rCtr x="-156" y="8009"/>
                                     </p:animMotion>
-                                    <p:animMotion origin="layout" path="M 0.2014 0.1264 L 0.2048 0.1169" pathEditMode="relative" rAng="0" ptsTypes="AAAAAAAA">
+                                    <p:animMotion origin="layout" path="M -0.1351 -0.0547 L -0.1317 -0.0642" pathEditMode="relative" rAng="0" ptsTypes="AAAAAAAA">
                                       <p:cBhvr>
                                         <p:cTn id="38" dur="100" fill="hold"/>
                                         <p:tgtEl>
@@ -24343,7 +24343,7 @@
                                       </p:cBhvr>
                                       <p:rCtr x="-156" y="8009"/>
                                     </p:animMotion>
-                                    <p:animMotion origin="layout" path="M 0.2048 0.1169 L 0.2007 0.1086" pathEditMode="relative" rAng="0" ptsTypes="AAAAAAAA">
+                                    <p:animMotion origin="layout" path="M -0.1317 -0.0642 L -0.1358 -0.0725" pathEditMode="relative" rAng="0" ptsTypes="AAAAAAAA">
                                       <p:cBhvr>
                                         <p:cTn id="39" dur="100" fill="hold"/>
                                         <p:tgtEl>
@@ -24356,7 +24356,7 @@
                                       </p:cBhvr>
                                       <p:rCtr x="-156" y="8009"/>
                                     </p:animMotion>
-                                    <p:animMotion origin="layout" path="M 0.2007 0.1086 L 0.1932 0.1062" pathEditMode="relative" rAng="0" ptsTypes="AAAAAAAA">
+                                    <p:animMotion origin="layout" path="M -0.1358 -0.0725 L -0.1433 -0.0749" pathEditMode="relative" rAng="0" ptsTypes="AAAAAAAA">
                                       <p:cBhvr>
                                         <p:cTn id="40" dur="100" fill="hold"/>
                                         <p:tgtEl>
@@ -24369,7 +24369,7 @@
                                       </p:cBhvr>
                                       <p:rCtr x="-156" y="8009"/>
                                     </p:animMotion>
-                                    <p:animMotion origin="layout" path="M 0.1932 0.1062 L 0.1850 0.1098" pathEditMode="relative" rAng="0" ptsTypes="AAAAAAAA">
+                                    <p:animMotion origin="layout" path="M -0.1433 -0.0749 L -0.1514 -0.0713" pathEditMode="relative" rAng="0" ptsTypes="AAAAAAAA">
                                       <p:cBhvr>
                                         <p:cTn id="41" dur="100" fill="hold"/>
                                         <p:tgtEl>
@@ -24382,7 +24382,7 @@
                                       </p:cBhvr>
                                       <p:rCtr x="-156" y="8009"/>
                                     </p:animMotion>
-                                    <p:animMotion origin="layout" path="M 0.1850 0.1098 L 0.1782 0.1169" pathEditMode="relative" rAng="0" ptsTypes="AAAAAAAA">
+                                    <p:animMotion origin="layout" path="M -0.1514 -0.0713 L -0.1583 -0.0642" pathEditMode="relative" rAng="0" ptsTypes="AAAAAAAA">
                                       <p:cBhvr>
                                         <p:cTn id="42" dur="100" fill="hold"/>
                                         <p:tgtEl>
@@ -24395,7 +24395,7 @@
                                       </p:cBhvr>
                                       <p:rCtr x="-156" y="8009"/>
                                     </p:animMotion>
-                                    <p:animMotion origin="layout" path="M 0.1782 0.1169 L 0.1782 0.1276" pathEditMode="relative" rAng="0" ptsTypes="AAAAAAAA">
+                                    <p:animMotion origin="layout" path="M -0.1583 -0.0642 L -0.1583 -0.0535" pathEditMode="relative" rAng="0" ptsTypes="AAAAAAAA">
                                       <p:cBhvr>
                                         <p:cTn id="43" dur="100" fill="hold"/>
                                         <p:tgtEl>
@@ -24408,7 +24408,7 @@
                                       </p:cBhvr>
                                       <p:rCtr x="-156" y="8009"/>
                                     </p:animMotion>
-                                    <p:animMotion origin="layout" path="M 0.1782 0.1276 L 0.1843 0.1359" pathEditMode="relative" rAng="0" ptsTypes="AAAAAAAA">
+                                    <p:animMotion origin="layout" path="M -0.1583 -0.0535 L -0.1521 -0.0452" pathEditMode="relative" rAng="0" ptsTypes="AAAAAAAA">
                                       <p:cBhvr>
                                         <p:cTn id="44" dur="100" fill="hold"/>
                                         <p:tgtEl>
@@ -24421,7 +24421,7 @@
                                       </p:cBhvr>
                                       <p:rCtr x="-156" y="8009"/>
                                     </p:animMotion>
-                                    <p:animMotion origin="layout" path="M 0.1843 0.1359 L 0.1932 0.1383" pathEditMode="relative" rAng="0" ptsTypes="AAAAAAAA">
+                                    <p:animMotion origin="layout" path="M -0.1521 -0.0452 L -0.1433 -0.0428" pathEditMode="relative" rAng="0" ptsTypes="AAAAAAAA">
                                       <p:cBhvr>
                                         <p:cTn id="45" dur="100" fill="hold"/>
                                         <p:tgtEl>
@@ -24434,7 +24434,7 @@
                                       </p:cBhvr>
                                       <p:rCtr x="-156" y="8009"/>
                                     </p:animMotion>
-                                    <p:animMotion origin="layout" path="M 0.1932 0.1383 L 0.2021 0.1407" pathEditMode="relative" rAng="0" ptsTypes="AAAAAAAA">
+                                    <p:animMotion origin="layout" path="M -0.1433 -0.0428 L -0.1344 -0.0404" pathEditMode="relative" rAng="0" ptsTypes="AAAAAAAA">
                                       <p:cBhvr>
                                         <p:cTn id="46" dur="100" fill="hold"/>
                                         <p:tgtEl>
@@ -24447,7 +24447,7 @@
                                       </p:cBhvr>
                                       <p:rCtr x="-156" y="8009"/>
                                     </p:animMotion>
-                                    <p:animMotion origin="layout" path="M 0.2021 0.1407 L 0.2082 0.1502" pathEditMode="relative" rAng="0" ptsTypes="AAAAAAAA">
+                                    <p:animMotion origin="layout" path="M -0.1344 -0.0404 L -0.1283 -0.0309" pathEditMode="relative" rAng="0" ptsTypes="AAAAAAAA">
                                       <p:cBhvr>
                                         <p:cTn id="47" dur="100" fill="hold"/>
                                         <p:tgtEl>
@@ -24460,7 +24460,7 @@
                                       </p:cBhvr>
                                       <p:rCtr x="-156" y="8009"/>
                                     </p:animMotion>
-                                    <p:animMotion origin="layout" path="M 0.2082 0.1502 L 0.2048 0.1621" pathEditMode="relative" rAng="0" ptsTypes="AAAAAAAA">
+                                    <p:animMotion origin="layout" path="M -0.1283 -0.0309 L -0.1317 -0.0190" pathEditMode="relative" rAng="0" ptsTypes="AAAAAAAA">
                                       <p:cBhvr>
                                         <p:cTn id="48" dur="100" fill="hold"/>
                                         <p:tgtEl>
@@ -24473,7 +24473,7 @@
                                       </p:cBhvr>
                                       <p:rCtr x="-156" y="8009"/>
                                     </p:animMotion>
-                                    <p:animMotion origin="layout" path="M 0.2048 0.1621 L 0.1932 0.1632" pathEditMode="relative" rAng="0" ptsTypes="AAAAAAAA">
+                                    <p:animMotion origin="layout" path="M -0.1317 -0.0190 L -0.1433 -0.0178" pathEditMode="relative" rAng="0" ptsTypes="AAAAAAAA">
                                       <p:cBhvr>
                                         <p:cTn id="49" dur="100" fill="hold"/>
                                         <p:tgtEl>
@@ -24486,7 +24486,7 @@
                                       </p:cBhvr>
                                       <p:rCtr x="-156" y="8009"/>
                                     </p:animMotion>
-                                    <p:animMotion origin="layout" path="M 0.1932 0.1632 L 0.1871 0.1502" pathEditMode="relative" rAng="0" ptsTypes="AAAAAAAA">
+                                    <p:animMotion origin="layout" path="M -0.1433 -0.0178 L -0.1494 -0.0309" pathEditMode="relative" rAng="0" ptsTypes="AAAAAAAA">
                                       <p:cBhvr>
                                         <p:cTn id="50" dur="100" fill="hold"/>
                                         <p:tgtEl>
@@ -24499,7 +24499,7 @@
                                       </p:cBhvr>
                                       <p:rCtr x="-156" y="8009"/>
                                     </p:animMotion>
-                                    <p:animMotion origin="layout" path="M 0.1871 0.1502 L 0.1953 0.1347" pathEditMode="relative" rAng="0" ptsTypes="AAAAAAAA">
+                                    <p:animMotion origin="layout" path="M -0.1494 -0.0309 L -0.1412 -0.0464" pathEditMode="relative" rAng="0" ptsTypes="AAAAAAAA">
                                       <p:cBhvr>
                                         <p:cTn id="51" dur="100" fill="hold"/>
                                         <p:tgtEl>
@@ -24512,7 +24512,7 @@
                                       </p:cBhvr>
                                       <p:rCtr x="-156" y="8009"/>
                                     </p:animMotion>
-                                    <p:animMotion origin="layout" path="M 0.1953 0.1347 L 0.2075 0.1371" pathEditMode="relative" rAng="0" ptsTypes="AAAAAAAA">
+                                    <p:animMotion origin="layout" path="M -0.1412 -0.0464 L -0.1289 -0.0440" pathEditMode="relative" rAng="0" ptsTypes="AAAAAAAA">
                                       <p:cBhvr>
                                         <p:cTn id="52" dur="100" fill="hold"/>
                                         <p:tgtEl>
@@ -24525,7 +24525,7 @@
                                       </p:cBhvr>
                                       <p:rCtr x="-156" y="8009"/>
                                     </p:animMotion>
-                                    <p:animMotion origin="layout" path="M 0.2075 0.1371 L 0.2110 0.1490" pathEditMode="relative" rAng="0" ptsTypes="AAAAAAAA">
+                                    <p:animMotion origin="layout" path="M -0.1289 -0.0440 L -0.1255 -0.0321" pathEditMode="relative" rAng="0" ptsTypes="AAAAAAAA">
                                       <p:cBhvr>
                                         <p:cTn id="53" dur="100" fill="hold"/>
                                         <p:tgtEl>
@@ -24538,7 +24538,7 @@
                                       </p:cBhvr>
                                       <p:rCtr x="-156" y="8009"/>
                                     </p:animMotion>
-                                    <p:animMotion origin="layout" path="M 0.2110 0.1490 L 0.2144 0.1597" pathEditMode="relative" rAng="0" ptsTypes="AAAAAAAA">
+                                    <p:animMotion origin="layout" path="M -0.1255 -0.0321 L -0.1221 -0.0214" pathEditMode="relative" rAng="0" ptsTypes="AAAAAAAA">
                                       <p:cBhvr>
                                         <p:cTn id="54" dur="100" fill="hold"/>
                                         <p:tgtEl>
@@ -24551,7 +24551,7 @@
                                       </p:cBhvr>
                                       <p:rCtr x="-156" y="8009"/>
                                     </p:animMotion>
-                                    <p:animMotion origin="layout" path="M 0.2144 0.1597 L 0.2219 0.1621" pathEditMode="relative" rAng="0" ptsTypes="AAAAAAAA">
+                                    <p:animMotion origin="layout" path="M -0.1221 -0.0214 L -0.1146 -0.0190" pathEditMode="relative" rAng="0" ptsTypes="AAAAAAAA">
                                       <p:cBhvr>
                                         <p:cTn id="55" dur="100" fill="hold"/>
                                         <p:tgtEl>
@@ -24564,7 +24564,7 @@
                                       </p:cBhvr>
                                       <p:rCtr x="-156" y="8009"/>
                                     </p:animMotion>
-                                    <p:animMotion origin="layout" path="M 0.2219 0.1621 L 0.2287 0.1514" pathEditMode="relative" rAng="0" ptsTypes="AAAAAAAA">
+                                    <p:animMotion origin="layout" path="M -0.1146 -0.0190 L -0.1078 -0.0297" pathEditMode="relative" rAng="0" ptsTypes="AAAAAAAA">
                                       <p:cBhvr>
                                         <p:cTn id="56" dur="100" fill="hold"/>
                                         <p:tgtEl>
@@ -24577,7 +24577,7 @@
                                       </p:cBhvr>
                                       <p:rCtr x="-156" y="8009"/>
                                     </p:animMotion>
-                                    <p:animMotion origin="layout" path="M 0.2287 0.1514 L 0.2307 0.1383" pathEditMode="relative" rAng="0" ptsTypes="AAAAAAAA">
+                                    <p:animMotion origin="layout" path="M -0.1078 -0.0297 L -0.1057 -0.0428" pathEditMode="relative" rAng="0" ptsTypes="AAAAAAAA">
                                       <p:cBhvr>
                                         <p:cTn id="57" dur="100" fill="hold"/>
                                         <p:tgtEl>
@@ -24590,7 +24590,7 @@
                                       </p:cBhvr>
                                       <p:rCtr x="-156" y="8009"/>
                                     </p:animMotion>
-                                    <p:animMotion origin="layout" path="M 0.2307 0.1383 L 0.2389 0.1288" pathEditMode="relative" rAng="0" ptsTypes="AAAAAAAA">
+                                    <p:animMotion origin="layout" path="M -0.1057 -0.0428 L -0.0976 -0.0523" pathEditMode="relative" rAng="0" ptsTypes="AAAAAAAA">
                                       <p:cBhvr>
                                         <p:cTn id="58" dur="100" fill="hold"/>
                                         <p:tgtEl>
@@ -24603,7 +24603,7 @@
                                       </p:cBhvr>
                                       <p:rCtr x="-156" y="8009"/>
                                     </p:animMotion>
-                                    <p:animMotion origin="layout" path="M 0.2389 0.1288 L 0.2457 0.1347" pathEditMode="relative" rAng="0" ptsTypes="AAAAAAAA">
+                                    <p:animMotion origin="layout" path="M -0.0976 -0.0523 L -0.0907 -0.0464" pathEditMode="relative" rAng="0" ptsTypes="AAAAAAAA">
                                       <p:cBhvr>
                                         <p:cTn id="59" dur="100" fill="hold"/>
                                         <p:tgtEl>
@@ -24616,7 +24616,7 @@
                                       </p:cBhvr>
                                       <p:rCtr x="-156" y="8009"/>
                                     </p:animMotion>
-                                    <p:animMotion origin="layout" path="M 0.2457 0.1347 L 0.2485 0.1430" pathEditMode="relative" rAng="0" ptsTypes="AAAAAAAA">
+                                    <p:animMotion origin="layout" path="M -0.0907 -0.0464 L -0.0880 -0.0380" pathEditMode="relative" rAng="0" ptsTypes="AAAAAAAA">
                                       <p:cBhvr>
                                         <p:cTn id="60" dur="100" fill="hold"/>
                                         <p:tgtEl>
@@ -24629,7 +24629,7 @@
                                       </p:cBhvr>
                                       <p:rCtr x="-156" y="8009"/>
                                     </p:animMotion>
-                                    <p:animMotion origin="layout" path="M 0.2485 0.1430 L 0.2526 0.1537" pathEditMode="relative" rAng="0" ptsTypes="AAAAAAAA">
+                                    <p:animMotion origin="layout" path="M -0.0880 -0.0380 L -0.0839 -0.0273" pathEditMode="relative" rAng="0" ptsTypes="AAAAAAAA">
                                       <p:cBhvr>
                                         <p:cTn id="61" dur="100" fill="hold"/>
                                         <p:tgtEl>
@@ -24642,7 +24642,7 @@
                                       </p:cBhvr>
                                       <p:rCtr x="-156" y="8009"/>
                                     </p:animMotion>
-                                    <p:animMotion origin="layout" path="M 0.2526 0.1537 L 0.2601 0.1573" pathEditMode="relative" rAng="0" ptsTypes="AAAAAAAA">
+                                    <p:animMotion origin="layout" path="M -0.0839 -0.0273 L -0.0764 -0.0238" pathEditMode="relative" rAng="0" ptsTypes="AAAAAAAA">
                                       <p:cBhvr>
                                         <p:cTn id="62" dur="100" fill="hold"/>
                                         <p:tgtEl>
@@ -24655,7 +24655,7 @@
                                       </p:cBhvr>
                                       <p:rCtr x="-156" y="8009"/>
                                     </p:animMotion>
-                                    <p:animMotion origin="layout" path="M 0.2601 0.1573 L 0.2669 0.1525" pathEditMode="relative" rAng="0" ptsTypes="AAAAAAAA">
+                                    <p:animMotion origin="layout" path="M -0.0764 -0.0238 L -0.0696 -0.0285" pathEditMode="relative" rAng="0" ptsTypes="AAAAAAAA">
                                       <p:cBhvr>
                                         <p:cTn id="63" dur="100" fill="hold"/>
                                         <p:tgtEl>
@@ -24668,7 +24668,7 @@
                                       </p:cBhvr>
                                       <p:rCtr x="-156" y="8009"/>
                                     </p:animMotion>
-                                    <p:animMotion origin="layout" path="M 0.2669 0.1525 L 0.2730 0.1442" pathEditMode="relative" rAng="0" ptsTypes="AAAAAAAA">
+                                    <p:animMotion origin="layout" path="M -0.0696 -0.0285 L -0.0634 -0.0368" pathEditMode="relative" rAng="0" ptsTypes="AAAAAAAA">
                                       <p:cBhvr>
                                         <p:cTn id="64" dur="100" fill="hold"/>
                                         <p:tgtEl>
@@ -24681,7 +24681,7 @@
                                       </p:cBhvr>
                                       <p:rCtr x="-156" y="8009"/>
                                     </p:animMotion>
-                                    <p:animMotion origin="layout" path="M 0.2730 0.1442 L 0.2805 0.1419" pathEditMode="relative" rAng="0" ptsTypes="AAAAAAAA">
+                                    <p:animMotion origin="layout" path="M -0.0634 -0.0368 L -0.0559 -0.0392" pathEditMode="relative" rAng="0" ptsTypes="AAAAAAAA">
                                       <p:cBhvr>
                                         <p:cTn id="65" dur="100" fill="hold"/>
                                         <p:tgtEl>
@@ -24694,7 +24694,7 @@
                                       </p:cBhvr>
                                       <p:rCtr x="-156" y="8009"/>
                                     </p:animMotion>
-                                    <p:animMotion origin="layout" path="M 0.2805 0.1419 L 0.2867 0.1502" pathEditMode="relative" rAng="0" ptsTypes="AAAAAAAA">
+                                    <p:animMotion origin="layout" path="M -0.0559 -0.0392 L -0.0498 -0.0309" pathEditMode="relative" rAng="0" ptsTypes="AAAAAAAA">
                                       <p:cBhvr>
                                         <p:cTn id="66" dur="100" fill="hold"/>
                                         <p:tgtEl>
@@ -24707,7 +24707,7 @@
                                       </p:cBhvr>
                                       <p:rCtr x="-156" y="8009"/>
                                     </p:animMotion>
-                                    <p:animMotion origin="layout" path="M 0.2867 0.1502 L 0.2805 0.1621" pathEditMode="relative" rAng="0" ptsTypes="AAAAAAAA">
+                                    <p:animMotion origin="layout" path="M -0.0498 -0.0309 L -0.0559 -0.0190" pathEditMode="relative" rAng="0" ptsTypes="AAAAAAAA">
                                       <p:cBhvr>
                                         <p:cTn id="67" dur="100" fill="hold"/>
                                         <p:tgtEl>
@@ -24720,7 +24720,7 @@
                                       </p:cBhvr>
                                       <p:rCtr x="-156" y="8009"/>
                                     </p:animMotion>
-                                    <p:animMotion origin="layout" path="M 0.2805 0.1621 L 0.2730 0.1573" pathEditMode="relative" rAng="0" ptsTypes="AAAAAAAA">
+                                    <p:animMotion origin="layout" path="M -0.0559 -0.0190 L -0.0634 -0.0238" pathEditMode="relative" rAng="0" ptsTypes="AAAAAAAA">
                                       <p:cBhvr>
                                         <p:cTn id="68" dur="100" fill="hold"/>
                                         <p:tgtEl>
@@ -24733,7 +24733,7 @@
                                       </p:cBhvr>
                                       <p:rCtr x="-156" y="8009"/>
                                     </p:animMotion>
-                                    <p:animMotion origin="layout" path="M 0.2730 0.1573 L 0.2683 0.1502" pathEditMode="relative" rAng="0" ptsTypes="AAAAAAAA">
+                                    <p:animMotion origin="layout" path="M -0.0634 -0.0238 L -0.0682 -0.0309" pathEditMode="relative" rAng="0" ptsTypes="AAAAAAAA">
                                       <p:cBhvr>
                                         <p:cTn id="69" dur="100" fill="hold"/>
                                         <p:tgtEl>
@@ -24746,7 +24746,7 @@
                                       </p:cBhvr>
                                       <p:rCtr x="-156" y="8009"/>
                                     </p:animMotion>
-                                    <p:animMotion origin="layout" path="M 0.2683 0.1502 L 0.2655 0.1395" pathEditMode="relative" rAng="0" ptsTypes="AAAAAAAA">
+                                    <p:animMotion origin="layout" path="M -0.0682 -0.0309 L -0.0709 -0.0416" pathEditMode="relative" rAng="0" ptsTypes="AAAAAAAA">
                                       <p:cBhvr>
                                         <p:cTn id="70" dur="100" fill="hold"/>
                                         <p:tgtEl>
@@ -24759,7 +24759,7 @@
                                       </p:cBhvr>
                                       <p:rCtr x="-156" y="8009"/>
                                     </p:animMotion>
-                                    <p:animMotion origin="layout" path="M 0.2655 0.1395 L 0.2676 0.1252" pathEditMode="relative" rAng="0" ptsTypes="AAAAAAAA">
+                                    <p:animMotion origin="layout" path="M -0.0709 -0.0416 L -0.0689 -0.0559" pathEditMode="relative" rAng="0" ptsTypes="AAAAAAAA">
                                       <p:cBhvr>
                                         <p:cTn id="71" dur="100" fill="hold"/>
                                         <p:tgtEl>
@@ -24772,7 +24772,7 @@
                                       </p:cBhvr>
                                       <p:rCtr x="-156" y="8009"/>
                                     </p:animMotion>
-                                    <p:animMotion origin="layout" path="M 0.2676 0.1252 L 0.2778 0.1145" pathEditMode="relative" rAng="0" ptsTypes="AAAAAAAA">
+                                    <p:animMotion origin="layout" path="M -0.0689 -0.0559 L -0.0587 -0.0666" pathEditMode="relative" rAng="0" ptsTypes="AAAAAAAA">
                                       <p:cBhvr>
                                         <p:cTn id="72" dur="100" fill="hold"/>
                                         <p:tgtEl>
@@ -24785,7 +24785,7 @@
                                       </p:cBhvr>
                                       <p:rCtr x="-156" y="8009"/>
                                     </p:animMotion>
-                                    <p:animMotion origin="layout" path="M 0.2778 0.1145 L 0.2915 0.1181" pathEditMode="relative" rAng="0" ptsTypes="AAAAAAAA">
+                                    <p:animMotion origin="layout" path="M -0.0587 -0.0666 L -0.0450 -0.0630" pathEditMode="relative" rAng="0" ptsTypes="AAAAAAAA">
                                       <p:cBhvr>
                                         <p:cTn id="73" dur="100" fill="hold"/>
                                         <p:tgtEl>
@@ -24798,7 +24798,7 @@
                                       </p:cBhvr>
                                       <p:rCtr x="-156" y="8009"/>
                                     </p:animMotion>
-                                    <p:animMotion origin="layout" path="M 0.2915 0.1181 L 0.2962 0.1288" pathEditMode="relative" rAng="0" ptsTypes="AAAAAAAA">
+                                    <p:animMotion origin="layout" path="M -0.0450 -0.0630 L -0.0402 -0.0523" pathEditMode="relative" rAng="0" ptsTypes="AAAAAAAA">
                                       <p:cBhvr>
                                         <p:cTn id="74" dur="100" fill="hold"/>
                                         <p:tgtEl>
@@ -24811,7 +24811,7 @@
                                       </p:cBhvr>
                                       <p:rCtr x="-156" y="8009"/>
                                     </p:animMotion>
-                                    <p:animMotion origin="layout" path="M 0.2962 0.1288 L 0.2962 0.1407" pathEditMode="relative" rAng="0" ptsTypes="AAAAAAAA">
+                                    <p:animMotion origin="layout" path="M -0.0402 -0.0523 L -0.0402 -0.0404" pathEditMode="relative" rAng="0" ptsTypes="AAAAAAAA">
                                       <p:cBhvr>
                                         <p:cTn id="75" dur="100" fill="hold"/>
                                         <p:tgtEl>
@@ -24824,7 +24824,7 @@
                                       </p:cBhvr>
                                       <p:rCtr x="-156" y="8009"/>
                                     </p:animMotion>
-                                    <p:animMotion origin="layout" path="M 0.2962 0.1407 L 0.2955 0.1514" pathEditMode="relative" rAng="0" ptsTypes="AAAAAAAA">
+                                    <p:animMotion origin="layout" path="M -0.0402 -0.0404 L -0.0409 -0.0297" pathEditMode="relative" rAng="0" ptsTypes="AAAAAAAA">
                                       <p:cBhvr>
                                         <p:cTn id="76" dur="100" fill="hold"/>
                                         <p:tgtEl>
@@ -24837,7 +24837,7 @@
                                       </p:cBhvr>
                                       <p:rCtr x="-156" y="8009"/>
                                     </p:animMotion>
-                                    <p:animMotion origin="layout" path="M 0.2955 0.1514 L 0.2928 0.1656" pathEditMode="relative" rAng="0" ptsTypes="AAAAAAAA">
+                                    <p:animMotion origin="layout" path="M -0.0409 -0.0297 L -0.0437 -0.0155" pathEditMode="relative" rAng="0" ptsTypes="AAAAAAAA">
                                       <p:cBhvr>
                                         <p:cTn id="77" dur="100" fill="hold"/>
                                         <p:tgtEl>
@@ -24850,7 +24850,7 @@
                                       </p:cBhvr>
                                       <p:rCtr x="-156" y="8009"/>
                                     </p:animMotion>
-                                    <p:animMotion origin="layout" path="M 0.2928 0.1656 L 0.2805 0.1763" pathEditMode="relative" rAng="0" ptsTypes="AAAAAAAA">
+                                    <p:animMotion origin="layout" path="M -0.0437 -0.0155 L -0.0559 -0.0048" pathEditMode="relative" rAng="0" ptsTypes="AAAAAAAA">
                                       <p:cBhvr>
                                         <p:cTn id="78" dur="100" fill="hold"/>
                                         <p:tgtEl>
@@ -24863,7 +24863,7 @@
                                       </p:cBhvr>
                                       <p:rCtr x="-156" y="8009"/>
                                     </p:animMotion>
-                                    <p:animMotion origin="layout" path="M 0.2805 0.1763 L 0.2669 0.1704" pathEditMode="relative" rAng="0" ptsTypes="AAAAAAAA">
+                                    <p:animMotion origin="layout" path="M -0.0559 -0.0048 L -0.0696 -0.0107" pathEditMode="relative" rAng="0" ptsTypes="AAAAAAAA">
                                       <p:cBhvr>
                                         <p:cTn id="79" dur="100" fill="hold"/>
                                         <p:tgtEl>
@@ -24876,7 +24876,7 @@
                                       </p:cBhvr>
                                       <p:rCtr x="-156" y="8009"/>
                                     </p:animMotion>
-                                    <p:animMotion origin="layout" path="M 0.2669 0.1704 L 0.2601 0.1514" pathEditMode="relative" rAng="0" ptsTypes="AAAAAAAA">
+                                    <p:animMotion origin="layout" path="M -0.0696 -0.0107 L -0.0764 -0.0297" pathEditMode="relative" rAng="0" ptsTypes="AAAAAAAA">
                                       <p:cBhvr>
                                         <p:cTn id="80" dur="100" fill="hold"/>
                                         <p:tgtEl>
@@ -24889,7 +24889,7 @@
                                       </p:cBhvr>
                                       <p:rCtr x="-156" y="8009"/>
                                     </p:animMotion>
-                                    <p:animMotion origin="layout" path="M 0.2601 0.1514 L 0.2539 0.1300" pathEditMode="relative" rAng="0" ptsTypes="AAAAAAAA">
+                                    <p:animMotion origin="layout" path="M -0.0764 -0.0297 L -0.0825 -0.0511" pathEditMode="relative" rAng="0" ptsTypes="AAAAAAAA">
                                       <p:cBhvr>
                                         <p:cTn id="81" dur="100" fill="hold"/>
                                         <p:tgtEl>
@@ -24902,7 +24902,7 @@
                                       </p:cBhvr>
                                       <p:rCtr x="-156" y="8009"/>
                                     </p:animMotion>
-                                    <p:animMotion origin="layout" path="M 0.2539 0.1300 L 0.2498 0.1098" pathEditMode="relative" rAng="0" ptsTypes="AAAAAAAA">
+                                    <p:animMotion origin="layout" path="M -0.0825 -0.0511 L -0.0866 -0.0713" pathEditMode="relative" rAng="0" ptsTypes="AAAAAAAA">
                                       <p:cBhvr>
                                         <p:cTn id="82" dur="100" fill="hold"/>
                                         <p:tgtEl>
@@ -24915,7 +24915,7 @@
                                       </p:cBhvr>
                                       <p:rCtr x="-156" y="8009"/>
                                     </p:animMotion>
-                                    <p:animMotion origin="layout" path="M 0.2498 0.1098 L 0.2546 0.0943" pathEditMode="relative" rAng="0" ptsTypes="AAAAAAAA">
+                                    <p:animMotion origin="layout" path="M -0.0866 -0.0713 L -0.0819 -0.0868" pathEditMode="relative" rAng="0" ptsTypes="AAAAAAAA">
                                       <p:cBhvr>
                                         <p:cTn id="83" dur="100" fill="hold"/>
                                         <p:tgtEl>
@@ -24928,7 +24928,7 @@
                                       </p:cBhvr>
                                       <p:rCtr x="-156" y="8009"/>
                                     </p:animMotion>
-                                    <p:animMotion origin="layout" path="M 0.2546 0.0943 L 0.2587 0.0812" pathEditMode="relative" rAng="0" ptsTypes="AAAAAAAA">
+                                    <p:animMotion origin="layout" path="M -0.0819 -0.0868 L -0.0778 -0.0998" pathEditMode="relative" rAng="0" ptsTypes="AAAAAAAA">
                                       <p:cBhvr>
                                         <p:cTn id="84" dur="100" fill="hold"/>
                                         <p:tgtEl>
@@ -24941,7 +24941,7 @@
                                       </p:cBhvr>
                                       <p:rCtr x="-156" y="8009"/>
                                     </p:animMotion>
-                                    <p:animMotion origin="layout" path="M 0.2587 0.0812 L 0.2621 0.0694" pathEditMode="relative" rAng="0" ptsTypes="AAAAAAAA">
+                                    <p:animMotion origin="layout" path="M -0.0778 -0.0998 L -0.0744 -0.1117" pathEditMode="relative" rAng="0" ptsTypes="AAAAAAAA">
                                       <p:cBhvr>
                                         <p:cTn id="85" dur="100" fill="hold"/>
                                         <p:tgtEl>
@@ -24954,7 +24954,7 @@
                                       </p:cBhvr>
                                       <p:rCtr x="-156" y="8009"/>
                                     </p:animMotion>
-                                    <p:animMotion origin="layout" path="M 0.2621 0.0694 L 0.2655 0.0563" pathEditMode="relative" rAng="0" ptsTypes="AAAAAAAA">
+                                    <p:animMotion origin="layout" path="M -0.0744 -0.1117 L -0.0709 -0.1248" pathEditMode="relative" rAng="0" ptsTypes="AAAAAAAA">
                                       <p:cBhvr>
                                         <p:cTn id="86" dur="100" fill="hold"/>
                                         <p:tgtEl>
@@ -24967,7 +24967,7 @@
                                       </p:cBhvr>
                                       <p:rCtr x="-156" y="8009"/>
                                     </p:animMotion>
-                                    <p:animMotion origin="layout" path="M 0.2655 0.0563 L 0.2703 0.0396" pathEditMode="relative" rAng="0" ptsTypes="AAAAAAAA">
+                                    <p:animMotion origin="layout" path="M -0.0709 -0.1248 L -0.0662 -0.1414" pathEditMode="relative" rAng="0" ptsTypes="AAAAAAAA">
                                       <p:cBhvr>
                                         <p:cTn id="87" dur="100" fill="hold"/>
                                         <p:tgtEl>
@@ -24980,7 +24980,7 @@
                                       </p:cBhvr>
                                       <p:rCtr x="-156" y="8009"/>
                                     </p:animMotion>
-                                    <p:animMotion origin="layout" path="M 0.2703 0.0396 L 0.2758 0.0218" pathEditMode="relative" rAng="0" ptsTypes="AAAAAAAA">
+                                    <p:animMotion origin="layout" path="M -0.0662 -0.1414 L -0.0607 -0.1593" pathEditMode="relative" rAng="0" ptsTypes="AAAAAAAA">
                                       <p:cBhvr>
                                         <p:cTn id="88" dur="100" fill="hold"/>
                                         <p:tgtEl>
@@ -24993,7 +24993,7 @@
                                       </p:cBhvr>
                                       <p:rCtr x="-156" y="8009"/>
                                     </p:animMotion>
-                                    <p:animMotion origin="layout" path="M 0.2758 0.0218 L 0.2819 0.0004" pathEditMode="relative" rAng="0" ptsTypes="AAAAAAAA">
+                                    <p:animMotion origin="layout" path="M -0.0607 -0.1593 L -0.0546 -0.1807" pathEditMode="relative" rAng="0" ptsTypes="AAAAAAAA">
                                       <p:cBhvr>
                                         <p:cTn id="89" dur="100" fill="hold"/>
                                         <p:tgtEl>
@@ -25006,7 +25006,7 @@
                                       </p:cBhvr>
                                       <p:rCtr x="-156" y="8009"/>
                                     </p:animMotion>
-                                    <p:animMotion origin="layout" path="M 0.2819 0.0004 L 0.2887 -0.0222" pathEditMode="relative" rAng="0" ptsTypes="AAAAAAAA">
+                                    <p:animMotion origin="layout" path="M -0.0546 -0.1807 L -0.0478 -0.2032" pathEditMode="relative" rAng="0" ptsTypes="AAAAAAAA">
                                       <p:cBhvr>
                                         <p:cTn id="90" dur="100" fill="hold"/>
                                         <p:tgtEl>
@@ -25019,7 +25019,7 @@
                                       </p:cBhvr>
                                       <p:rCtr x="-156" y="8009"/>
                                     </p:animMotion>
-                                    <p:animMotion origin="layout" path="M 0.2887 -0.0222 L 0.2955 -0.0459" pathEditMode="relative" rAng="0" ptsTypes="AAAAAAAA">
+                                    <p:animMotion origin="layout" path="M -0.0478 -0.2032 L -0.0409 -0.2270" pathEditMode="relative" rAng="0" ptsTypes="AAAAAAAA">
                                       <p:cBhvr>
                                         <p:cTn id="91" dur="100" fill="hold"/>
                                         <p:tgtEl>
@@ -25032,7 +25032,7 @@
                                       </p:cBhvr>
                                       <p:rCtr x="-156" y="8009"/>
                                     </p:animMotion>
-                                    <p:animMotion origin="layout" path="M 0.2955 -0.0459 L 0.3024 -0.0697" pathEditMode="relative" rAng="0" ptsTypes="AAAAAAAA">
+                                    <p:animMotion origin="layout" path="M -0.0409 -0.2270 L -0.0341 -0.2508" pathEditMode="relative" rAng="0" ptsTypes="AAAAAAAA">
                                       <p:cBhvr>
                                         <p:cTn id="92" dur="100" fill="hold"/>
                                         <p:tgtEl>
@@ -25045,7 +25045,7 @@
                                       </p:cBhvr>
                                       <p:rCtr x="-156" y="8009"/>
                                     </p:animMotion>
-                                    <p:animMotion origin="layout" path="M 0.3024 -0.0697 L 0.3085 -0.0911" pathEditMode="relative" rAng="0" ptsTypes="AAAAAAAA">
+                                    <p:animMotion origin="layout" path="M -0.0341 -0.2508 L -0.0280 -0.2722" pathEditMode="relative" rAng="0" ptsTypes="AAAAAAAA">
                                       <p:cBhvr>
                                         <p:cTn id="93" dur="100" fill="hold"/>
                                         <p:tgtEl>

--- a/org.mwc.debrief.legacy/test_data/master_template/long_tracks/long_tracks_temp.pptx
+++ b/org.mwc.debrief.legacy/test_data/master_template/long_tracks/long_tracks_temp.pptx
@@ -11246,7 +11246,7 @@
                 <a:ea typeface="Open Sans" panose="020B0606030504020204" pitchFamily="34" charset="0"/>
                 <a:cs typeface="Courier New" panose="02070309020205020404" pitchFamily="49" charset="0"/>
               </a:rPr>
-              <a:t>95 Dec 121015</a:t>
+              <a:t>1995-12-12T10:15:31Z</a:t>
             </a:r>
           </a:p>
         </p:txBody>
@@ -11379,7 +11379,7 @@
                 <a:ea typeface="Open Sans" panose="020B0606030504020204" pitchFamily="34" charset="0"/>
                 <a:cs typeface="Courier New" panose="02070309020205020404" pitchFamily="49" charset="0"/>
               </a:rPr>
-              <a:t>95 Dec 121016</a:t>
+              <a:t>1995-12-12T10:16:31Z</a:t>
             </a:r>
           </a:p>
         </p:txBody>
@@ -11512,7 +11512,7 @@
                 <a:ea typeface="Open Sans" panose="020B0606030504020204" pitchFamily="34" charset="0"/>
                 <a:cs typeface="Courier New" panose="02070309020205020404" pitchFamily="49" charset="0"/>
               </a:rPr>
-              <a:t>95 Dec 121017</a:t>
+              <a:t>1995-12-12T10:17:31Z</a:t>
             </a:r>
           </a:p>
         </p:txBody>
@@ -11645,7 +11645,7 @@
                 <a:ea typeface="Open Sans" panose="020B0606030504020204" pitchFamily="34" charset="0"/>
                 <a:cs typeface="Courier New" panose="02070309020205020404" pitchFamily="49" charset="0"/>
               </a:rPr>
-              <a:t>95 Dec 121018</a:t>
+              <a:t>1995-12-12T10:18:31Z</a:t>
             </a:r>
           </a:p>
         </p:txBody>
@@ -11778,7 +11778,7 @@
                 <a:ea typeface="Open Sans" panose="020B0606030504020204" pitchFamily="34" charset="0"/>
                 <a:cs typeface="Courier New" panose="02070309020205020404" pitchFamily="49" charset="0"/>
               </a:rPr>
-              <a:t>95 Dec 121019</a:t>
+              <a:t>1995-12-12T10:19:31Z</a:t>
             </a:r>
           </a:p>
         </p:txBody>
@@ -11911,7 +11911,7 @@
                 <a:ea typeface="Open Sans" panose="020B0606030504020204" pitchFamily="34" charset="0"/>
                 <a:cs typeface="Courier New" panose="02070309020205020404" pitchFamily="49" charset="0"/>
               </a:rPr>
-              <a:t>95 Dec 121020</a:t>
+              <a:t>1995-12-12T10:20:31Z</a:t>
             </a:r>
           </a:p>
         </p:txBody>
@@ -12044,7 +12044,7 @@
                 <a:ea typeface="Open Sans" panose="020B0606030504020204" pitchFamily="34" charset="0"/>
                 <a:cs typeface="Courier New" panose="02070309020205020404" pitchFamily="49" charset="0"/>
               </a:rPr>
-              <a:t>95 Dec 121021</a:t>
+              <a:t>1995-12-12T10:21:31Z</a:t>
             </a:r>
           </a:p>
         </p:txBody>
@@ -12177,7 +12177,7 @@
                 <a:ea typeface="Open Sans" panose="020B0606030504020204" pitchFamily="34" charset="0"/>
                 <a:cs typeface="Courier New" panose="02070309020205020404" pitchFamily="49" charset="0"/>
               </a:rPr>
-              <a:t>95 Dec 121022</a:t>
+              <a:t>1995-12-12T10:22:31Z</a:t>
             </a:r>
           </a:p>
         </p:txBody>
@@ -12310,7 +12310,7 @@
                 <a:ea typeface="Open Sans" panose="020B0606030504020204" pitchFamily="34" charset="0"/>
                 <a:cs typeface="Courier New" panose="02070309020205020404" pitchFamily="49" charset="0"/>
               </a:rPr>
-              <a:t>95 Dec 121023</a:t>
+              <a:t>1995-12-12T10:23:31Z</a:t>
             </a:r>
           </a:p>
         </p:txBody>
@@ -12443,7 +12443,7 @@
                 <a:ea typeface="Open Sans" panose="020B0606030504020204" pitchFamily="34" charset="0"/>
                 <a:cs typeface="Courier New" panose="02070309020205020404" pitchFamily="49" charset="0"/>
               </a:rPr>
-              <a:t>95 Dec 121024</a:t>
+              <a:t>1995-12-12T10:24:31Z</a:t>
             </a:r>
           </a:p>
         </p:txBody>
@@ -12576,7 +12576,7 @@
                 <a:ea typeface="Open Sans" panose="020B0606030504020204" pitchFamily="34" charset="0"/>
                 <a:cs typeface="Courier New" panose="02070309020205020404" pitchFamily="49" charset="0"/>
               </a:rPr>
-              <a:t>95 Dec 121025</a:t>
+              <a:t>1995-12-12T10:25:31Z</a:t>
             </a:r>
           </a:p>
         </p:txBody>
@@ -12709,7 +12709,7 @@
                 <a:ea typeface="Open Sans" panose="020B0606030504020204" pitchFamily="34" charset="0"/>
                 <a:cs typeface="Courier New" panose="02070309020205020404" pitchFamily="49" charset="0"/>
               </a:rPr>
-              <a:t>95 Dec 121026</a:t>
+              <a:t>1995-12-12T10:26:31Z</a:t>
             </a:r>
           </a:p>
         </p:txBody>
@@ -12842,7 +12842,7 @@
                 <a:ea typeface="Open Sans" panose="020B0606030504020204" pitchFamily="34" charset="0"/>
                 <a:cs typeface="Courier New" panose="02070309020205020404" pitchFamily="49" charset="0"/>
               </a:rPr>
-              <a:t>95 Dec 121027</a:t>
+              <a:t>1995-12-12T10:27:31Z</a:t>
             </a:r>
           </a:p>
         </p:txBody>
@@ -12975,7 +12975,7 @@
                 <a:ea typeface="Open Sans" panose="020B0606030504020204" pitchFamily="34" charset="0"/>
                 <a:cs typeface="Courier New" panose="02070309020205020404" pitchFamily="49" charset="0"/>
               </a:rPr>
-              <a:t>95 Dec 121028</a:t>
+              <a:t>1995-12-12T10:28:31Z</a:t>
             </a:r>
           </a:p>
         </p:txBody>
@@ -13108,7 +13108,7 @@
                 <a:ea typeface="Open Sans" panose="020B0606030504020204" pitchFamily="34" charset="0"/>
                 <a:cs typeface="Courier New" panose="02070309020205020404" pitchFamily="49" charset="0"/>
               </a:rPr>
-              <a:t>95 Dec 121029</a:t>
+              <a:t>1995-12-12T10:29:31Z</a:t>
             </a:r>
           </a:p>
         </p:txBody>
@@ -13241,7 +13241,7 @@
                 <a:ea typeface="Open Sans" panose="020B0606030504020204" pitchFamily="34" charset="0"/>
                 <a:cs typeface="Courier New" panose="02070309020205020404" pitchFamily="49" charset="0"/>
               </a:rPr>
-              <a:t>95 Dec 121030</a:t>
+              <a:t>1995-12-12T10:30:31Z</a:t>
             </a:r>
           </a:p>
         </p:txBody>
@@ -13374,7 +13374,7 @@
                 <a:ea typeface="Open Sans" panose="020B0606030504020204" pitchFamily="34" charset="0"/>
                 <a:cs typeface="Courier New" panose="02070309020205020404" pitchFamily="49" charset="0"/>
               </a:rPr>
-              <a:t>95 Dec 121031</a:t>
+              <a:t>1995-12-12T10:31:31Z</a:t>
             </a:r>
           </a:p>
         </p:txBody>
@@ -13507,7 +13507,7 @@
                 <a:ea typeface="Open Sans" panose="020B0606030504020204" pitchFamily="34" charset="0"/>
                 <a:cs typeface="Courier New" panose="02070309020205020404" pitchFamily="49" charset="0"/>
               </a:rPr>
-              <a:t>95 Dec 121032</a:t>
+              <a:t>1995-12-12T10:32:31Z</a:t>
             </a:r>
           </a:p>
         </p:txBody>
@@ -13640,7 +13640,7 @@
                 <a:ea typeface="Open Sans" panose="020B0606030504020204" pitchFamily="34" charset="0"/>
                 <a:cs typeface="Courier New" panose="02070309020205020404" pitchFamily="49" charset="0"/>
               </a:rPr>
-              <a:t>95 Dec 121033</a:t>
+              <a:t>1995-12-12T10:33:31Z</a:t>
             </a:r>
           </a:p>
         </p:txBody>
@@ -13773,7 +13773,7 @@
                 <a:ea typeface="Open Sans" panose="020B0606030504020204" pitchFamily="34" charset="0"/>
                 <a:cs typeface="Courier New" panose="02070309020205020404" pitchFamily="49" charset="0"/>
               </a:rPr>
-              <a:t>95 Dec 121034</a:t>
+              <a:t>1995-12-12T10:34:31Z</a:t>
             </a:r>
           </a:p>
         </p:txBody>
@@ -13906,7 +13906,7 @@
                 <a:ea typeface="Open Sans" panose="020B0606030504020204" pitchFamily="34" charset="0"/>
                 <a:cs typeface="Courier New" panose="02070309020205020404" pitchFamily="49" charset="0"/>
               </a:rPr>
-              <a:t>95 Dec 121035</a:t>
+              <a:t>1995-12-12T10:35:31Z</a:t>
             </a:r>
           </a:p>
         </p:txBody>
@@ -14039,7 +14039,7 @@
                 <a:ea typeface="Open Sans" panose="020B0606030504020204" pitchFamily="34" charset="0"/>
                 <a:cs typeface="Courier New" panose="02070309020205020404" pitchFamily="49" charset="0"/>
               </a:rPr>
-              <a:t>95 Dec 121036</a:t>
+              <a:t>1995-12-12T10:36:31Z</a:t>
             </a:r>
           </a:p>
         </p:txBody>
@@ -14172,7 +14172,7 @@
                 <a:ea typeface="Open Sans" panose="020B0606030504020204" pitchFamily="34" charset="0"/>
                 <a:cs typeface="Courier New" panose="02070309020205020404" pitchFamily="49" charset="0"/>
               </a:rPr>
-              <a:t>95 Dec 121037</a:t>
+              <a:t>1995-12-12T10:37:31Z</a:t>
             </a:r>
           </a:p>
         </p:txBody>
@@ -14305,7 +14305,7 @@
                 <a:ea typeface="Open Sans" panose="020B0606030504020204" pitchFamily="34" charset="0"/>
                 <a:cs typeface="Courier New" panose="02070309020205020404" pitchFamily="49" charset="0"/>
               </a:rPr>
-              <a:t>95 Dec 121038</a:t>
+              <a:t>1995-12-12T10:38:31Z</a:t>
             </a:r>
           </a:p>
         </p:txBody>
@@ -14438,7 +14438,7 @@
                 <a:ea typeface="Open Sans" panose="020B0606030504020204" pitchFamily="34" charset="0"/>
                 <a:cs typeface="Courier New" panose="02070309020205020404" pitchFamily="49" charset="0"/>
               </a:rPr>
-              <a:t>95 Dec 121039</a:t>
+              <a:t>1995-12-12T10:39:31Z</a:t>
             </a:r>
           </a:p>
         </p:txBody>
@@ -14571,7 +14571,7 @@
                 <a:ea typeface="Open Sans" panose="020B0606030504020204" pitchFamily="34" charset="0"/>
                 <a:cs typeface="Courier New" panose="02070309020205020404" pitchFamily="49" charset="0"/>
               </a:rPr>
-              <a:t>95 Dec 121040</a:t>
+              <a:t>1995-12-12T10:40:31Z</a:t>
             </a:r>
           </a:p>
         </p:txBody>
@@ -14704,7 +14704,7 @@
                 <a:ea typeface="Open Sans" panose="020B0606030504020204" pitchFamily="34" charset="0"/>
                 <a:cs typeface="Courier New" panose="02070309020205020404" pitchFamily="49" charset="0"/>
               </a:rPr>
-              <a:t>95 Dec 121041</a:t>
+              <a:t>1995-12-12T10:41:31Z</a:t>
             </a:r>
           </a:p>
         </p:txBody>
@@ -14837,7 +14837,7 @@
                 <a:ea typeface="Open Sans" panose="020B0606030504020204" pitchFamily="34" charset="0"/>
                 <a:cs typeface="Courier New" panose="02070309020205020404" pitchFamily="49" charset="0"/>
               </a:rPr>
-              <a:t>95 Dec 121042</a:t>
+              <a:t>1995-12-12T10:42:31Z</a:t>
             </a:r>
           </a:p>
         </p:txBody>
@@ -14970,7 +14970,7 @@
                 <a:ea typeface="Open Sans" panose="020B0606030504020204" pitchFamily="34" charset="0"/>
                 <a:cs typeface="Courier New" panose="02070309020205020404" pitchFamily="49" charset="0"/>
               </a:rPr>
-              <a:t>95 Dec 121043</a:t>
+              <a:t>1995-12-12T10:43:31Z</a:t>
             </a:r>
           </a:p>
         </p:txBody>
@@ -15103,7 +15103,7 @@
                 <a:ea typeface="Open Sans" panose="020B0606030504020204" pitchFamily="34" charset="0"/>
                 <a:cs typeface="Courier New" panose="02070309020205020404" pitchFamily="49" charset="0"/>
               </a:rPr>
-              <a:t>95 Dec 121044</a:t>
+              <a:t>1995-12-12T10:44:31Z</a:t>
             </a:r>
           </a:p>
         </p:txBody>
@@ -15236,7 +15236,7 @@
                 <a:ea typeface="Open Sans" panose="020B0606030504020204" pitchFamily="34" charset="0"/>
                 <a:cs typeface="Courier New" panose="02070309020205020404" pitchFamily="49" charset="0"/>
               </a:rPr>
-              <a:t>95 Dec 121045</a:t>
+              <a:t>1995-12-12T10:45:31Z</a:t>
             </a:r>
           </a:p>
         </p:txBody>
@@ -15369,7 +15369,7 @@
                 <a:ea typeface="Open Sans" panose="020B0606030504020204" pitchFamily="34" charset="0"/>
                 <a:cs typeface="Courier New" panose="02070309020205020404" pitchFamily="49" charset="0"/>
               </a:rPr>
-              <a:t>95 Dec 121046</a:t>
+              <a:t>1995-12-12T10:46:31Z</a:t>
             </a:r>
           </a:p>
         </p:txBody>
@@ -15502,7 +15502,7 @@
                 <a:ea typeface="Open Sans" panose="020B0606030504020204" pitchFamily="34" charset="0"/>
                 <a:cs typeface="Courier New" panose="02070309020205020404" pitchFamily="49" charset="0"/>
               </a:rPr>
-              <a:t>95 Dec 121047</a:t>
+              <a:t>1995-12-12T10:47:31Z</a:t>
             </a:r>
           </a:p>
         </p:txBody>
@@ -15635,7 +15635,7 @@
                 <a:ea typeface="Open Sans" panose="020B0606030504020204" pitchFamily="34" charset="0"/>
                 <a:cs typeface="Courier New" panose="02070309020205020404" pitchFamily="49" charset="0"/>
               </a:rPr>
-              <a:t>95 Dec 121048</a:t>
+              <a:t>1995-12-12T10:48:31Z</a:t>
             </a:r>
           </a:p>
         </p:txBody>
@@ -15768,7 +15768,7 @@
                 <a:ea typeface="Open Sans" panose="020B0606030504020204" pitchFamily="34" charset="0"/>
                 <a:cs typeface="Courier New" panose="02070309020205020404" pitchFamily="49" charset="0"/>
               </a:rPr>
-              <a:t>95 Dec 121049</a:t>
+              <a:t>1995-12-12T10:49:31Z</a:t>
             </a:r>
           </a:p>
         </p:txBody>
@@ -15901,7 +15901,7 @@
                 <a:ea typeface="Open Sans" panose="020B0606030504020204" pitchFamily="34" charset="0"/>
                 <a:cs typeface="Courier New" panose="02070309020205020404" pitchFamily="49" charset="0"/>
               </a:rPr>
-              <a:t>95 Dec 121050</a:t>
+              <a:t>1995-12-12T10:50:31Z</a:t>
             </a:r>
           </a:p>
         </p:txBody>
@@ -16034,7 +16034,7 @@
                 <a:ea typeface="Open Sans" panose="020B0606030504020204" pitchFamily="34" charset="0"/>
                 <a:cs typeface="Courier New" panose="02070309020205020404" pitchFamily="49" charset="0"/>
               </a:rPr>
-              <a:t>95 Dec 121051</a:t>
+              <a:t>1995-12-12T10:51:31Z</a:t>
             </a:r>
           </a:p>
         </p:txBody>
@@ -16167,7 +16167,7 @@
                 <a:ea typeface="Open Sans" panose="020B0606030504020204" pitchFamily="34" charset="0"/>
                 <a:cs typeface="Courier New" panose="02070309020205020404" pitchFamily="49" charset="0"/>
               </a:rPr>
-              <a:t>95 Dec 121052</a:t>
+              <a:t>1995-12-12T10:52:31Z</a:t>
             </a:r>
           </a:p>
         </p:txBody>
@@ -16300,7 +16300,7 @@
                 <a:ea typeface="Open Sans" panose="020B0606030504020204" pitchFamily="34" charset="0"/>
                 <a:cs typeface="Courier New" panose="02070309020205020404" pitchFamily="49" charset="0"/>
               </a:rPr>
-              <a:t>95 Dec 121053</a:t>
+              <a:t>1995-12-12T10:53:31Z</a:t>
             </a:r>
           </a:p>
         </p:txBody>
@@ -16433,7 +16433,7 @@
                 <a:ea typeface="Open Sans" panose="020B0606030504020204" pitchFamily="34" charset="0"/>
                 <a:cs typeface="Courier New" panose="02070309020205020404" pitchFamily="49" charset="0"/>
               </a:rPr>
-              <a:t>95 Dec 121054</a:t>
+              <a:t>1995-12-12T10:54:31Z</a:t>
             </a:r>
           </a:p>
         </p:txBody>
@@ -16566,7 +16566,7 @@
                 <a:ea typeface="Open Sans" panose="020B0606030504020204" pitchFamily="34" charset="0"/>
                 <a:cs typeface="Courier New" panose="02070309020205020404" pitchFamily="49" charset="0"/>
               </a:rPr>
-              <a:t>95 Dec 121055</a:t>
+              <a:t>1995-12-12T10:55:31Z</a:t>
             </a:r>
           </a:p>
         </p:txBody>
@@ -16699,7 +16699,7 @@
                 <a:ea typeface="Open Sans" panose="020B0606030504020204" pitchFamily="34" charset="0"/>
                 <a:cs typeface="Courier New" panose="02070309020205020404" pitchFamily="49" charset="0"/>
               </a:rPr>
-              <a:t>95 Dec 121056</a:t>
+              <a:t>1995-12-12T10:56:31Z</a:t>
             </a:r>
           </a:p>
         </p:txBody>
@@ -16832,7 +16832,7 @@
                 <a:ea typeface="Open Sans" panose="020B0606030504020204" pitchFamily="34" charset="0"/>
                 <a:cs typeface="Courier New" panose="02070309020205020404" pitchFamily="49" charset="0"/>
               </a:rPr>
-              <a:t>95 Dec 121057</a:t>
+              <a:t>1995-12-12T10:57:31Z</a:t>
             </a:r>
           </a:p>
         </p:txBody>
@@ -16965,7 +16965,7 @@
                 <a:ea typeface="Open Sans" panose="020B0606030504020204" pitchFamily="34" charset="0"/>
                 <a:cs typeface="Courier New" panose="02070309020205020404" pitchFamily="49" charset="0"/>
               </a:rPr>
-              <a:t>95 Dec 121058</a:t>
+              <a:t>1995-12-12T10:58:31Z</a:t>
             </a:r>
           </a:p>
         </p:txBody>
@@ -17098,7 +17098,7 @@
                 <a:ea typeface="Open Sans" panose="020B0606030504020204" pitchFamily="34" charset="0"/>
                 <a:cs typeface="Courier New" panose="02070309020205020404" pitchFamily="49" charset="0"/>
               </a:rPr>
-              <a:t>95 Dec 121059</a:t>
+              <a:t>1995-12-12T10:59:31Z</a:t>
             </a:r>
           </a:p>
         </p:txBody>
@@ -17231,7 +17231,7 @@
                 <a:ea typeface="Open Sans" panose="020B0606030504020204" pitchFamily="34" charset="0"/>
                 <a:cs typeface="Courier New" panose="02070309020205020404" pitchFamily="49" charset="0"/>
               </a:rPr>
-              <a:t>95 Dec 121100</a:t>
+              <a:t>1995-12-12T11:00:31Z</a:t>
             </a:r>
           </a:p>
         </p:txBody>
@@ -17364,7 +17364,7 @@
                 <a:ea typeface="Open Sans" panose="020B0606030504020204" pitchFamily="34" charset="0"/>
                 <a:cs typeface="Courier New" panose="02070309020205020404" pitchFamily="49" charset="0"/>
               </a:rPr>
-              <a:t>95 Dec 121101</a:t>
+              <a:t>1995-12-12T11:01:31Z</a:t>
             </a:r>
           </a:p>
         </p:txBody>
@@ -17497,7 +17497,7 @@
                 <a:ea typeface="Open Sans" panose="020B0606030504020204" pitchFamily="34" charset="0"/>
                 <a:cs typeface="Courier New" panose="02070309020205020404" pitchFamily="49" charset="0"/>
               </a:rPr>
-              <a:t>95 Dec 121102</a:t>
+              <a:t>1995-12-12T11:02:31Z</a:t>
             </a:r>
           </a:p>
         </p:txBody>
@@ -17630,7 +17630,7 @@
                 <a:ea typeface="Open Sans" panose="020B0606030504020204" pitchFamily="34" charset="0"/>
                 <a:cs typeface="Courier New" panose="02070309020205020404" pitchFamily="49" charset="0"/>
               </a:rPr>
-              <a:t>95 Dec 121103</a:t>
+              <a:t>1995-12-12T11:03:31Z</a:t>
             </a:r>
           </a:p>
         </p:txBody>
@@ -17763,7 +17763,7 @@
                 <a:ea typeface="Open Sans" panose="020B0606030504020204" pitchFamily="34" charset="0"/>
                 <a:cs typeface="Courier New" panose="02070309020205020404" pitchFamily="49" charset="0"/>
               </a:rPr>
-              <a:t>95 Dec 121104</a:t>
+              <a:t>1995-12-12T11:04:31Z</a:t>
             </a:r>
           </a:p>
         </p:txBody>
@@ -17896,7 +17896,7 @@
                 <a:ea typeface="Open Sans" panose="020B0606030504020204" pitchFamily="34" charset="0"/>
                 <a:cs typeface="Courier New" panose="02070309020205020404" pitchFamily="49" charset="0"/>
               </a:rPr>
-              <a:t>95 Dec 121105</a:t>
+              <a:t>1995-12-12T11:05:31Z</a:t>
             </a:r>
           </a:p>
         </p:txBody>
@@ -18029,7 +18029,7 @@
                 <a:ea typeface="Open Sans" panose="020B0606030504020204" pitchFamily="34" charset="0"/>
                 <a:cs typeface="Courier New" panose="02070309020205020404" pitchFamily="49" charset="0"/>
               </a:rPr>
-              <a:t>95 Dec 121106</a:t>
+              <a:t>1995-12-12T11:06:31Z</a:t>
             </a:r>
           </a:p>
         </p:txBody>
@@ -18162,7 +18162,7 @@
                 <a:ea typeface="Open Sans" panose="020B0606030504020204" pitchFamily="34" charset="0"/>
                 <a:cs typeface="Courier New" panose="02070309020205020404" pitchFamily="49" charset="0"/>
               </a:rPr>
-              <a:t>95 Dec 121107</a:t>
+              <a:t>1995-12-12T11:07:31Z</a:t>
             </a:r>
           </a:p>
         </p:txBody>
@@ -18295,7 +18295,7 @@
                 <a:ea typeface="Open Sans" panose="020B0606030504020204" pitchFamily="34" charset="0"/>
                 <a:cs typeface="Courier New" panose="02070309020205020404" pitchFamily="49" charset="0"/>
               </a:rPr>
-              <a:t>95 Dec 121108</a:t>
+              <a:t>1995-12-12T11:08:31Z</a:t>
             </a:r>
           </a:p>
         </p:txBody>
@@ -18428,7 +18428,7 @@
                 <a:ea typeface="Open Sans" panose="020B0606030504020204" pitchFamily="34" charset="0"/>
                 <a:cs typeface="Courier New" panose="02070309020205020404" pitchFamily="49" charset="0"/>
               </a:rPr>
-              <a:t>95 Dec 121109</a:t>
+              <a:t>1995-12-12T11:09:31Z</a:t>
             </a:r>
           </a:p>
         </p:txBody>
@@ -18561,7 +18561,7 @@
                 <a:ea typeface="Open Sans" panose="020B0606030504020204" pitchFamily="34" charset="0"/>
                 <a:cs typeface="Courier New" panose="02070309020205020404" pitchFamily="49" charset="0"/>
               </a:rPr>
-              <a:t>95 Dec 121110</a:t>
+              <a:t>1995-12-12T11:10:31Z</a:t>
             </a:r>
           </a:p>
         </p:txBody>
@@ -18694,7 +18694,7 @@
                 <a:ea typeface="Open Sans" panose="020B0606030504020204" pitchFamily="34" charset="0"/>
                 <a:cs typeface="Courier New" panose="02070309020205020404" pitchFamily="49" charset="0"/>
               </a:rPr>
-              <a:t>95 Dec 121111</a:t>
+              <a:t>1995-12-12T11:11:31Z</a:t>
             </a:r>
           </a:p>
         </p:txBody>
@@ -18827,7 +18827,7 @@
                 <a:ea typeface="Open Sans" panose="020B0606030504020204" pitchFamily="34" charset="0"/>
                 <a:cs typeface="Courier New" panose="02070309020205020404" pitchFamily="49" charset="0"/>
               </a:rPr>
-              <a:t>95 Dec 121112</a:t>
+              <a:t>1995-12-12T11:12:31Z</a:t>
             </a:r>
           </a:p>
         </p:txBody>
@@ -18960,7 +18960,7 @@
                 <a:ea typeface="Open Sans" panose="020B0606030504020204" pitchFamily="34" charset="0"/>
                 <a:cs typeface="Courier New" panose="02070309020205020404" pitchFamily="49" charset="0"/>
               </a:rPr>
-              <a:t>95 Dec 121113</a:t>
+              <a:t>1995-12-12T11:13:31Z</a:t>
             </a:r>
           </a:p>
         </p:txBody>
@@ -19093,7 +19093,7 @@
                 <a:ea typeface="Open Sans" panose="020B0606030504020204" pitchFamily="34" charset="0"/>
                 <a:cs typeface="Courier New" panose="02070309020205020404" pitchFamily="49" charset="0"/>
               </a:rPr>
-              <a:t>95 Dec 121114</a:t>
+              <a:t>1995-12-12T11:14:31Z</a:t>
             </a:r>
           </a:p>
         </p:txBody>
@@ -19226,7 +19226,7 @@
                 <a:ea typeface="Open Sans" panose="020B0606030504020204" pitchFamily="34" charset="0"/>
                 <a:cs typeface="Courier New" panose="02070309020205020404" pitchFamily="49" charset="0"/>
               </a:rPr>
-              <a:t>95 Dec 121115</a:t>
+              <a:t>1995-12-12T11:15:31Z</a:t>
             </a:r>
           </a:p>
         </p:txBody>
@@ -19359,7 +19359,7 @@
                 <a:ea typeface="Open Sans" panose="020B0606030504020204" pitchFamily="34" charset="0"/>
                 <a:cs typeface="Courier New" panose="02070309020205020404" pitchFamily="49" charset="0"/>
               </a:rPr>
-              <a:t>95 Dec 121116</a:t>
+              <a:t>1995-12-12T11:16:31Z</a:t>
             </a:r>
           </a:p>
         </p:txBody>
@@ -19492,7 +19492,7 @@
                 <a:ea typeface="Open Sans" panose="020B0606030504020204" pitchFamily="34" charset="0"/>
                 <a:cs typeface="Courier New" panose="02070309020205020404" pitchFamily="49" charset="0"/>
               </a:rPr>
-              <a:t>95 Dec 121117</a:t>
+              <a:t>1995-12-12T11:17:31Z</a:t>
             </a:r>
           </a:p>
         </p:txBody>
@@ -19625,7 +19625,7 @@
                 <a:ea typeface="Open Sans" panose="020B0606030504020204" pitchFamily="34" charset="0"/>
                 <a:cs typeface="Courier New" panose="02070309020205020404" pitchFamily="49" charset="0"/>
               </a:rPr>
-              <a:t>95 Dec 121118</a:t>
+              <a:t>1995-12-12T11:18:31Z</a:t>
             </a:r>
           </a:p>
         </p:txBody>
@@ -19758,7 +19758,7 @@
                 <a:ea typeface="Open Sans" panose="020B0606030504020204" pitchFamily="34" charset="0"/>
                 <a:cs typeface="Courier New" panose="02070309020205020404" pitchFamily="49" charset="0"/>
               </a:rPr>
-              <a:t>95 Dec 121119</a:t>
+              <a:t>1995-12-12T11:19:31Z</a:t>
             </a:r>
           </a:p>
         </p:txBody>
@@ -19891,7 +19891,7 @@
                 <a:ea typeface="Open Sans" panose="020B0606030504020204" pitchFamily="34" charset="0"/>
                 <a:cs typeface="Courier New" panose="02070309020205020404" pitchFamily="49" charset="0"/>
               </a:rPr>
-              <a:t>95 Dec 121120</a:t>
+              <a:t>1995-12-12T11:20:31Z</a:t>
             </a:r>
           </a:p>
         </p:txBody>
@@ -20024,7 +20024,7 @@
                 <a:ea typeface="Open Sans" panose="020B0606030504020204" pitchFamily="34" charset="0"/>
                 <a:cs typeface="Courier New" panose="02070309020205020404" pitchFamily="49" charset="0"/>
               </a:rPr>
-              <a:t>95 Dec 121121</a:t>
+              <a:t>1995-12-12T11:21:31Z</a:t>
             </a:r>
           </a:p>
         </p:txBody>
@@ -20157,7 +20157,7 @@
                 <a:ea typeface="Open Sans" panose="020B0606030504020204" pitchFamily="34" charset="0"/>
                 <a:cs typeface="Courier New" panose="02070309020205020404" pitchFamily="49" charset="0"/>
               </a:rPr>
-              <a:t>95 Dec 121122</a:t>
+              <a:t>1995-12-12T11:22:31Z</a:t>
             </a:r>
           </a:p>
         </p:txBody>
@@ -20290,7 +20290,7 @@
                 <a:ea typeface="Open Sans" panose="020B0606030504020204" pitchFamily="34" charset="0"/>
                 <a:cs typeface="Courier New" panose="02070309020205020404" pitchFamily="49" charset="0"/>
               </a:rPr>
-              <a:t>95 Dec 121123</a:t>
+              <a:t>1995-12-12T11:23:31Z</a:t>
             </a:r>
           </a:p>
         </p:txBody>
@@ -20423,7 +20423,7 @@
                 <a:ea typeface="Open Sans" panose="020B0606030504020204" pitchFamily="34" charset="0"/>
                 <a:cs typeface="Courier New" panose="02070309020205020404" pitchFamily="49" charset="0"/>
               </a:rPr>
-              <a:t>95 Dec 121124</a:t>
+              <a:t>1995-12-12T11:24:31Z</a:t>
             </a:r>
           </a:p>
         </p:txBody>
@@ -20556,7 +20556,7 @@
                 <a:ea typeface="Open Sans" panose="020B0606030504020204" pitchFamily="34" charset="0"/>
                 <a:cs typeface="Courier New" panose="02070309020205020404" pitchFamily="49" charset="0"/>
               </a:rPr>
-              <a:t>95 Dec 121125</a:t>
+              <a:t>1995-12-12T11:25:31Z</a:t>
             </a:r>
           </a:p>
         </p:txBody>
@@ -20689,7 +20689,7 @@
                 <a:ea typeface="Open Sans" panose="020B0606030504020204" pitchFamily="34" charset="0"/>
                 <a:cs typeface="Courier New" panose="02070309020205020404" pitchFamily="49" charset="0"/>
               </a:rPr>
-              <a:t>95 Dec 121126</a:t>
+              <a:t>1995-12-12T11:26:31Z</a:t>
             </a:r>
           </a:p>
         </p:txBody>
@@ -20822,7 +20822,7 @@
                 <a:ea typeface="Open Sans" panose="020B0606030504020204" pitchFamily="34" charset="0"/>
                 <a:cs typeface="Courier New" panose="02070309020205020404" pitchFamily="49" charset="0"/>
               </a:rPr>
-              <a:t>95 Dec 121127</a:t>
+              <a:t>1995-12-12T11:27:31Z</a:t>
             </a:r>
           </a:p>
         </p:txBody>
@@ -20955,7 +20955,7 @@
                 <a:ea typeface="Open Sans" panose="020B0606030504020204" pitchFamily="34" charset="0"/>
                 <a:cs typeface="Courier New" panose="02070309020205020404" pitchFamily="49" charset="0"/>
               </a:rPr>
-              <a:t>95 Dec 121128</a:t>
+              <a:t>1995-12-12T11:28:31Z</a:t>
             </a:r>
           </a:p>
         </p:txBody>
@@ -21088,7 +21088,7 @@
                 <a:ea typeface="Open Sans" panose="020B0606030504020204" pitchFamily="34" charset="0"/>
                 <a:cs typeface="Courier New" panose="02070309020205020404" pitchFamily="49" charset="0"/>
               </a:rPr>
-              <a:t>95 Dec 121129</a:t>
+              <a:t>1995-12-12T11:29:31Z</a:t>
             </a:r>
           </a:p>
         </p:txBody>
@@ -21221,7 +21221,7 @@
                 <a:ea typeface="Open Sans" panose="020B0606030504020204" pitchFamily="34" charset="0"/>
                 <a:cs typeface="Courier New" panose="02070309020205020404" pitchFamily="49" charset="0"/>
               </a:rPr>
-              <a:t>95 Dec 121130</a:t>
+              <a:t>1995-12-12T11:30:31Z</a:t>
             </a:r>
           </a:p>
         </p:txBody>
@@ -21354,7 +21354,7 @@
                 <a:ea typeface="Open Sans" panose="020B0606030504020204" pitchFamily="34" charset="0"/>
                 <a:cs typeface="Courier New" panose="02070309020205020404" pitchFamily="49" charset="0"/>
               </a:rPr>
-              <a:t>95 Dec 121131</a:t>
+              <a:t>1995-12-12T11:31:31Z</a:t>
             </a:r>
           </a:p>
         </p:txBody>
@@ -21487,7 +21487,7 @@
                 <a:ea typeface="Open Sans" panose="020B0606030504020204" pitchFamily="34" charset="0"/>
                 <a:cs typeface="Courier New" panose="02070309020205020404" pitchFamily="49" charset="0"/>
               </a:rPr>
-              <a:t>95 Dec 121132</a:t>
+              <a:t>1995-12-12T11:32:31Z</a:t>
             </a:r>
           </a:p>
         </p:txBody>
@@ -21620,7 +21620,7 @@
                 <a:ea typeface="Open Sans" panose="020B0606030504020204" pitchFamily="34" charset="0"/>
                 <a:cs typeface="Courier New" panose="02070309020205020404" pitchFamily="49" charset="0"/>
               </a:rPr>
-              <a:t>95 Dec 121133</a:t>
+              <a:t>1995-12-12T11:33:31Z</a:t>
             </a:r>
           </a:p>
         </p:txBody>
@@ -21753,7 +21753,7 @@
                 <a:ea typeface="Open Sans" panose="020B0606030504020204" pitchFamily="34" charset="0"/>
                 <a:cs typeface="Courier New" panose="02070309020205020404" pitchFamily="49" charset="0"/>
               </a:rPr>
-              <a:t>95 Dec 121134</a:t>
+              <a:t>1995-12-12T11:34:31Z</a:t>
             </a:r>
           </a:p>
         </p:txBody>
@@ -21886,7 +21886,7 @@
                 <a:ea typeface="Open Sans" panose="020B0606030504020204" pitchFamily="34" charset="0"/>
                 <a:cs typeface="Courier New" panose="02070309020205020404" pitchFamily="49" charset="0"/>
               </a:rPr>
-              <a:t>95 Dec 121135</a:t>
+              <a:t>1995-12-12T11:35:31Z</a:t>
             </a:r>
           </a:p>
         </p:txBody>
@@ -22019,7 +22019,7 @@
                 <a:ea typeface="Open Sans" panose="020B0606030504020204" pitchFamily="34" charset="0"/>
                 <a:cs typeface="Courier New" panose="02070309020205020404" pitchFamily="49" charset="0"/>
               </a:rPr>
-              <a:t>95 Dec 121136</a:t>
+              <a:t>1995-12-12T11:36:31Z</a:t>
             </a:r>
           </a:p>
         </p:txBody>
@@ -22152,7 +22152,7 @@
                 <a:ea typeface="Open Sans" panose="020B0606030504020204" pitchFamily="34" charset="0"/>
                 <a:cs typeface="Courier New" panose="02070309020205020404" pitchFamily="49" charset="0"/>
               </a:rPr>
-              <a:t>95 Dec 121137</a:t>
+              <a:t>1995-12-12T11:37:31Z</a:t>
             </a:r>
           </a:p>
         </p:txBody>
@@ -22285,7 +22285,7 @@
                 <a:ea typeface="Open Sans" panose="020B0606030504020204" pitchFamily="34" charset="0"/>
                 <a:cs typeface="Courier New" panose="02070309020205020404" pitchFamily="49" charset="0"/>
               </a:rPr>
-              <a:t>95 Dec 121138</a:t>
+              <a:t>1995-12-12T11:38:31Z</a:t>
             </a:r>
           </a:p>
         </p:txBody>
@@ -22418,7 +22418,7 @@
                 <a:ea typeface="Open Sans" panose="020B0606030504020204" pitchFamily="34" charset="0"/>
                 <a:cs typeface="Courier New" panose="02070309020205020404" pitchFamily="49" charset="0"/>
               </a:rPr>
-              <a:t>95 Dec 121139</a:t>
+              <a:t>1995-12-12T11:39:31Z</a:t>
             </a:r>
           </a:p>
         </p:txBody>
@@ -22551,7 +22551,7 @@
                 <a:ea typeface="Open Sans" panose="020B0606030504020204" pitchFamily="34" charset="0"/>
                 <a:cs typeface="Courier New" panose="02070309020205020404" pitchFamily="49" charset="0"/>
               </a:rPr>
-              <a:t>95 Dec 121140</a:t>
+              <a:t>1995-12-12T11:40:31Z</a:t>
             </a:r>
           </a:p>
         </p:txBody>
@@ -22684,7 +22684,7 @@
                 <a:ea typeface="Open Sans" panose="020B0606030504020204" pitchFamily="34" charset="0"/>
                 <a:cs typeface="Courier New" panose="02070309020205020404" pitchFamily="49" charset="0"/>
               </a:rPr>
-              <a:t>95 Dec 121141</a:t>
+              <a:t>1995-12-12T11:41:31Z</a:t>
             </a:r>
           </a:p>
         </p:txBody>
@@ -22794,8 +22794,62 @@
                               <p:cond delay="0"/>
                             </p:stCondLst>
                             <p:childTnLst>
+                              <p:par>
+                                <p:cTn id="8" presetID="1" presetClass="entr" presetSubtype="0" fill="hold" grpId="0" nodeType="withEffect">
+                                  <p:stCondLst>
+                                    <p:cond delay="0"/>
+                                  </p:stCondLst>
+                                  <p:childTnLst>
+                                    <p:set>
+                                      <p:cBhvr>
+                                        <p:cTn id="9" dur="1" fill="hold">
+                                          <p:stCondLst>
+                                            <p:cond delay="0"/>
+                                          </p:stCondLst>
+                                        </p:cTn>
+                                        <p:tgtEl>
+                                          <p:spTgt spid="601"/>
+                                        </p:tgtEl>
+                                        <p:attrNameLst>
+                                          <p:attrName>style.visibility</p:attrName>
+                                        </p:attrNameLst>
+                                      </p:cBhvr>
+                                      <p:to>
+                                        <p:strVal val="visible"/>
+                                      </p:to>
+                                    </p:set>
+                                  </p:childTnLst>
+                                </p:cTn>
+                              </p:par>
+                              <p:par>
+                                <p:cTn id="8" presetID="1" presetClass="entr" presetSubtype="0" fill="hold" grpId="0" nodeType="withEffect">
+                                  <p:stCondLst>
+                                    <p:cond delay="0"/>
+                                  </p:stCondLst>
+                                  <p:childTnLst>
+                                    <p:set>
+                                      <p:cBhvr>
+                                        <p:cTn id="9" dur="1" fill="hold">
+                                          <p:stCondLst>
+                                            <p:cond delay="0"/>
+                                          </p:stCondLst>
+                                        </p:cTn>
+                                        <p:tgtEl>
+                                          <p:spTgt spid="127"/>
+                                        </p:tgtEl>
+                                        <p:attrNameLst>
+                                          <p:attrName>style.visibility</p:attrName>
+                                        </p:attrNameLst>
+                                      </p:cBhvr>
+                                      <p:to>
+                                        <p:strVal val="visible"/>
+                                      </p:to>
+                                    </p:set>
+                                  </p:childTnLst>
+                                </p:cTn>
+                              </p:par>
                               <p:seq>
-                                <p:cTn id="1" presetID="0" presetClass="path" presetSubtype="0" fill="hold" grpId="0" nodeType="clickEffect">
+                                <p:cTn id="1" presetID="0" presetClass="path" presetSubtype="0" fill="hold" grpId="1" nodeType="withEffect">
                                   <p:stCondLst>
                                     <p:cond delay="0"/>
                                   </p:stCondLst>
@@ -23935,7 +23989,7 @@
                                 </p:cTn>
                               </p:seq>
                               <p:seq>
-                                <p:cTn id="2" presetID="0" presetClass="path" presetSubtype="0" fill="hold" grpId="0" nodeType="clickEffect">
+                                <p:cTn id="2" presetID="0" presetClass="path" presetSubtype="0" fill="hold" grpId="1" nodeType="withEffect">
                                   <p:stCondLst>
                                     <p:cond delay="0"/>
                                   </p:stCondLst>

--- a/org.mwc.debrief.legacy/test_data/master_template/long_tracks/long_tracks_temp.pptx
+++ b/org.mwc.debrief.legacy/test_data/master_template/long_tracks/long_tracks_temp.pptx
@@ -208,7 +208,7 @@
           <a:p>
             <a:fld id="{5DBDFAF8-9CD3-4716-8CF2-6121A8FDDE9B}" type="datetimeFigureOut">
               <a:rPr lang="en-US" smtClean="0"/>
-              <a:t>9/27/2018</a:t>
+              <a:t>10/14/2018</a:t>
             </a:fld>
             <a:endParaRPr lang="en-US"/>
           </a:p>
@@ -366,7 +366,7 @@
           <a:p>
             <a:fld id="{C901C09C-499D-45C7-B51C-6D106952E995}" type="slidenum">
               <a:rPr lang="en-US" smtClean="0"/>
-              <a:t>‹#›</a:t>
+              <a:t>‹Nº›</a:t>
             </a:fld>
             <a:endParaRPr lang="en-US"/>
           </a:p>
@@ -763,7 +763,7 @@
           <a:p>
             <a:fld id="{07AF7C9C-3FFC-F543-8CD5-56B058077314}" type="datetimeFigureOut">
               <a:rPr lang="en-US" smtClean="0"/>
-              <a:t>9/27/2018</a:t>
+              <a:t>10/14/2018</a:t>
             </a:fld>
             <a:endParaRPr lang="en-US"/>
           </a:p>
@@ -805,7 +805,7 @@
           <a:p>
             <a:fld id="{E0E3E4AF-3478-F94E-9240-CA1945652EFF}" type="slidenum">
               <a:rPr lang="en-US" smtClean="0"/>
-              <a:t>‹#›</a:t>
+              <a:t>‹Nº›</a:t>
             </a:fld>
             <a:endParaRPr lang="en-US"/>
           </a:p>
@@ -933,7 +933,7 @@
           <a:p>
             <a:fld id="{07AF7C9C-3FFC-F543-8CD5-56B058077314}" type="datetimeFigureOut">
               <a:rPr lang="en-US" smtClean="0"/>
-              <a:t>9/27/2018</a:t>
+              <a:t>10/14/2018</a:t>
             </a:fld>
             <a:endParaRPr lang="en-US"/>
           </a:p>
@@ -975,7 +975,7 @@
           <a:p>
             <a:fld id="{E0E3E4AF-3478-F94E-9240-CA1945652EFF}" type="slidenum">
               <a:rPr lang="en-US" smtClean="0"/>
-              <a:t>‹#›</a:t>
+              <a:t>‹Nº›</a:t>
             </a:fld>
             <a:endParaRPr lang="en-US"/>
           </a:p>
@@ -1113,7 +1113,7 @@
           <a:p>
             <a:fld id="{07AF7C9C-3FFC-F543-8CD5-56B058077314}" type="datetimeFigureOut">
               <a:rPr lang="en-US" smtClean="0"/>
-              <a:t>9/27/2018</a:t>
+              <a:t>10/14/2018</a:t>
             </a:fld>
             <a:endParaRPr lang="en-US"/>
           </a:p>
@@ -1155,7 +1155,7 @@
           <a:p>
             <a:fld id="{E0E3E4AF-3478-F94E-9240-CA1945652EFF}" type="slidenum">
               <a:rPr lang="en-US" smtClean="0"/>
-              <a:t>‹#›</a:t>
+              <a:t>‹Nº›</a:t>
             </a:fld>
             <a:endParaRPr lang="en-US"/>
           </a:p>
@@ -1283,7 +1283,7 @@
           <a:p>
             <a:fld id="{07AF7C9C-3FFC-F543-8CD5-56B058077314}" type="datetimeFigureOut">
               <a:rPr lang="en-US" smtClean="0"/>
-              <a:t>9/27/2018</a:t>
+              <a:t>10/14/2018</a:t>
             </a:fld>
             <a:endParaRPr lang="en-US"/>
           </a:p>
@@ -1325,7 +1325,7 @@
           <a:p>
             <a:fld id="{E0E3E4AF-3478-F94E-9240-CA1945652EFF}" type="slidenum">
               <a:rPr lang="en-US" smtClean="0"/>
-              <a:t>‹#›</a:t>
+              <a:t>‹Nº›</a:t>
             </a:fld>
             <a:endParaRPr lang="en-US"/>
           </a:p>
@@ -1529,7 +1529,7 @@
           <a:p>
             <a:fld id="{07AF7C9C-3FFC-F543-8CD5-56B058077314}" type="datetimeFigureOut">
               <a:rPr lang="en-US" smtClean="0"/>
-              <a:t>9/27/2018</a:t>
+              <a:t>10/14/2018</a:t>
             </a:fld>
             <a:endParaRPr lang="en-US"/>
           </a:p>
@@ -1571,7 +1571,7 @@
           <a:p>
             <a:fld id="{E0E3E4AF-3478-F94E-9240-CA1945652EFF}" type="slidenum">
               <a:rPr lang="en-US" smtClean="0"/>
-              <a:t>‹#›</a:t>
+              <a:t>‹Nº›</a:t>
             </a:fld>
             <a:endParaRPr lang="en-US"/>
           </a:p>
@@ -1817,7 +1817,7 @@
           <a:p>
             <a:fld id="{07AF7C9C-3FFC-F543-8CD5-56B058077314}" type="datetimeFigureOut">
               <a:rPr lang="en-US" smtClean="0"/>
-              <a:t>9/27/2018</a:t>
+              <a:t>10/14/2018</a:t>
             </a:fld>
             <a:endParaRPr lang="en-US"/>
           </a:p>
@@ -1859,7 +1859,7 @@
           <a:p>
             <a:fld id="{E0E3E4AF-3478-F94E-9240-CA1945652EFF}" type="slidenum">
               <a:rPr lang="en-US" smtClean="0"/>
-              <a:t>‹#›</a:t>
+              <a:t>‹Nº›</a:t>
             </a:fld>
             <a:endParaRPr lang="en-US"/>
           </a:p>
@@ -2239,7 +2239,7 @@
           <a:p>
             <a:fld id="{07AF7C9C-3FFC-F543-8CD5-56B058077314}" type="datetimeFigureOut">
               <a:rPr lang="en-US" smtClean="0"/>
-              <a:t>9/27/2018</a:t>
+              <a:t>10/14/2018</a:t>
             </a:fld>
             <a:endParaRPr lang="en-US"/>
           </a:p>
@@ -2281,7 +2281,7 @@
           <a:p>
             <a:fld id="{E0E3E4AF-3478-F94E-9240-CA1945652EFF}" type="slidenum">
               <a:rPr lang="en-US" smtClean="0"/>
-              <a:t>‹#›</a:t>
+              <a:t>‹Nº›</a:t>
             </a:fld>
             <a:endParaRPr lang="en-US"/>
           </a:p>
@@ -2357,7 +2357,7 @@
           <a:p>
             <a:fld id="{07AF7C9C-3FFC-F543-8CD5-56B058077314}" type="datetimeFigureOut">
               <a:rPr lang="en-US" smtClean="0"/>
-              <a:t>9/27/2018</a:t>
+              <a:t>10/14/2018</a:t>
             </a:fld>
             <a:endParaRPr lang="en-US"/>
           </a:p>
@@ -2399,7 +2399,7 @@
           <a:p>
             <a:fld id="{E0E3E4AF-3478-F94E-9240-CA1945652EFF}" type="slidenum">
               <a:rPr lang="en-US" smtClean="0"/>
-              <a:t>‹#›</a:t>
+              <a:t>‹Nº›</a:t>
             </a:fld>
             <a:endParaRPr lang="en-US"/>
           </a:p>
@@ -2452,7 +2452,7 @@
           <a:p>
             <a:fld id="{07AF7C9C-3FFC-F543-8CD5-56B058077314}" type="datetimeFigureOut">
               <a:rPr lang="en-US" smtClean="0"/>
-              <a:t>9/27/2018</a:t>
+              <a:t>10/14/2018</a:t>
             </a:fld>
             <a:endParaRPr lang="en-US"/>
           </a:p>
@@ -2494,7 +2494,7 @@
           <a:p>
             <a:fld id="{E0E3E4AF-3478-F94E-9240-CA1945652EFF}" type="slidenum">
               <a:rPr lang="en-US" smtClean="0"/>
-              <a:t>‹#›</a:t>
+              <a:t>‹Nº›</a:t>
             </a:fld>
             <a:endParaRPr lang="en-US"/>
           </a:p>
@@ -2729,7 +2729,7 @@
           <a:p>
             <a:fld id="{07AF7C9C-3FFC-F543-8CD5-56B058077314}" type="datetimeFigureOut">
               <a:rPr lang="en-US" smtClean="0"/>
-              <a:t>9/27/2018</a:t>
+              <a:t>10/14/2018</a:t>
             </a:fld>
             <a:endParaRPr lang="en-US"/>
           </a:p>
@@ -2771,7 +2771,7 @@
           <a:p>
             <a:fld id="{E0E3E4AF-3478-F94E-9240-CA1945652EFF}" type="slidenum">
               <a:rPr lang="en-US" smtClean="0"/>
-              <a:t>‹#›</a:t>
+              <a:t>‹Nº›</a:t>
             </a:fld>
             <a:endParaRPr lang="en-US"/>
           </a:p>
@@ -2982,7 +2982,7 @@
           <a:p>
             <a:fld id="{07AF7C9C-3FFC-F543-8CD5-56B058077314}" type="datetimeFigureOut">
               <a:rPr lang="en-US" smtClean="0"/>
-              <a:t>9/27/2018</a:t>
+              <a:t>10/14/2018</a:t>
             </a:fld>
             <a:endParaRPr lang="en-US"/>
           </a:p>
@@ -3024,7 +3024,7 @@
           <a:p>
             <a:fld id="{E0E3E4AF-3478-F94E-9240-CA1945652EFF}" type="slidenum">
               <a:rPr lang="en-US" smtClean="0"/>
-              <a:t>‹#›</a:t>
+              <a:t>‹Nº›</a:t>
             </a:fld>
             <a:endParaRPr lang="en-US"/>
           </a:p>
@@ -3195,7 +3195,7 @@
           <a:p>
             <a:fld id="{07AF7C9C-3FFC-F543-8CD5-56B058077314}" type="datetimeFigureOut">
               <a:rPr lang="en-US" smtClean="0"/>
-              <a:t>9/27/2018</a:t>
+              <a:t>10/14/2018</a:t>
             </a:fld>
             <a:endParaRPr lang="en-US"/>
           </a:p>
@@ -3273,7 +3273,7 @@
           <a:p>
             <a:fld id="{E0E3E4AF-3478-F94E-9240-CA1945652EFF}" type="slidenum">
               <a:rPr lang="en-US" smtClean="0"/>
-              <a:t>‹#›</a:t>
+              <a:t>‹Nº›</a:t>
             </a:fld>
             <a:endParaRPr lang="en-US"/>
           </a:p>
@@ -3822,7 +3822,7 @@
                 <a:ea typeface="Open Sans" panose="020B0606030504020204" pitchFamily="34" charset="0"/>
                 <a:cs typeface="Open Sans" panose="020B0606030504020204" pitchFamily="34" charset="0"/>
               </a:rPr>
-              <a:t>AMERICAS CUP </a:t>
+              <a:t>EXERCISE TITLE </a:t>
             </a:r>
           </a:p>
           <a:p>
@@ -3835,7 +3835,7 @@
                 <a:ea typeface="Open Sans" panose="020B0606030504020204" pitchFamily="34" charset="0"/>
                 <a:cs typeface="Open Sans" panose="020B0606030504020204" pitchFamily="34" charset="0"/>
               </a:rPr>
-              <a:t>2018. RACE 2A</a:t>
+              <a:t>2018 SERIAL 12D</a:t>
             </a:r>
           </a:p>
         </p:txBody>
@@ -22721,16 +22721,6 @@
                 <a:latin typeface="Open Sans" panose="020B0606030504020204" pitchFamily="34" charset="0"/>
                 <a:ea typeface="Open Sans" panose="020B0606030504020204" pitchFamily="34" charset="0"/>
                 <a:cs typeface="Open Sans" panose="020B0606030504020204" pitchFamily="34" charset="0"/>
-              </a:rPr>
-              <a:t/>
-            </a:r>
-            <a:r>
-              <a:rPr lang="mr-IN" sz="2000" dirty="0">
-                <a:solidFill>
-                  <a:schemeClr val="bg1"/>
-                </a:solidFill>
-                <a:latin typeface="Open Sans" panose="020B0606030504020204" pitchFamily="34" charset="0"/>
-                <a:ea typeface="Open Sans" panose="020B0606030504020204" pitchFamily="34" charset="0"/>
               </a:rPr>
               <a:t/>
             </a:r>

--- a/org.mwc.debrief.legacy/test_data/master_template/long_tracks/long_tracks_temp.pptx
+++ b/org.mwc.debrief.legacy/test_data/master_template/long_tracks/long_tracks_temp.pptx
@@ -3905,7 +3905,7 @@
       </p:pic>
       <p:sp>
         <p:nvSpPr>
-          <p:cNvPr id="2000" name="footprint"/>
+          <p:cNvPr id="20600" name="footprint"/>
           <p:cNvSpPr/>
           <p:nvPr/>
         </p:nvSpPr>
@@ -3946,7 +3946,7 @@
       </p:sp>
       <p:sp>
         <p:nvSpPr>
-          <p:cNvPr id="2001" name="footprint"/>
+          <p:cNvPr id="20601" name="footprint"/>
           <p:cNvSpPr/>
           <p:nvPr/>
         </p:nvSpPr>
@@ -3987,7 +3987,7 @@
       </p:sp>
       <p:sp>
         <p:nvSpPr>
-          <p:cNvPr id="2002" name="footprint"/>
+          <p:cNvPr id="20602" name="footprint"/>
           <p:cNvSpPr/>
           <p:nvPr/>
         </p:nvSpPr>
@@ -4028,7 +4028,7 @@
       </p:sp>
       <p:sp>
         <p:nvSpPr>
-          <p:cNvPr id="2003" name="footprint"/>
+          <p:cNvPr id="20603" name="footprint"/>
           <p:cNvSpPr/>
           <p:nvPr/>
         </p:nvSpPr>
@@ -4069,7 +4069,7 @@
       </p:sp>
       <p:sp>
         <p:nvSpPr>
-          <p:cNvPr id="2004" name="footprint"/>
+          <p:cNvPr id="20604" name="footprint"/>
           <p:cNvSpPr/>
           <p:nvPr/>
         </p:nvSpPr>
@@ -4110,7 +4110,7 @@
       </p:sp>
       <p:sp>
         <p:nvSpPr>
-          <p:cNvPr id="2005" name="footprint"/>
+          <p:cNvPr id="20605" name="footprint"/>
           <p:cNvSpPr/>
           <p:nvPr/>
         </p:nvSpPr>
@@ -4151,7 +4151,7 @@
       </p:sp>
       <p:sp>
         <p:nvSpPr>
-          <p:cNvPr id="2006" name="footprint"/>
+          <p:cNvPr id="20606" name="footprint"/>
           <p:cNvSpPr/>
           <p:nvPr/>
         </p:nvSpPr>
@@ -4192,7 +4192,7 @@
       </p:sp>
       <p:sp>
         <p:nvSpPr>
-          <p:cNvPr id="2007" name="footprint"/>
+          <p:cNvPr id="20607" name="footprint"/>
           <p:cNvSpPr/>
           <p:nvPr/>
         </p:nvSpPr>
@@ -4233,7 +4233,7 @@
       </p:sp>
       <p:sp>
         <p:nvSpPr>
-          <p:cNvPr id="2008" name="footprint"/>
+          <p:cNvPr id="20608" name="footprint"/>
           <p:cNvSpPr/>
           <p:nvPr/>
         </p:nvSpPr>
@@ -4274,7 +4274,7 @@
       </p:sp>
       <p:sp>
         <p:nvSpPr>
-          <p:cNvPr id="2009" name="footprint"/>
+          <p:cNvPr id="20609" name="footprint"/>
           <p:cNvSpPr/>
           <p:nvPr/>
         </p:nvSpPr>
@@ -4315,7 +4315,7 @@
       </p:sp>
       <p:sp>
         <p:nvSpPr>
-          <p:cNvPr id="2010" name="footprint"/>
+          <p:cNvPr id="20610" name="footprint"/>
           <p:cNvSpPr/>
           <p:nvPr/>
         </p:nvSpPr>
@@ -4356,7 +4356,7 @@
       </p:sp>
       <p:sp>
         <p:nvSpPr>
-          <p:cNvPr id="2011" name="footprint"/>
+          <p:cNvPr id="20611" name="footprint"/>
           <p:cNvSpPr/>
           <p:nvPr/>
         </p:nvSpPr>
@@ -4397,7 +4397,7 @@
       </p:sp>
       <p:sp>
         <p:nvSpPr>
-          <p:cNvPr id="2012" name="footprint"/>
+          <p:cNvPr id="20612" name="footprint"/>
           <p:cNvSpPr/>
           <p:nvPr/>
         </p:nvSpPr>
@@ -4438,7 +4438,7 @@
       </p:sp>
       <p:sp>
         <p:nvSpPr>
-          <p:cNvPr id="2013" name="footprint"/>
+          <p:cNvPr id="20613" name="footprint"/>
           <p:cNvSpPr/>
           <p:nvPr/>
         </p:nvSpPr>
@@ -4479,7 +4479,7 @@
       </p:sp>
       <p:sp>
         <p:nvSpPr>
-          <p:cNvPr id="2014" name="footprint"/>
+          <p:cNvPr id="20614" name="footprint"/>
           <p:cNvSpPr/>
           <p:nvPr/>
         </p:nvSpPr>
@@ -4520,7 +4520,7 @@
       </p:sp>
       <p:sp>
         <p:nvSpPr>
-          <p:cNvPr id="2015" name="footprint"/>
+          <p:cNvPr id="20615" name="footprint"/>
           <p:cNvSpPr/>
           <p:nvPr/>
         </p:nvSpPr>
@@ -4561,7 +4561,7 @@
       </p:sp>
       <p:sp>
         <p:nvSpPr>
-          <p:cNvPr id="2016" name="footprint"/>
+          <p:cNvPr id="20616" name="footprint"/>
           <p:cNvSpPr/>
           <p:nvPr/>
         </p:nvSpPr>
@@ -4602,7 +4602,7 @@
       </p:sp>
       <p:sp>
         <p:nvSpPr>
-          <p:cNvPr id="2017" name="footprint"/>
+          <p:cNvPr id="20617" name="footprint"/>
           <p:cNvSpPr/>
           <p:nvPr/>
         </p:nvSpPr>
@@ -4643,7 +4643,7 @@
       </p:sp>
       <p:sp>
         <p:nvSpPr>
-          <p:cNvPr id="2018" name="footprint"/>
+          <p:cNvPr id="20618" name="footprint"/>
           <p:cNvSpPr/>
           <p:nvPr/>
         </p:nvSpPr>
@@ -4684,7 +4684,7 @@
       </p:sp>
       <p:sp>
         <p:nvSpPr>
-          <p:cNvPr id="2019" name="footprint"/>
+          <p:cNvPr id="20619" name="footprint"/>
           <p:cNvSpPr/>
           <p:nvPr/>
         </p:nvSpPr>
@@ -4725,7 +4725,7 @@
       </p:sp>
       <p:sp>
         <p:nvSpPr>
-          <p:cNvPr id="2020" name="footprint"/>
+          <p:cNvPr id="20620" name="footprint"/>
           <p:cNvSpPr/>
           <p:nvPr/>
         </p:nvSpPr>
@@ -4766,7 +4766,7 @@
       </p:sp>
       <p:sp>
         <p:nvSpPr>
-          <p:cNvPr id="2021" name="footprint"/>
+          <p:cNvPr id="20621" name="footprint"/>
           <p:cNvSpPr/>
           <p:nvPr/>
         </p:nvSpPr>
@@ -4807,7 +4807,7 @@
       </p:sp>
       <p:sp>
         <p:nvSpPr>
-          <p:cNvPr id="2022" name="footprint"/>
+          <p:cNvPr id="20622" name="footprint"/>
           <p:cNvSpPr/>
           <p:nvPr/>
         </p:nvSpPr>
@@ -4848,7 +4848,7 @@
       </p:sp>
       <p:sp>
         <p:nvSpPr>
-          <p:cNvPr id="2023" name="footprint"/>
+          <p:cNvPr id="20623" name="footprint"/>
           <p:cNvSpPr/>
           <p:nvPr/>
         </p:nvSpPr>
@@ -4889,7 +4889,7 @@
       </p:sp>
       <p:sp>
         <p:nvSpPr>
-          <p:cNvPr id="2024" name="footprint"/>
+          <p:cNvPr id="20624" name="footprint"/>
           <p:cNvSpPr/>
           <p:nvPr/>
         </p:nvSpPr>
@@ -4930,7 +4930,7 @@
       </p:sp>
       <p:sp>
         <p:nvSpPr>
-          <p:cNvPr id="2025" name="footprint"/>
+          <p:cNvPr id="20625" name="footprint"/>
           <p:cNvSpPr/>
           <p:nvPr/>
         </p:nvSpPr>
@@ -4971,7 +4971,7 @@
       </p:sp>
       <p:sp>
         <p:nvSpPr>
-          <p:cNvPr id="2026" name="footprint"/>
+          <p:cNvPr id="20626" name="footprint"/>
           <p:cNvSpPr/>
           <p:nvPr/>
         </p:nvSpPr>
@@ -5012,7 +5012,7 @@
       </p:sp>
       <p:sp>
         <p:nvSpPr>
-          <p:cNvPr id="2027" name="footprint"/>
+          <p:cNvPr id="20627" name="footprint"/>
           <p:cNvSpPr/>
           <p:nvPr/>
         </p:nvSpPr>
@@ -5053,7 +5053,7 @@
       </p:sp>
       <p:sp>
         <p:nvSpPr>
-          <p:cNvPr id="2028" name="footprint"/>
+          <p:cNvPr id="20628" name="footprint"/>
           <p:cNvSpPr/>
           <p:nvPr/>
         </p:nvSpPr>
@@ -5094,7 +5094,7 @@
       </p:sp>
       <p:sp>
         <p:nvSpPr>
-          <p:cNvPr id="2029" name="footprint"/>
+          <p:cNvPr id="20629" name="footprint"/>
           <p:cNvSpPr/>
           <p:nvPr/>
         </p:nvSpPr>
@@ -5135,7 +5135,7 @@
       </p:sp>
       <p:sp>
         <p:nvSpPr>
-          <p:cNvPr id="2030" name="footprint"/>
+          <p:cNvPr id="20630" name="footprint"/>
           <p:cNvSpPr/>
           <p:nvPr/>
         </p:nvSpPr>
@@ -5176,7 +5176,7 @@
       </p:sp>
       <p:sp>
         <p:nvSpPr>
-          <p:cNvPr id="2031" name="footprint"/>
+          <p:cNvPr id="20631" name="footprint"/>
           <p:cNvSpPr/>
           <p:nvPr/>
         </p:nvSpPr>
@@ -5217,7 +5217,7 @@
       </p:sp>
       <p:sp>
         <p:nvSpPr>
-          <p:cNvPr id="2032" name="footprint"/>
+          <p:cNvPr id="20632" name="footprint"/>
           <p:cNvSpPr/>
           <p:nvPr/>
         </p:nvSpPr>
@@ -5258,7 +5258,7 @@
       </p:sp>
       <p:sp>
         <p:nvSpPr>
-          <p:cNvPr id="2033" name="footprint"/>
+          <p:cNvPr id="20633" name="footprint"/>
           <p:cNvSpPr/>
           <p:nvPr/>
         </p:nvSpPr>
@@ -5299,7 +5299,7 @@
       </p:sp>
       <p:sp>
         <p:nvSpPr>
-          <p:cNvPr id="2034" name="footprint"/>
+          <p:cNvPr id="20634" name="footprint"/>
           <p:cNvSpPr/>
           <p:nvPr/>
         </p:nvSpPr>
@@ -5340,7 +5340,7 @@
       </p:sp>
       <p:sp>
         <p:nvSpPr>
-          <p:cNvPr id="2035" name="footprint"/>
+          <p:cNvPr id="20635" name="footprint"/>
           <p:cNvSpPr/>
           <p:nvPr/>
         </p:nvSpPr>
@@ -5381,7 +5381,7 @@
       </p:sp>
       <p:sp>
         <p:nvSpPr>
-          <p:cNvPr id="2036" name="footprint"/>
+          <p:cNvPr id="20636" name="footprint"/>
           <p:cNvSpPr/>
           <p:nvPr/>
         </p:nvSpPr>
@@ -5422,7 +5422,7 @@
       </p:sp>
       <p:sp>
         <p:nvSpPr>
-          <p:cNvPr id="2037" name="footprint"/>
+          <p:cNvPr id="20637" name="footprint"/>
           <p:cNvSpPr/>
           <p:nvPr/>
         </p:nvSpPr>
@@ -5463,7 +5463,7 @@
       </p:sp>
       <p:sp>
         <p:nvSpPr>
-          <p:cNvPr id="2038" name="footprint"/>
+          <p:cNvPr id="20638" name="footprint"/>
           <p:cNvSpPr/>
           <p:nvPr/>
         </p:nvSpPr>
@@ -5504,7 +5504,7 @@
       </p:sp>
       <p:sp>
         <p:nvSpPr>
-          <p:cNvPr id="2039" name="footprint"/>
+          <p:cNvPr id="20639" name="footprint"/>
           <p:cNvSpPr/>
           <p:nvPr/>
         </p:nvSpPr>
@@ -5545,7 +5545,7 @@
       </p:sp>
       <p:sp>
         <p:nvSpPr>
-          <p:cNvPr id="2040" name="footprint"/>
+          <p:cNvPr id="20640" name="footprint"/>
           <p:cNvSpPr/>
           <p:nvPr/>
         </p:nvSpPr>
@@ -5586,7 +5586,7 @@
       </p:sp>
       <p:sp>
         <p:nvSpPr>
-          <p:cNvPr id="2041" name="footprint"/>
+          <p:cNvPr id="20641" name="footprint"/>
           <p:cNvSpPr/>
           <p:nvPr/>
         </p:nvSpPr>
@@ -5627,7 +5627,7 @@
       </p:sp>
       <p:sp>
         <p:nvSpPr>
-          <p:cNvPr id="2042" name="footprint"/>
+          <p:cNvPr id="20642" name="footprint"/>
           <p:cNvSpPr/>
           <p:nvPr/>
         </p:nvSpPr>
@@ -5668,7 +5668,7 @@
       </p:sp>
       <p:sp>
         <p:nvSpPr>
-          <p:cNvPr id="2043" name="footprint"/>
+          <p:cNvPr id="20643" name="footprint"/>
           <p:cNvSpPr/>
           <p:nvPr/>
         </p:nvSpPr>
@@ -5709,7 +5709,7 @@
       </p:sp>
       <p:sp>
         <p:nvSpPr>
-          <p:cNvPr id="2044" name="footprint"/>
+          <p:cNvPr id="20644" name="footprint"/>
           <p:cNvSpPr/>
           <p:nvPr/>
         </p:nvSpPr>
@@ -5750,7 +5750,7 @@
       </p:sp>
       <p:sp>
         <p:nvSpPr>
-          <p:cNvPr id="2045" name="footprint"/>
+          <p:cNvPr id="20645" name="footprint"/>
           <p:cNvSpPr/>
           <p:nvPr/>
         </p:nvSpPr>
@@ -5791,7 +5791,7 @@
       </p:sp>
       <p:sp>
         <p:nvSpPr>
-          <p:cNvPr id="2046" name="footprint"/>
+          <p:cNvPr id="20646" name="footprint"/>
           <p:cNvSpPr/>
           <p:nvPr/>
         </p:nvSpPr>
@@ -5832,7 +5832,7 @@
       </p:sp>
       <p:sp>
         <p:nvSpPr>
-          <p:cNvPr id="2047" name="footprint"/>
+          <p:cNvPr id="20647" name="footprint"/>
           <p:cNvSpPr/>
           <p:nvPr/>
         </p:nvSpPr>
@@ -5873,7 +5873,7 @@
       </p:sp>
       <p:sp>
         <p:nvSpPr>
-          <p:cNvPr id="2048" name="footprint"/>
+          <p:cNvPr id="20648" name="footprint"/>
           <p:cNvSpPr/>
           <p:nvPr/>
         </p:nvSpPr>
@@ -5914,7 +5914,7 @@
       </p:sp>
       <p:sp>
         <p:nvSpPr>
-          <p:cNvPr id="2049" name="footprint"/>
+          <p:cNvPr id="20649" name="footprint"/>
           <p:cNvSpPr/>
           <p:nvPr/>
         </p:nvSpPr>
@@ -5955,7 +5955,7 @@
       </p:sp>
       <p:sp>
         <p:nvSpPr>
-          <p:cNvPr id="2050" name="footprint"/>
+          <p:cNvPr id="20650" name="footprint"/>
           <p:cNvSpPr/>
           <p:nvPr/>
         </p:nvSpPr>
@@ -5996,7 +5996,7 @@
       </p:sp>
       <p:sp>
         <p:nvSpPr>
-          <p:cNvPr id="2051" name="footprint"/>
+          <p:cNvPr id="20651" name="footprint"/>
           <p:cNvSpPr/>
           <p:nvPr/>
         </p:nvSpPr>
@@ -6037,7 +6037,7 @@
       </p:sp>
       <p:sp>
         <p:nvSpPr>
-          <p:cNvPr id="2052" name="footprint"/>
+          <p:cNvPr id="20652" name="footprint"/>
           <p:cNvSpPr/>
           <p:nvPr/>
         </p:nvSpPr>
@@ -6078,7 +6078,7 @@
       </p:sp>
       <p:sp>
         <p:nvSpPr>
-          <p:cNvPr id="2053" name="footprint"/>
+          <p:cNvPr id="20653" name="footprint"/>
           <p:cNvSpPr/>
           <p:nvPr/>
         </p:nvSpPr>
@@ -6119,7 +6119,7 @@
       </p:sp>
       <p:sp>
         <p:nvSpPr>
-          <p:cNvPr id="2054" name="footprint"/>
+          <p:cNvPr id="20654" name="footprint"/>
           <p:cNvSpPr/>
           <p:nvPr/>
         </p:nvSpPr>
@@ -6160,7 +6160,7 @@
       </p:sp>
       <p:sp>
         <p:nvSpPr>
-          <p:cNvPr id="2055" name="footprint"/>
+          <p:cNvPr id="20655" name="footprint"/>
           <p:cNvSpPr/>
           <p:nvPr/>
         </p:nvSpPr>
@@ -6201,7 +6201,7 @@
       </p:sp>
       <p:sp>
         <p:nvSpPr>
-          <p:cNvPr id="2056" name="footprint"/>
+          <p:cNvPr id="20656" name="footprint"/>
           <p:cNvSpPr/>
           <p:nvPr/>
         </p:nvSpPr>
@@ -6242,7 +6242,7 @@
       </p:sp>
       <p:sp>
         <p:nvSpPr>
-          <p:cNvPr id="2057" name="footprint"/>
+          <p:cNvPr id="20657" name="footprint"/>
           <p:cNvSpPr/>
           <p:nvPr/>
         </p:nvSpPr>
@@ -6283,7 +6283,7 @@
       </p:sp>
       <p:sp>
         <p:nvSpPr>
-          <p:cNvPr id="2058" name="footprint"/>
+          <p:cNvPr id="20658" name="footprint"/>
           <p:cNvSpPr/>
           <p:nvPr/>
         </p:nvSpPr>
@@ -6324,7 +6324,7 @@
       </p:sp>
       <p:sp>
         <p:nvSpPr>
-          <p:cNvPr id="2059" name="footprint"/>
+          <p:cNvPr id="20659" name="footprint"/>
           <p:cNvSpPr/>
           <p:nvPr/>
         </p:nvSpPr>
@@ -6365,7 +6365,7 @@
       </p:sp>
       <p:sp>
         <p:nvSpPr>
-          <p:cNvPr id="2060" name="footprint"/>
+          <p:cNvPr id="20660" name="footprint"/>
           <p:cNvSpPr/>
           <p:nvPr/>
         </p:nvSpPr>
@@ -6406,7 +6406,7 @@
       </p:sp>
       <p:sp>
         <p:nvSpPr>
-          <p:cNvPr id="2061" name="footprint"/>
+          <p:cNvPr id="20661" name="footprint"/>
           <p:cNvSpPr/>
           <p:nvPr/>
         </p:nvSpPr>
@@ -6447,7 +6447,7 @@
       </p:sp>
       <p:sp>
         <p:nvSpPr>
-          <p:cNvPr id="2062" name="footprint"/>
+          <p:cNvPr id="20662" name="footprint"/>
           <p:cNvSpPr/>
           <p:nvPr/>
         </p:nvSpPr>
@@ -6488,7 +6488,7 @@
       </p:sp>
       <p:sp>
         <p:nvSpPr>
-          <p:cNvPr id="2063" name="footprint"/>
+          <p:cNvPr id="20663" name="footprint"/>
           <p:cNvSpPr/>
           <p:nvPr/>
         </p:nvSpPr>
@@ -6529,7 +6529,7 @@
       </p:sp>
       <p:sp>
         <p:nvSpPr>
-          <p:cNvPr id="2064" name="footprint"/>
+          <p:cNvPr id="20664" name="footprint"/>
           <p:cNvSpPr/>
           <p:nvPr/>
         </p:nvSpPr>
@@ -6570,7 +6570,7 @@
       </p:sp>
       <p:sp>
         <p:nvSpPr>
-          <p:cNvPr id="2065" name="footprint"/>
+          <p:cNvPr id="20665" name="footprint"/>
           <p:cNvSpPr/>
           <p:nvPr/>
         </p:nvSpPr>
@@ -6611,7 +6611,7 @@
       </p:sp>
       <p:sp>
         <p:nvSpPr>
-          <p:cNvPr id="2066" name="footprint"/>
+          <p:cNvPr id="20666" name="footprint"/>
           <p:cNvSpPr/>
           <p:nvPr/>
         </p:nvSpPr>
@@ -6652,7 +6652,7 @@
       </p:sp>
       <p:sp>
         <p:nvSpPr>
-          <p:cNvPr id="2067" name="footprint"/>
+          <p:cNvPr id="20667" name="footprint"/>
           <p:cNvSpPr/>
           <p:nvPr/>
         </p:nvSpPr>
@@ -6693,7 +6693,7 @@
       </p:sp>
       <p:sp>
         <p:nvSpPr>
-          <p:cNvPr id="2068" name="footprint"/>
+          <p:cNvPr id="20668" name="footprint"/>
           <p:cNvSpPr/>
           <p:nvPr/>
         </p:nvSpPr>
@@ -6734,7 +6734,7 @@
       </p:sp>
       <p:sp>
         <p:nvSpPr>
-          <p:cNvPr id="2069" name="footprint"/>
+          <p:cNvPr id="20669" name="footprint"/>
           <p:cNvSpPr/>
           <p:nvPr/>
         </p:nvSpPr>
@@ -6775,7 +6775,7 @@
       </p:sp>
       <p:sp>
         <p:nvSpPr>
-          <p:cNvPr id="2070" name="footprint"/>
+          <p:cNvPr id="20670" name="footprint"/>
           <p:cNvSpPr/>
           <p:nvPr/>
         </p:nvSpPr>
@@ -6816,7 +6816,7 @@
       </p:sp>
       <p:sp>
         <p:nvSpPr>
-          <p:cNvPr id="2071" name="footprint"/>
+          <p:cNvPr id="20671" name="footprint"/>
           <p:cNvSpPr/>
           <p:nvPr/>
         </p:nvSpPr>
@@ -6857,7 +6857,7 @@
       </p:sp>
       <p:sp>
         <p:nvSpPr>
-          <p:cNvPr id="2072" name="footprint"/>
+          <p:cNvPr id="20672" name="footprint"/>
           <p:cNvSpPr/>
           <p:nvPr/>
         </p:nvSpPr>
@@ -6898,7 +6898,7 @@
       </p:sp>
       <p:sp>
         <p:nvSpPr>
-          <p:cNvPr id="2073" name="footprint"/>
+          <p:cNvPr id="20673" name="footprint"/>
           <p:cNvSpPr/>
           <p:nvPr/>
         </p:nvSpPr>
@@ -6939,7 +6939,7 @@
       </p:sp>
       <p:sp>
         <p:nvSpPr>
-          <p:cNvPr id="2074" name="footprint"/>
+          <p:cNvPr id="20674" name="footprint"/>
           <p:cNvSpPr/>
           <p:nvPr/>
         </p:nvSpPr>
@@ -6980,7 +6980,7 @@
       </p:sp>
       <p:sp>
         <p:nvSpPr>
-          <p:cNvPr id="2075" name="footprint"/>
+          <p:cNvPr id="20675" name="footprint"/>
           <p:cNvSpPr/>
           <p:nvPr/>
         </p:nvSpPr>
@@ -7021,7 +7021,7 @@
       </p:sp>
       <p:sp>
         <p:nvSpPr>
-          <p:cNvPr id="2076" name="footprint"/>
+          <p:cNvPr id="20676" name="footprint"/>
           <p:cNvSpPr/>
           <p:nvPr/>
         </p:nvSpPr>
@@ -7062,7 +7062,7 @@
       </p:sp>
       <p:sp>
         <p:nvSpPr>
-          <p:cNvPr id="2077" name="footprint"/>
+          <p:cNvPr id="20677" name="footprint"/>
           <p:cNvSpPr/>
           <p:nvPr/>
         </p:nvSpPr>
@@ -7103,7 +7103,7 @@
       </p:sp>
       <p:sp>
         <p:nvSpPr>
-          <p:cNvPr id="2078" name="footprint"/>
+          <p:cNvPr id="20678" name="footprint"/>
           <p:cNvSpPr/>
           <p:nvPr/>
         </p:nvSpPr>
@@ -7144,7 +7144,7 @@
       </p:sp>
       <p:sp>
         <p:nvSpPr>
-          <p:cNvPr id="2079" name="footprint"/>
+          <p:cNvPr id="20679" name="footprint"/>
           <p:cNvSpPr/>
           <p:nvPr/>
         </p:nvSpPr>
@@ -7185,7 +7185,7 @@
       </p:sp>
       <p:sp>
         <p:nvSpPr>
-          <p:cNvPr id="2080" name="footprint"/>
+          <p:cNvPr id="20680" name="footprint"/>
           <p:cNvSpPr/>
           <p:nvPr/>
         </p:nvSpPr>
@@ -7226,7 +7226,7 @@
       </p:sp>
       <p:sp>
         <p:nvSpPr>
-          <p:cNvPr id="2081" name="footprint"/>
+          <p:cNvPr id="20681" name="footprint"/>
           <p:cNvSpPr/>
           <p:nvPr/>
         </p:nvSpPr>
@@ -7267,7 +7267,7 @@
       </p:sp>
       <p:sp>
         <p:nvSpPr>
-          <p:cNvPr id="2082" name="footprint"/>
+          <p:cNvPr id="20682" name="footprint"/>
           <p:cNvSpPr/>
           <p:nvPr/>
         </p:nvSpPr>
@@ -7308,7 +7308,7 @@
       </p:sp>
       <p:sp>
         <p:nvSpPr>
-          <p:cNvPr id="2083" name="footprint"/>
+          <p:cNvPr id="20683" name="footprint"/>
           <p:cNvSpPr/>
           <p:nvPr/>
         </p:nvSpPr>
@@ -7349,7 +7349,7 @@
       </p:sp>
       <p:sp>
         <p:nvSpPr>
-          <p:cNvPr id="2084" name="footprint"/>
+          <p:cNvPr id="20684" name="footprint"/>
           <p:cNvSpPr/>
           <p:nvPr/>
         </p:nvSpPr>
@@ -7390,7 +7390,7 @@
       </p:sp>
       <p:sp>
         <p:nvSpPr>
-          <p:cNvPr id="2085" name="footprint"/>
+          <p:cNvPr id="20685" name="footprint"/>
           <p:cNvSpPr/>
           <p:nvPr/>
         </p:nvSpPr>
@@ -7431,7 +7431,7 @@
       </p:sp>
       <p:sp>
         <p:nvSpPr>
-          <p:cNvPr id="2086" name="footprint"/>
+          <p:cNvPr id="20686" name="footprint"/>
           <p:cNvSpPr/>
           <p:nvPr/>
         </p:nvSpPr>
@@ -7472,7 +7472,7 @@
       </p:sp>
       <p:sp>
         <p:nvSpPr>
-          <p:cNvPr id="2087" name="footprint"/>
+          <p:cNvPr id="20687" name="footprint"/>
           <p:cNvSpPr/>
           <p:nvPr/>
         </p:nvSpPr>
@@ -7513,7 +7513,7 @@
       </p:sp>
       <p:sp>
         <p:nvSpPr>
-          <p:cNvPr id="2088" name="footprint"/>
+          <p:cNvPr id="20688" name="footprint"/>
           <p:cNvSpPr/>
           <p:nvPr/>
         </p:nvSpPr>
@@ -7554,7 +7554,7 @@
       </p:sp>
       <p:sp>
         <p:nvSpPr>
-          <p:cNvPr id="2089" name="footprint"/>
+          <p:cNvPr id="20689" name="footprint"/>
           <p:cNvSpPr/>
           <p:nvPr/>
         </p:nvSpPr>
@@ -7595,7 +7595,7 @@
       </p:sp>
       <p:sp>
         <p:nvSpPr>
-          <p:cNvPr id="2090" name="footprint"/>
+          <p:cNvPr id="20690" name="footprint"/>
           <p:cNvSpPr/>
           <p:nvPr/>
         </p:nvSpPr>
@@ -7636,7 +7636,7 @@
       </p:sp>
       <p:sp>
         <p:nvSpPr>
-          <p:cNvPr id="2091" name="footprint"/>
+          <p:cNvPr id="20691" name="footprint"/>
           <p:cNvSpPr/>
           <p:nvPr/>
         </p:nvSpPr>
@@ -7677,7 +7677,7 @@
       </p:sp>
       <p:sp>
         <p:nvSpPr>
-          <p:cNvPr id="2092" name="footprint"/>
+          <p:cNvPr id="20692" name="footprint"/>
           <p:cNvSpPr/>
           <p:nvPr/>
         </p:nvSpPr>
@@ -7718,7 +7718,7 @@
       </p:sp>
       <p:sp>
         <p:nvSpPr>
-          <p:cNvPr id="2093" name="footprint"/>
+          <p:cNvPr id="20693" name="footprint"/>
           <p:cNvSpPr/>
           <p:nvPr/>
         </p:nvSpPr>
@@ -7759,7 +7759,7 @@
       </p:sp>
       <p:sp>
         <p:nvSpPr>
-          <p:cNvPr id="2094" name="footprint"/>
+          <p:cNvPr id="20694" name="footprint"/>
           <p:cNvSpPr/>
           <p:nvPr/>
         </p:nvSpPr>
@@ -7800,7 +7800,7 @@
       </p:sp>
       <p:sp>
         <p:nvSpPr>
-          <p:cNvPr id="2095" name="footprint"/>
+          <p:cNvPr id="20695" name="footprint"/>
           <p:cNvSpPr/>
           <p:nvPr/>
         </p:nvSpPr>
@@ -7841,7 +7841,7 @@
       </p:sp>
       <p:sp>
         <p:nvSpPr>
-          <p:cNvPr id="2096" name="footprint"/>
+          <p:cNvPr id="20696" name="footprint"/>
           <p:cNvSpPr/>
           <p:nvPr/>
         </p:nvSpPr>
@@ -7882,7 +7882,7 @@
       </p:sp>
       <p:sp>
         <p:nvSpPr>
-          <p:cNvPr id="2097" name="footprint"/>
+          <p:cNvPr id="20697" name="footprint"/>
           <p:cNvSpPr/>
           <p:nvPr/>
         </p:nvSpPr>
@@ -7923,7 +7923,7 @@
       </p:sp>
       <p:sp>
         <p:nvSpPr>
-          <p:cNvPr id="2098" name="footprint"/>
+          <p:cNvPr id="20698" name="footprint"/>
           <p:cNvSpPr/>
           <p:nvPr/>
         </p:nvSpPr>
@@ -7964,7 +7964,7 @@
       </p:sp>
       <p:sp>
         <p:nvSpPr>
-          <p:cNvPr id="2099" name="footprint"/>
+          <p:cNvPr id="20699" name="footprint"/>
           <p:cNvSpPr/>
           <p:nvPr/>
         </p:nvSpPr>
@@ -8005,7 +8005,7 @@
       </p:sp>
       <p:sp>
         <p:nvSpPr>
-          <p:cNvPr id="2100" name="footprint"/>
+          <p:cNvPr id="20700" name="footprint"/>
           <p:cNvSpPr/>
           <p:nvPr/>
         </p:nvSpPr>
@@ -8046,7 +8046,7 @@
       </p:sp>
       <p:sp>
         <p:nvSpPr>
-          <p:cNvPr id="2101" name="footprint"/>
+          <p:cNvPr id="20701" name="footprint"/>
           <p:cNvSpPr/>
           <p:nvPr/>
         </p:nvSpPr>
@@ -8087,7 +8087,7 @@
       </p:sp>
       <p:sp>
         <p:nvSpPr>
-          <p:cNvPr id="2102" name="footprint"/>
+          <p:cNvPr id="20702" name="footprint"/>
           <p:cNvSpPr/>
           <p:nvPr/>
         </p:nvSpPr>
@@ -8128,7 +8128,7 @@
       </p:sp>
       <p:sp>
         <p:nvSpPr>
-          <p:cNvPr id="2103" name="footprint"/>
+          <p:cNvPr id="20703" name="footprint"/>
           <p:cNvSpPr/>
           <p:nvPr/>
         </p:nvSpPr>
@@ -8169,7 +8169,7 @@
       </p:sp>
       <p:sp>
         <p:nvSpPr>
-          <p:cNvPr id="2104" name="footprint"/>
+          <p:cNvPr id="20704" name="footprint"/>
           <p:cNvSpPr/>
           <p:nvPr/>
         </p:nvSpPr>
@@ -8210,7 +8210,7 @@
       </p:sp>
       <p:sp>
         <p:nvSpPr>
-          <p:cNvPr id="2105" name="footprint"/>
+          <p:cNvPr id="20705" name="footprint"/>
           <p:cNvSpPr/>
           <p:nvPr/>
         </p:nvSpPr>
@@ -8251,7 +8251,7 @@
       </p:sp>
       <p:sp>
         <p:nvSpPr>
-          <p:cNvPr id="2106" name="footprint"/>
+          <p:cNvPr id="20706" name="footprint"/>
           <p:cNvSpPr/>
           <p:nvPr/>
         </p:nvSpPr>
@@ -8292,7 +8292,7 @@
       </p:sp>
       <p:sp>
         <p:nvSpPr>
-          <p:cNvPr id="2107" name="footprint"/>
+          <p:cNvPr id="20707" name="footprint"/>
           <p:cNvSpPr/>
           <p:nvPr/>
         </p:nvSpPr>
@@ -8333,7 +8333,7 @@
       </p:sp>
       <p:sp>
         <p:nvSpPr>
-          <p:cNvPr id="2108" name="footprint"/>
+          <p:cNvPr id="20708" name="footprint"/>
           <p:cNvSpPr/>
           <p:nvPr/>
         </p:nvSpPr>
@@ -8374,7 +8374,7 @@
       </p:sp>
       <p:sp>
         <p:nvSpPr>
-          <p:cNvPr id="2109" name="footprint"/>
+          <p:cNvPr id="20709" name="footprint"/>
           <p:cNvSpPr/>
           <p:nvPr/>
         </p:nvSpPr>
@@ -8415,7 +8415,7 @@
       </p:sp>
       <p:sp>
         <p:nvSpPr>
-          <p:cNvPr id="2110" name="footprint"/>
+          <p:cNvPr id="20710" name="footprint"/>
           <p:cNvSpPr/>
           <p:nvPr/>
         </p:nvSpPr>
@@ -8456,7 +8456,7 @@
       </p:sp>
       <p:sp>
         <p:nvSpPr>
-          <p:cNvPr id="2111" name="footprint"/>
+          <p:cNvPr id="20711" name="footprint"/>
           <p:cNvSpPr/>
           <p:nvPr/>
         </p:nvSpPr>
@@ -8497,7 +8497,7 @@
       </p:sp>
       <p:sp>
         <p:nvSpPr>
-          <p:cNvPr id="2112" name="footprint"/>
+          <p:cNvPr id="20712" name="footprint"/>
           <p:cNvSpPr/>
           <p:nvPr/>
         </p:nvSpPr>
@@ -8538,7 +8538,7 @@
       </p:sp>
       <p:sp>
         <p:nvSpPr>
-          <p:cNvPr id="2113" name="footprint"/>
+          <p:cNvPr id="20713" name="footprint"/>
           <p:cNvSpPr/>
           <p:nvPr/>
         </p:nvSpPr>
@@ -8579,7 +8579,7 @@
       </p:sp>
       <p:sp>
         <p:nvSpPr>
-          <p:cNvPr id="2114" name="footprint"/>
+          <p:cNvPr id="20714" name="footprint"/>
           <p:cNvSpPr/>
           <p:nvPr/>
         </p:nvSpPr>
@@ -8620,7 +8620,7 @@
       </p:sp>
       <p:sp>
         <p:nvSpPr>
-          <p:cNvPr id="2115" name="footprint"/>
+          <p:cNvPr id="20715" name="footprint"/>
           <p:cNvSpPr/>
           <p:nvPr/>
         </p:nvSpPr>
@@ -8661,7 +8661,7 @@
       </p:sp>
       <p:sp>
         <p:nvSpPr>
-          <p:cNvPr id="2116" name="footprint"/>
+          <p:cNvPr id="20716" name="footprint"/>
           <p:cNvSpPr/>
           <p:nvPr/>
         </p:nvSpPr>
@@ -8702,7 +8702,7 @@
       </p:sp>
       <p:sp>
         <p:nvSpPr>
-          <p:cNvPr id="2117" name="footprint"/>
+          <p:cNvPr id="20717" name="footprint"/>
           <p:cNvSpPr/>
           <p:nvPr/>
         </p:nvSpPr>
@@ -8743,7 +8743,7 @@
       </p:sp>
       <p:sp>
         <p:nvSpPr>
-          <p:cNvPr id="2118" name="footprint"/>
+          <p:cNvPr id="20718" name="footprint"/>
           <p:cNvSpPr/>
           <p:nvPr/>
         </p:nvSpPr>
@@ -8784,7 +8784,7 @@
       </p:sp>
       <p:sp>
         <p:nvSpPr>
-          <p:cNvPr id="2119" name="footprint"/>
+          <p:cNvPr id="20719" name="footprint"/>
           <p:cNvSpPr/>
           <p:nvPr/>
         </p:nvSpPr>
@@ -8825,7 +8825,7 @@
       </p:sp>
       <p:sp>
         <p:nvSpPr>
-          <p:cNvPr id="2120" name="footprint"/>
+          <p:cNvPr id="20720" name="footprint"/>
           <p:cNvSpPr/>
           <p:nvPr/>
         </p:nvSpPr>
@@ -8866,7 +8866,7 @@
       </p:sp>
       <p:sp>
         <p:nvSpPr>
-          <p:cNvPr id="2121" name="footprint"/>
+          <p:cNvPr id="20721" name="footprint"/>
           <p:cNvSpPr/>
           <p:nvPr/>
         </p:nvSpPr>
@@ -8907,7 +8907,7 @@
       </p:sp>
       <p:sp>
         <p:nvSpPr>
-          <p:cNvPr id="2122" name="footprint"/>
+          <p:cNvPr id="20722" name="footprint"/>
           <p:cNvSpPr/>
           <p:nvPr/>
         </p:nvSpPr>
@@ -8948,7 +8948,7 @@
       </p:sp>
       <p:sp>
         <p:nvSpPr>
-          <p:cNvPr id="2123" name="footprint"/>
+          <p:cNvPr id="20723" name="footprint"/>
           <p:cNvSpPr/>
           <p:nvPr/>
         </p:nvSpPr>
@@ -8989,7 +8989,7 @@
       </p:sp>
       <p:sp>
         <p:nvSpPr>
-          <p:cNvPr id="2124" name="footprint"/>
+          <p:cNvPr id="20724" name="footprint"/>
           <p:cNvSpPr/>
           <p:nvPr/>
         </p:nvSpPr>
@@ -9030,7 +9030,7 @@
       </p:sp>
       <p:sp>
         <p:nvSpPr>
-          <p:cNvPr id="2125" name="footprint"/>
+          <p:cNvPr id="20725" name="footprint"/>
           <p:cNvSpPr/>
           <p:nvPr/>
         </p:nvSpPr>
@@ -9071,7 +9071,7 @@
       </p:sp>
       <p:sp>
         <p:nvSpPr>
-          <p:cNvPr id="2126" name="footprint"/>
+          <p:cNvPr id="20726" name="footprint"/>
           <p:cNvSpPr/>
           <p:nvPr/>
         </p:nvSpPr>
@@ -9112,7 +9112,7 @@
       </p:sp>
       <p:sp>
         <p:nvSpPr>
-          <p:cNvPr id="2127" name="footprint"/>
+          <p:cNvPr id="20727" name="footprint"/>
           <p:cNvSpPr/>
           <p:nvPr/>
         </p:nvSpPr>
@@ -9153,7 +9153,7 @@
       </p:sp>
       <p:sp>
         <p:nvSpPr>
-          <p:cNvPr id="2128" name="footprint"/>
+          <p:cNvPr id="20728" name="footprint"/>
           <p:cNvSpPr/>
           <p:nvPr/>
         </p:nvSpPr>
@@ -9194,7 +9194,7 @@
       </p:sp>
       <p:sp>
         <p:nvSpPr>
-          <p:cNvPr id="2129" name="footprint"/>
+          <p:cNvPr id="20729" name="footprint"/>
           <p:cNvSpPr/>
           <p:nvPr/>
         </p:nvSpPr>
@@ -9235,7 +9235,7 @@
       </p:sp>
       <p:sp>
         <p:nvSpPr>
-          <p:cNvPr id="2130" name="footprint"/>
+          <p:cNvPr id="20730" name="footprint"/>
           <p:cNvSpPr/>
           <p:nvPr/>
         </p:nvSpPr>
@@ -9276,7 +9276,7 @@
       </p:sp>
       <p:sp>
         <p:nvSpPr>
-          <p:cNvPr id="2131" name="footprint"/>
+          <p:cNvPr id="20731" name="footprint"/>
           <p:cNvSpPr/>
           <p:nvPr/>
         </p:nvSpPr>
@@ -9317,7 +9317,7 @@
       </p:sp>
       <p:sp>
         <p:nvSpPr>
-          <p:cNvPr id="2132" name="footprint"/>
+          <p:cNvPr id="20732" name="footprint"/>
           <p:cNvSpPr/>
           <p:nvPr/>
         </p:nvSpPr>
@@ -9358,7 +9358,7 @@
       </p:sp>
       <p:sp>
         <p:nvSpPr>
-          <p:cNvPr id="2133" name="footprint"/>
+          <p:cNvPr id="20733" name="footprint"/>
           <p:cNvSpPr/>
           <p:nvPr/>
         </p:nvSpPr>
@@ -9399,7 +9399,7 @@
       </p:sp>
       <p:sp>
         <p:nvSpPr>
-          <p:cNvPr id="2134" name="footprint"/>
+          <p:cNvPr id="20734" name="footprint"/>
           <p:cNvSpPr/>
           <p:nvPr/>
         </p:nvSpPr>
@@ -9440,7 +9440,7 @@
       </p:sp>
       <p:sp>
         <p:nvSpPr>
-          <p:cNvPr id="2135" name="footprint"/>
+          <p:cNvPr id="20735" name="footprint"/>
           <p:cNvSpPr/>
           <p:nvPr/>
         </p:nvSpPr>
@@ -9481,7 +9481,7 @@
       </p:sp>
       <p:sp>
         <p:nvSpPr>
-          <p:cNvPr id="2136" name="footprint"/>
+          <p:cNvPr id="20736" name="footprint"/>
           <p:cNvSpPr/>
           <p:nvPr/>
         </p:nvSpPr>
@@ -9522,7 +9522,7 @@
       </p:sp>
       <p:sp>
         <p:nvSpPr>
-          <p:cNvPr id="2137" name="footprint"/>
+          <p:cNvPr id="20737" name="footprint"/>
           <p:cNvSpPr/>
           <p:nvPr/>
         </p:nvSpPr>
@@ -9563,7 +9563,7 @@
       </p:sp>
       <p:sp>
         <p:nvSpPr>
-          <p:cNvPr id="2138" name="footprint"/>
+          <p:cNvPr id="20738" name="footprint"/>
           <p:cNvSpPr/>
           <p:nvPr/>
         </p:nvSpPr>
@@ -9604,7 +9604,7 @@
       </p:sp>
       <p:sp>
         <p:nvSpPr>
-          <p:cNvPr id="2139" name="footprint"/>
+          <p:cNvPr id="20739" name="footprint"/>
           <p:cNvSpPr/>
           <p:nvPr/>
         </p:nvSpPr>
@@ -9645,7 +9645,7 @@
       </p:sp>
       <p:sp>
         <p:nvSpPr>
-          <p:cNvPr id="2140" name="footprint"/>
+          <p:cNvPr id="20740" name="footprint"/>
           <p:cNvSpPr/>
           <p:nvPr/>
         </p:nvSpPr>
@@ -9686,7 +9686,7 @@
       </p:sp>
       <p:sp>
         <p:nvSpPr>
-          <p:cNvPr id="2141" name="footprint"/>
+          <p:cNvPr id="20741" name="footprint"/>
           <p:cNvSpPr/>
           <p:nvPr/>
         </p:nvSpPr>
@@ -9727,7 +9727,7 @@
       </p:sp>
       <p:sp>
         <p:nvSpPr>
-          <p:cNvPr id="2142" name="footprint"/>
+          <p:cNvPr id="20742" name="footprint"/>
           <p:cNvSpPr/>
           <p:nvPr/>
         </p:nvSpPr>
@@ -9768,7 +9768,7 @@
       </p:sp>
       <p:sp>
         <p:nvSpPr>
-          <p:cNvPr id="2143" name="footprint"/>
+          <p:cNvPr id="20743" name="footprint"/>
           <p:cNvSpPr/>
           <p:nvPr/>
         </p:nvSpPr>
@@ -9809,7 +9809,7 @@
       </p:sp>
       <p:sp>
         <p:nvSpPr>
-          <p:cNvPr id="2144" name="footprint"/>
+          <p:cNvPr id="20744" name="footprint"/>
           <p:cNvSpPr/>
           <p:nvPr/>
         </p:nvSpPr>
@@ -9850,7 +9850,7 @@
       </p:sp>
       <p:sp>
         <p:nvSpPr>
-          <p:cNvPr id="2145" name="footprint"/>
+          <p:cNvPr id="20745" name="footprint"/>
           <p:cNvSpPr/>
           <p:nvPr/>
         </p:nvSpPr>
@@ -9891,7 +9891,7 @@
       </p:sp>
       <p:sp>
         <p:nvSpPr>
-          <p:cNvPr id="2146" name="footprint"/>
+          <p:cNvPr id="20746" name="footprint"/>
           <p:cNvSpPr/>
           <p:nvPr/>
         </p:nvSpPr>
@@ -9932,7 +9932,7 @@
       </p:sp>
       <p:sp>
         <p:nvSpPr>
-          <p:cNvPr id="2147" name="footprint"/>
+          <p:cNvPr id="20747" name="footprint"/>
           <p:cNvSpPr/>
           <p:nvPr/>
         </p:nvSpPr>
@@ -9973,7 +9973,7 @@
       </p:sp>
       <p:sp>
         <p:nvSpPr>
-          <p:cNvPr id="2148" name="footprint"/>
+          <p:cNvPr id="20748" name="footprint"/>
           <p:cNvSpPr/>
           <p:nvPr/>
         </p:nvSpPr>
@@ -10014,7 +10014,7 @@
       </p:sp>
       <p:sp>
         <p:nvSpPr>
-          <p:cNvPr id="2149" name="footprint"/>
+          <p:cNvPr id="20749" name="footprint"/>
           <p:cNvSpPr/>
           <p:nvPr/>
         </p:nvSpPr>
@@ -10055,7 +10055,7 @@
       </p:sp>
       <p:sp>
         <p:nvSpPr>
-          <p:cNvPr id="2150" name="footprint"/>
+          <p:cNvPr id="20750" name="footprint"/>
           <p:cNvSpPr/>
           <p:nvPr/>
         </p:nvSpPr>
@@ -10096,7 +10096,7 @@
       </p:sp>
       <p:sp>
         <p:nvSpPr>
-          <p:cNvPr id="2151" name="footprint"/>
+          <p:cNvPr id="20751" name="footprint"/>
           <p:cNvSpPr/>
           <p:nvPr/>
         </p:nvSpPr>
@@ -10137,7 +10137,7 @@
       </p:sp>
       <p:sp>
         <p:nvSpPr>
-          <p:cNvPr id="2152" name="footprint"/>
+          <p:cNvPr id="20752" name="footprint"/>
           <p:cNvSpPr/>
           <p:nvPr/>
         </p:nvSpPr>
@@ -10178,7 +10178,7 @@
       </p:sp>
       <p:sp>
         <p:nvSpPr>
-          <p:cNvPr id="2153" name="footprint"/>
+          <p:cNvPr id="20753" name="footprint"/>
           <p:cNvSpPr/>
           <p:nvPr/>
         </p:nvSpPr>
@@ -10219,7 +10219,7 @@
       </p:sp>
       <p:sp>
         <p:nvSpPr>
-          <p:cNvPr id="2154" name="footprint"/>
+          <p:cNvPr id="20754" name="footprint"/>
           <p:cNvSpPr/>
           <p:nvPr/>
         </p:nvSpPr>
@@ -10260,7 +10260,7 @@
       </p:sp>
       <p:sp>
         <p:nvSpPr>
-          <p:cNvPr id="2155" name="footprint"/>
+          <p:cNvPr id="20755" name="footprint"/>
           <p:cNvSpPr/>
           <p:nvPr/>
         </p:nvSpPr>
@@ -10301,7 +10301,7 @@
       </p:sp>
       <p:sp>
         <p:nvSpPr>
-          <p:cNvPr id="2156" name="footprint"/>
+          <p:cNvPr id="20756" name="footprint"/>
           <p:cNvSpPr/>
           <p:nvPr/>
         </p:nvSpPr>
@@ -10342,7 +10342,7 @@
       </p:sp>
       <p:sp>
         <p:nvSpPr>
-          <p:cNvPr id="2157" name="footprint"/>
+          <p:cNvPr id="20757" name="footprint"/>
           <p:cNvSpPr/>
           <p:nvPr/>
         </p:nvSpPr>
@@ -10383,7 +10383,7 @@
       </p:sp>
       <p:sp>
         <p:nvSpPr>
-          <p:cNvPr id="2158" name="footprint"/>
+          <p:cNvPr id="20758" name="footprint"/>
           <p:cNvSpPr/>
           <p:nvPr/>
         </p:nvSpPr>
@@ -10424,7 +10424,7 @@
       </p:sp>
       <p:sp>
         <p:nvSpPr>
-          <p:cNvPr id="2159" name="footprint"/>
+          <p:cNvPr id="20759" name="footprint"/>
           <p:cNvSpPr/>
           <p:nvPr/>
         </p:nvSpPr>
@@ -10465,7 +10465,7 @@
       </p:sp>
       <p:sp>
         <p:nvSpPr>
-          <p:cNvPr id="2160" name="footprint"/>
+          <p:cNvPr id="20760" name="footprint"/>
           <p:cNvSpPr/>
           <p:nvPr/>
         </p:nvSpPr>
@@ -10506,7 +10506,7 @@
       </p:sp>
       <p:sp>
         <p:nvSpPr>
-          <p:cNvPr id="2161" name="footprint"/>
+          <p:cNvPr id="20761" name="footprint"/>
           <p:cNvSpPr/>
           <p:nvPr/>
         </p:nvSpPr>
@@ -10547,7 +10547,7 @@
       </p:sp>
       <p:sp>
         <p:nvSpPr>
-          <p:cNvPr id="2162" name="footprint"/>
+          <p:cNvPr id="20762" name="footprint"/>
           <p:cNvSpPr/>
           <p:nvPr/>
         </p:nvSpPr>
@@ -10588,7 +10588,7 @@
       </p:sp>
       <p:sp>
         <p:nvSpPr>
-          <p:cNvPr id="2163" name="footprint"/>
+          <p:cNvPr id="20763" name="footprint"/>
           <p:cNvSpPr/>
           <p:nvPr/>
         </p:nvSpPr>
@@ -10629,7 +10629,7 @@
       </p:sp>
       <p:sp>
         <p:nvSpPr>
-          <p:cNvPr id="2164" name="footprint"/>
+          <p:cNvPr id="20764" name="footprint"/>
           <p:cNvSpPr/>
           <p:nvPr/>
         </p:nvSpPr>
@@ -10670,7 +10670,7 @@
       </p:sp>
       <p:sp>
         <p:nvSpPr>
-          <p:cNvPr id="2165" name="footprint"/>
+          <p:cNvPr id="20765" name="footprint"/>
           <p:cNvSpPr/>
           <p:nvPr/>
         </p:nvSpPr>
@@ -10711,7 +10711,7 @@
       </p:sp>
       <p:sp>
         <p:nvSpPr>
-          <p:cNvPr id="2166" name="footprint"/>
+          <p:cNvPr id="20766" name="footprint"/>
           <p:cNvSpPr/>
           <p:nvPr/>
         </p:nvSpPr>
@@ -10752,7 +10752,7 @@
       </p:sp>
       <p:sp>
         <p:nvSpPr>
-          <p:cNvPr id="2167" name="footprint"/>
+          <p:cNvPr id="20767" name="footprint"/>
           <p:cNvSpPr/>
           <p:nvPr/>
         </p:nvSpPr>
@@ -10793,7 +10793,7 @@
       </p:sp>
       <p:sp>
         <p:nvSpPr>
-          <p:cNvPr id="2168" name="footprint"/>
+          <p:cNvPr id="20768" name="footprint"/>
           <p:cNvSpPr/>
           <p:nvPr/>
         </p:nvSpPr>
@@ -10834,7 +10834,7 @@
       </p:sp>
       <p:sp>
         <p:nvSpPr>
-          <p:cNvPr id="2169" name="footprint"/>
+          <p:cNvPr id="20769" name="footprint"/>
           <p:cNvSpPr/>
           <p:nvPr/>
         </p:nvSpPr>
@@ -10875,7 +10875,7 @@
       </p:sp>
       <p:sp>
         <p:nvSpPr>
-          <p:cNvPr id="2170" name="footprint"/>
+          <p:cNvPr id="20770" name="footprint"/>
           <p:cNvSpPr/>
           <p:nvPr/>
         </p:nvSpPr>
@@ -10916,7 +10916,7 @@
       </p:sp>
       <p:sp>
         <p:nvSpPr>
-          <p:cNvPr id="2171" name="footprint"/>
+          <p:cNvPr id="20771" name="footprint"/>
           <p:cNvSpPr/>
           <p:nvPr/>
         </p:nvSpPr>
@@ -10957,7 +10957,7 @@
       </p:sp>
       <p:sp>
         <p:nvSpPr>
-          <p:cNvPr id="2172" name="footprint"/>
+          <p:cNvPr id="20772" name="footprint"/>
           <p:cNvSpPr/>
           <p:nvPr/>
         </p:nvSpPr>
@@ -25129,7 +25129,7 @@
                                           </p:stCondLst>
                                         </p:cTn>
                                         <p:tgtEl>
-                                          <p:spTgt spid="2000"/>
+                                          <p:spTgt spid="20600"/>
                                         </p:tgtEl>
                                         <p:attrNameLst>
                                           <p:attrName>style.visibility</p:attrName>
@@ -25156,7 +25156,7 @@
                                           </p:stCondLst>
                                         </p:cTn>
                                         <p:tgtEl>
-                                          <p:spTgt spid="2001"/>
+                                          <p:spTgt spid="20601"/>
                                         </p:tgtEl>
                                         <p:attrNameLst>
                                           <p:attrName>style.visibility</p:attrName>
@@ -25183,7 +25183,7 @@
                                           </p:stCondLst>
                                         </p:cTn>
                                         <p:tgtEl>
-                                          <p:spTgt spid="2002"/>
+                                          <p:spTgt spid="20602"/>
                                         </p:tgtEl>
                                         <p:attrNameLst>
                                           <p:attrName>style.visibility</p:attrName>
@@ -25210,7 +25210,7 @@
                                           </p:stCondLst>
                                         </p:cTn>
                                         <p:tgtEl>
-                                          <p:spTgt spid="2003"/>
+                                          <p:spTgt spid="20603"/>
                                         </p:tgtEl>
                                         <p:attrNameLst>
                                           <p:attrName>style.visibility</p:attrName>
@@ -25237,7 +25237,7 @@
                                           </p:stCondLst>
                                         </p:cTn>
                                         <p:tgtEl>
-                                          <p:spTgt spid="2004"/>
+                                          <p:spTgt spid="20604"/>
                                         </p:tgtEl>
                                         <p:attrNameLst>
                                           <p:attrName>style.visibility</p:attrName>
@@ -25264,7 +25264,7 @@
                                           </p:stCondLst>
                                         </p:cTn>
                                         <p:tgtEl>
-                                          <p:spTgt spid="2005"/>
+                                          <p:spTgt spid="20605"/>
                                         </p:tgtEl>
                                         <p:attrNameLst>
                                           <p:attrName>style.visibility</p:attrName>
@@ -25291,7 +25291,7 @@
                                           </p:stCondLst>
                                         </p:cTn>
                                         <p:tgtEl>
-                                          <p:spTgt spid="2006"/>
+                                          <p:spTgt spid="20606"/>
                                         </p:tgtEl>
                                         <p:attrNameLst>
                                           <p:attrName>style.visibility</p:attrName>
@@ -25318,7 +25318,7 @@
                                           </p:stCondLst>
                                         </p:cTn>
                                         <p:tgtEl>
-                                          <p:spTgt spid="2007"/>
+                                          <p:spTgt spid="20607"/>
                                         </p:tgtEl>
                                         <p:attrNameLst>
                                           <p:attrName>style.visibility</p:attrName>
@@ -25345,7 +25345,7 @@
                                           </p:stCondLst>
                                         </p:cTn>
                                         <p:tgtEl>
-                                          <p:spTgt spid="2008"/>
+                                          <p:spTgt spid="20608"/>
                                         </p:tgtEl>
                                         <p:attrNameLst>
                                           <p:attrName>style.visibility</p:attrName>
@@ -25372,7 +25372,7 @@
                                           </p:stCondLst>
                                         </p:cTn>
                                         <p:tgtEl>
-                                          <p:spTgt spid="2009"/>
+                                          <p:spTgt spid="20609"/>
                                         </p:tgtEl>
                                         <p:attrNameLst>
                                           <p:attrName>style.visibility</p:attrName>
@@ -25399,7 +25399,7 @@
                                           </p:stCondLst>
                                         </p:cTn>
                                         <p:tgtEl>
-                                          <p:spTgt spid="2010"/>
+                                          <p:spTgt spid="20610"/>
                                         </p:tgtEl>
                                         <p:attrNameLst>
                                           <p:attrName>style.visibility</p:attrName>
@@ -25426,7 +25426,7 @@
                                           </p:stCondLst>
                                         </p:cTn>
                                         <p:tgtEl>
-                                          <p:spTgt spid="2011"/>
+                                          <p:spTgt spid="20611"/>
                                         </p:tgtEl>
                                         <p:attrNameLst>
                                           <p:attrName>style.visibility</p:attrName>
@@ -25453,7 +25453,7 @@
                                           </p:stCondLst>
                                         </p:cTn>
                                         <p:tgtEl>
-                                          <p:spTgt spid="2012"/>
+                                          <p:spTgt spid="20612"/>
                                         </p:tgtEl>
                                         <p:attrNameLst>
                                           <p:attrName>style.visibility</p:attrName>
@@ -25480,7 +25480,7 @@
                                           </p:stCondLst>
                                         </p:cTn>
                                         <p:tgtEl>
-                                          <p:spTgt spid="2013"/>
+                                          <p:spTgt spid="20613"/>
                                         </p:tgtEl>
                                         <p:attrNameLst>
                                           <p:attrName>style.visibility</p:attrName>
@@ -25507,7 +25507,7 @@
                                           </p:stCondLst>
                                         </p:cTn>
                                         <p:tgtEl>
-                                          <p:spTgt spid="2014"/>
+                                          <p:spTgt spid="20614"/>
                                         </p:tgtEl>
                                         <p:attrNameLst>
                                           <p:attrName>style.visibility</p:attrName>
@@ -25534,7 +25534,7 @@
                                           </p:stCondLst>
                                         </p:cTn>
                                         <p:tgtEl>
-                                          <p:spTgt spid="2015"/>
+                                          <p:spTgt spid="20615"/>
                                         </p:tgtEl>
                                         <p:attrNameLst>
                                           <p:attrName>style.visibility</p:attrName>
@@ -25561,7 +25561,7 @@
                                           </p:stCondLst>
                                         </p:cTn>
                                         <p:tgtEl>
-                                          <p:spTgt spid="2016"/>
+                                          <p:spTgt spid="20616"/>
                                         </p:tgtEl>
                                         <p:attrNameLst>
                                           <p:attrName>style.visibility</p:attrName>
@@ -25588,7 +25588,7 @@
                                           </p:stCondLst>
                                         </p:cTn>
                                         <p:tgtEl>
-                                          <p:spTgt spid="2017"/>
+                                          <p:spTgt spid="20617"/>
                                         </p:tgtEl>
                                         <p:attrNameLst>
                                           <p:attrName>style.visibility</p:attrName>
@@ -25615,7 +25615,7 @@
                                           </p:stCondLst>
                                         </p:cTn>
                                         <p:tgtEl>
-                                          <p:spTgt spid="2018"/>
+                                          <p:spTgt spid="20618"/>
                                         </p:tgtEl>
                                         <p:attrNameLst>
                                           <p:attrName>style.visibility</p:attrName>
@@ -25642,7 +25642,7 @@
                                           </p:stCondLst>
                                         </p:cTn>
                                         <p:tgtEl>
-                                          <p:spTgt spid="2019"/>
+                                          <p:spTgt spid="20619"/>
                                         </p:tgtEl>
                                         <p:attrNameLst>
                                           <p:attrName>style.visibility</p:attrName>
@@ -25669,7 +25669,7 @@
                                           </p:stCondLst>
                                         </p:cTn>
                                         <p:tgtEl>
-                                          <p:spTgt spid="2020"/>
+                                          <p:spTgt spid="20620"/>
                                         </p:tgtEl>
                                         <p:attrNameLst>
                                           <p:attrName>style.visibility</p:attrName>
@@ -25696,7 +25696,7 @@
                                           </p:stCondLst>
                                         </p:cTn>
                                         <p:tgtEl>
-                                          <p:spTgt spid="2021"/>
+                                          <p:spTgt spid="20621"/>
                                         </p:tgtEl>
                                         <p:attrNameLst>
                                           <p:attrName>style.visibility</p:attrName>
@@ -25723,7 +25723,7 @@
                                           </p:stCondLst>
                                         </p:cTn>
                                         <p:tgtEl>
-                                          <p:spTgt spid="2022"/>
+                                          <p:spTgt spid="20622"/>
                                         </p:tgtEl>
                                         <p:attrNameLst>
                                           <p:attrName>style.visibility</p:attrName>
@@ -25750,7 +25750,7 @@
                                           </p:stCondLst>
                                         </p:cTn>
                                         <p:tgtEl>
-                                          <p:spTgt spid="2023"/>
+                                          <p:spTgt spid="20623"/>
                                         </p:tgtEl>
                                         <p:attrNameLst>
                                           <p:attrName>style.visibility</p:attrName>
@@ -25777,7 +25777,7 @@
                                           </p:stCondLst>
                                         </p:cTn>
                                         <p:tgtEl>
-                                          <p:spTgt spid="2024"/>
+                                          <p:spTgt spid="20624"/>
                                         </p:tgtEl>
                                         <p:attrNameLst>
                                           <p:attrName>style.visibility</p:attrName>
@@ -25804,7 +25804,7 @@
                                           </p:stCondLst>
                                         </p:cTn>
                                         <p:tgtEl>
-                                          <p:spTgt spid="2025"/>
+                                          <p:spTgt spid="20625"/>
                                         </p:tgtEl>
                                         <p:attrNameLst>
                                           <p:attrName>style.visibility</p:attrName>
@@ -25831,7 +25831,7 @@
                                           </p:stCondLst>
                                         </p:cTn>
                                         <p:tgtEl>
-                                          <p:spTgt spid="2026"/>
+                                          <p:spTgt spid="20626"/>
                                         </p:tgtEl>
                                         <p:attrNameLst>
                                           <p:attrName>style.visibility</p:attrName>
@@ -25858,7 +25858,7 @@
                                           </p:stCondLst>
                                         </p:cTn>
                                         <p:tgtEl>
-                                          <p:spTgt spid="2027"/>
+                                          <p:spTgt spid="20627"/>
                                         </p:tgtEl>
                                         <p:attrNameLst>
                                           <p:attrName>style.visibility</p:attrName>
@@ -25885,7 +25885,7 @@
                                           </p:stCondLst>
                                         </p:cTn>
                                         <p:tgtEl>
-                                          <p:spTgt spid="2028"/>
+                                          <p:spTgt spid="20628"/>
                                         </p:tgtEl>
                                         <p:attrNameLst>
                                           <p:attrName>style.visibility</p:attrName>
@@ -25912,7 +25912,7 @@
                                           </p:stCondLst>
                                         </p:cTn>
                                         <p:tgtEl>
-                                          <p:spTgt spid="2029"/>
+                                          <p:spTgt spid="20629"/>
                                         </p:tgtEl>
                                         <p:attrNameLst>
                                           <p:attrName>style.visibility</p:attrName>
@@ -25939,7 +25939,7 @@
                                           </p:stCondLst>
                                         </p:cTn>
                                         <p:tgtEl>
-                                          <p:spTgt spid="2030"/>
+                                          <p:spTgt spid="20630"/>
                                         </p:tgtEl>
                                         <p:attrNameLst>
                                           <p:attrName>style.visibility</p:attrName>
@@ -25966,7 +25966,7 @@
                                           </p:stCondLst>
                                         </p:cTn>
                                         <p:tgtEl>
-                                          <p:spTgt spid="2031"/>
+                                          <p:spTgt spid="20631"/>
                                         </p:tgtEl>
                                         <p:attrNameLst>
                                           <p:attrName>style.visibility</p:attrName>
@@ -25993,7 +25993,7 @@
                                           </p:stCondLst>
                                         </p:cTn>
                                         <p:tgtEl>
-                                          <p:spTgt spid="2032"/>
+                                          <p:spTgt spid="20632"/>
                                         </p:tgtEl>
                                         <p:attrNameLst>
                                           <p:attrName>style.visibility</p:attrName>
@@ -26020,7 +26020,7 @@
                                           </p:stCondLst>
                                         </p:cTn>
                                         <p:tgtEl>
-                                          <p:spTgt spid="2033"/>
+                                          <p:spTgt spid="20633"/>
                                         </p:tgtEl>
                                         <p:attrNameLst>
                                           <p:attrName>style.visibility</p:attrName>
@@ -26047,7 +26047,7 @@
                                           </p:stCondLst>
                                         </p:cTn>
                                         <p:tgtEl>
-                                          <p:spTgt spid="2034"/>
+                                          <p:spTgt spid="20634"/>
                                         </p:tgtEl>
                                         <p:attrNameLst>
                                           <p:attrName>style.visibility</p:attrName>
@@ -26074,7 +26074,7 @@
                                           </p:stCondLst>
                                         </p:cTn>
                                         <p:tgtEl>
-                                          <p:spTgt spid="2035"/>
+                                          <p:spTgt spid="20635"/>
                                         </p:tgtEl>
                                         <p:attrNameLst>
                                           <p:attrName>style.visibility</p:attrName>
@@ -26101,7 +26101,7 @@
                                           </p:stCondLst>
                                         </p:cTn>
                                         <p:tgtEl>
-                                          <p:spTgt spid="2036"/>
+                                          <p:spTgt spid="20636"/>
                                         </p:tgtEl>
                                         <p:attrNameLst>
                                           <p:attrName>style.visibility</p:attrName>
@@ -26128,7 +26128,7 @@
                                           </p:stCondLst>
                                         </p:cTn>
                                         <p:tgtEl>
-                                          <p:spTgt spid="2037"/>
+                                          <p:spTgt spid="20637"/>
                                         </p:tgtEl>
                                         <p:attrNameLst>
                                           <p:attrName>style.visibility</p:attrName>
@@ -26155,7 +26155,7 @@
                                           </p:stCondLst>
                                         </p:cTn>
                                         <p:tgtEl>
-                                          <p:spTgt spid="2038"/>
+                                          <p:spTgt spid="20638"/>
                                         </p:tgtEl>
                                         <p:attrNameLst>
                                           <p:attrName>style.visibility</p:attrName>
@@ -26182,7 +26182,7 @@
                                           </p:stCondLst>
                                         </p:cTn>
                                         <p:tgtEl>
-                                          <p:spTgt spid="2039"/>
+                                          <p:spTgt spid="20639"/>
                                         </p:tgtEl>
                                         <p:attrNameLst>
                                           <p:attrName>style.visibility</p:attrName>
@@ -26209,7 +26209,7 @@
                                           </p:stCondLst>
                                         </p:cTn>
                                         <p:tgtEl>
-                                          <p:spTgt spid="2040"/>
+                                          <p:spTgt spid="20640"/>
                                         </p:tgtEl>
                                         <p:attrNameLst>
                                           <p:attrName>style.visibility</p:attrName>
@@ -26236,7 +26236,7 @@
                                           </p:stCondLst>
                                         </p:cTn>
                                         <p:tgtEl>
-                                          <p:spTgt spid="2041"/>
+                                          <p:spTgt spid="20641"/>
                                         </p:tgtEl>
                                         <p:attrNameLst>
                                           <p:attrName>style.visibility</p:attrName>
@@ -26263,7 +26263,7 @@
                                           </p:stCondLst>
                                         </p:cTn>
                                         <p:tgtEl>
-                                          <p:spTgt spid="2042"/>
+                                          <p:spTgt spid="20642"/>
                                         </p:tgtEl>
                                         <p:attrNameLst>
                                           <p:attrName>style.visibility</p:attrName>
@@ -26290,7 +26290,7 @@
                                           </p:stCondLst>
                                         </p:cTn>
                                         <p:tgtEl>
-                                          <p:spTgt spid="2043"/>
+                                          <p:spTgt spid="20643"/>
                                         </p:tgtEl>
                                         <p:attrNameLst>
                                           <p:attrName>style.visibility</p:attrName>
@@ -26317,7 +26317,7 @@
                                           </p:stCondLst>
                                         </p:cTn>
                                         <p:tgtEl>
-                                          <p:spTgt spid="2044"/>
+                                          <p:spTgt spid="20644"/>
                                         </p:tgtEl>
                                         <p:attrNameLst>
                                           <p:attrName>style.visibility</p:attrName>
@@ -26344,7 +26344,7 @@
                                           </p:stCondLst>
                                         </p:cTn>
                                         <p:tgtEl>
-                                          <p:spTgt spid="2045"/>
+                                          <p:spTgt spid="20645"/>
                                         </p:tgtEl>
                                         <p:attrNameLst>
                                           <p:attrName>style.visibility</p:attrName>
@@ -26371,7 +26371,7 @@
                                           </p:stCondLst>
                                         </p:cTn>
                                         <p:tgtEl>
-                                          <p:spTgt spid="2046"/>
+                                          <p:spTgt spid="20646"/>
                                         </p:tgtEl>
                                         <p:attrNameLst>
                                           <p:attrName>style.visibility</p:attrName>
@@ -26398,7 +26398,7 @@
                                           </p:stCondLst>
                                         </p:cTn>
                                         <p:tgtEl>
-                                          <p:spTgt spid="2047"/>
+                                          <p:spTgt spid="20647"/>
                                         </p:tgtEl>
                                         <p:attrNameLst>
                                           <p:attrName>style.visibility</p:attrName>
@@ -26425,7 +26425,7 @@
                                           </p:stCondLst>
                                         </p:cTn>
                                         <p:tgtEl>
-                                          <p:spTgt spid="2048"/>
+                                          <p:spTgt spid="20648"/>
                                         </p:tgtEl>
                                         <p:attrNameLst>
                                           <p:attrName>style.visibility</p:attrName>
@@ -26452,7 +26452,7 @@
                                           </p:stCondLst>
                                         </p:cTn>
                                         <p:tgtEl>
-                                          <p:spTgt spid="2049"/>
+                                          <p:spTgt spid="20649"/>
                                         </p:tgtEl>
                                         <p:attrNameLst>
                                           <p:attrName>style.visibility</p:attrName>
@@ -26479,7 +26479,7 @@
                                           </p:stCondLst>
                                         </p:cTn>
                                         <p:tgtEl>
-                                          <p:spTgt spid="2050"/>
+                                          <p:spTgt spid="20650"/>
                                         </p:tgtEl>
                                         <p:attrNameLst>
                                           <p:attrName>style.visibility</p:attrName>
@@ -26506,7 +26506,7 @@
                                           </p:stCondLst>
                                         </p:cTn>
                                         <p:tgtEl>
-                                          <p:spTgt spid="2051"/>
+                                          <p:spTgt spid="20651"/>
                                         </p:tgtEl>
                                         <p:attrNameLst>
                                           <p:attrName>style.visibility</p:attrName>
@@ -26533,7 +26533,7 @@
                                           </p:stCondLst>
                                         </p:cTn>
                                         <p:tgtEl>
-                                          <p:spTgt spid="2052"/>
+                                          <p:spTgt spid="20652"/>
                                         </p:tgtEl>
                                         <p:attrNameLst>
                                           <p:attrName>style.visibility</p:attrName>
@@ -26560,7 +26560,7 @@
                                           </p:stCondLst>
                                         </p:cTn>
                                         <p:tgtEl>
-                                          <p:spTgt spid="2053"/>
+                                          <p:spTgt spid="20653"/>
                                         </p:tgtEl>
                                         <p:attrNameLst>
                                           <p:attrName>style.visibility</p:attrName>
@@ -26587,7 +26587,7 @@
                                           </p:stCondLst>
                                         </p:cTn>
                                         <p:tgtEl>
-                                          <p:spTgt spid="2054"/>
+                                          <p:spTgt spid="20654"/>
                                         </p:tgtEl>
                                         <p:attrNameLst>
                                           <p:attrName>style.visibility</p:attrName>
@@ -26614,7 +26614,7 @@
                                           </p:stCondLst>
                                         </p:cTn>
                                         <p:tgtEl>
-                                          <p:spTgt spid="2055"/>
+                                          <p:spTgt spid="20655"/>
                                         </p:tgtEl>
                                         <p:attrNameLst>
                                           <p:attrName>style.visibility</p:attrName>
@@ -26641,7 +26641,7 @@
                                           </p:stCondLst>
                                         </p:cTn>
                                         <p:tgtEl>
-                                          <p:spTgt spid="2056"/>
+                                          <p:spTgt spid="20656"/>
                                         </p:tgtEl>
                                         <p:attrNameLst>
                                           <p:attrName>style.visibility</p:attrName>
@@ -26668,7 +26668,7 @@
                                           </p:stCondLst>
                                         </p:cTn>
                                         <p:tgtEl>
-                                          <p:spTgt spid="2057"/>
+                                          <p:spTgt spid="20657"/>
                                         </p:tgtEl>
                                         <p:attrNameLst>
                                           <p:attrName>style.visibility</p:attrName>
@@ -26695,7 +26695,7 @@
                                           </p:stCondLst>
                                         </p:cTn>
                                         <p:tgtEl>
-                                          <p:spTgt spid="2058"/>
+                                          <p:spTgt spid="20658"/>
                                         </p:tgtEl>
                                         <p:attrNameLst>
                                           <p:attrName>style.visibility</p:attrName>
@@ -26722,7 +26722,7 @@
                                           </p:stCondLst>
                                         </p:cTn>
                                         <p:tgtEl>
-                                          <p:spTgt spid="2059"/>
+                                          <p:spTgt spid="20659"/>
                                         </p:tgtEl>
                                         <p:attrNameLst>
                                           <p:attrName>style.visibility</p:attrName>
@@ -26749,7 +26749,7 @@
                                           </p:stCondLst>
                                         </p:cTn>
                                         <p:tgtEl>
-                                          <p:spTgt spid="2060"/>
+                                          <p:spTgt spid="20660"/>
                                         </p:tgtEl>
                                         <p:attrNameLst>
                                           <p:attrName>style.visibility</p:attrName>
@@ -26776,7 +26776,7 @@
                                           </p:stCondLst>
                                         </p:cTn>
                                         <p:tgtEl>
-                                          <p:spTgt spid="2061"/>
+                                          <p:spTgt spid="20661"/>
                                         </p:tgtEl>
                                         <p:attrNameLst>
                                           <p:attrName>style.visibility</p:attrName>
@@ -26803,7 +26803,7 @@
                                           </p:stCondLst>
                                         </p:cTn>
                                         <p:tgtEl>
-                                          <p:spTgt spid="2062"/>
+                                          <p:spTgt spid="20662"/>
                                         </p:tgtEl>
                                         <p:attrNameLst>
                                           <p:attrName>style.visibility</p:attrName>
@@ -26830,7 +26830,7 @@
                                           </p:stCondLst>
                                         </p:cTn>
                                         <p:tgtEl>
-                                          <p:spTgt spid="2063"/>
+                                          <p:spTgt spid="20663"/>
                                         </p:tgtEl>
                                         <p:attrNameLst>
                                           <p:attrName>style.visibility</p:attrName>
@@ -26857,7 +26857,7 @@
                                           </p:stCondLst>
                                         </p:cTn>
                                         <p:tgtEl>
-                                          <p:spTgt spid="2064"/>
+                                          <p:spTgt spid="20664"/>
                                         </p:tgtEl>
                                         <p:attrNameLst>
                                           <p:attrName>style.visibility</p:attrName>
@@ -26884,7 +26884,7 @@
                                           </p:stCondLst>
                                         </p:cTn>
                                         <p:tgtEl>
-                                          <p:spTgt spid="2065"/>
+                                          <p:spTgt spid="20665"/>
                                         </p:tgtEl>
                                         <p:attrNameLst>
                                           <p:attrName>style.visibility</p:attrName>
@@ -26911,7 +26911,7 @@
                                           </p:stCondLst>
                                         </p:cTn>
                                         <p:tgtEl>
-                                          <p:spTgt spid="2066"/>
+                                          <p:spTgt spid="20666"/>
                                         </p:tgtEl>
                                         <p:attrNameLst>
                                           <p:attrName>style.visibility</p:attrName>
@@ -26938,7 +26938,7 @@
                                           </p:stCondLst>
                                         </p:cTn>
                                         <p:tgtEl>
-                                          <p:spTgt spid="2067"/>
+                                          <p:spTgt spid="20667"/>
                                         </p:tgtEl>
                                         <p:attrNameLst>
                                           <p:attrName>style.visibility</p:attrName>
@@ -26965,7 +26965,7 @@
                                           </p:stCondLst>
                                         </p:cTn>
                                         <p:tgtEl>
-                                          <p:spTgt spid="2068"/>
+                                          <p:spTgt spid="20668"/>
                                         </p:tgtEl>
                                         <p:attrNameLst>
                                           <p:attrName>style.visibility</p:attrName>
@@ -26992,7 +26992,7 @@
                                           </p:stCondLst>
                                         </p:cTn>
                                         <p:tgtEl>
-                                          <p:spTgt spid="2069"/>
+                                          <p:spTgt spid="20669"/>
                                         </p:tgtEl>
                                         <p:attrNameLst>
                                           <p:attrName>style.visibility</p:attrName>
@@ -27019,7 +27019,7 @@
                                           </p:stCondLst>
                                         </p:cTn>
                                         <p:tgtEl>
-                                          <p:spTgt spid="2070"/>
+                                          <p:spTgt spid="20670"/>
                                         </p:tgtEl>
                                         <p:attrNameLst>
                                           <p:attrName>style.visibility</p:attrName>
@@ -27046,7 +27046,7 @@
                                           </p:stCondLst>
                                         </p:cTn>
                                         <p:tgtEl>
-                                          <p:spTgt spid="2071"/>
+                                          <p:spTgt spid="20671"/>
                                         </p:tgtEl>
                                         <p:attrNameLst>
                                           <p:attrName>style.visibility</p:attrName>
@@ -27073,7 +27073,7 @@
                                           </p:stCondLst>
                                         </p:cTn>
                                         <p:tgtEl>
-                                          <p:spTgt spid="2072"/>
+                                          <p:spTgt spid="20672"/>
                                         </p:tgtEl>
                                         <p:attrNameLst>
                                           <p:attrName>style.visibility</p:attrName>
@@ -27100,7 +27100,7 @@
                                           </p:stCondLst>
                                         </p:cTn>
                                         <p:tgtEl>
-                                          <p:spTgt spid="2073"/>
+                                          <p:spTgt spid="20673"/>
                                         </p:tgtEl>
                                         <p:attrNameLst>
                                           <p:attrName>style.visibility</p:attrName>
@@ -27127,7 +27127,7 @@
                                           </p:stCondLst>
                                         </p:cTn>
                                         <p:tgtEl>
-                                          <p:spTgt spid="2074"/>
+                                          <p:spTgt spid="20674"/>
                                         </p:tgtEl>
                                         <p:attrNameLst>
                                           <p:attrName>style.visibility</p:attrName>
@@ -27154,7 +27154,7 @@
                                           </p:stCondLst>
                                         </p:cTn>
                                         <p:tgtEl>
-                                          <p:spTgt spid="2075"/>
+                                          <p:spTgt spid="20675"/>
                                         </p:tgtEl>
                                         <p:attrNameLst>
                                           <p:attrName>style.visibility</p:attrName>
@@ -27181,7 +27181,7 @@
                                           </p:stCondLst>
                                         </p:cTn>
                                         <p:tgtEl>
-                                          <p:spTgt spid="2076"/>
+                                          <p:spTgt spid="20676"/>
                                         </p:tgtEl>
                                         <p:attrNameLst>
                                           <p:attrName>style.visibility</p:attrName>
@@ -27208,7 +27208,7 @@
                                           </p:stCondLst>
                                         </p:cTn>
                                         <p:tgtEl>
-                                          <p:spTgt spid="2077"/>
+                                          <p:spTgt spid="20677"/>
                                         </p:tgtEl>
                                         <p:attrNameLst>
                                           <p:attrName>style.visibility</p:attrName>
@@ -27235,7 +27235,7 @@
                                           </p:stCondLst>
                                         </p:cTn>
                                         <p:tgtEl>
-                                          <p:spTgt spid="2078"/>
+                                          <p:spTgt spid="20678"/>
                                         </p:tgtEl>
                                         <p:attrNameLst>
                                           <p:attrName>style.visibility</p:attrName>
@@ -27262,7 +27262,7 @@
                                           </p:stCondLst>
                                         </p:cTn>
                                         <p:tgtEl>
-                                          <p:spTgt spid="2079"/>
+                                          <p:spTgt spid="20679"/>
                                         </p:tgtEl>
                                         <p:attrNameLst>
                                           <p:attrName>style.visibility</p:attrName>
@@ -27289,7 +27289,7 @@
                                           </p:stCondLst>
                                         </p:cTn>
                                         <p:tgtEl>
-                                          <p:spTgt spid="2080"/>
+                                          <p:spTgt spid="20680"/>
                                         </p:tgtEl>
                                         <p:attrNameLst>
                                           <p:attrName>style.visibility</p:attrName>
@@ -27316,7 +27316,7 @@
                                           </p:stCondLst>
                                         </p:cTn>
                                         <p:tgtEl>
-                                          <p:spTgt spid="2081"/>
+                                          <p:spTgt spid="20681"/>
                                         </p:tgtEl>
                                         <p:attrNameLst>
                                           <p:attrName>style.visibility</p:attrName>
@@ -27343,7 +27343,7 @@
                                           </p:stCondLst>
                                         </p:cTn>
                                         <p:tgtEl>
-                                          <p:spTgt spid="2082"/>
+                                          <p:spTgt spid="20682"/>
                                         </p:tgtEl>
                                         <p:attrNameLst>
                                           <p:attrName>style.visibility</p:attrName>
@@ -27370,7 +27370,7 @@
                                           </p:stCondLst>
                                         </p:cTn>
                                         <p:tgtEl>
-                                          <p:spTgt spid="2083"/>
+                                          <p:spTgt spid="20683"/>
                                         </p:tgtEl>
                                         <p:attrNameLst>
                                           <p:attrName>style.visibility</p:attrName>
@@ -27397,7 +27397,7 @@
                                           </p:stCondLst>
                                         </p:cTn>
                                         <p:tgtEl>
-                                          <p:spTgt spid="2084"/>
+                                          <p:spTgt spid="20684"/>
                                         </p:tgtEl>
                                         <p:attrNameLst>
                                           <p:attrName>style.visibility</p:attrName>
@@ -27424,7 +27424,7 @@
                                           </p:stCondLst>
                                         </p:cTn>
                                         <p:tgtEl>
-                                          <p:spTgt spid="2085"/>
+                                          <p:spTgt spid="20685"/>
                                         </p:tgtEl>
                                         <p:attrNameLst>
                                           <p:attrName>style.visibility</p:attrName>
@@ -27451,7 +27451,7 @@
                                           </p:stCondLst>
                                         </p:cTn>
                                         <p:tgtEl>
-                                          <p:spTgt spid="2086"/>
+                                          <p:spTgt spid="20686"/>
                                         </p:tgtEl>
                                         <p:attrNameLst>
                                           <p:attrName>style.visibility</p:attrName>
@@ -27478,7 +27478,7 @@
                                           </p:stCondLst>
                                         </p:cTn>
                                         <p:tgtEl>
-                                          <p:spTgt spid="2087"/>
+                                          <p:spTgt spid="20687"/>
                                         </p:tgtEl>
                                         <p:attrNameLst>
                                           <p:attrName>style.visibility</p:attrName>
@@ -27505,7 +27505,7 @@
                                           </p:stCondLst>
                                         </p:cTn>
                                         <p:tgtEl>
-                                          <p:spTgt spid="2088"/>
+                                          <p:spTgt spid="20688"/>
                                         </p:tgtEl>
                                         <p:attrNameLst>
                                           <p:attrName>style.visibility</p:attrName>
@@ -27532,7 +27532,7 @@
                                           </p:stCondLst>
                                         </p:cTn>
                                         <p:tgtEl>
-                                          <p:spTgt spid="2089"/>
+                                          <p:spTgt spid="20689"/>
                                         </p:tgtEl>
                                         <p:attrNameLst>
                                           <p:attrName>style.visibility</p:attrName>
@@ -27559,7 +27559,7 @@
                                           </p:stCondLst>
                                         </p:cTn>
                                         <p:tgtEl>
-                                          <p:spTgt spid="2090"/>
+                                          <p:spTgt spid="20690"/>
                                         </p:tgtEl>
                                         <p:attrNameLst>
                                           <p:attrName>style.visibility</p:attrName>
@@ -27586,7 +27586,7 @@
                                           </p:stCondLst>
                                         </p:cTn>
                                         <p:tgtEl>
-                                          <p:spTgt spid="2091"/>
+                                          <p:spTgt spid="20691"/>
                                         </p:tgtEl>
                                         <p:attrNameLst>
                                           <p:attrName>style.visibility</p:attrName>
@@ -27613,7 +27613,7 @@
                                           </p:stCondLst>
                                         </p:cTn>
                                         <p:tgtEl>
-                                          <p:spTgt spid="2092"/>
+                                          <p:spTgt spid="20692"/>
                                         </p:tgtEl>
                                         <p:attrNameLst>
                                           <p:attrName>style.visibility</p:attrName>
@@ -27640,7 +27640,7 @@
                                           </p:stCondLst>
                                         </p:cTn>
                                         <p:tgtEl>
-                                          <p:spTgt spid="2093"/>
+                                          <p:spTgt spid="20693"/>
                                         </p:tgtEl>
                                         <p:attrNameLst>
                                           <p:attrName>style.visibility</p:attrName>
@@ -27667,7 +27667,7 @@
                                           </p:stCondLst>
                                         </p:cTn>
                                         <p:tgtEl>
-                                          <p:spTgt spid="2094"/>
+                                          <p:spTgt spid="20694"/>
                                         </p:tgtEl>
                                         <p:attrNameLst>
                                           <p:attrName>style.visibility</p:attrName>
@@ -27694,7 +27694,7 @@
                                           </p:stCondLst>
                                         </p:cTn>
                                         <p:tgtEl>
-                                          <p:spTgt spid="2095"/>
+                                          <p:spTgt spid="20695"/>
                                         </p:tgtEl>
                                         <p:attrNameLst>
                                           <p:attrName>style.visibility</p:attrName>
@@ -27721,7 +27721,7 @@
                                           </p:stCondLst>
                                         </p:cTn>
                                         <p:tgtEl>
-                                          <p:spTgt spid="2096"/>
+                                          <p:spTgt spid="20696"/>
                                         </p:tgtEl>
                                         <p:attrNameLst>
                                           <p:attrName>style.visibility</p:attrName>
@@ -27748,7 +27748,7 @@
                                           </p:stCondLst>
                                         </p:cTn>
                                         <p:tgtEl>
-                                          <p:spTgt spid="2097"/>
+                                          <p:spTgt spid="20697"/>
                                         </p:tgtEl>
                                         <p:attrNameLst>
                                           <p:attrName>style.visibility</p:attrName>
@@ -27775,7 +27775,7 @@
                                           </p:stCondLst>
                                         </p:cTn>
                                         <p:tgtEl>
-                                          <p:spTgt spid="2098"/>
+                                          <p:spTgt spid="20698"/>
                                         </p:tgtEl>
                                         <p:attrNameLst>
                                           <p:attrName>style.visibility</p:attrName>
@@ -27802,7 +27802,7 @@
                                           </p:stCondLst>
                                         </p:cTn>
                                         <p:tgtEl>
-                                          <p:spTgt spid="2099"/>
+                                          <p:spTgt spid="20699"/>
                                         </p:tgtEl>
                                         <p:attrNameLst>
                                           <p:attrName>style.visibility</p:attrName>
@@ -27829,7 +27829,7 @@
                                           </p:stCondLst>
                                         </p:cTn>
                                         <p:tgtEl>
-                                          <p:spTgt spid="2100"/>
+                                          <p:spTgt spid="20700"/>
                                         </p:tgtEl>
                                         <p:attrNameLst>
                                           <p:attrName>style.visibility</p:attrName>
@@ -27856,7 +27856,7 @@
                                           </p:stCondLst>
                                         </p:cTn>
                                         <p:tgtEl>
-                                          <p:spTgt spid="2101"/>
+                                          <p:spTgt spid="20701"/>
                                         </p:tgtEl>
                                         <p:attrNameLst>
                                           <p:attrName>style.visibility</p:attrName>
@@ -27883,7 +27883,7 @@
                                           </p:stCondLst>
                                         </p:cTn>
                                         <p:tgtEl>
-                                          <p:spTgt spid="2102"/>
+                                          <p:spTgt spid="20702"/>
                                         </p:tgtEl>
                                         <p:attrNameLst>
                                           <p:attrName>style.visibility</p:attrName>
@@ -27910,7 +27910,7 @@
                                           </p:stCondLst>
                                         </p:cTn>
                                         <p:tgtEl>
-                                          <p:spTgt spid="2103"/>
+                                          <p:spTgt spid="20703"/>
                                         </p:tgtEl>
                                         <p:attrNameLst>
                                           <p:attrName>style.visibility</p:attrName>
@@ -27937,7 +27937,7 @@
                                           </p:stCondLst>
                                         </p:cTn>
                                         <p:tgtEl>
-                                          <p:spTgt spid="2104"/>
+                                          <p:spTgt spid="20704"/>
                                         </p:tgtEl>
                                         <p:attrNameLst>
                                           <p:attrName>style.visibility</p:attrName>
@@ -27964,7 +27964,7 @@
                                           </p:stCondLst>
                                         </p:cTn>
                                         <p:tgtEl>
-                                          <p:spTgt spid="2105"/>
+                                          <p:spTgt spid="20705"/>
                                         </p:tgtEl>
                                         <p:attrNameLst>
                                           <p:attrName>style.visibility</p:attrName>
@@ -27991,7 +27991,7 @@
                                           </p:stCondLst>
                                         </p:cTn>
                                         <p:tgtEl>
-                                          <p:spTgt spid="2106"/>
+                                          <p:spTgt spid="20706"/>
                                         </p:tgtEl>
                                         <p:attrNameLst>
                                           <p:attrName>style.visibility</p:attrName>
@@ -28018,7 +28018,7 @@
                                           </p:stCondLst>
                                         </p:cTn>
                                         <p:tgtEl>
-                                          <p:spTgt spid="2107"/>
+                                          <p:spTgt spid="20707"/>
                                         </p:tgtEl>
                                         <p:attrNameLst>
                                           <p:attrName>style.visibility</p:attrName>
@@ -28045,7 +28045,7 @@
                                           </p:stCondLst>
                                         </p:cTn>
                                         <p:tgtEl>
-                                          <p:spTgt spid="2108"/>
+                                          <p:spTgt spid="20708"/>
                                         </p:tgtEl>
                                         <p:attrNameLst>
                                           <p:attrName>style.visibility</p:attrName>
@@ -28072,7 +28072,7 @@
                                           </p:stCondLst>
                                         </p:cTn>
                                         <p:tgtEl>
-                                          <p:spTgt spid="2109"/>
+                                          <p:spTgt spid="20709"/>
                                         </p:tgtEl>
                                         <p:attrNameLst>
                                           <p:attrName>style.visibility</p:attrName>
@@ -28099,7 +28099,7 @@
                                           </p:stCondLst>
                                         </p:cTn>
                                         <p:tgtEl>
-                                          <p:spTgt spid="2110"/>
+                                          <p:spTgt spid="20710"/>
                                         </p:tgtEl>
                                         <p:attrNameLst>
                                           <p:attrName>style.visibility</p:attrName>
@@ -28126,7 +28126,7 @@
                                           </p:stCondLst>
                                         </p:cTn>
                                         <p:tgtEl>
-                                          <p:spTgt spid="2111"/>
+                                          <p:spTgt spid="20711"/>
                                         </p:tgtEl>
                                         <p:attrNameLst>
                                           <p:attrName>style.visibility</p:attrName>
@@ -28153,7 +28153,7 @@
                                           </p:stCondLst>
                                         </p:cTn>
                                         <p:tgtEl>
-                                          <p:spTgt spid="2112"/>
+                                          <p:spTgt spid="20712"/>
                                         </p:tgtEl>
                                         <p:attrNameLst>
                                           <p:attrName>style.visibility</p:attrName>
@@ -28180,7 +28180,7 @@
                                           </p:stCondLst>
                                         </p:cTn>
                                         <p:tgtEl>
-                                          <p:spTgt spid="2113"/>
+                                          <p:spTgt spid="20713"/>
                                         </p:tgtEl>
                                         <p:attrNameLst>
                                           <p:attrName>style.visibility</p:attrName>
@@ -28207,7 +28207,7 @@
                                           </p:stCondLst>
                                         </p:cTn>
                                         <p:tgtEl>
-                                          <p:spTgt spid="2114"/>
+                                          <p:spTgt spid="20714"/>
                                         </p:tgtEl>
                                         <p:attrNameLst>
                                           <p:attrName>style.visibility</p:attrName>
@@ -28234,7 +28234,7 @@
                                           </p:stCondLst>
                                         </p:cTn>
                                         <p:tgtEl>
-                                          <p:spTgt spid="2115"/>
+                                          <p:spTgt spid="20715"/>
                                         </p:tgtEl>
                                         <p:attrNameLst>
                                           <p:attrName>style.visibility</p:attrName>
@@ -28261,7 +28261,7 @@
                                           </p:stCondLst>
                                         </p:cTn>
                                         <p:tgtEl>
-                                          <p:spTgt spid="2116"/>
+                                          <p:spTgt spid="20716"/>
                                         </p:tgtEl>
                                         <p:attrNameLst>
                                           <p:attrName>style.visibility</p:attrName>
@@ -28288,7 +28288,7 @@
                                           </p:stCondLst>
                                         </p:cTn>
                                         <p:tgtEl>
-                                          <p:spTgt spid="2117"/>
+                                          <p:spTgt spid="20717"/>
                                         </p:tgtEl>
                                         <p:attrNameLst>
                                           <p:attrName>style.visibility</p:attrName>
@@ -28315,7 +28315,7 @@
                                           </p:stCondLst>
                                         </p:cTn>
                                         <p:tgtEl>
-                                          <p:spTgt spid="2118"/>
+                                          <p:spTgt spid="20718"/>
                                         </p:tgtEl>
                                         <p:attrNameLst>
                                           <p:attrName>style.visibility</p:attrName>
@@ -28342,7 +28342,7 @@
                                           </p:stCondLst>
                                         </p:cTn>
                                         <p:tgtEl>
-                                          <p:spTgt spid="2119"/>
+                                          <p:spTgt spid="20719"/>
                                         </p:tgtEl>
                                         <p:attrNameLst>
                                           <p:attrName>style.visibility</p:attrName>
@@ -28369,7 +28369,7 @@
                                           </p:stCondLst>
                                         </p:cTn>
                                         <p:tgtEl>
-                                          <p:spTgt spid="2120"/>
+                                          <p:spTgt spid="20720"/>
                                         </p:tgtEl>
                                         <p:attrNameLst>
                                           <p:attrName>style.visibility</p:attrName>
@@ -28396,7 +28396,7 @@
                                           </p:stCondLst>
                                         </p:cTn>
                                         <p:tgtEl>
-                                          <p:spTgt spid="2121"/>
+                                          <p:spTgt spid="20721"/>
                                         </p:tgtEl>
                                         <p:attrNameLst>
                                           <p:attrName>style.visibility</p:attrName>
@@ -28423,7 +28423,7 @@
                                           </p:stCondLst>
                                         </p:cTn>
                                         <p:tgtEl>
-                                          <p:spTgt spid="2122"/>
+                                          <p:spTgt spid="20722"/>
                                         </p:tgtEl>
                                         <p:attrNameLst>
                                           <p:attrName>style.visibility</p:attrName>
@@ -28450,7 +28450,7 @@
                                           </p:stCondLst>
                                         </p:cTn>
                                         <p:tgtEl>
-                                          <p:spTgt spid="2123"/>
+                                          <p:spTgt spid="20723"/>
                                         </p:tgtEl>
                                         <p:attrNameLst>
                                           <p:attrName>style.visibility</p:attrName>
@@ -28477,7 +28477,7 @@
                                           </p:stCondLst>
                                         </p:cTn>
                                         <p:tgtEl>
-                                          <p:spTgt spid="2124"/>
+                                          <p:spTgt spid="20724"/>
                                         </p:tgtEl>
                                         <p:attrNameLst>
                                           <p:attrName>style.visibility</p:attrName>
@@ -28504,7 +28504,7 @@
                                           </p:stCondLst>
                                         </p:cTn>
                                         <p:tgtEl>
-                                          <p:spTgt spid="2125"/>
+                                          <p:spTgt spid="20725"/>
                                         </p:tgtEl>
                                         <p:attrNameLst>
                                           <p:attrName>style.visibility</p:attrName>
@@ -28531,7 +28531,7 @@
                                           </p:stCondLst>
                                         </p:cTn>
                                         <p:tgtEl>
-                                          <p:spTgt spid="2126"/>
+                                          <p:spTgt spid="20726"/>
                                         </p:tgtEl>
                                         <p:attrNameLst>
                                           <p:attrName>style.visibility</p:attrName>
@@ -28558,7 +28558,7 @@
                                           </p:stCondLst>
                                         </p:cTn>
                                         <p:tgtEl>
-                                          <p:spTgt spid="2127"/>
+                                          <p:spTgt spid="20727"/>
                                         </p:tgtEl>
                                         <p:attrNameLst>
                                           <p:attrName>style.visibility</p:attrName>
@@ -28585,7 +28585,7 @@
                                           </p:stCondLst>
                                         </p:cTn>
                                         <p:tgtEl>
-                                          <p:spTgt spid="2128"/>
+                                          <p:spTgt spid="20728"/>
                                         </p:tgtEl>
                                         <p:attrNameLst>
                                           <p:attrName>style.visibility</p:attrName>
@@ -28612,7 +28612,7 @@
                                           </p:stCondLst>
                                         </p:cTn>
                                         <p:tgtEl>
-                                          <p:spTgt spid="2129"/>
+                                          <p:spTgt spid="20729"/>
                                         </p:tgtEl>
                                         <p:attrNameLst>
                                           <p:attrName>style.visibility</p:attrName>
@@ -28639,7 +28639,7 @@
                                           </p:stCondLst>
                                         </p:cTn>
                                         <p:tgtEl>
-                                          <p:spTgt spid="2130"/>
+                                          <p:spTgt spid="20730"/>
                                         </p:tgtEl>
                                         <p:attrNameLst>
                                           <p:attrName>style.visibility</p:attrName>
@@ -28666,7 +28666,7 @@
                                           </p:stCondLst>
                                         </p:cTn>
                                         <p:tgtEl>
-                                          <p:spTgt spid="2131"/>
+                                          <p:spTgt spid="20731"/>
                                         </p:tgtEl>
                                         <p:attrNameLst>
                                           <p:attrName>style.visibility</p:attrName>
@@ -28693,7 +28693,7 @@
                                           </p:stCondLst>
                                         </p:cTn>
                                         <p:tgtEl>
-                                          <p:spTgt spid="2132"/>
+                                          <p:spTgt spid="20732"/>
                                         </p:tgtEl>
                                         <p:attrNameLst>
                                           <p:attrName>style.visibility</p:attrName>
@@ -28720,7 +28720,7 @@
                                           </p:stCondLst>
                                         </p:cTn>
                                         <p:tgtEl>
-                                          <p:spTgt spid="2133"/>
+                                          <p:spTgt spid="20733"/>
                                         </p:tgtEl>
                                         <p:attrNameLst>
                                           <p:attrName>style.visibility</p:attrName>
@@ -28747,7 +28747,7 @@
                                           </p:stCondLst>
                                         </p:cTn>
                                         <p:tgtEl>
-                                          <p:spTgt spid="2134"/>
+                                          <p:spTgt spid="20734"/>
                                         </p:tgtEl>
                                         <p:attrNameLst>
                                           <p:attrName>style.visibility</p:attrName>
@@ -28774,7 +28774,7 @@
                                           </p:stCondLst>
                                         </p:cTn>
                                         <p:tgtEl>
-                                          <p:spTgt spid="2135"/>
+                                          <p:spTgt spid="20735"/>
                                         </p:tgtEl>
                                         <p:attrNameLst>
                                           <p:attrName>style.visibility</p:attrName>
@@ -28801,7 +28801,7 @@
                                           </p:stCondLst>
                                         </p:cTn>
                                         <p:tgtEl>
-                                          <p:spTgt spid="2136"/>
+                                          <p:spTgt spid="20736"/>
                                         </p:tgtEl>
                                         <p:attrNameLst>
                                           <p:attrName>style.visibility</p:attrName>
@@ -28828,7 +28828,7 @@
                                           </p:stCondLst>
                                         </p:cTn>
                                         <p:tgtEl>
-                                          <p:spTgt spid="2137"/>
+                                          <p:spTgt spid="20737"/>
                                         </p:tgtEl>
                                         <p:attrNameLst>
                                           <p:attrName>style.visibility</p:attrName>
@@ -28855,7 +28855,7 @@
                                           </p:stCondLst>
                                         </p:cTn>
                                         <p:tgtEl>
-                                          <p:spTgt spid="2138"/>
+                                          <p:spTgt spid="20738"/>
                                         </p:tgtEl>
                                         <p:attrNameLst>
                                           <p:attrName>style.visibility</p:attrName>
@@ -28882,7 +28882,7 @@
                                           </p:stCondLst>
                                         </p:cTn>
                                         <p:tgtEl>
-                                          <p:spTgt spid="2139"/>
+                                          <p:spTgt spid="20739"/>
                                         </p:tgtEl>
                                         <p:attrNameLst>
                                           <p:attrName>style.visibility</p:attrName>
@@ -28909,7 +28909,7 @@
                                           </p:stCondLst>
                                         </p:cTn>
                                         <p:tgtEl>
-                                          <p:spTgt spid="2140"/>
+                                          <p:spTgt spid="20740"/>
                                         </p:tgtEl>
                                         <p:attrNameLst>
                                           <p:attrName>style.visibility</p:attrName>
@@ -28936,7 +28936,7 @@
                                           </p:stCondLst>
                                         </p:cTn>
                                         <p:tgtEl>
-                                          <p:spTgt spid="2141"/>
+                                          <p:spTgt spid="20741"/>
                                         </p:tgtEl>
                                         <p:attrNameLst>
                                           <p:attrName>style.visibility</p:attrName>
@@ -28963,7 +28963,7 @@
                                           </p:stCondLst>
                                         </p:cTn>
                                         <p:tgtEl>
-                                          <p:spTgt spid="2142"/>
+                                          <p:spTgt spid="20742"/>
                                         </p:tgtEl>
                                         <p:attrNameLst>
                                           <p:attrName>style.visibility</p:attrName>
@@ -28990,7 +28990,7 @@
                                           </p:stCondLst>
                                         </p:cTn>
                                         <p:tgtEl>
-                                          <p:spTgt spid="2143"/>
+                                          <p:spTgt spid="20743"/>
                                         </p:tgtEl>
                                         <p:attrNameLst>
                                           <p:attrName>style.visibility</p:attrName>
@@ -29017,7 +29017,7 @@
                                           </p:stCondLst>
                                         </p:cTn>
                                         <p:tgtEl>
-                                          <p:spTgt spid="2144"/>
+                                          <p:spTgt spid="20744"/>
                                         </p:tgtEl>
                                         <p:attrNameLst>
                                           <p:attrName>style.visibility</p:attrName>
@@ -29044,7 +29044,7 @@
                                           </p:stCondLst>
                                         </p:cTn>
                                         <p:tgtEl>
-                                          <p:spTgt spid="2145"/>
+                                          <p:spTgt spid="20745"/>
                                         </p:tgtEl>
                                         <p:attrNameLst>
                                           <p:attrName>style.visibility</p:attrName>
@@ -29071,7 +29071,7 @@
                                           </p:stCondLst>
                                         </p:cTn>
                                         <p:tgtEl>
-                                          <p:spTgt spid="2146"/>
+                                          <p:spTgt spid="20746"/>
                                         </p:tgtEl>
                                         <p:attrNameLst>
                                           <p:attrName>style.visibility</p:attrName>
@@ -29098,7 +29098,7 @@
                                           </p:stCondLst>
                                         </p:cTn>
                                         <p:tgtEl>
-                                          <p:spTgt spid="2147"/>
+                                          <p:spTgt spid="20747"/>
                                         </p:tgtEl>
                                         <p:attrNameLst>
                                           <p:attrName>style.visibility</p:attrName>
@@ -29125,7 +29125,7 @@
                                           </p:stCondLst>
                                         </p:cTn>
                                         <p:tgtEl>
-                                          <p:spTgt spid="2148"/>
+                                          <p:spTgt spid="20748"/>
                                         </p:tgtEl>
                                         <p:attrNameLst>
                                           <p:attrName>style.visibility</p:attrName>
@@ -29152,7 +29152,7 @@
                                           </p:stCondLst>
                                         </p:cTn>
                                         <p:tgtEl>
-                                          <p:spTgt spid="2149"/>
+                                          <p:spTgt spid="20749"/>
                                         </p:tgtEl>
                                         <p:attrNameLst>
                                           <p:attrName>style.visibility</p:attrName>
@@ -29179,7 +29179,7 @@
                                           </p:stCondLst>
                                         </p:cTn>
                                         <p:tgtEl>
-                                          <p:spTgt spid="2150"/>
+                                          <p:spTgt spid="20750"/>
                                         </p:tgtEl>
                                         <p:attrNameLst>
                                           <p:attrName>style.visibility</p:attrName>
@@ -29206,7 +29206,7 @@
                                           </p:stCondLst>
                                         </p:cTn>
                                         <p:tgtEl>
-                                          <p:spTgt spid="2151"/>
+                                          <p:spTgt spid="20751"/>
                                         </p:tgtEl>
                                         <p:attrNameLst>
                                           <p:attrName>style.visibility</p:attrName>
@@ -29233,7 +29233,7 @@
                                           </p:stCondLst>
                                         </p:cTn>
                                         <p:tgtEl>
-                                          <p:spTgt spid="2152"/>
+                                          <p:spTgt spid="20752"/>
                                         </p:tgtEl>
                                         <p:attrNameLst>
                                           <p:attrName>style.visibility</p:attrName>
@@ -29260,7 +29260,7 @@
                                           </p:stCondLst>
                                         </p:cTn>
                                         <p:tgtEl>
-                                          <p:spTgt spid="2153"/>
+                                          <p:spTgt spid="20753"/>
                                         </p:tgtEl>
                                         <p:attrNameLst>
                                           <p:attrName>style.visibility</p:attrName>
@@ -29287,7 +29287,7 @@
                                           </p:stCondLst>
                                         </p:cTn>
                                         <p:tgtEl>
-                                          <p:spTgt spid="2154"/>
+                                          <p:spTgt spid="20754"/>
                                         </p:tgtEl>
                                         <p:attrNameLst>
                                           <p:attrName>style.visibility</p:attrName>
@@ -29314,7 +29314,7 @@
                                           </p:stCondLst>
                                         </p:cTn>
                                         <p:tgtEl>
-                                          <p:spTgt spid="2155"/>
+                                          <p:spTgt spid="20755"/>
                                         </p:tgtEl>
                                         <p:attrNameLst>
                                           <p:attrName>style.visibility</p:attrName>
@@ -29341,7 +29341,7 @@
                                           </p:stCondLst>
                                         </p:cTn>
                                         <p:tgtEl>
-                                          <p:spTgt spid="2156"/>
+                                          <p:spTgt spid="20756"/>
                                         </p:tgtEl>
                                         <p:attrNameLst>
                                           <p:attrName>style.visibility</p:attrName>
@@ -29368,7 +29368,7 @@
                                           </p:stCondLst>
                                         </p:cTn>
                                         <p:tgtEl>
-                                          <p:spTgt spid="2157"/>
+                                          <p:spTgt spid="20757"/>
                                         </p:tgtEl>
                                         <p:attrNameLst>
                                           <p:attrName>style.visibility</p:attrName>
@@ -29395,7 +29395,7 @@
                                           </p:stCondLst>
                                         </p:cTn>
                                         <p:tgtEl>
-                                          <p:spTgt spid="2158"/>
+                                          <p:spTgt spid="20758"/>
                                         </p:tgtEl>
                                         <p:attrNameLst>
                                           <p:attrName>style.visibility</p:attrName>
@@ -29422,7 +29422,7 @@
                                           </p:stCondLst>
                                         </p:cTn>
                                         <p:tgtEl>
-                                          <p:spTgt spid="2159"/>
+                                          <p:spTgt spid="20759"/>
                                         </p:tgtEl>
                                         <p:attrNameLst>
                                           <p:attrName>style.visibility</p:attrName>
@@ -29449,7 +29449,7 @@
                                           </p:stCondLst>
                                         </p:cTn>
                                         <p:tgtEl>
-                                          <p:spTgt spid="2160"/>
+                                          <p:spTgt spid="20760"/>
                                         </p:tgtEl>
                                         <p:attrNameLst>
                                           <p:attrName>style.visibility</p:attrName>
@@ -29476,7 +29476,7 @@
                                           </p:stCondLst>
                                         </p:cTn>
                                         <p:tgtEl>
-                                          <p:spTgt spid="2161"/>
+                                          <p:spTgt spid="20761"/>
                                         </p:tgtEl>
                                         <p:attrNameLst>
                                           <p:attrName>style.visibility</p:attrName>
@@ -29503,7 +29503,7 @@
                                           </p:stCondLst>
                                         </p:cTn>
                                         <p:tgtEl>
-                                          <p:spTgt spid="2162"/>
+                                          <p:spTgt spid="20762"/>
                                         </p:tgtEl>
                                         <p:attrNameLst>
                                           <p:attrName>style.visibility</p:attrName>
@@ -29530,7 +29530,7 @@
                                           </p:stCondLst>
                                         </p:cTn>
                                         <p:tgtEl>
-                                          <p:spTgt spid="2163"/>
+                                          <p:spTgt spid="20763"/>
                                         </p:tgtEl>
                                         <p:attrNameLst>
                                           <p:attrName>style.visibility</p:attrName>
@@ -29557,7 +29557,7 @@
                                           </p:stCondLst>
                                         </p:cTn>
                                         <p:tgtEl>
-                                          <p:spTgt spid="2164"/>
+                                          <p:spTgt spid="20764"/>
                                         </p:tgtEl>
                                         <p:attrNameLst>
                                           <p:attrName>style.visibility</p:attrName>
@@ -29584,7 +29584,7 @@
                                           </p:stCondLst>
                                         </p:cTn>
                                         <p:tgtEl>
-                                          <p:spTgt spid="2165"/>
+                                          <p:spTgt spid="20765"/>
                                         </p:tgtEl>
                                         <p:attrNameLst>
                                           <p:attrName>style.visibility</p:attrName>
@@ -29611,7 +29611,7 @@
                                           </p:stCondLst>
                                         </p:cTn>
                                         <p:tgtEl>
-                                          <p:spTgt spid="2166"/>
+                                          <p:spTgt spid="20766"/>
                                         </p:tgtEl>
                                         <p:attrNameLst>
                                           <p:attrName>style.visibility</p:attrName>
@@ -29638,7 +29638,7 @@
                                           </p:stCondLst>
                                         </p:cTn>
                                         <p:tgtEl>
-                                          <p:spTgt spid="2167"/>
+                                          <p:spTgt spid="20767"/>
                                         </p:tgtEl>
                                         <p:attrNameLst>
                                           <p:attrName>style.visibility</p:attrName>
@@ -29665,7 +29665,7 @@
                                           </p:stCondLst>
                                         </p:cTn>
                                         <p:tgtEl>
-                                          <p:spTgt spid="2168"/>
+                                          <p:spTgt spid="20768"/>
                                         </p:tgtEl>
                                         <p:attrNameLst>
                                           <p:attrName>style.visibility</p:attrName>
@@ -29692,7 +29692,7 @@
                                           </p:stCondLst>
                                         </p:cTn>
                                         <p:tgtEl>
-                                          <p:spTgt spid="2169"/>
+                                          <p:spTgt spid="20769"/>
                                         </p:tgtEl>
                                         <p:attrNameLst>
                                           <p:attrName>style.visibility</p:attrName>
@@ -29719,7 +29719,7 @@
                                           </p:stCondLst>
                                         </p:cTn>
                                         <p:tgtEl>
-                                          <p:spTgt spid="2170"/>
+                                          <p:spTgt spid="20770"/>
                                         </p:tgtEl>
                                         <p:attrNameLst>
                                           <p:attrName>style.visibility</p:attrName>
@@ -29746,7 +29746,7 @@
                                           </p:stCondLst>
                                         </p:cTn>
                                         <p:tgtEl>
-                                          <p:spTgt spid="2171"/>
+                                          <p:spTgt spid="20771"/>
                                         </p:tgtEl>
                                         <p:attrNameLst>
                                           <p:attrName>style.visibility</p:attrName>
@@ -29773,7 +29773,7 @@
                                           </p:stCondLst>
                                         </p:cTn>
                                         <p:tgtEl>
-                                          <p:spTgt spid="2172"/>
+                                          <p:spTgt spid="20772"/>
                                         </p:tgtEl>
                                         <p:attrNameLst>
                                           <p:attrName>style.visibility</p:attrName>

--- a/org.mwc.debrief.legacy/test_data/master_template/long_tracks/long_tracks_temp.pptx
+++ b/org.mwc.debrief.legacy/test_data/master_template/long_tracks/long_tracks_temp.pptx
@@ -3905,7 +3905,7 @@
       </p:pic>
       <p:sp>
         <p:nvSpPr>
-          <p:cNvPr id="20600" name="footprint"/>
+          <p:cNvPr id="30000" name="footprint"/>
           <p:cNvSpPr/>
           <p:nvPr/>
         </p:nvSpPr>
@@ -3946,7 +3946,7 @@
       </p:sp>
       <p:sp>
         <p:nvSpPr>
-          <p:cNvPr id="20601" name="footprint"/>
+          <p:cNvPr id="30001" name="footprint"/>
           <p:cNvSpPr/>
           <p:nvPr/>
         </p:nvSpPr>
@@ -3987,7 +3987,7 @@
       </p:sp>
       <p:sp>
         <p:nvSpPr>
-          <p:cNvPr id="20602" name="footprint"/>
+          <p:cNvPr id="30002" name="footprint"/>
           <p:cNvSpPr/>
           <p:nvPr/>
         </p:nvSpPr>
@@ -4028,7 +4028,7 @@
       </p:sp>
       <p:sp>
         <p:nvSpPr>
-          <p:cNvPr id="20603" name="footprint"/>
+          <p:cNvPr id="30003" name="footprint"/>
           <p:cNvSpPr/>
           <p:nvPr/>
         </p:nvSpPr>
@@ -4069,7 +4069,7 @@
       </p:sp>
       <p:sp>
         <p:nvSpPr>
-          <p:cNvPr id="20604" name="footprint"/>
+          <p:cNvPr id="30004" name="footprint"/>
           <p:cNvSpPr/>
           <p:nvPr/>
         </p:nvSpPr>
@@ -4110,7 +4110,7 @@
       </p:sp>
       <p:sp>
         <p:nvSpPr>
-          <p:cNvPr id="20605" name="footprint"/>
+          <p:cNvPr id="30005" name="footprint"/>
           <p:cNvSpPr/>
           <p:nvPr/>
         </p:nvSpPr>
@@ -4151,7 +4151,7 @@
       </p:sp>
       <p:sp>
         <p:nvSpPr>
-          <p:cNvPr id="20606" name="footprint"/>
+          <p:cNvPr id="30006" name="footprint"/>
           <p:cNvSpPr/>
           <p:nvPr/>
         </p:nvSpPr>
@@ -4192,7 +4192,7 @@
       </p:sp>
       <p:sp>
         <p:nvSpPr>
-          <p:cNvPr id="20607" name="footprint"/>
+          <p:cNvPr id="30007" name="footprint"/>
           <p:cNvSpPr/>
           <p:nvPr/>
         </p:nvSpPr>
@@ -4233,7 +4233,7 @@
       </p:sp>
       <p:sp>
         <p:nvSpPr>
-          <p:cNvPr id="20608" name="footprint"/>
+          <p:cNvPr id="30008" name="footprint"/>
           <p:cNvSpPr/>
           <p:nvPr/>
         </p:nvSpPr>
@@ -4274,7 +4274,7 @@
       </p:sp>
       <p:sp>
         <p:nvSpPr>
-          <p:cNvPr id="20609" name="footprint"/>
+          <p:cNvPr id="30009" name="footprint"/>
           <p:cNvSpPr/>
           <p:nvPr/>
         </p:nvSpPr>
@@ -4315,7 +4315,7 @@
       </p:sp>
       <p:sp>
         <p:nvSpPr>
-          <p:cNvPr id="20610" name="footprint"/>
+          <p:cNvPr id="30010" name="footprint"/>
           <p:cNvSpPr/>
           <p:nvPr/>
         </p:nvSpPr>
@@ -4356,7 +4356,7 @@
       </p:sp>
       <p:sp>
         <p:nvSpPr>
-          <p:cNvPr id="20611" name="footprint"/>
+          <p:cNvPr id="30011" name="footprint"/>
           <p:cNvSpPr/>
           <p:nvPr/>
         </p:nvSpPr>
@@ -4397,7 +4397,7 @@
       </p:sp>
       <p:sp>
         <p:nvSpPr>
-          <p:cNvPr id="20612" name="footprint"/>
+          <p:cNvPr id="30012" name="footprint"/>
           <p:cNvSpPr/>
           <p:nvPr/>
         </p:nvSpPr>
@@ -4438,7 +4438,7 @@
       </p:sp>
       <p:sp>
         <p:nvSpPr>
-          <p:cNvPr id="20613" name="footprint"/>
+          <p:cNvPr id="30013" name="footprint"/>
           <p:cNvSpPr/>
           <p:nvPr/>
         </p:nvSpPr>
@@ -4479,7 +4479,7 @@
       </p:sp>
       <p:sp>
         <p:nvSpPr>
-          <p:cNvPr id="20614" name="footprint"/>
+          <p:cNvPr id="30014" name="footprint"/>
           <p:cNvSpPr/>
           <p:nvPr/>
         </p:nvSpPr>
@@ -4520,7 +4520,7 @@
       </p:sp>
       <p:sp>
         <p:nvSpPr>
-          <p:cNvPr id="20615" name="footprint"/>
+          <p:cNvPr id="30015" name="footprint"/>
           <p:cNvSpPr/>
           <p:nvPr/>
         </p:nvSpPr>
@@ -4561,7 +4561,7 @@
       </p:sp>
       <p:sp>
         <p:nvSpPr>
-          <p:cNvPr id="20616" name="footprint"/>
+          <p:cNvPr id="30016" name="footprint"/>
           <p:cNvSpPr/>
           <p:nvPr/>
         </p:nvSpPr>
@@ -4602,7 +4602,7 @@
       </p:sp>
       <p:sp>
         <p:nvSpPr>
-          <p:cNvPr id="20617" name="footprint"/>
+          <p:cNvPr id="30017" name="footprint"/>
           <p:cNvSpPr/>
           <p:nvPr/>
         </p:nvSpPr>
@@ -4643,7 +4643,7 @@
       </p:sp>
       <p:sp>
         <p:nvSpPr>
-          <p:cNvPr id="20618" name="footprint"/>
+          <p:cNvPr id="30018" name="footprint"/>
           <p:cNvSpPr/>
           <p:nvPr/>
         </p:nvSpPr>
@@ -4684,7 +4684,7 @@
       </p:sp>
       <p:sp>
         <p:nvSpPr>
-          <p:cNvPr id="20619" name="footprint"/>
+          <p:cNvPr id="30019" name="footprint"/>
           <p:cNvSpPr/>
           <p:nvPr/>
         </p:nvSpPr>
@@ -4725,7 +4725,7 @@
       </p:sp>
       <p:sp>
         <p:nvSpPr>
-          <p:cNvPr id="20620" name="footprint"/>
+          <p:cNvPr id="30020" name="footprint"/>
           <p:cNvSpPr/>
           <p:nvPr/>
         </p:nvSpPr>
@@ -4766,7 +4766,7 @@
       </p:sp>
       <p:sp>
         <p:nvSpPr>
-          <p:cNvPr id="20621" name="footprint"/>
+          <p:cNvPr id="30021" name="footprint"/>
           <p:cNvSpPr/>
           <p:nvPr/>
         </p:nvSpPr>
@@ -4807,7 +4807,7 @@
       </p:sp>
       <p:sp>
         <p:nvSpPr>
-          <p:cNvPr id="20622" name="footprint"/>
+          <p:cNvPr id="30022" name="footprint"/>
           <p:cNvSpPr/>
           <p:nvPr/>
         </p:nvSpPr>
@@ -4848,7 +4848,7 @@
       </p:sp>
       <p:sp>
         <p:nvSpPr>
-          <p:cNvPr id="20623" name="footprint"/>
+          <p:cNvPr id="30023" name="footprint"/>
           <p:cNvSpPr/>
           <p:nvPr/>
         </p:nvSpPr>
@@ -4889,7 +4889,7 @@
       </p:sp>
       <p:sp>
         <p:nvSpPr>
-          <p:cNvPr id="20624" name="footprint"/>
+          <p:cNvPr id="30024" name="footprint"/>
           <p:cNvSpPr/>
           <p:nvPr/>
         </p:nvSpPr>
@@ -4930,7 +4930,7 @@
       </p:sp>
       <p:sp>
         <p:nvSpPr>
-          <p:cNvPr id="20625" name="footprint"/>
+          <p:cNvPr id="30025" name="footprint"/>
           <p:cNvSpPr/>
           <p:nvPr/>
         </p:nvSpPr>
@@ -4971,7 +4971,7 @@
       </p:sp>
       <p:sp>
         <p:nvSpPr>
-          <p:cNvPr id="20626" name="footprint"/>
+          <p:cNvPr id="30026" name="footprint"/>
           <p:cNvSpPr/>
           <p:nvPr/>
         </p:nvSpPr>
@@ -5012,7 +5012,7 @@
       </p:sp>
       <p:sp>
         <p:nvSpPr>
-          <p:cNvPr id="20627" name="footprint"/>
+          <p:cNvPr id="30027" name="footprint"/>
           <p:cNvSpPr/>
           <p:nvPr/>
         </p:nvSpPr>
@@ -5053,7 +5053,7 @@
       </p:sp>
       <p:sp>
         <p:nvSpPr>
-          <p:cNvPr id="20628" name="footprint"/>
+          <p:cNvPr id="30028" name="footprint"/>
           <p:cNvSpPr/>
           <p:nvPr/>
         </p:nvSpPr>
@@ -5094,7 +5094,7 @@
       </p:sp>
       <p:sp>
         <p:nvSpPr>
-          <p:cNvPr id="20629" name="footprint"/>
+          <p:cNvPr id="30029" name="footprint"/>
           <p:cNvSpPr/>
           <p:nvPr/>
         </p:nvSpPr>
@@ -5135,7 +5135,7 @@
       </p:sp>
       <p:sp>
         <p:nvSpPr>
-          <p:cNvPr id="20630" name="footprint"/>
+          <p:cNvPr id="30030" name="footprint"/>
           <p:cNvSpPr/>
           <p:nvPr/>
         </p:nvSpPr>
@@ -5176,7 +5176,7 @@
       </p:sp>
       <p:sp>
         <p:nvSpPr>
-          <p:cNvPr id="20631" name="footprint"/>
+          <p:cNvPr id="30031" name="footprint"/>
           <p:cNvSpPr/>
           <p:nvPr/>
         </p:nvSpPr>
@@ -5217,7 +5217,7 @@
       </p:sp>
       <p:sp>
         <p:nvSpPr>
-          <p:cNvPr id="20632" name="footprint"/>
+          <p:cNvPr id="30032" name="footprint"/>
           <p:cNvSpPr/>
           <p:nvPr/>
         </p:nvSpPr>
@@ -5258,7 +5258,7 @@
       </p:sp>
       <p:sp>
         <p:nvSpPr>
-          <p:cNvPr id="20633" name="footprint"/>
+          <p:cNvPr id="30033" name="footprint"/>
           <p:cNvSpPr/>
           <p:nvPr/>
         </p:nvSpPr>
@@ -5299,7 +5299,7 @@
       </p:sp>
       <p:sp>
         <p:nvSpPr>
-          <p:cNvPr id="20634" name="footprint"/>
+          <p:cNvPr id="30034" name="footprint"/>
           <p:cNvSpPr/>
           <p:nvPr/>
         </p:nvSpPr>
@@ -5340,7 +5340,7 @@
       </p:sp>
       <p:sp>
         <p:nvSpPr>
-          <p:cNvPr id="20635" name="footprint"/>
+          <p:cNvPr id="30035" name="footprint"/>
           <p:cNvSpPr/>
           <p:nvPr/>
         </p:nvSpPr>
@@ -5381,7 +5381,7 @@
       </p:sp>
       <p:sp>
         <p:nvSpPr>
-          <p:cNvPr id="20636" name="footprint"/>
+          <p:cNvPr id="30036" name="footprint"/>
           <p:cNvSpPr/>
           <p:nvPr/>
         </p:nvSpPr>
@@ -5422,7 +5422,7 @@
       </p:sp>
       <p:sp>
         <p:nvSpPr>
-          <p:cNvPr id="20637" name="footprint"/>
+          <p:cNvPr id="30037" name="footprint"/>
           <p:cNvSpPr/>
           <p:nvPr/>
         </p:nvSpPr>
@@ -5463,7 +5463,7 @@
       </p:sp>
       <p:sp>
         <p:nvSpPr>
-          <p:cNvPr id="20638" name="footprint"/>
+          <p:cNvPr id="30038" name="footprint"/>
           <p:cNvSpPr/>
           <p:nvPr/>
         </p:nvSpPr>
@@ -5504,7 +5504,7 @@
       </p:sp>
       <p:sp>
         <p:nvSpPr>
-          <p:cNvPr id="20639" name="footprint"/>
+          <p:cNvPr id="30039" name="footprint"/>
           <p:cNvSpPr/>
           <p:nvPr/>
         </p:nvSpPr>
@@ -5545,7 +5545,7 @@
       </p:sp>
       <p:sp>
         <p:nvSpPr>
-          <p:cNvPr id="20640" name="footprint"/>
+          <p:cNvPr id="30040" name="footprint"/>
           <p:cNvSpPr/>
           <p:nvPr/>
         </p:nvSpPr>
@@ -5586,7 +5586,7 @@
       </p:sp>
       <p:sp>
         <p:nvSpPr>
-          <p:cNvPr id="20641" name="footprint"/>
+          <p:cNvPr id="30041" name="footprint"/>
           <p:cNvSpPr/>
           <p:nvPr/>
         </p:nvSpPr>
@@ -5627,7 +5627,7 @@
       </p:sp>
       <p:sp>
         <p:nvSpPr>
-          <p:cNvPr id="20642" name="footprint"/>
+          <p:cNvPr id="30042" name="footprint"/>
           <p:cNvSpPr/>
           <p:nvPr/>
         </p:nvSpPr>
@@ -5668,7 +5668,7 @@
       </p:sp>
       <p:sp>
         <p:nvSpPr>
-          <p:cNvPr id="20643" name="footprint"/>
+          <p:cNvPr id="30043" name="footprint"/>
           <p:cNvSpPr/>
           <p:nvPr/>
         </p:nvSpPr>
@@ -5709,7 +5709,7 @@
       </p:sp>
       <p:sp>
         <p:nvSpPr>
-          <p:cNvPr id="20644" name="footprint"/>
+          <p:cNvPr id="30044" name="footprint"/>
           <p:cNvSpPr/>
           <p:nvPr/>
         </p:nvSpPr>
@@ -5750,7 +5750,7 @@
       </p:sp>
       <p:sp>
         <p:nvSpPr>
-          <p:cNvPr id="20645" name="footprint"/>
+          <p:cNvPr id="30045" name="footprint"/>
           <p:cNvSpPr/>
           <p:nvPr/>
         </p:nvSpPr>
@@ -5791,7 +5791,7 @@
       </p:sp>
       <p:sp>
         <p:nvSpPr>
-          <p:cNvPr id="20646" name="footprint"/>
+          <p:cNvPr id="30046" name="footprint"/>
           <p:cNvSpPr/>
           <p:nvPr/>
         </p:nvSpPr>
@@ -5832,7 +5832,7 @@
       </p:sp>
       <p:sp>
         <p:nvSpPr>
-          <p:cNvPr id="20647" name="footprint"/>
+          <p:cNvPr id="30047" name="footprint"/>
           <p:cNvSpPr/>
           <p:nvPr/>
         </p:nvSpPr>
@@ -5873,7 +5873,7 @@
       </p:sp>
       <p:sp>
         <p:nvSpPr>
-          <p:cNvPr id="20648" name="footprint"/>
+          <p:cNvPr id="30048" name="footprint"/>
           <p:cNvSpPr/>
           <p:nvPr/>
         </p:nvSpPr>
@@ -5914,7 +5914,7 @@
       </p:sp>
       <p:sp>
         <p:nvSpPr>
-          <p:cNvPr id="20649" name="footprint"/>
+          <p:cNvPr id="30049" name="footprint"/>
           <p:cNvSpPr/>
           <p:nvPr/>
         </p:nvSpPr>
@@ -5955,7 +5955,7 @@
       </p:sp>
       <p:sp>
         <p:nvSpPr>
-          <p:cNvPr id="20650" name="footprint"/>
+          <p:cNvPr id="30050" name="footprint"/>
           <p:cNvSpPr/>
           <p:nvPr/>
         </p:nvSpPr>
@@ -5996,7 +5996,7 @@
       </p:sp>
       <p:sp>
         <p:nvSpPr>
-          <p:cNvPr id="20651" name="footprint"/>
+          <p:cNvPr id="30051" name="footprint"/>
           <p:cNvSpPr/>
           <p:nvPr/>
         </p:nvSpPr>
@@ -6037,7 +6037,7 @@
       </p:sp>
       <p:sp>
         <p:nvSpPr>
-          <p:cNvPr id="20652" name="footprint"/>
+          <p:cNvPr id="30052" name="footprint"/>
           <p:cNvSpPr/>
           <p:nvPr/>
         </p:nvSpPr>
@@ -6078,7 +6078,7 @@
       </p:sp>
       <p:sp>
         <p:nvSpPr>
-          <p:cNvPr id="20653" name="footprint"/>
+          <p:cNvPr id="30053" name="footprint"/>
           <p:cNvSpPr/>
           <p:nvPr/>
         </p:nvSpPr>
@@ -6119,7 +6119,7 @@
       </p:sp>
       <p:sp>
         <p:nvSpPr>
-          <p:cNvPr id="20654" name="footprint"/>
+          <p:cNvPr id="30054" name="footprint"/>
           <p:cNvSpPr/>
           <p:nvPr/>
         </p:nvSpPr>
@@ -6160,7 +6160,7 @@
       </p:sp>
       <p:sp>
         <p:nvSpPr>
-          <p:cNvPr id="20655" name="footprint"/>
+          <p:cNvPr id="30055" name="footprint"/>
           <p:cNvSpPr/>
           <p:nvPr/>
         </p:nvSpPr>
@@ -6201,7 +6201,7 @@
       </p:sp>
       <p:sp>
         <p:nvSpPr>
-          <p:cNvPr id="20656" name="footprint"/>
+          <p:cNvPr id="30056" name="footprint"/>
           <p:cNvSpPr/>
           <p:nvPr/>
         </p:nvSpPr>
@@ -6242,7 +6242,7 @@
       </p:sp>
       <p:sp>
         <p:nvSpPr>
-          <p:cNvPr id="20657" name="footprint"/>
+          <p:cNvPr id="30057" name="footprint"/>
           <p:cNvSpPr/>
           <p:nvPr/>
         </p:nvSpPr>
@@ -6283,7 +6283,7 @@
       </p:sp>
       <p:sp>
         <p:nvSpPr>
-          <p:cNvPr id="20658" name="footprint"/>
+          <p:cNvPr id="30058" name="footprint"/>
           <p:cNvSpPr/>
           <p:nvPr/>
         </p:nvSpPr>
@@ -6324,7 +6324,7 @@
       </p:sp>
       <p:sp>
         <p:nvSpPr>
-          <p:cNvPr id="20659" name="footprint"/>
+          <p:cNvPr id="30059" name="footprint"/>
           <p:cNvSpPr/>
           <p:nvPr/>
         </p:nvSpPr>
@@ -6365,7 +6365,7 @@
       </p:sp>
       <p:sp>
         <p:nvSpPr>
-          <p:cNvPr id="20660" name="footprint"/>
+          <p:cNvPr id="30060" name="footprint"/>
           <p:cNvSpPr/>
           <p:nvPr/>
         </p:nvSpPr>
@@ -6406,7 +6406,7 @@
       </p:sp>
       <p:sp>
         <p:nvSpPr>
-          <p:cNvPr id="20661" name="footprint"/>
+          <p:cNvPr id="30061" name="footprint"/>
           <p:cNvSpPr/>
           <p:nvPr/>
         </p:nvSpPr>
@@ -6447,7 +6447,7 @@
       </p:sp>
       <p:sp>
         <p:nvSpPr>
-          <p:cNvPr id="20662" name="footprint"/>
+          <p:cNvPr id="30062" name="footprint"/>
           <p:cNvSpPr/>
           <p:nvPr/>
         </p:nvSpPr>
@@ -6488,7 +6488,7 @@
       </p:sp>
       <p:sp>
         <p:nvSpPr>
-          <p:cNvPr id="20663" name="footprint"/>
+          <p:cNvPr id="30063" name="footprint"/>
           <p:cNvSpPr/>
           <p:nvPr/>
         </p:nvSpPr>
@@ -6529,7 +6529,7 @@
       </p:sp>
       <p:sp>
         <p:nvSpPr>
-          <p:cNvPr id="20664" name="footprint"/>
+          <p:cNvPr id="30064" name="footprint"/>
           <p:cNvSpPr/>
           <p:nvPr/>
         </p:nvSpPr>
@@ -6570,7 +6570,7 @@
       </p:sp>
       <p:sp>
         <p:nvSpPr>
-          <p:cNvPr id="20665" name="footprint"/>
+          <p:cNvPr id="30065" name="footprint"/>
           <p:cNvSpPr/>
           <p:nvPr/>
         </p:nvSpPr>
@@ -6611,7 +6611,7 @@
       </p:sp>
       <p:sp>
         <p:nvSpPr>
-          <p:cNvPr id="20666" name="footprint"/>
+          <p:cNvPr id="30066" name="footprint"/>
           <p:cNvSpPr/>
           <p:nvPr/>
         </p:nvSpPr>
@@ -6652,7 +6652,7 @@
       </p:sp>
       <p:sp>
         <p:nvSpPr>
-          <p:cNvPr id="20667" name="footprint"/>
+          <p:cNvPr id="30067" name="footprint"/>
           <p:cNvSpPr/>
           <p:nvPr/>
         </p:nvSpPr>
@@ -6693,7 +6693,7 @@
       </p:sp>
       <p:sp>
         <p:nvSpPr>
-          <p:cNvPr id="20668" name="footprint"/>
+          <p:cNvPr id="30068" name="footprint"/>
           <p:cNvSpPr/>
           <p:nvPr/>
         </p:nvSpPr>
@@ -6734,7 +6734,7 @@
       </p:sp>
       <p:sp>
         <p:nvSpPr>
-          <p:cNvPr id="20669" name="footprint"/>
+          <p:cNvPr id="30069" name="footprint"/>
           <p:cNvSpPr/>
           <p:nvPr/>
         </p:nvSpPr>
@@ -6775,7 +6775,7 @@
       </p:sp>
       <p:sp>
         <p:nvSpPr>
-          <p:cNvPr id="20670" name="footprint"/>
+          <p:cNvPr id="30070" name="footprint"/>
           <p:cNvSpPr/>
           <p:nvPr/>
         </p:nvSpPr>
@@ -6816,7 +6816,7 @@
       </p:sp>
       <p:sp>
         <p:nvSpPr>
-          <p:cNvPr id="20671" name="footprint"/>
+          <p:cNvPr id="30071" name="footprint"/>
           <p:cNvSpPr/>
           <p:nvPr/>
         </p:nvSpPr>
@@ -6857,7 +6857,7 @@
       </p:sp>
       <p:sp>
         <p:nvSpPr>
-          <p:cNvPr id="20672" name="footprint"/>
+          <p:cNvPr id="30072" name="footprint"/>
           <p:cNvSpPr/>
           <p:nvPr/>
         </p:nvSpPr>
@@ -6898,7 +6898,7 @@
       </p:sp>
       <p:sp>
         <p:nvSpPr>
-          <p:cNvPr id="20673" name="footprint"/>
+          <p:cNvPr id="30073" name="footprint"/>
           <p:cNvSpPr/>
           <p:nvPr/>
         </p:nvSpPr>
@@ -6939,7 +6939,7 @@
       </p:sp>
       <p:sp>
         <p:nvSpPr>
-          <p:cNvPr id="20674" name="footprint"/>
+          <p:cNvPr id="30074" name="footprint"/>
           <p:cNvSpPr/>
           <p:nvPr/>
         </p:nvSpPr>
@@ -6980,7 +6980,7 @@
       </p:sp>
       <p:sp>
         <p:nvSpPr>
-          <p:cNvPr id="20675" name="footprint"/>
+          <p:cNvPr id="30075" name="footprint"/>
           <p:cNvSpPr/>
           <p:nvPr/>
         </p:nvSpPr>
@@ -7021,7 +7021,7 @@
       </p:sp>
       <p:sp>
         <p:nvSpPr>
-          <p:cNvPr id="20676" name="footprint"/>
+          <p:cNvPr id="30076" name="footprint"/>
           <p:cNvSpPr/>
           <p:nvPr/>
         </p:nvSpPr>
@@ -7062,7 +7062,7 @@
       </p:sp>
       <p:sp>
         <p:nvSpPr>
-          <p:cNvPr id="20677" name="footprint"/>
+          <p:cNvPr id="30077" name="footprint"/>
           <p:cNvSpPr/>
           <p:nvPr/>
         </p:nvSpPr>
@@ -7103,7 +7103,7 @@
       </p:sp>
       <p:sp>
         <p:nvSpPr>
-          <p:cNvPr id="20678" name="footprint"/>
+          <p:cNvPr id="30078" name="footprint"/>
           <p:cNvSpPr/>
           <p:nvPr/>
         </p:nvSpPr>
@@ -7144,7 +7144,7 @@
       </p:sp>
       <p:sp>
         <p:nvSpPr>
-          <p:cNvPr id="20679" name="footprint"/>
+          <p:cNvPr id="30079" name="footprint"/>
           <p:cNvSpPr/>
           <p:nvPr/>
         </p:nvSpPr>
@@ -7185,7 +7185,7 @@
       </p:sp>
       <p:sp>
         <p:nvSpPr>
-          <p:cNvPr id="20680" name="footprint"/>
+          <p:cNvPr id="30080" name="footprint"/>
           <p:cNvSpPr/>
           <p:nvPr/>
         </p:nvSpPr>
@@ -7226,7 +7226,7 @@
       </p:sp>
       <p:sp>
         <p:nvSpPr>
-          <p:cNvPr id="20681" name="footprint"/>
+          <p:cNvPr id="30081" name="footprint"/>
           <p:cNvSpPr/>
           <p:nvPr/>
         </p:nvSpPr>
@@ -7267,7 +7267,7 @@
       </p:sp>
       <p:sp>
         <p:nvSpPr>
-          <p:cNvPr id="20682" name="footprint"/>
+          <p:cNvPr id="30082" name="footprint"/>
           <p:cNvSpPr/>
           <p:nvPr/>
         </p:nvSpPr>
@@ -7308,7 +7308,7 @@
       </p:sp>
       <p:sp>
         <p:nvSpPr>
-          <p:cNvPr id="20683" name="footprint"/>
+          <p:cNvPr id="30083" name="footprint"/>
           <p:cNvSpPr/>
           <p:nvPr/>
         </p:nvSpPr>
@@ -7349,7 +7349,7 @@
       </p:sp>
       <p:sp>
         <p:nvSpPr>
-          <p:cNvPr id="20684" name="footprint"/>
+          <p:cNvPr id="30084" name="footprint"/>
           <p:cNvSpPr/>
           <p:nvPr/>
         </p:nvSpPr>
@@ -7390,7 +7390,7 @@
       </p:sp>
       <p:sp>
         <p:nvSpPr>
-          <p:cNvPr id="20685" name="footprint"/>
+          <p:cNvPr id="30085" name="footprint"/>
           <p:cNvSpPr/>
           <p:nvPr/>
         </p:nvSpPr>
@@ -7431,7 +7431,7 @@
       </p:sp>
       <p:sp>
         <p:nvSpPr>
-          <p:cNvPr id="20686" name="footprint"/>
+          <p:cNvPr id="30086" name="footprint"/>
           <p:cNvSpPr/>
           <p:nvPr/>
         </p:nvSpPr>
@@ -7472,7 +7472,7 @@
       </p:sp>
       <p:sp>
         <p:nvSpPr>
-          <p:cNvPr id="20687" name="footprint"/>
+          <p:cNvPr id="30087" name="footprint"/>
           <p:cNvSpPr/>
           <p:nvPr/>
         </p:nvSpPr>
@@ -7513,7 +7513,7 @@
       </p:sp>
       <p:sp>
         <p:nvSpPr>
-          <p:cNvPr id="20688" name="footprint"/>
+          <p:cNvPr id="30088" name="footprint"/>
           <p:cNvSpPr/>
           <p:nvPr/>
         </p:nvSpPr>
@@ -7554,7 +7554,7 @@
       </p:sp>
       <p:sp>
         <p:nvSpPr>
-          <p:cNvPr id="20689" name="footprint"/>
+          <p:cNvPr id="30089" name="footprint"/>
           <p:cNvSpPr/>
           <p:nvPr/>
         </p:nvSpPr>
@@ -7595,7 +7595,7 @@
       </p:sp>
       <p:sp>
         <p:nvSpPr>
-          <p:cNvPr id="20690" name="footprint"/>
+          <p:cNvPr id="30090" name="footprint"/>
           <p:cNvSpPr/>
           <p:nvPr/>
         </p:nvSpPr>
@@ -7636,7 +7636,7 @@
       </p:sp>
       <p:sp>
         <p:nvSpPr>
-          <p:cNvPr id="20691" name="footprint"/>
+          <p:cNvPr id="30091" name="footprint"/>
           <p:cNvSpPr/>
           <p:nvPr/>
         </p:nvSpPr>
@@ -7677,7 +7677,7 @@
       </p:sp>
       <p:sp>
         <p:nvSpPr>
-          <p:cNvPr id="20692" name="footprint"/>
+          <p:cNvPr id="30092" name="footprint"/>
           <p:cNvSpPr/>
           <p:nvPr/>
         </p:nvSpPr>
@@ -7718,7 +7718,7 @@
       </p:sp>
       <p:sp>
         <p:nvSpPr>
-          <p:cNvPr id="20693" name="footprint"/>
+          <p:cNvPr id="30093" name="footprint"/>
           <p:cNvSpPr/>
           <p:nvPr/>
         </p:nvSpPr>
@@ -7759,7 +7759,7 @@
       </p:sp>
       <p:sp>
         <p:nvSpPr>
-          <p:cNvPr id="20694" name="footprint"/>
+          <p:cNvPr id="30094" name="footprint"/>
           <p:cNvSpPr/>
           <p:nvPr/>
         </p:nvSpPr>
@@ -7800,7 +7800,7 @@
       </p:sp>
       <p:sp>
         <p:nvSpPr>
-          <p:cNvPr id="20695" name="footprint"/>
+          <p:cNvPr id="30095" name="footprint"/>
           <p:cNvSpPr/>
           <p:nvPr/>
         </p:nvSpPr>
@@ -7841,7 +7841,7 @@
       </p:sp>
       <p:sp>
         <p:nvSpPr>
-          <p:cNvPr id="20696" name="footprint"/>
+          <p:cNvPr id="30096" name="footprint"/>
           <p:cNvSpPr/>
           <p:nvPr/>
         </p:nvSpPr>
@@ -7882,7 +7882,7 @@
       </p:sp>
       <p:sp>
         <p:nvSpPr>
-          <p:cNvPr id="20697" name="footprint"/>
+          <p:cNvPr id="30097" name="footprint"/>
           <p:cNvSpPr/>
           <p:nvPr/>
         </p:nvSpPr>
@@ -7923,7 +7923,7 @@
       </p:sp>
       <p:sp>
         <p:nvSpPr>
-          <p:cNvPr id="20698" name="footprint"/>
+          <p:cNvPr id="30098" name="footprint"/>
           <p:cNvSpPr/>
           <p:nvPr/>
         </p:nvSpPr>
@@ -7964,7 +7964,7 @@
       </p:sp>
       <p:sp>
         <p:nvSpPr>
-          <p:cNvPr id="20699" name="footprint"/>
+          <p:cNvPr id="30099" name="footprint"/>
           <p:cNvSpPr/>
           <p:nvPr/>
         </p:nvSpPr>
@@ -8005,7 +8005,7 @@
       </p:sp>
       <p:sp>
         <p:nvSpPr>
-          <p:cNvPr id="20700" name="footprint"/>
+          <p:cNvPr id="30100" name="footprint"/>
           <p:cNvSpPr/>
           <p:nvPr/>
         </p:nvSpPr>
@@ -8046,7 +8046,7 @@
       </p:sp>
       <p:sp>
         <p:nvSpPr>
-          <p:cNvPr id="20701" name="footprint"/>
+          <p:cNvPr id="30101" name="footprint"/>
           <p:cNvSpPr/>
           <p:nvPr/>
         </p:nvSpPr>
@@ -8087,7 +8087,7 @@
       </p:sp>
       <p:sp>
         <p:nvSpPr>
-          <p:cNvPr id="20702" name="footprint"/>
+          <p:cNvPr id="30102" name="footprint"/>
           <p:cNvSpPr/>
           <p:nvPr/>
         </p:nvSpPr>
@@ -8128,7 +8128,7 @@
       </p:sp>
       <p:sp>
         <p:nvSpPr>
-          <p:cNvPr id="20703" name="footprint"/>
+          <p:cNvPr id="30103" name="footprint"/>
           <p:cNvSpPr/>
           <p:nvPr/>
         </p:nvSpPr>
@@ -8169,7 +8169,7 @@
       </p:sp>
       <p:sp>
         <p:nvSpPr>
-          <p:cNvPr id="20704" name="footprint"/>
+          <p:cNvPr id="30104" name="footprint"/>
           <p:cNvSpPr/>
           <p:nvPr/>
         </p:nvSpPr>
@@ -8210,7 +8210,7 @@
       </p:sp>
       <p:sp>
         <p:nvSpPr>
-          <p:cNvPr id="20705" name="footprint"/>
+          <p:cNvPr id="30105" name="footprint"/>
           <p:cNvSpPr/>
           <p:nvPr/>
         </p:nvSpPr>
@@ -8251,7 +8251,7 @@
       </p:sp>
       <p:sp>
         <p:nvSpPr>
-          <p:cNvPr id="20706" name="footprint"/>
+          <p:cNvPr id="30106" name="footprint"/>
           <p:cNvSpPr/>
           <p:nvPr/>
         </p:nvSpPr>
@@ -8292,7 +8292,7 @@
       </p:sp>
       <p:sp>
         <p:nvSpPr>
-          <p:cNvPr id="20707" name="footprint"/>
+          <p:cNvPr id="30107" name="footprint"/>
           <p:cNvSpPr/>
           <p:nvPr/>
         </p:nvSpPr>
@@ -8333,7 +8333,7 @@
       </p:sp>
       <p:sp>
         <p:nvSpPr>
-          <p:cNvPr id="20708" name="footprint"/>
+          <p:cNvPr id="30108" name="footprint"/>
           <p:cNvSpPr/>
           <p:nvPr/>
         </p:nvSpPr>
@@ -8374,7 +8374,7 @@
       </p:sp>
       <p:sp>
         <p:nvSpPr>
-          <p:cNvPr id="20709" name="footprint"/>
+          <p:cNvPr id="30109" name="footprint"/>
           <p:cNvSpPr/>
           <p:nvPr/>
         </p:nvSpPr>
@@ -8415,7 +8415,7 @@
       </p:sp>
       <p:sp>
         <p:nvSpPr>
-          <p:cNvPr id="20710" name="footprint"/>
+          <p:cNvPr id="30110" name="footprint"/>
           <p:cNvSpPr/>
           <p:nvPr/>
         </p:nvSpPr>
@@ -8456,7 +8456,7 @@
       </p:sp>
       <p:sp>
         <p:nvSpPr>
-          <p:cNvPr id="20711" name="footprint"/>
+          <p:cNvPr id="30111" name="footprint"/>
           <p:cNvSpPr/>
           <p:nvPr/>
         </p:nvSpPr>
@@ -8497,7 +8497,7 @@
       </p:sp>
       <p:sp>
         <p:nvSpPr>
-          <p:cNvPr id="20712" name="footprint"/>
+          <p:cNvPr id="30112" name="footprint"/>
           <p:cNvSpPr/>
           <p:nvPr/>
         </p:nvSpPr>
@@ -8538,7 +8538,7 @@
       </p:sp>
       <p:sp>
         <p:nvSpPr>
-          <p:cNvPr id="20713" name="footprint"/>
+          <p:cNvPr id="30113" name="footprint"/>
           <p:cNvSpPr/>
           <p:nvPr/>
         </p:nvSpPr>
@@ -8579,7 +8579,7 @@
       </p:sp>
       <p:sp>
         <p:nvSpPr>
-          <p:cNvPr id="20714" name="footprint"/>
+          <p:cNvPr id="30114" name="footprint"/>
           <p:cNvSpPr/>
           <p:nvPr/>
         </p:nvSpPr>
@@ -8620,7 +8620,7 @@
       </p:sp>
       <p:sp>
         <p:nvSpPr>
-          <p:cNvPr id="20715" name="footprint"/>
+          <p:cNvPr id="30115" name="footprint"/>
           <p:cNvSpPr/>
           <p:nvPr/>
         </p:nvSpPr>
@@ -8661,7 +8661,7 @@
       </p:sp>
       <p:sp>
         <p:nvSpPr>
-          <p:cNvPr id="20716" name="footprint"/>
+          <p:cNvPr id="30116" name="footprint"/>
           <p:cNvSpPr/>
           <p:nvPr/>
         </p:nvSpPr>
@@ -8702,7 +8702,7 @@
       </p:sp>
       <p:sp>
         <p:nvSpPr>
-          <p:cNvPr id="20717" name="footprint"/>
+          <p:cNvPr id="30117" name="footprint"/>
           <p:cNvSpPr/>
           <p:nvPr/>
         </p:nvSpPr>
@@ -8743,7 +8743,7 @@
       </p:sp>
       <p:sp>
         <p:nvSpPr>
-          <p:cNvPr id="20718" name="footprint"/>
+          <p:cNvPr id="30118" name="footprint"/>
           <p:cNvSpPr/>
           <p:nvPr/>
         </p:nvSpPr>
@@ -8784,7 +8784,7 @@
       </p:sp>
       <p:sp>
         <p:nvSpPr>
-          <p:cNvPr id="20719" name="footprint"/>
+          <p:cNvPr id="30119" name="footprint"/>
           <p:cNvSpPr/>
           <p:nvPr/>
         </p:nvSpPr>
@@ -8825,7 +8825,7 @@
       </p:sp>
       <p:sp>
         <p:nvSpPr>
-          <p:cNvPr id="20720" name="footprint"/>
+          <p:cNvPr id="30120" name="footprint"/>
           <p:cNvSpPr/>
           <p:nvPr/>
         </p:nvSpPr>
@@ -8866,7 +8866,7 @@
       </p:sp>
       <p:sp>
         <p:nvSpPr>
-          <p:cNvPr id="20721" name="footprint"/>
+          <p:cNvPr id="30121" name="footprint"/>
           <p:cNvSpPr/>
           <p:nvPr/>
         </p:nvSpPr>
@@ -8907,7 +8907,7 @@
       </p:sp>
       <p:sp>
         <p:nvSpPr>
-          <p:cNvPr id="20722" name="footprint"/>
+          <p:cNvPr id="30122" name="footprint"/>
           <p:cNvSpPr/>
           <p:nvPr/>
         </p:nvSpPr>
@@ -8948,7 +8948,7 @@
       </p:sp>
       <p:sp>
         <p:nvSpPr>
-          <p:cNvPr id="20723" name="footprint"/>
+          <p:cNvPr id="30123" name="footprint"/>
           <p:cNvSpPr/>
           <p:nvPr/>
         </p:nvSpPr>
@@ -8989,7 +8989,7 @@
       </p:sp>
       <p:sp>
         <p:nvSpPr>
-          <p:cNvPr id="20724" name="footprint"/>
+          <p:cNvPr id="30124" name="footprint"/>
           <p:cNvSpPr/>
           <p:nvPr/>
         </p:nvSpPr>
@@ -9030,7 +9030,7 @@
       </p:sp>
       <p:sp>
         <p:nvSpPr>
-          <p:cNvPr id="20725" name="footprint"/>
+          <p:cNvPr id="30125" name="footprint"/>
           <p:cNvSpPr/>
           <p:nvPr/>
         </p:nvSpPr>
@@ -9071,7 +9071,7 @@
       </p:sp>
       <p:sp>
         <p:nvSpPr>
-          <p:cNvPr id="20726" name="footprint"/>
+          <p:cNvPr id="30126" name="footprint"/>
           <p:cNvSpPr/>
           <p:nvPr/>
         </p:nvSpPr>
@@ -9112,7 +9112,7 @@
       </p:sp>
       <p:sp>
         <p:nvSpPr>
-          <p:cNvPr id="20727" name="footprint"/>
+          <p:cNvPr id="30127" name="footprint"/>
           <p:cNvSpPr/>
           <p:nvPr/>
         </p:nvSpPr>
@@ -9153,7 +9153,7 @@
       </p:sp>
       <p:sp>
         <p:nvSpPr>
-          <p:cNvPr id="20728" name="footprint"/>
+          <p:cNvPr id="30128" name="footprint"/>
           <p:cNvSpPr/>
           <p:nvPr/>
         </p:nvSpPr>
@@ -9194,7 +9194,7 @@
       </p:sp>
       <p:sp>
         <p:nvSpPr>
-          <p:cNvPr id="20729" name="footprint"/>
+          <p:cNvPr id="30129" name="footprint"/>
           <p:cNvSpPr/>
           <p:nvPr/>
         </p:nvSpPr>
@@ -9235,7 +9235,7 @@
       </p:sp>
       <p:sp>
         <p:nvSpPr>
-          <p:cNvPr id="20730" name="footprint"/>
+          <p:cNvPr id="30130" name="footprint"/>
           <p:cNvSpPr/>
           <p:nvPr/>
         </p:nvSpPr>
@@ -9276,7 +9276,7 @@
       </p:sp>
       <p:sp>
         <p:nvSpPr>
-          <p:cNvPr id="20731" name="footprint"/>
+          <p:cNvPr id="30131" name="footprint"/>
           <p:cNvSpPr/>
           <p:nvPr/>
         </p:nvSpPr>
@@ -9317,7 +9317,7 @@
       </p:sp>
       <p:sp>
         <p:nvSpPr>
-          <p:cNvPr id="20732" name="footprint"/>
+          <p:cNvPr id="30132" name="footprint"/>
           <p:cNvSpPr/>
           <p:nvPr/>
         </p:nvSpPr>
@@ -9358,7 +9358,7 @@
       </p:sp>
       <p:sp>
         <p:nvSpPr>
-          <p:cNvPr id="20733" name="footprint"/>
+          <p:cNvPr id="30133" name="footprint"/>
           <p:cNvSpPr/>
           <p:nvPr/>
         </p:nvSpPr>
@@ -9399,7 +9399,7 @@
       </p:sp>
       <p:sp>
         <p:nvSpPr>
-          <p:cNvPr id="20734" name="footprint"/>
+          <p:cNvPr id="30134" name="footprint"/>
           <p:cNvSpPr/>
           <p:nvPr/>
         </p:nvSpPr>
@@ -9440,7 +9440,7 @@
       </p:sp>
       <p:sp>
         <p:nvSpPr>
-          <p:cNvPr id="20735" name="footprint"/>
+          <p:cNvPr id="30135" name="footprint"/>
           <p:cNvSpPr/>
           <p:nvPr/>
         </p:nvSpPr>
@@ -9481,7 +9481,7 @@
       </p:sp>
       <p:sp>
         <p:nvSpPr>
-          <p:cNvPr id="20736" name="footprint"/>
+          <p:cNvPr id="30136" name="footprint"/>
           <p:cNvSpPr/>
           <p:nvPr/>
         </p:nvSpPr>
@@ -9522,7 +9522,7 @@
       </p:sp>
       <p:sp>
         <p:nvSpPr>
-          <p:cNvPr id="20737" name="footprint"/>
+          <p:cNvPr id="30137" name="footprint"/>
           <p:cNvSpPr/>
           <p:nvPr/>
         </p:nvSpPr>
@@ -9563,7 +9563,7 @@
       </p:sp>
       <p:sp>
         <p:nvSpPr>
-          <p:cNvPr id="20738" name="footprint"/>
+          <p:cNvPr id="30138" name="footprint"/>
           <p:cNvSpPr/>
           <p:nvPr/>
         </p:nvSpPr>
@@ -9604,7 +9604,7 @@
       </p:sp>
       <p:sp>
         <p:nvSpPr>
-          <p:cNvPr id="20739" name="footprint"/>
+          <p:cNvPr id="30139" name="footprint"/>
           <p:cNvSpPr/>
           <p:nvPr/>
         </p:nvSpPr>
@@ -9645,7 +9645,7 @@
       </p:sp>
       <p:sp>
         <p:nvSpPr>
-          <p:cNvPr id="20740" name="footprint"/>
+          <p:cNvPr id="30140" name="footprint"/>
           <p:cNvSpPr/>
           <p:nvPr/>
         </p:nvSpPr>
@@ -9686,7 +9686,7 @@
       </p:sp>
       <p:sp>
         <p:nvSpPr>
-          <p:cNvPr id="20741" name="footprint"/>
+          <p:cNvPr id="30141" name="footprint"/>
           <p:cNvSpPr/>
           <p:nvPr/>
         </p:nvSpPr>
@@ -9727,7 +9727,7 @@
       </p:sp>
       <p:sp>
         <p:nvSpPr>
-          <p:cNvPr id="20742" name="footprint"/>
+          <p:cNvPr id="30142" name="footprint"/>
           <p:cNvSpPr/>
           <p:nvPr/>
         </p:nvSpPr>
@@ -9768,7 +9768,7 @@
       </p:sp>
       <p:sp>
         <p:nvSpPr>
-          <p:cNvPr id="20743" name="footprint"/>
+          <p:cNvPr id="30143" name="footprint"/>
           <p:cNvSpPr/>
           <p:nvPr/>
         </p:nvSpPr>
@@ -9809,7 +9809,7 @@
       </p:sp>
       <p:sp>
         <p:nvSpPr>
-          <p:cNvPr id="20744" name="footprint"/>
+          <p:cNvPr id="30144" name="footprint"/>
           <p:cNvSpPr/>
           <p:nvPr/>
         </p:nvSpPr>
@@ -9850,7 +9850,7 @@
       </p:sp>
       <p:sp>
         <p:nvSpPr>
-          <p:cNvPr id="20745" name="footprint"/>
+          <p:cNvPr id="30145" name="footprint"/>
           <p:cNvSpPr/>
           <p:nvPr/>
         </p:nvSpPr>
@@ -9891,7 +9891,7 @@
       </p:sp>
       <p:sp>
         <p:nvSpPr>
-          <p:cNvPr id="20746" name="footprint"/>
+          <p:cNvPr id="30146" name="footprint"/>
           <p:cNvSpPr/>
           <p:nvPr/>
         </p:nvSpPr>
@@ -9932,7 +9932,7 @@
       </p:sp>
       <p:sp>
         <p:nvSpPr>
-          <p:cNvPr id="20747" name="footprint"/>
+          <p:cNvPr id="30147" name="footprint"/>
           <p:cNvSpPr/>
           <p:nvPr/>
         </p:nvSpPr>
@@ -9973,7 +9973,7 @@
       </p:sp>
       <p:sp>
         <p:nvSpPr>
-          <p:cNvPr id="20748" name="footprint"/>
+          <p:cNvPr id="30148" name="footprint"/>
           <p:cNvSpPr/>
           <p:nvPr/>
         </p:nvSpPr>
@@ -10014,7 +10014,7 @@
       </p:sp>
       <p:sp>
         <p:nvSpPr>
-          <p:cNvPr id="20749" name="footprint"/>
+          <p:cNvPr id="30149" name="footprint"/>
           <p:cNvSpPr/>
           <p:nvPr/>
         </p:nvSpPr>
@@ -10055,7 +10055,7 @@
       </p:sp>
       <p:sp>
         <p:nvSpPr>
-          <p:cNvPr id="20750" name="footprint"/>
+          <p:cNvPr id="30150" name="footprint"/>
           <p:cNvSpPr/>
           <p:nvPr/>
         </p:nvSpPr>
@@ -10096,7 +10096,7 @@
       </p:sp>
       <p:sp>
         <p:nvSpPr>
-          <p:cNvPr id="20751" name="footprint"/>
+          <p:cNvPr id="30151" name="footprint"/>
           <p:cNvSpPr/>
           <p:nvPr/>
         </p:nvSpPr>
@@ -10137,7 +10137,7 @@
       </p:sp>
       <p:sp>
         <p:nvSpPr>
-          <p:cNvPr id="20752" name="footprint"/>
+          <p:cNvPr id="30152" name="footprint"/>
           <p:cNvSpPr/>
           <p:nvPr/>
         </p:nvSpPr>
@@ -10178,7 +10178,7 @@
       </p:sp>
       <p:sp>
         <p:nvSpPr>
-          <p:cNvPr id="20753" name="footprint"/>
+          <p:cNvPr id="30153" name="footprint"/>
           <p:cNvSpPr/>
           <p:nvPr/>
         </p:nvSpPr>
@@ -10219,7 +10219,7 @@
       </p:sp>
       <p:sp>
         <p:nvSpPr>
-          <p:cNvPr id="20754" name="footprint"/>
+          <p:cNvPr id="30154" name="footprint"/>
           <p:cNvSpPr/>
           <p:nvPr/>
         </p:nvSpPr>
@@ -10260,7 +10260,7 @@
       </p:sp>
       <p:sp>
         <p:nvSpPr>
-          <p:cNvPr id="20755" name="footprint"/>
+          <p:cNvPr id="30155" name="footprint"/>
           <p:cNvSpPr/>
           <p:nvPr/>
         </p:nvSpPr>
@@ -10301,7 +10301,7 @@
       </p:sp>
       <p:sp>
         <p:nvSpPr>
-          <p:cNvPr id="20756" name="footprint"/>
+          <p:cNvPr id="30156" name="footprint"/>
           <p:cNvSpPr/>
           <p:nvPr/>
         </p:nvSpPr>
@@ -10342,7 +10342,7 @@
       </p:sp>
       <p:sp>
         <p:nvSpPr>
-          <p:cNvPr id="20757" name="footprint"/>
+          <p:cNvPr id="30157" name="footprint"/>
           <p:cNvSpPr/>
           <p:nvPr/>
         </p:nvSpPr>
@@ -10383,7 +10383,7 @@
       </p:sp>
       <p:sp>
         <p:nvSpPr>
-          <p:cNvPr id="20758" name="footprint"/>
+          <p:cNvPr id="30158" name="footprint"/>
           <p:cNvSpPr/>
           <p:nvPr/>
         </p:nvSpPr>
@@ -10424,7 +10424,7 @@
       </p:sp>
       <p:sp>
         <p:nvSpPr>
-          <p:cNvPr id="20759" name="footprint"/>
+          <p:cNvPr id="30159" name="footprint"/>
           <p:cNvSpPr/>
           <p:nvPr/>
         </p:nvSpPr>
@@ -10465,7 +10465,7 @@
       </p:sp>
       <p:sp>
         <p:nvSpPr>
-          <p:cNvPr id="20760" name="footprint"/>
+          <p:cNvPr id="30160" name="footprint"/>
           <p:cNvSpPr/>
           <p:nvPr/>
         </p:nvSpPr>
@@ -10506,7 +10506,7 @@
       </p:sp>
       <p:sp>
         <p:nvSpPr>
-          <p:cNvPr id="20761" name="footprint"/>
+          <p:cNvPr id="30161" name="footprint"/>
           <p:cNvSpPr/>
           <p:nvPr/>
         </p:nvSpPr>
@@ -10547,7 +10547,7 @@
       </p:sp>
       <p:sp>
         <p:nvSpPr>
-          <p:cNvPr id="20762" name="footprint"/>
+          <p:cNvPr id="30162" name="footprint"/>
           <p:cNvSpPr/>
           <p:nvPr/>
         </p:nvSpPr>
@@ -10588,7 +10588,7 @@
       </p:sp>
       <p:sp>
         <p:nvSpPr>
-          <p:cNvPr id="20763" name="footprint"/>
+          <p:cNvPr id="30163" name="footprint"/>
           <p:cNvSpPr/>
           <p:nvPr/>
         </p:nvSpPr>
@@ -10629,7 +10629,7 @@
       </p:sp>
       <p:sp>
         <p:nvSpPr>
-          <p:cNvPr id="20764" name="footprint"/>
+          <p:cNvPr id="30164" name="footprint"/>
           <p:cNvSpPr/>
           <p:nvPr/>
         </p:nvSpPr>
@@ -10670,7 +10670,7 @@
       </p:sp>
       <p:sp>
         <p:nvSpPr>
-          <p:cNvPr id="20765" name="footprint"/>
+          <p:cNvPr id="30165" name="footprint"/>
           <p:cNvSpPr/>
           <p:nvPr/>
         </p:nvSpPr>
@@ -10711,7 +10711,7 @@
       </p:sp>
       <p:sp>
         <p:nvSpPr>
-          <p:cNvPr id="20766" name="footprint"/>
+          <p:cNvPr id="30166" name="footprint"/>
           <p:cNvSpPr/>
           <p:nvPr/>
         </p:nvSpPr>
@@ -10752,7 +10752,7 @@
       </p:sp>
       <p:sp>
         <p:nvSpPr>
-          <p:cNvPr id="20767" name="footprint"/>
+          <p:cNvPr id="30167" name="footprint"/>
           <p:cNvSpPr/>
           <p:nvPr/>
         </p:nvSpPr>
@@ -10793,7 +10793,7 @@
       </p:sp>
       <p:sp>
         <p:nvSpPr>
-          <p:cNvPr id="20768" name="footprint"/>
+          <p:cNvPr id="30168" name="footprint"/>
           <p:cNvSpPr/>
           <p:nvPr/>
         </p:nvSpPr>
@@ -10834,7 +10834,7 @@
       </p:sp>
       <p:sp>
         <p:nvSpPr>
-          <p:cNvPr id="20769" name="footprint"/>
+          <p:cNvPr id="30169" name="footprint"/>
           <p:cNvSpPr/>
           <p:nvPr/>
         </p:nvSpPr>
@@ -10875,7 +10875,7 @@
       </p:sp>
       <p:sp>
         <p:nvSpPr>
-          <p:cNvPr id="20770" name="footprint"/>
+          <p:cNvPr id="30170" name="footprint"/>
           <p:cNvSpPr/>
           <p:nvPr/>
         </p:nvSpPr>
@@ -10916,7 +10916,7 @@
       </p:sp>
       <p:sp>
         <p:nvSpPr>
-          <p:cNvPr id="20771" name="footprint"/>
+          <p:cNvPr id="30171" name="footprint"/>
           <p:cNvSpPr/>
           <p:nvPr/>
         </p:nvSpPr>
@@ -10957,7 +10957,7 @@
       </p:sp>
       <p:sp>
         <p:nvSpPr>
-          <p:cNvPr id="20772" name="footprint"/>
+          <p:cNvPr id="30172" name="footprint"/>
           <p:cNvSpPr/>
           <p:nvPr/>
         </p:nvSpPr>
@@ -11059,7 +11059,7 @@
       </p:sp>
       <p:sp>
         <p:nvSpPr>
-          <p:cNvPr id="601" name="marker"/>
+          <p:cNvPr id="10001" name="marker"/>
           <p:cNvSpPr/>
           <p:nvPr/>
         </p:nvSpPr>
@@ -22798,7 +22798,7 @@
                                           </p:stCondLst>
                                         </p:cTn>
                                         <p:tgtEl>
-                                          <p:spTgt spid="601"/>
+                                          <p:spTgt spid="10001"/>
                                         </p:tgtEl>
                                         <p:attrNameLst>
                                           <p:attrName>style.visibility</p:attrName>
@@ -23988,7 +23988,7 @@
                                       <p:cBhvr>
                                         <p:cTn id="8" dur="100" fill="hold"/>
                                         <p:tgtEl>
-                                          <p:spTgt spid="601"/>
+                                          <p:spTgt spid="10001"/>
                                         </p:tgtEl>
                                         <p:attrNameLst>
                                           <p:attrName>ppt_x</p:attrName>
@@ -24001,7 +24001,7 @@
                                       <p:cBhvr>
                                         <p:cTn id="9" dur="100" fill="hold"/>
                                         <p:tgtEl>
-                                          <p:spTgt spid="601"/>
+                                          <p:spTgt spid="10001"/>
                                         </p:tgtEl>
                                         <p:attrNameLst>
                                           <p:attrName>ppt_x</p:attrName>
@@ -24014,7 +24014,7 @@
                                       <p:cBhvr>
                                         <p:cTn id="10" dur="100" fill="hold"/>
                                         <p:tgtEl>
-                                          <p:spTgt spid="601"/>
+                                          <p:spTgt spid="10001"/>
                                         </p:tgtEl>
                                         <p:attrNameLst>
                                           <p:attrName>ppt_x</p:attrName>
@@ -24027,7 +24027,7 @@
                                       <p:cBhvr>
                                         <p:cTn id="11" dur="100" fill="hold"/>
                                         <p:tgtEl>
-                                          <p:spTgt spid="601"/>
+                                          <p:spTgt spid="10001"/>
                                         </p:tgtEl>
                                         <p:attrNameLst>
                                           <p:attrName>ppt_x</p:attrName>
@@ -24040,7 +24040,7 @@
                                       <p:cBhvr>
                                         <p:cTn id="12" dur="100" fill="hold"/>
                                         <p:tgtEl>
-                                          <p:spTgt spid="601"/>
+                                          <p:spTgt spid="10001"/>
                                         </p:tgtEl>
                                         <p:attrNameLst>
                                           <p:attrName>ppt_x</p:attrName>
@@ -24053,7 +24053,7 @@
                                       <p:cBhvr>
                                         <p:cTn id="13" dur="100" fill="hold"/>
                                         <p:tgtEl>
-                                          <p:spTgt spid="601"/>
+                                          <p:spTgt spid="10001"/>
                                         </p:tgtEl>
                                         <p:attrNameLst>
                                           <p:attrName>ppt_x</p:attrName>
@@ -24066,7 +24066,7 @@
                                       <p:cBhvr>
                                         <p:cTn id="14" dur="100" fill="hold"/>
                                         <p:tgtEl>
-                                          <p:spTgt spid="601"/>
+                                          <p:spTgt spid="10001"/>
                                         </p:tgtEl>
                                         <p:attrNameLst>
                                           <p:attrName>ppt_x</p:attrName>
@@ -24079,7 +24079,7 @@
                                       <p:cBhvr>
                                         <p:cTn id="15" dur="100" fill="hold"/>
                                         <p:tgtEl>
-                                          <p:spTgt spid="601"/>
+                                          <p:spTgt spid="10001"/>
                                         </p:tgtEl>
                                         <p:attrNameLst>
                                           <p:attrName>ppt_x</p:attrName>
@@ -24092,7 +24092,7 @@
                                       <p:cBhvr>
                                         <p:cTn id="16" dur="100" fill="hold"/>
                                         <p:tgtEl>
-                                          <p:spTgt spid="601"/>
+                                          <p:spTgt spid="10001"/>
                                         </p:tgtEl>
                                         <p:attrNameLst>
                                           <p:attrName>ppt_x</p:attrName>
@@ -24105,7 +24105,7 @@
                                       <p:cBhvr>
                                         <p:cTn id="17" dur="100" fill="hold"/>
                                         <p:tgtEl>
-                                          <p:spTgt spid="601"/>
+                                          <p:spTgt spid="10001"/>
                                         </p:tgtEl>
                                         <p:attrNameLst>
                                           <p:attrName>ppt_x</p:attrName>
@@ -24118,7 +24118,7 @@
                                       <p:cBhvr>
                                         <p:cTn id="18" dur="100" fill="hold"/>
                                         <p:tgtEl>
-                                          <p:spTgt spid="601"/>
+                                          <p:spTgt spid="10001"/>
                                         </p:tgtEl>
                                         <p:attrNameLst>
                                           <p:attrName>ppt_x</p:attrName>
@@ -24131,7 +24131,7 @@
                                       <p:cBhvr>
                                         <p:cTn id="19" dur="100" fill="hold"/>
                                         <p:tgtEl>
-                                          <p:spTgt spid="601"/>
+                                          <p:spTgt spid="10001"/>
                                         </p:tgtEl>
                                         <p:attrNameLst>
                                           <p:attrName>ppt_x</p:attrName>
@@ -24144,7 +24144,7 @@
                                       <p:cBhvr>
                                         <p:cTn id="20" dur="100" fill="hold"/>
                                         <p:tgtEl>
-                                          <p:spTgt spid="601"/>
+                                          <p:spTgt spid="10001"/>
                                         </p:tgtEl>
                                         <p:attrNameLst>
                                           <p:attrName>ppt_x</p:attrName>
@@ -24157,7 +24157,7 @@
                                       <p:cBhvr>
                                         <p:cTn id="21" dur="100" fill="hold"/>
                                         <p:tgtEl>
-                                          <p:spTgt spid="601"/>
+                                          <p:spTgt spid="10001"/>
                                         </p:tgtEl>
                                         <p:attrNameLst>
                                           <p:attrName>ppt_x</p:attrName>
@@ -24170,7 +24170,7 @@
                                       <p:cBhvr>
                                         <p:cTn id="22" dur="100" fill="hold"/>
                                         <p:tgtEl>
-                                          <p:spTgt spid="601"/>
+                                          <p:spTgt spid="10001"/>
                                         </p:tgtEl>
                                         <p:attrNameLst>
                                           <p:attrName>ppt_x</p:attrName>
@@ -24183,7 +24183,7 @@
                                       <p:cBhvr>
                                         <p:cTn id="23" dur="100" fill="hold"/>
                                         <p:tgtEl>
-                                          <p:spTgt spid="601"/>
+                                          <p:spTgt spid="10001"/>
                                         </p:tgtEl>
                                         <p:attrNameLst>
                                           <p:attrName>ppt_x</p:attrName>
@@ -24196,7 +24196,7 @@
                                       <p:cBhvr>
                                         <p:cTn id="24" dur="100" fill="hold"/>
                                         <p:tgtEl>
-                                          <p:spTgt spid="601"/>
+                                          <p:spTgt spid="10001"/>
                                         </p:tgtEl>
                                         <p:attrNameLst>
                                           <p:attrName>ppt_x</p:attrName>
@@ -24209,7 +24209,7 @@
                                       <p:cBhvr>
                                         <p:cTn id="25" dur="100" fill="hold"/>
                                         <p:tgtEl>
-                                          <p:spTgt spid="601"/>
+                                          <p:spTgt spid="10001"/>
                                         </p:tgtEl>
                                         <p:attrNameLst>
                                           <p:attrName>ppt_x</p:attrName>
@@ -24222,7 +24222,7 @@
                                       <p:cBhvr>
                                         <p:cTn id="26" dur="100" fill="hold"/>
                                         <p:tgtEl>
-                                          <p:spTgt spid="601"/>
+                                          <p:spTgt spid="10001"/>
                                         </p:tgtEl>
                                         <p:attrNameLst>
                                           <p:attrName>ppt_x</p:attrName>
@@ -24235,7 +24235,7 @@
                                       <p:cBhvr>
                                         <p:cTn id="27" dur="100" fill="hold"/>
                                         <p:tgtEl>
-                                          <p:spTgt spid="601"/>
+                                          <p:spTgt spid="10001"/>
                                         </p:tgtEl>
                                         <p:attrNameLst>
                                           <p:attrName>ppt_x</p:attrName>
@@ -24248,7 +24248,7 @@
                                       <p:cBhvr>
                                         <p:cTn id="28" dur="100" fill="hold"/>
                                         <p:tgtEl>
-                                          <p:spTgt spid="601"/>
+                                          <p:spTgt spid="10001"/>
                                         </p:tgtEl>
                                         <p:attrNameLst>
                                           <p:attrName>ppt_x</p:attrName>
@@ -24261,7 +24261,7 @@
                                       <p:cBhvr>
                                         <p:cTn id="29" dur="100" fill="hold"/>
                                         <p:tgtEl>
-                                          <p:spTgt spid="601"/>
+                                          <p:spTgt spid="10001"/>
                                         </p:tgtEl>
                                         <p:attrNameLst>
                                           <p:attrName>ppt_x</p:attrName>
@@ -24274,7 +24274,7 @@
                                       <p:cBhvr>
                                         <p:cTn id="30" dur="100" fill="hold"/>
                                         <p:tgtEl>
-                                          <p:spTgt spid="601"/>
+                                          <p:spTgt spid="10001"/>
                                         </p:tgtEl>
                                         <p:attrNameLst>
                                           <p:attrName>ppt_x</p:attrName>
@@ -24287,7 +24287,7 @@
                                       <p:cBhvr>
                                         <p:cTn id="31" dur="100" fill="hold"/>
                                         <p:tgtEl>
-                                          <p:spTgt spid="601"/>
+                                          <p:spTgt spid="10001"/>
                                         </p:tgtEl>
                                         <p:attrNameLst>
                                           <p:attrName>ppt_x</p:attrName>
@@ -24300,7 +24300,7 @@
                                       <p:cBhvr>
                                         <p:cTn id="32" dur="100" fill="hold"/>
                                         <p:tgtEl>
-                                          <p:spTgt spid="601"/>
+                                          <p:spTgt spid="10001"/>
                                         </p:tgtEl>
                                         <p:attrNameLst>
                                           <p:attrName>ppt_x</p:attrName>
@@ -24313,7 +24313,7 @@
                                       <p:cBhvr>
                                         <p:cTn id="33" dur="100" fill="hold"/>
                                         <p:tgtEl>
-                                          <p:spTgt spid="601"/>
+                                          <p:spTgt spid="10001"/>
                                         </p:tgtEl>
                                         <p:attrNameLst>
                                           <p:attrName>ppt_x</p:attrName>
@@ -24326,7 +24326,7 @@
                                       <p:cBhvr>
                                         <p:cTn id="34" dur="100" fill="hold"/>
                                         <p:tgtEl>
-                                          <p:spTgt spid="601"/>
+                                          <p:spTgt spid="10001"/>
                                         </p:tgtEl>
                                         <p:attrNameLst>
                                           <p:attrName>ppt_x</p:attrName>
@@ -24339,7 +24339,7 @@
                                       <p:cBhvr>
                                         <p:cTn id="35" dur="100" fill="hold"/>
                                         <p:tgtEl>
-                                          <p:spTgt spid="601"/>
+                                          <p:spTgt spid="10001"/>
                                         </p:tgtEl>
                                         <p:attrNameLst>
                                           <p:attrName>ppt_x</p:attrName>
@@ -24352,7 +24352,7 @@
                                       <p:cBhvr>
                                         <p:cTn id="36" dur="100" fill="hold"/>
                                         <p:tgtEl>
-                                          <p:spTgt spid="601"/>
+                                          <p:spTgt spid="10001"/>
                                         </p:tgtEl>
                                         <p:attrNameLst>
                                           <p:attrName>ppt_x</p:attrName>
@@ -24365,7 +24365,7 @@
                                       <p:cBhvr>
                                         <p:cTn id="37" dur="100" fill="hold"/>
                                         <p:tgtEl>
-                                          <p:spTgt spid="601"/>
+                                          <p:spTgt spid="10001"/>
                                         </p:tgtEl>
                                         <p:attrNameLst>
                                           <p:attrName>ppt_x</p:attrName>
@@ -24378,7 +24378,7 @@
                                       <p:cBhvr>
                                         <p:cTn id="38" dur="100" fill="hold"/>
                                         <p:tgtEl>
-                                          <p:spTgt spid="601"/>
+                                          <p:spTgt spid="10001"/>
                                         </p:tgtEl>
                                         <p:attrNameLst>
                                           <p:attrName>ppt_x</p:attrName>
@@ -24391,7 +24391,7 @@
                                       <p:cBhvr>
                                         <p:cTn id="39" dur="100" fill="hold"/>
                                         <p:tgtEl>
-                                          <p:spTgt spid="601"/>
+                                          <p:spTgt spid="10001"/>
                                         </p:tgtEl>
                                         <p:attrNameLst>
                                           <p:attrName>ppt_x</p:attrName>
@@ -24404,7 +24404,7 @@
                                       <p:cBhvr>
                                         <p:cTn id="40" dur="100" fill="hold"/>
                                         <p:tgtEl>
-                                          <p:spTgt spid="601"/>
+                                          <p:spTgt spid="10001"/>
                                         </p:tgtEl>
                                         <p:attrNameLst>
                                           <p:attrName>ppt_x</p:attrName>
@@ -24417,7 +24417,7 @@
                                       <p:cBhvr>
                                         <p:cTn id="41" dur="100" fill="hold"/>
                                         <p:tgtEl>
-                                          <p:spTgt spid="601"/>
+                                          <p:spTgt spid="10001"/>
                                         </p:tgtEl>
                                         <p:attrNameLst>
                                           <p:attrName>ppt_x</p:attrName>
@@ -24430,7 +24430,7 @@
                                       <p:cBhvr>
                                         <p:cTn id="42" dur="100" fill="hold"/>
                                         <p:tgtEl>
-                                          <p:spTgt spid="601"/>
+                                          <p:spTgt spid="10001"/>
                                         </p:tgtEl>
                                         <p:attrNameLst>
                                           <p:attrName>ppt_x</p:attrName>
@@ -24443,7 +24443,7 @@
                                       <p:cBhvr>
                                         <p:cTn id="43" dur="100" fill="hold"/>
                                         <p:tgtEl>
-                                          <p:spTgt spid="601"/>
+                                          <p:spTgt spid="10001"/>
                                         </p:tgtEl>
                                         <p:attrNameLst>
                                           <p:attrName>ppt_x</p:attrName>
@@ -24456,7 +24456,7 @@
                                       <p:cBhvr>
                                         <p:cTn id="44" dur="100" fill="hold"/>
                                         <p:tgtEl>
-                                          <p:spTgt spid="601"/>
+                                          <p:spTgt spid="10001"/>
                                         </p:tgtEl>
                                         <p:attrNameLst>
                                           <p:attrName>ppt_x</p:attrName>
@@ -24469,7 +24469,7 @@
                                       <p:cBhvr>
                                         <p:cTn id="45" dur="100" fill="hold"/>
                                         <p:tgtEl>
-                                          <p:spTgt spid="601"/>
+                                          <p:spTgt spid="10001"/>
                                         </p:tgtEl>
                                         <p:attrNameLst>
                                           <p:attrName>ppt_x</p:attrName>
@@ -24482,7 +24482,7 @@
                                       <p:cBhvr>
                                         <p:cTn id="46" dur="100" fill="hold"/>
                                         <p:tgtEl>
-                                          <p:spTgt spid="601"/>
+                                          <p:spTgt spid="10001"/>
                                         </p:tgtEl>
                                         <p:attrNameLst>
                                           <p:attrName>ppt_x</p:attrName>
@@ -24495,7 +24495,7 @@
                                       <p:cBhvr>
                                         <p:cTn id="47" dur="100" fill="hold"/>
                                         <p:tgtEl>
-                                          <p:spTgt spid="601"/>
+                                          <p:spTgt spid="10001"/>
                                         </p:tgtEl>
                                         <p:attrNameLst>
                                           <p:attrName>ppt_x</p:attrName>
@@ -24508,7 +24508,7 @@
                                       <p:cBhvr>
                                         <p:cTn id="48" dur="100" fill="hold"/>
                                         <p:tgtEl>
-                                          <p:spTgt spid="601"/>
+                                          <p:spTgt spid="10001"/>
                                         </p:tgtEl>
                                         <p:attrNameLst>
                                           <p:attrName>ppt_x</p:attrName>
@@ -24521,7 +24521,7 @@
                                       <p:cBhvr>
                                         <p:cTn id="49" dur="100" fill="hold"/>
                                         <p:tgtEl>
-                                          <p:spTgt spid="601"/>
+                                          <p:spTgt spid="10001"/>
                                         </p:tgtEl>
                                         <p:attrNameLst>
                                           <p:attrName>ppt_x</p:attrName>
@@ -24534,7 +24534,7 @@
                                       <p:cBhvr>
                                         <p:cTn id="50" dur="100" fill="hold"/>
                                         <p:tgtEl>
-                                          <p:spTgt spid="601"/>
+                                          <p:spTgt spid="10001"/>
                                         </p:tgtEl>
                                         <p:attrNameLst>
                                           <p:attrName>ppt_x</p:attrName>
@@ -24547,7 +24547,7 @@
                                       <p:cBhvr>
                                         <p:cTn id="51" dur="100" fill="hold"/>
                                         <p:tgtEl>
-                                          <p:spTgt spid="601"/>
+                                          <p:spTgt spid="10001"/>
                                         </p:tgtEl>
                                         <p:attrNameLst>
                                           <p:attrName>ppt_x</p:attrName>
@@ -24560,7 +24560,7 @@
                                       <p:cBhvr>
                                         <p:cTn id="52" dur="100" fill="hold"/>
                                         <p:tgtEl>
-                                          <p:spTgt spid="601"/>
+                                          <p:spTgt spid="10001"/>
                                         </p:tgtEl>
                                         <p:attrNameLst>
                                           <p:attrName>ppt_x</p:attrName>
@@ -24573,7 +24573,7 @@
                                       <p:cBhvr>
                                         <p:cTn id="53" dur="100" fill="hold"/>
                                         <p:tgtEl>
-                                          <p:spTgt spid="601"/>
+                                          <p:spTgt spid="10001"/>
                                         </p:tgtEl>
                                         <p:attrNameLst>
                                           <p:attrName>ppt_x</p:attrName>
@@ -24586,7 +24586,7 @@
                                       <p:cBhvr>
                                         <p:cTn id="54" dur="100" fill="hold"/>
                                         <p:tgtEl>
-                                          <p:spTgt spid="601"/>
+                                          <p:spTgt spid="10001"/>
                                         </p:tgtEl>
                                         <p:attrNameLst>
                                           <p:attrName>ppt_x</p:attrName>
@@ -24599,7 +24599,7 @@
                                       <p:cBhvr>
                                         <p:cTn id="55" dur="100" fill="hold"/>
                                         <p:tgtEl>
-                                          <p:spTgt spid="601"/>
+                                          <p:spTgt spid="10001"/>
                                         </p:tgtEl>
                                         <p:attrNameLst>
                                           <p:attrName>ppt_x</p:attrName>
@@ -24612,7 +24612,7 @@
                                       <p:cBhvr>
                                         <p:cTn id="56" dur="100" fill="hold"/>
                                         <p:tgtEl>
-                                          <p:spTgt spid="601"/>
+                                          <p:spTgt spid="10001"/>
                                         </p:tgtEl>
                                         <p:attrNameLst>
                                           <p:attrName>ppt_x</p:attrName>
@@ -24625,7 +24625,7 @@
                                       <p:cBhvr>
                                         <p:cTn id="57" dur="100" fill="hold"/>
                                         <p:tgtEl>
-                                          <p:spTgt spid="601"/>
+                                          <p:spTgt spid="10001"/>
                                         </p:tgtEl>
                                         <p:attrNameLst>
                                           <p:attrName>ppt_x</p:attrName>
@@ -24638,7 +24638,7 @@
                                       <p:cBhvr>
                                         <p:cTn id="58" dur="100" fill="hold"/>
                                         <p:tgtEl>
-                                          <p:spTgt spid="601"/>
+                                          <p:spTgt spid="10001"/>
                                         </p:tgtEl>
                                         <p:attrNameLst>
                                           <p:attrName>ppt_x</p:attrName>
@@ -24651,7 +24651,7 @@
                                       <p:cBhvr>
                                         <p:cTn id="59" dur="100" fill="hold"/>
                                         <p:tgtEl>
-                                          <p:spTgt spid="601"/>
+                                          <p:spTgt spid="10001"/>
                                         </p:tgtEl>
                                         <p:attrNameLst>
                                           <p:attrName>ppt_x</p:attrName>
@@ -24664,7 +24664,7 @@
                                       <p:cBhvr>
                                         <p:cTn id="60" dur="100" fill="hold"/>
                                         <p:tgtEl>
-                                          <p:spTgt spid="601"/>
+                                          <p:spTgt spid="10001"/>
                                         </p:tgtEl>
                                         <p:attrNameLst>
                                           <p:attrName>ppt_x</p:attrName>
@@ -24677,7 +24677,7 @@
                                       <p:cBhvr>
                                         <p:cTn id="61" dur="100" fill="hold"/>
                                         <p:tgtEl>
-                                          <p:spTgt spid="601"/>
+                                          <p:spTgt spid="10001"/>
                                         </p:tgtEl>
                                         <p:attrNameLst>
                                           <p:attrName>ppt_x</p:attrName>
@@ -24690,7 +24690,7 @@
                                       <p:cBhvr>
                                         <p:cTn id="62" dur="100" fill="hold"/>
                                         <p:tgtEl>
-                                          <p:spTgt spid="601"/>
+                                          <p:spTgt spid="10001"/>
                                         </p:tgtEl>
                                         <p:attrNameLst>
                                           <p:attrName>ppt_x</p:attrName>
@@ -24703,7 +24703,7 @@
                                       <p:cBhvr>
                                         <p:cTn id="63" dur="100" fill="hold"/>
                                         <p:tgtEl>
-                                          <p:spTgt spid="601"/>
+                                          <p:spTgt spid="10001"/>
                                         </p:tgtEl>
                                         <p:attrNameLst>
                                           <p:attrName>ppt_x</p:attrName>
@@ -24716,7 +24716,7 @@
                                       <p:cBhvr>
                                         <p:cTn id="64" dur="100" fill="hold"/>
                                         <p:tgtEl>
-                                          <p:spTgt spid="601"/>
+                                          <p:spTgt spid="10001"/>
                                         </p:tgtEl>
                                         <p:attrNameLst>
                                           <p:attrName>ppt_x</p:attrName>
@@ -24729,7 +24729,7 @@
                                       <p:cBhvr>
                                         <p:cTn id="65" dur="100" fill="hold"/>
                                         <p:tgtEl>
-                                          <p:spTgt spid="601"/>
+                                          <p:spTgt spid="10001"/>
                                         </p:tgtEl>
                                         <p:attrNameLst>
                                           <p:attrName>ppt_x</p:attrName>
@@ -24742,7 +24742,7 @@
                                       <p:cBhvr>
                                         <p:cTn id="66" dur="100" fill="hold"/>
                                         <p:tgtEl>
-                                          <p:spTgt spid="601"/>
+                                          <p:spTgt spid="10001"/>
                                         </p:tgtEl>
                                         <p:attrNameLst>
                                           <p:attrName>ppt_x</p:attrName>
@@ -24755,7 +24755,7 @@
                                       <p:cBhvr>
                                         <p:cTn id="67" dur="100" fill="hold"/>
                                         <p:tgtEl>
-                                          <p:spTgt spid="601"/>
+                                          <p:spTgt spid="10001"/>
                                         </p:tgtEl>
                                         <p:attrNameLst>
                                           <p:attrName>ppt_x</p:attrName>
@@ -24768,7 +24768,7 @@
                                       <p:cBhvr>
                                         <p:cTn id="68" dur="100" fill="hold"/>
                                         <p:tgtEl>
-                                          <p:spTgt spid="601"/>
+                                          <p:spTgt spid="10001"/>
                                         </p:tgtEl>
                                         <p:attrNameLst>
                                           <p:attrName>ppt_x</p:attrName>
@@ -24781,7 +24781,7 @@
                                       <p:cBhvr>
                                         <p:cTn id="69" dur="100" fill="hold"/>
                                         <p:tgtEl>
-                                          <p:spTgt spid="601"/>
+                                          <p:spTgt spid="10001"/>
                                         </p:tgtEl>
                                         <p:attrNameLst>
                                           <p:attrName>ppt_x</p:attrName>
@@ -24794,7 +24794,7 @@
                                       <p:cBhvr>
                                         <p:cTn id="70" dur="100" fill="hold"/>
                                         <p:tgtEl>
-                                          <p:spTgt spid="601"/>
+                                          <p:spTgt spid="10001"/>
                                         </p:tgtEl>
                                         <p:attrNameLst>
                                           <p:attrName>ppt_x</p:attrName>
@@ -24807,7 +24807,7 @@
                                       <p:cBhvr>
                                         <p:cTn id="71" dur="100" fill="hold"/>
                                         <p:tgtEl>
-                                          <p:spTgt spid="601"/>
+                                          <p:spTgt spid="10001"/>
                                         </p:tgtEl>
                                         <p:attrNameLst>
                                           <p:attrName>ppt_x</p:attrName>
@@ -24820,7 +24820,7 @@
                                       <p:cBhvr>
                                         <p:cTn id="72" dur="100" fill="hold"/>
                                         <p:tgtEl>
-                                          <p:spTgt spid="601"/>
+                                          <p:spTgt spid="10001"/>
                                         </p:tgtEl>
                                         <p:attrNameLst>
                                           <p:attrName>ppt_x</p:attrName>
@@ -24833,7 +24833,7 @@
                                       <p:cBhvr>
                                         <p:cTn id="73" dur="100" fill="hold"/>
                                         <p:tgtEl>
-                                          <p:spTgt spid="601"/>
+                                          <p:spTgt spid="10001"/>
                                         </p:tgtEl>
                                         <p:attrNameLst>
                                           <p:attrName>ppt_x</p:attrName>
@@ -24846,7 +24846,7 @@
                                       <p:cBhvr>
                                         <p:cTn id="74" dur="100" fill="hold"/>
                                         <p:tgtEl>
-                                          <p:spTgt spid="601"/>
+                                          <p:spTgt spid="10001"/>
                                         </p:tgtEl>
                                         <p:attrNameLst>
                                           <p:attrName>ppt_x</p:attrName>
@@ -24859,7 +24859,7 @@
                                       <p:cBhvr>
                                         <p:cTn id="75" dur="100" fill="hold"/>
                                         <p:tgtEl>
-                                          <p:spTgt spid="601"/>
+                                          <p:spTgt spid="10001"/>
                                         </p:tgtEl>
                                         <p:attrNameLst>
                                           <p:attrName>ppt_x</p:attrName>
@@ -24872,7 +24872,7 @@
                                       <p:cBhvr>
                                         <p:cTn id="76" dur="100" fill="hold"/>
                                         <p:tgtEl>
-                                          <p:spTgt spid="601"/>
+                                          <p:spTgt spid="10001"/>
                                         </p:tgtEl>
                                         <p:attrNameLst>
                                           <p:attrName>ppt_x</p:attrName>
@@ -24885,7 +24885,7 @@
                                       <p:cBhvr>
                                         <p:cTn id="77" dur="100" fill="hold"/>
                                         <p:tgtEl>
-                                          <p:spTgt spid="601"/>
+                                          <p:spTgt spid="10001"/>
                                         </p:tgtEl>
                                         <p:attrNameLst>
                                           <p:attrName>ppt_x</p:attrName>
@@ -24898,7 +24898,7 @@
                                       <p:cBhvr>
                                         <p:cTn id="78" dur="100" fill="hold"/>
                                         <p:tgtEl>
-                                          <p:spTgt spid="601"/>
+                                          <p:spTgt spid="10001"/>
                                         </p:tgtEl>
                                         <p:attrNameLst>
                                           <p:attrName>ppt_x</p:attrName>
@@ -24911,7 +24911,7 @@
                                       <p:cBhvr>
                                         <p:cTn id="79" dur="100" fill="hold"/>
                                         <p:tgtEl>
-                                          <p:spTgt spid="601"/>
+                                          <p:spTgt spid="10001"/>
                                         </p:tgtEl>
                                         <p:attrNameLst>
                                           <p:attrName>ppt_x</p:attrName>
@@ -24924,7 +24924,7 @@
                                       <p:cBhvr>
                                         <p:cTn id="80" dur="100" fill="hold"/>
                                         <p:tgtEl>
-                                          <p:spTgt spid="601"/>
+                                          <p:spTgt spid="10001"/>
                                         </p:tgtEl>
                                         <p:attrNameLst>
                                           <p:attrName>ppt_x</p:attrName>
@@ -24937,7 +24937,7 @@
                                       <p:cBhvr>
                                         <p:cTn id="81" dur="100" fill="hold"/>
                                         <p:tgtEl>
-                                          <p:spTgt spid="601"/>
+                                          <p:spTgt spid="10001"/>
                                         </p:tgtEl>
                                         <p:attrNameLst>
                                           <p:attrName>ppt_x</p:attrName>
@@ -24950,7 +24950,7 @@
                                       <p:cBhvr>
                                         <p:cTn id="82" dur="100" fill="hold"/>
                                         <p:tgtEl>
-                                          <p:spTgt spid="601"/>
+                                          <p:spTgt spid="10001"/>
                                         </p:tgtEl>
                                         <p:attrNameLst>
                                           <p:attrName>ppt_x</p:attrName>
@@ -24963,7 +24963,7 @@
                                       <p:cBhvr>
                                         <p:cTn id="83" dur="100" fill="hold"/>
                                         <p:tgtEl>
-                                          <p:spTgt spid="601"/>
+                                          <p:spTgt spid="10001"/>
                                         </p:tgtEl>
                                         <p:attrNameLst>
                                           <p:attrName>ppt_x</p:attrName>
@@ -24976,7 +24976,7 @@
                                       <p:cBhvr>
                                         <p:cTn id="84" dur="100" fill="hold"/>
                                         <p:tgtEl>
-                                          <p:spTgt spid="601"/>
+                                          <p:spTgt spid="10001"/>
                                         </p:tgtEl>
                                         <p:attrNameLst>
                                           <p:attrName>ppt_x</p:attrName>
@@ -24989,7 +24989,7 @@
                                       <p:cBhvr>
                                         <p:cTn id="85" dur="100" fill="hold"/>
                                         <p:tgtEl>
-                                          <p:spTgt spid="601"/>
+                                          <p:spTgt spid="10001"/>
                                         </p:tgtEl>
                                         <p:attrNameLst>
                                           <p:attrName>ppt_x</p:attrName>
@@ -25002,7 +25002,7 @@
                                       <p:cBhvr>
                                         <p:cTn id="86" dur="100" fill="hold"/>
                                         <p:tgtEl>
-                                          <p:spTgt spid="601"/>
+                                          <p:spTgt spid="10001"/>
                                         </p:tgtEl>
                                         <p:attrNameLst>
                                           <p:attrName>ppt_x</p:attrName>
@@ -25015,7 +25015,7 @@
                                       <p:cBhvr>
                                         <p:cTn id="87" dur="100" fill="hold"/>
                                         <p:tgtEl>
-                                          <p:spTgt spid="601"/>
+                                          <p:spTgt spid="10001"/>
                                         </p:tgtEl>
                                         <p:attrNameLst>
                                           <p:attrName>ppt_x</p:attrName>
@@ -25028,7 +25028,7 @@
                                       <p:cBhvr>
                                         <p:cTn id="88" dur="100" fill="hold"/>
                                         <p:tgtEl>
-                                          <p:spTgt spid="601"/>
+                                          <p:spTgt spid="10001"/>
                                         </p:tgtEl>
                                         <p:attrNameLst>
                                           <p:attrName>ppt_x</p:attrName>
@@ -25041,7 +25041,7 @@
                                       <p:cBhvr>
                                         <p:cTn id="89" dur="100" fill="hold"/>
                                         <p:tgtEl>
-                                          <p:spTgt spid="601"/>
+                                          <p:spTgt spid="10001"/>
                                         </p:tgtEl>
                                         <p:attrNameLst>
                                           <p:attrName>ppt_x</p:attrName>
@@ -25054,7 +25054,7 @@
                                       <p:cBhvr>
                                         <p:cTn id="90" dur="100" fill="hold"/>
                                         <p:tgtEl>
-                                          <p:spTgt spid="601"/>
+                                          <p:spTgt spid="10001"/>
                                         </p:tgtEl>
                                         <p:attrNameLst>
                                           <p:attrName>ppt_x</p:attrName>
@@ -25067,7 +25067,7 @@
                                       <p:cBhvr>
                                         <p:cTn id="91" dur="100" fill="hold"/>
                                         <p:tgtEl>
-                                          <p:spTgt spid="601"/>
+                                          <p:spTgt spid="10001"/>
                                         </p:tgtEl>
                                         <p:attrNameLst>
                                           <p:attrName>ppt_x</p:attrName>
@@ -25080,7 +25080,7 @@
                                       <p:cBhvr>
                                         <p:cTn id="92" dur="100" fill="hold"/>
                                         <p:tgtEl>
-                                          <p:spTgt spid="601"/>
+                                          <p:spTgt spid="10001"/>
                                         </p:tgtEl>
                                         <p:attrNameLst>
                                           <p:attrName>ppt_x</p:attrName>
@@ -25093,7 +25093,7 @@
                                       <p:cBhvr>
                                         <p:cTn id="93" dur="100" fill="hold"/>
                                         <p:tgtEl>
-                                          <p:spTgt spid="601"/>
+                                          <p:spTgt spid="10001"/>
                                         </p:tgtEl>
                                         <p:attrNameLst>
                                           <p:attrName>ppt_x</p:attrName>
@@ -25119,7 +25119,7 @@
                                           </p:stCondLst>
                                         </p:cTn>
                                         <p:tgtEl>
-                                          <p:spTgt spid="20600"/>
+                                          <p:spTgt spid="30000"/>
                                         </p:tgtEl>
                                         <p:attrNameLst>
                                           <p:attrName>style.visibility</p:attrName>
@@ -25146,7 +25146,7 @@
                                           </p:stCondLst>
                                         </p:cTn>
                                         <p:tgtEl>
-                                          <p:spTgt spid="20601"/>
+                                          <p:spTgt spid="30001"/>
                                         </p:tgtEl>
                                         <p:attrNameLst>
                                           <p:attrName>style.visibility</p:attrName>
@@ -25173,7 +25173,7 @@
                                           </p:stCondLst>
                                         </p:cTn>
                                         <p:tgtEl>
-                                          <p:spTgt spid="20602"/>
+                                          <p:spTgt spid="30002"/>
                                         </p:tgtEl>
                                         <p:attrNameLst>
                                           <p:attrName>style.visibility</p:attrName>
@@ -25200,7 +25200,7 @@
                                           </p:stCondLst>
                                         </p:cTn>
                                         <p:tgtEl>
-                                          <p:spTgt spid="20603"/>
+                                          <p:spTgt spid="30003"/>
                                         </p:tgtEl>
                                         <p:attrNameLst>
                                           <p:attrName>style.visibility</p:attrName>
@@ -25227,7 +25227,7 @@
                                           </p:stCondLst>
                                         </p:cTn>
                                         <p:tgtEl>
-                                          <p:spTgt spid="20604"/>
+                                          <p:spTgt spid="30004"/>
                                         </p:tgtEl>
                                         <p:attrNameLst>
                                           <p:attrName>style.visibility</p:attrName>
@@ -25254,7 +25254,7 @@
                                           </p:stCondLst>
                                         </p:cTn>
                                         <p:tgtEl>
-                                          <p:spTgt spid="20605"/>
+                                          <p:spTgt spid="30005"/>
                                         </p:tgtEl>
                                         <p:attrNameLst>
                                           <p:attrName>style.visibility</p:attrName>
@@ -25281,7 +25281,7 @@
                                           </p:stCondLst>
                                         </p:cTn>
                                         <p:tgtEl>
-                                          <p:spTgt spid="20606"/>
+                                          <p:spTgt spid="30006"/>
                                         </p:tgtEl>
                                         <p:attrNameLst>
                                           <p:attrName>style.visibility</p:attrName>
@@ -25308,7 +25308,7 @@
                                           </p:stCondLst>
                                         </p:cTn>
                                         <p:tgtEl>
-                                          <p:spTgt spid="20607"/>
+                                          <p:spTgt spid="30007"/>
                                         </p:tgtEl>
                                         <p:attrNameLst>
                                           <p:attrName>style.visibility</p:attrName>
@@ -25335,7 +25335,7 @@
                                           </p:stCondLst>
                                         </p:cTn>
                                         <p:tgtEl>
-                                          <p:spTgt spid="20608"/>
+                                          <p:spTgt spid="30008"/>
                                         </p:tgtEl>
                                         <p:attrNameLst>
                                           <p:attrName>style.visibility</p:attrName>
@@ -25362,7 +25362,7 @@
                                           </p:stCondLst>
                                         </p:cTn>
                                         <p:tgtEl>
-                                          <p:spTgt spid="20609"/>
+                                          <p:spTgt spid="30009"/>
                                         </p:tgtEl>
                                         <p:attrNameLst>
                                           <p:attrName>style.visibility</p:attrName>
@@ -25389,7 +25389,7 @@
                                           </p:stCondLst>
                                         </p:cTn>
                                         <p:tgtEl>
-                                          <p:spTgt spid="20610"/>
+                                          <p:spTgt spid="30010"/>
                                         </p:tgtEl>
                                         <p:attrNameLst>
                                           <p:attrName>style.visibility</p:attrName>
@@ -25416,7 +25416,7 @@
                                           </p:stCondLst>
                                         </p:cTn>
                                         <p:tgtEl>
-                                          <p:spTgt spid="20611"/>
+                                          <p:spTgt spid="30011"/>
                                         </p:tgtEl>
                                         <p:attrNameLst>
                                           <p:attrName>style.visibility</p:attrName>
@@ -25443,7 +25443,7 @@
                                           </p:stCondLst>
                                         </p:cTn>
                                         <p:tgtEl>
-                                          <p:spTgt spid="20612"/>
+                                          <p:spTgt spid="30012"/>
                                         </p:tgtEl>
                                         <p:attrNameLst>
                                           <p:attrName>style.visibility</p:attrName>
@@ -25470,7 +25470,7 @@
                                           </p:stCondLst>
                                         </p:cTn>
                                         <p:tgtEl>
-                                          <p:spTgt spid="20613"/>
+                                          <p:spTgt spid="30013"/>
                                         </p:tgtEl>
                                         <p:attrNameLst>
                                           <p:attrName>style.visibility</p:attrName>
@@ -25497,7 +25497,7 @@
                                           </p:stCondLst>
                                         </p:cTn>
                                         <p:tgtEl>
-                                          <p:spTgt spid="20614"/>
+                                          <p:spTgt spid="30014"/>
                                         </p:tgtEl>
                                         <p:attrNameLst>
                                           <p:attrName>style.visibility</p:attrName>
@@ -25524,7 +25524,7 @@
                                           </p:stCondLst>
                                         </p:cTn>
                                         <p:tgtEl>
-                                          <p:spTgt spid="20615"/>
+                                          <p:spTgt spid="30015"/>
                                         </p:tgtEl>
                                         <p:attrNameLst>
                                           <p:attrName>style.visibility</p:attrName>
@@ -25551,7 +25551,7 @@
                                           </p:stCondLst>
                                         </p:cTn>
                                         <p:tgtEl>
-                                          <p:spTgt spid="20616"/>
+                                          <p:spTgt spid="30016"/>
                                         </p:tgtEl>
                                         <p:attrNameLst>
                                           <p:attrName>style.visibility</p:attrName>
@@ -25578,7 +25578,7 @@
                                           </p:stCondLst>
                                         </p:cTn>
                                         <p:tgtEl>
-                                          <p:spTgt spid="20617"/>
+                                          <p:spTgt spid="30017"/>
                                         </p:tgtEl>
                                         <p:attrNameLst>
                                           <p:attrName>style.visibility</p:attrName>
@@ -25605,7 +25605,7 @@
                                           </p:stCondLst>
                                         </p:cTn>
                                         <p:tgtEl>
-                                          <p:spTgt spid="20618"/>
+                                          <p:spTgt spid="30018"/>
                                         </p:tgtEl>
                                         <p:attrNameLst>
                                           <p:attrName>style.visibility</p:attrName>
@@ -25632,7 +25632,7 @@
                                           </p:stCondLst>
                                         </p:cTn>
                                         <p:tgtEl>
-                                          <p:spTgt spid="20619"/>
+                                          <p:spTgt spid="30019"/>
                                         </p:tgtEl>
                                         <p:attrNameLst>
                                           <p:attrName>style.visibility</p:attrName>
@@ -25659,7 +25659,7 @@
                                           </p:stCondLst>
                                         </p:cTn>
                                         <p:tgtEl>
-                                          <p:spTgt spid="20620"/>
+                                          <p:spTgt spid="30020"/>
                                         </p:tgtEl>
                                         <p:attrNameLst>
                                           <p:attrName>style.visibility</p:attrName>
@@ -25686,7 +25686,7 @@
                                           </p:stCondLst>
                                         </p:cTn>
                                         <p:tgtEl>
-                                          <p:spTgt spid="20621"/>
+                                          <p:spTgt spid="30021"/>
                                         </p:tgtEl>
                                         <p:attrNameLst>
                                           <p:attrName>style.visibility</p:attrName>
@@ -25713,7 +25713,7 @@
                                           </p:stCondLst>
                                         </p:cTn>
                                         <p:tgtEl>
-                                          <p:spTgt spid="20622"/>
+                                          <p:spTgt spid="30022"/>
                                         </p:tgtEl>
                                         <p:attrNameLst>
                                           <p:attrName>style.visibility</p:attrName>
@@ -25740,7 +25740,7 @@
                                           </p:stCondLst>
                                         </p:cTn>
                                         <p:tgtEl>
-                                          <p:spTgt spid="20623"/>
+                                          <p:spTgt spid="30023"/>
                                         </p:tgtEl>
                                         <p:attrNameLst>
                                           <p:attrName>style.visibility</p:attrName>
@@ -25767,7 +25767,7 @@
                                           </p:stCondLst>
                                         </p:cTn>
                                         <p:tgtEl>
-                                          <p:spTgt spid="20624"/>
+                                          <p:spTgt spid="30024"/>
                                         </p:tgtEl>
                                         <p:attrNameLst>
                                           <p:attrName>style.visibility</p:attrName>
@@ -25794,7 +25794,7 @@
                                           </p:stCondLst>
                                         </p:cTn>
                                         <p:tgtEl>
-                                          <p:spTgt spid="20625"/>
+                                          <p:spTgt spid="30025"/>
                                         </p:tgtEl>
                                         <p:attrNameLst>
                                           <p:attrName>style.visibility</p:attrName>
@@ -25821,7 +25821,7 @@
                                           </p:stCondLst>
                                         </p:cTn>
                                         <p:tgtEl>
-                                          <p:spTgt spid="20626"/>
+                                          <p:spTgt spid="30026"/>
                                         </p:tgtEl>
                                         <p:attrNameLst>
                                           <p:attrName>style.visibility</p:attrName>
@@ -25848,7 +25848,7 @@
                                           </p:stCondLst>
                                         </p:cTn>
                                         <p:tgtEl>
-                                          <p:spTgt spid="20627"/>
+                                          <p:spTgt spid="30027"/>
                                         </p:tgtEl>
                                         <p:attrNameLst>
                                           <p:attrName>style.visibility</p:attrName>
@@ -25875,7 +25875,7 @@
                                           </p:stCondLst>
                                         </p:cTn>
                                         <p:tgtEl>
-                                          <p:spTgt spid="20628"/>
+                                          <p:spTgt spid="30028"/>
                                         </p:tgtEl>
                                         <p:attrNameLst>
                                           <p:attrName>style.visibility</p:attrName>
@@ -25902,7 +25902,7 @@
                                           </p:stCondLst>
                                         </p:cTn>
                                         <p:tgtEl>
-                                          <p:spTgt spid="20629"/>
+                                          <p:spTgt spid="30029"/>
                                         </p:tgtEl>
                                         <p:attrNameLst>
                                           <p:attrName>style.visibility</p:attrName>
@@ -25929,7 +25929,7 @@
                                           </p:stCondLst>
                                         </p:cTn>
                                         <p:tgtEl>
-                                          <p:spTgt spid="20630"/>
+                                          <p:spTgt spid="30030"/>
                                         </p:tgtEl>
                                         <p:attrNameLst>
                                           <p:attrName>style.visibility</p:attrName>
@@ -25956,7 +25956,7 @@
                                           </p:stCondLst>
                                         </p:cTn>
                                         <p:tgtEl>
-                                          <p:spTgt spid="20631"/>
+                                          <p:spTgt spid="30031"/>
                                         </p:tgtEl>
                                         <p:attrNameLst>
                                           <p:attrName>style.visibility</p:attrName>
@@ -25983,7 +25983,7 @@
                                           </p:stCondLst>
                                         </p:cTn>
                                         <p:tgtEl>
-                                          <p:spTgt spid="20632"/>
+                                          <p:spTgt spid="30032"/>
                                         </p:tgtEl>
                                         <p:attrNameLst>
                                           <p:attrName>style.visibility</p:attrName>
@@ -26010,7 +26010,7 @@
                                           </p:stCondLst>
                                         </p:cTn>
                                         <p:tgtEl>
-                                          <p:spTgt spid="20633"/>
+                                          <p:spTgt spid="30033"/>
                                         </p:tgtEl>
                                         <p:attrNameLst>
                                           <p:attrName>style.visibility</p:attrName>
@@ -26037,7 +26037,7 @@
                                           </p:stCondLst>
                                         </p:cTn>
                                         <p:tgtEl>
-                                          <p:spTgt spid="20634"/>
+                                          <p:spTgt spid="30034"/>
                                         </p:tgtEl>
                                         <p:attrNameLst>
                                           <p:attrName>style.visibility</p:attrName>
@@ -26064,7 +26064,7 @@
                                           </p:stCondLst>
                                         </p:cTn>
                                         <p:tgtEl>
-                                          <p:spTgt spid="20635"/>
+                                          <p:spTgt spid="30035"/>
                                         </p:tgtEl>
                                         <p:attrNameLst>
                                           <p:attrName>style.visibility</p:attrName>
@@ -26091,7 +26091,7 @@
                                           </p:stCondLst>
                                         </p:cTn>
                                         <p:tgtEl>
-                                          <p:spTgt spid="20636"/>
+                                          <p:spTgt spid="30036"/>
                                         </p:tgtEl>
                                         <p:attrNameLst>
                                           <p:attrName>style.visibility</p:attrName>
@@ -26118,7 +26118,7 @@
                                           </p:stCondLst>
                                         </p:cTn>
                                         <p:tgtEl>
-                                          <p:spTgt spid="20637"/>
+                                          <p:spTgt spid="30037"/>
                                         </p:tgtEl>
                                         <p:attrNameLst>
                                           <p:attrName>style.visibility</p:attrName>
@@ -26145,7 +26145,7 @@
                                           </p:stCondLst>
                                         </p:cTn>
                                         <p:tgtEl>
-                                          <p:spTgt spid="20638"/>
+                                          <p:spTgt spid="30038"/>
                                         </p:tgtEl>
                                         <p:attrNameLst>
                                           <p:attrName>style.visibility</p:attrName>
@@ -26172,7 +26172,7 @@
                                           </p:stCondLst>
                                         </p:cTn>
                                         <p:tgtEl>
-                                          <p:spTgt spid="20639"/>
+                                          <p:spTgt spid="30039"/>
                                         </p:tgtEl>
                                         <p:attrNameLst>
                                           <p:attrName>style.visibility</p:attrName>
@@ -26199,7 +26199,7 @@
                                           </p:stCondLst>
                                         </p:cTn>
                                         <p:tgtEl>
-                                          <p:spTgt spid="20640"/>
+                                          <p:spTgt spid="30040"/>
                                         </p:tgtEl>
                                         <p:attrNameLst>
                                           <p:attrName>style.visibility</p:attrName>
@@ -26226,7 +26226,7 @@
                                           </p:stCondLst>
                                         </p:cTn>
                                         <p:tgtEl>
-                                          <p:spTgt spid="20641"/>
+                                          <p:spTgt spid="30041"/>
                                         </p:tgtEl>
                                         <p:attrNameLst>
                                           <p:attrName>style.visibility</p:attrName>
@@ -26253,7 +26253,7 @@
                                           </p:stCondLst>
                                         </p:cTn>
                                         <p:tgtEl>
-                                          <p:spTgt spid="20642"/>
+                                          <p:spTgt spid="30042"/>
                                         </p:tgtEl>
                                         <p:attrNameLst>
                                           <p:attrName>style.visibility</p:attrName>
@@ -26280,7 +26280,7 @@
                                           </p:stCondLst>
                                         </p:cTn>
                                         <p:tgtEl>
-                                          <p:spTgt spid="20643"/>
+                                          <p:spTgt spid="30043"/>
                                         </p:tgtEl>
                                         <p:attrNameLst>
                                           <p:attrName>style.visibility</p:attrName>
@@ -26307,7 +26307,7 @@
                                           </p:stCondLst>
                                         </p:cTn>
                                         <p:tgtEl>
-                                          <p:spTgt spid="20644"/>
+                                          <p:spTgt spid="30044"/>
                                         </p:tgtEl>
                                         <p:attrNameLst>
                                           <p:attrName>style.visibility</p:attrName>
@@ -26334,7 +26334,7 @@
                                           </p:stCondLst>
                                         </p:cTn>
                                         <p:tgtEl>
-                                          <p:spTgt spid="20645"/>
+                                          <p:spTgt spid="30045"/>
                                         </p:tgtEl>
                                         <p:attrNameLst>
                                           <p:attrName>style.visibility</p:attrName>
@@ -26361,7 +26361,7 @@
                                           </p:stCondLst>
                                         </p:cTn>
                                         <p:tgtEl>
-                                          <p:spTgt spid="20646"/>
+                                          <p:spTgt spid="30046"/>
                                         </p:tgtEl>
                                         <p:attrNameLst>
                                           <p:attrName>style.visibility</p:attrName>
@@ -26388,7 +26388,7 @@
                                           </p:stCondLst>
                                         </p:cTn>
                                         <p:tgtEl>
-                                          <p:spTgt spid="20647"/>
+                                          <p:spTgt spid="30047"/>
                                         </p:tgtEl>
                                         <p:attrNameLst>
                                           <p:attrName>style.visibility</p:attrName>
@@ -26415,7 +26415,7 @@
                                           </p:stCondLst>
                                         </p:cTn>
                                         <p:tgtEl>
-                                          <p:spTgt spid="20648"/>
+                                          <p:spTgt spid="30048"/>
                                         </p:tgtEl>
                                         <p:attrNameLst>
                                           <p:attrName>style.visibility</p:attrName>
@@ -26442,7 +26442,7 @@
                                           </p:stCondLst>
                                         </p:cTn>
                                         <p:tgtEl>
-                                          <p:spTgt spid="20649"/>
+                                          <p:spTgt spid="30049"/>
                                         </p:tgtEl>
                                         <p:attrNameLst>
                                           <p:attrName>style.visibility</p:attrName>
@@ -26469,7 +26469,7 @@
                                           </p:stCondLst>
                                         </p:cTn>
                                         <p:tgtEl>
-                                          <p:spTgt spid="20650"/>
+                                          <p:spTgt spid="30050"/>
                                         </p:tgtEl>
                                         <p:attrNameLst>
                                           <p:attrName>style.visibility</p:attrName>
@@ -26496,7 +26496,7 @@
                                           </p:stCondLst>
                                         </p:cTn>
                                         <p:tgtEl>
-                                          <p:spTgt spid="20651"/>
+                                          <p:spTgt spid="30051"/>
                                         </p:tgtEl>
                                         <p:attrNameLst>
                                           <p:attrName>style.visibility</p:attrName>
@@ -26523,7 +26523,7 @@
                                           </p:stCondLst>
                                         </p:cTn>
                                         <p:tgtEl>
-                                          <p:spTgt spid="20652"/>
+                                          <p:spTgt spid="30052"/>
                                         </p:tgtEl>
                                         <p:attrNameLst>
                                           <p:attrName>style.visibility</p:attrName>
@@ -26550,7 +26550,7 @@
                                           </p:stCondLst>
                                         </p:cTn>
                                         <p:tgtEl>
-                                          <p:spTgt spid="20653"/>
+                                          <p:spTgt spid="30053"/>
                                         </p:tgtEl>
                                         <p:attrNameLst>
                                           <p:attrName>style.visibility</p:attrName>
@@ -26577,7 +26577,7 @@
                                           </p:stCondLst>
                                         </p:cTn>
                                         <p:tgtEl>
-                                          <p:spTgt spid="20654"/>
+                                          <p:spTgt spid="30054"/>
                                         </p:tgtEl>
                                         <p:attrNameLst>
                                           <p:attrName>style.visibility</p:attrName>
@@ -26604,7 +26604,7 @@
                                           </p:stCondLst>
                                         </p:cTn>
                                         <p:tgtEl>
-                                          <p:spTgt spid="20655"/>
+                                          <p:spTgt spid="30055"/>
                                         </p:tgtEl>
                                         <p:attrNameLst>
                                           <p:attrName>style.visibility</p:attrName>
@@ -26631,7 +26631,7 @@
                                           </p:stCondLst>
                                         </p:cTn>
                                         <p:tgtEl>
-                                          <p:spTgt spid="20656"/>
+                                          <p:spTgt spid="30056"/>
                                         </p:tgtEl>
                                         <p:attrNameLst>
                                           <p:attrName>style.visibility</p:attrName>
@@ -26658,7 +26658,7 @@
                                           </p:stCondLst>
                                         </p:cTn>
                                         <p:tgtEl>
-                                          <p:spTgt spid="20657"/>
+                                          <p:spTgt spid="30057"/>
                                         </p:tgtEl>
                                         <p:attrNameLst>
                                           <p:attrName>style.visibility</p:attrName>
@@ -26685,7 +26685,7 @@
                                           </p:stCondLst>
                                         </p:cTn>
                                         <p:tgtEl>
-                                          <p:spTgt spid="20658"/>
+                                          <p:spTgt spid="30058"/>
                                         </p:tgtEl>
                                         <p:attrNameLst>
                                           <p:attrName>style.visibility</p:attrName>
@@ -26712,7 +26712,7 @@
                                           </p:stCondLst>
                                         </p:cTn>
                                         <p:tgtEl>
-                                          <p:spTgt spid="20659"/>
+                                          <p:spTgt spid="30059"/>
                                         </p:tgtEl>
                                         <p:attrNameLst>
                                           <p:attrName>style.visibility</p:attrName>
@@ -26739,7 +26739,7 @@
                                           </p:stCondLst>
                                         </p:cTn>
                                         <p:tgtEl>
-                                          <p:spTgt spid="20660"/>
+                                          <p:spTgt spid="30060"/>
                                         </p:tgtEl>
                                         <p:attrNameLst>
                                           <p:attrName>style.visibility</p:attrName>
@@ -26766,7 +26766,7 @@
                                           </p:stCondLst>
                                         </p:cTn>
                                         <p:tgtEl>
-                                          <p:spTgt spid="20661"/>
+                                          <p:spTgt spid="30061"/>
                                         </p:tgtEl>
                                         <p:attrNameLst>
                                           <p:attrName>style.visibility</p:attrName>
@@ -26793,7 +26793,7 @@
                                           </p:stCondLst>
                                         </p:cTn>
                                         <p:tgtEl>
-                                          <p:spTgt spid="20662"/>
+                                          <p:spTgt spid="30062"/>
                                         </p:tgtEl>
                                         <p:attrNameLst>
                                           <p:attrName>style.visibility</p:attrName>
@@ -26820,7 +26820,7 @@
                                           </p:stCondLst>
                                         </p:cTn>
                                         <p:tgtEl>
-                                          <p:spTgt spid="20663"/>
+                                          <p:spTgt spid="30063"/>
                                         </p:tgtEl>
                                         <p:attrNameLst>
                                           <p:attrName>style.visibility</p:attrName>
@@ -26847,7 +26847,7 @@
                                           </p:stCondLst>
                                         </p:cTn>
                                         <p:tgtEl>
-                                          <p:spTgt spid="20664"/>
+                                          <p:spTgt spid="30064"/>
                                         </p:tgtEl>
                                         <p:attrNameLst>
                                           <p:attrName>style.visibility</p:attrName>
@@ -26874,7 +26874,7 @@
                                           </p:stCondLst>
                                         </p:cTn>
                                         <p:tgtEl>
-                                          <p:spTgt spid="20665"/>
+                                          <p:spTgt spid="30065"/>
                                         </p:tgtEl>
                                         <p:attrNameLst>
                                           <p:attrName>style.visibility</p:attrName>
@@ -26901,7 +26901,7 @@
                                           </p:stCondLst>
                                         </p:cTn>
                                         <p:tgtEl>
-                                          <p:spTgt spid="20666"/>
+                                          <p:spTgt spid="30066"/>
                                         </p:tgtEl>
                                         <p:attrNameLst>
                                           <p:attrName>style.visibility</p:attrName>
@@ -26928,7 +26928,7 @@
                                           </p:stCondLst>
                                         </p:cTn>
                                         <p:tgtEl>
-                                          <p:spTgt spid="20667"/>
+                                          <p:spTgt spid="30067"/>
                                         </p:tgtEl>
                                         <p:attrNameLst>
                                           <p:attrName>style.visibility</p:attrName>
@@ -26955,7 +26955,7 @@
                                           </p:stCondLst>
                                         </p:cTn>
                                         <p:tgtEl>
-                                          <p:spTgt spid="20668"/>
+                                          <p:spTgt spid="30068"/>
                                         </p:tgtEl>
                                         <p:attrNameLst>
                                           <p:attrName>style.visibility</p:attrName>
@@ -26982,7 +26982,7 @@
                                           </p:stCondLst>
                                         </p:cTn>
                                         <p:tgtEl>
-                                          <p:spTgt spid="20669"/>
+                                          <p:spTgt spid="30069"/>
                                         </p:tgtEl>
                                         <p:attrNameLst>
                                           <p:attrName>style.visibility</p:attrName>
@@ -27009,7 +27009,7 @@
                                           </p:stCondLst>
                                         </p:cTn>
                                         <p:tgtEl>
-                                          <p:spTgt spid="20670"/>
+                                          <p:spTgt spid="30070"/>
                                         </p:tgtEl>
                                         <p:attrNameLst>
                                           <p:attrName>style.visibility</p:attrName>
@@ -27036,7 +27036,7 @@
                                           </p:stCondLst>
                                         </p:cTn>
                                         <p:tgtEl>
-                                          <p:spTgt spid="20671"/>
+                                          <p:spTgt spid="30071"/>
                                         </p:tgtEl>
                                         <p:attrNameLst>
                                           <p:attrName>style.visibility</p:attrName>
@@ -27063,7 +27063,7 @@
                                           </p:stCondLst>
                                         </p:cTn>
                                         <p:tgtEl>
-                                          <p:spTgt spid="20672"/>
+                                          <p:spTgt spid="30072"/>
                                         </p:tgtEl>
                                         <p:attrNameLst>
                                           <p:attrName>style.visibility</p:attrName>
@@ -27090,7 +27090,7 @@
                                           </p:stCondLst>
                                         </p:cTn>
                                         <p:tgtEl>
-                                          <p:spTgt spid="20673"/>
+                                          <p:spTgt spid="30073"/>
                                         </p:tgtEl>
                                         <p:attrNameLst>
                                           <p:attrName>style.visibility</p:attrName>
@@ -27117,7 +27117,7 @@
                                           </p:stCondLst>
                                         </p:cTn>
                                         <p:tgtEl>
-                                          <p:spTgt spid="20674"/>
+                                          <p:spTgt spid="30074"/>
                                         </p:tgtEl>
                                         <p:attrNameLst>
                                           <p:attrName>style.visibility</p:attrName>
@@ -27144,7 +27144,7 @@
                                           </p:stCondLst>
                                         </p:cTn>
                                         <p:tgtEl>
-                                          <p:spTgt spid="20675"/>
+                                          <p:spTgt spid="30075"/>
                                         </p:tgtEl>
                                         <p:attrNameLst>
                                           <p:attrName>style.visibility</p:attrName>
@@ -27171,7 +27171,7 @@
                                           </p:stCondLst>
                                         </p:cTn>
                                         <p:tgtEl>
-                                          <p:spTgt spid="20676"/>
+                                          <p:spTgt spid="30076"/>
                                         </p:tgtEl>
                                         <p:attrNameLst>
                                           <p:attrName>style.visibility</p:attrName>
@@ -27198,7 +27198,7 @@
                                           </p:stCondLst>
                                         </p:cTn>
                                         <p:tgtEl>
-                                          <p:spTgt spid="20677"/>
+                                          <p:spTgt spid="30077"/>
                                         </p:tgtEl>
                                         <p:attrNameLst>
                                           <p:attrName>style.visibility</p:attrName>
@@ -27225,7 +27225,7 @@
                                           </p:stCondLst>
                                         </p:cTn>
                                         <p:tgtEl>
-                                          <p:spTgt spid="20678"/>
+                                          <p:spTgt spid="30078"/>
                                         </p:tgtEl>
                                         <p:attrNameLst>
                                           <p:attrName>style.visibility</p:attrName>
@@ -27252,7 +27252,7 @@
                                           </p:stCondLst>
                                         </p:cTn>
                                         <p:tgtEl>
-                                          <p:spTgt spid="20679"/>
+                                          <p:spTgt spid="30079"/>
                                         </p:tgtEl>
                                         <p:attrNameLst>
                                           <p:attrName>style.visibility</p:attrName>
@@ -27279,7 +27279,7 @@
                                           </p:stCondLst>
                                         </p:cTn>
                                         <p:tgtEl>
-                                          <p:spTgt spid="20680"/>
+                                          <p:spTgt spid="30080"/>
                                         </p:tgtEl>
                                         <p:attrNameLst>
                                           <p:attrName>style.visibility</p:attrName>
@@ -27306,7 +27306,7 @@
                                           </p:stCondLst>
                                         </p:cTn>
                                         <p:tgtEl>
-                                          <p:spTgt spid="20681"/>
+                                          <p:spTgt spid="30081"/>
                                         </p:tgtEl>
                                         <p:attrNameLst>
                                           <p:attrName>style.visibility</p:attrName>
@@ -27333,7 +27333,7 @@
                                           </p:stCondLst>
                                         </p:cTn>
                                         <p:tgtEl>
-                                          <p:spTgt spid="20682"/>
+                                          <p:spTgt spid="30082"/>
                                         </p:tgtEl>
                                         <p:attrNameLst>
                                           <p:attrName>style.visibility</p:attrName>
@@ -27360,7 +27360,7 @@
                                           </p:stCondLst>
                                         </p:cTn>
                                         <p:tgtEl>
-                                          <p:spTgt spid="20683"/>
+                                          <p:spTgt spid="30083"/>
                                         </p:tgtEl>
                                         <p:attrNameLst>
                                           <p:attrName>style.visibility</p:attrName>
@@ -27387,7 +27387,7 @@
                                           </p:stCondLst>
                                         </p:cTn>
                                         <p:tgtEl>
-                                          <p:spTgt spid="20684"/>
+                                          <p:spTgt spid="30084"/>
                                         </p:tgtEl>
                                         <p:attrNameLst>
                                           <p:attrName>style.visibility</p:attrName>
@@ -27414,7 +27414,7 @@
                                           </p:stCondLst>
                                         </p:cTn>
                                         <p:tgtEl>
-                                          <p:spTgt spid="20685"/>
+                                          <p:spTgt spid="30085"/>
                                         </p:tgtEl>
                                         <p:attrNameLst>
                                           <p:attrName>style.visibility</p:attrName>
@@ -27441,7 +27441,7 @@
                                           </p:stCondLst>
                                         </p:cTn>
                                         <p:tgtEl>
-                                          <p:spTgt spid="20686"/>
+                                          <p:spTgt spid="30086"/>
                                         </p:tgtEl>
                                         <p:attrNameLst>
                                           <p:attrName>style.visibility</p:attrName>
@@ -27468,7 +27468,7 @@
                                           </p:stCondLst>
                                         </p:cTn>
                                         <p:tgtEl>
-                                          <p:spTgt spid="20687"/>
+                                          <p:spTgt spid="30087"/>
                                         </p:tgtEl>
                                         <p:attrNameLst>
                                           <p:attrName>style.visibility</p:attrName>
@@ -27495,7 +27495,7 @@
                                           </p:stCondLst>
                                         </p:cTn>
                                         <p:tgtEl>
-                                          <p:spTgt spid="20688"/>
+                                          <p:spTgt spid="30088"/>
                                         </p:tgtEl>
                                         <p:attrNameLst>
                                           <p:attrName>style.visibility</p:attrName>
@@ -27522,7 +27522,7 @@
                                           </p:stCondLst>
                                         </p:cTn>
                                         <p:tgtEl>
-                                          <p:spTgt spid="20689"/>
+                                          <p:spTgt spid="30089"/>
                                         </p:tgtEl>
                                         <p:attrNameLst>
                                           <p:attrName>style.visibility</p:attrName>
@@ -27549,7 +27549,7 @@
                                           </p:stCondLst>
                                         </p:cTn>
                                         <p:tgtEl>
-                                          <p:spTgt spid="20690"/>
+                                          <p:spTgt spid="30090"/>
                                         </p:tgtEl>
                                         <p:attrNameLst>
                                           <p:attrName>style.visibility</p:attrName>
@@ -27576,7 +27576,7 @@
                                           </p:stCondLst>
                                         </p:cTn>
                                         <p:tgtEl>
-                                          <p:spTgt spid="20691"/>
+                                          <p:spTgt spid="30091"/>
                                         </p:tgtEl>
                                         <p:attrNameLst>
                                           <p:attrName>style.visibility</p:attrName>
@@ -27603,7 +27603,7 @@
                                           </p:stCondLst>
                                         </p:cTn>
                                         <p:tgtEl>
-                                          <p:spTgt spid="20692"/>
+                                          <p:spTgt spid="30092"/>
                                         </p:tgtEl>
                                         <p:attrNameLst>
                                           <p:attrName>style.visibility</p:attrName>
@@ -27630,7 +27630,7 @@
                                           </p:stCondLst>
                                         </p:cTn>
                                         <p:tgtEl>
-                                          <p:spTgt spid="20693"/>
+                                          <p:spTgt spid="30093"/>
                                         </p:tgtEl>
                                         <p:attrNameLst>
                                           <p:attrName>style.visibility</p:attrName>
@@ -27657,7 +27657,7 @@
                                           </p:stCondLst>
                                         </p:cTn>
                                         <p:tgtEl>
-                                          <p:spTgt spid="20694"/>
+                                          <p:spTgt spid="30094"/>
                                         </p:tgtEl>
                                         <p:attrNameLst>
                                           <p:attrName>style.visibility</p:attrName>
@@ -27684,7 +27684,7 @@
                                           </p:stCondLst>
                                         </p:cTn>
                                         <p:tgtEl>
-                                          <p:spTgt spid="20695"/>
+                                          <p:spTgt spid="30095"/>
                                         </p:tgtEl>
                                         <p:attrNameLst>
                                           <p:attrName>style.visibility</p:attrName>
@@ -27711,7 +27711,7 @@
                                           </p:stCondLst>
                                         </p:cTn>
                                         <p:tgtEl>
-                                          <p:spTgt spid="20696"/>
+                                          <p:spTgt spid="30096"/>
                                         </p:tgtEl>
                                         <p:attrNameLst>
                                           <p:attrName>style.visibility</p:attrName>
@@ -27738,7 +27738,7 @@
                                           </p:stCondLst>
                                         </p:cTn>
                                         <p:tgtEl>
-                                          <p:spTgt spid="20697"/>
+                                          <p:spTgt spid="30097"/>
                                         </p:tgtEl>
                                         <p:attrNameLst>
                                           <p:attrName>style.visibility</p:attrName>
@@ -27765,7 +27765,7 @@
                                           </p:stCondLst>
                                         </p:cTn>
                                         <p:tgtEl>
-                                          <p:spTgt spid="20698"/>
+                                          <p:spTgt spid="30098"/>
                                         </p:tgtEl>
                                         <p:attrNameLst>
                                           <p:attrName>style.visibility</p:attrName>
@@ -27792,7 +27792,7 @@
                                           </p:stCondLst>
                                         </p:cTn>
                                         <p:tgtEl>
-                                          <p:spTgt spid="20699"/>
+                                          <p:spTgt spid="30099"/>
                                         </p:tgtEl>
                                         <p:attrNameLst>
                                           <p:attrName>style.visibility</p:attrName>
@@ -27819,7 +27819,7 @@
                                           </p:stCondLst>
                                         </p:cTn>
                                         <p:tgtEl>
-                                          <p:spTgt spid="20700"/>
+                                          <p:spTgt spid="30100"/>
                                         </p:tgtEl>
                                         <p:attrNameLst>
                                           <p:attrName>style.visibility</p:attrName>
@@ -27846,7 +27846,7 @@
                                           </p:stCondLst>
                                         </p:cTn>
                                         <p:tgtEl>
-                                          <p:spTgt spid="20701"/>
+                                          <p:spTgt spid="30101"/>
                                         </p:tgtEl>
                                         <p:attrNameLst>
                                           <p:attrName>style.visibility</p:attrName>
@@ -27873,7 +27873,7 @@
                                           </p:stCondLst>
                                         </p:cTn>
                                         <p:tgtEl>
-                                          <p:spTgt spid="20702"/>
+                                          <p:spTgt spid="30102"/>
                                         </p:tgtEl>
                                         <p:attrNameLst>
                                           <p:attrName>style.visibility</p:attrName>
@@ -27900,7 +27900,7 @@
                                           </p:stCondLst>
                                         </p:cTn>
                                         <p:tgtEl>
-                                          <p:spTgt spid="20703"/>
+                                          <p:spTgt spid="30103"/>
                                         </p:tgtEl>
                                         <p:attrNameLst>
                                           <p:attrName>style.visibility</p:attrName>
@@ -27927,7 +27927,7 @@
                                           </p:stCondLst>
                                         </p:cTn>
                                         <p:tgtEl>
-                                          <p:spTgt spid="20704"/>
+                                          <p:spTgt spid="30104"/>
                                         </p:tgtEl>
                                         <p:attrNameLst>
                                           <p:attrName>style.visibility</p:attrName>
@@ -27954,7 +27954,7 @@
                                           </p:stCondLst>
                                         </p:cTn>
                                         <p:tgtEl>
-                                          <p:spTgt spid="20705"/>
+                                          <p:spTgt spid="30105"/>
                                         </p:tgtEl>
                                         <p:attrNameLst>
                                           <p:attrName>style.visibility</p:attrName>
@@ -27981,7 +27981,7 @@
                                           </p:stCondLst>
                                         </p:cTn>
                                         <p:tgtEl>
-                                          <p:spTgt spid="20706"/>
+                                          <p:spTgt spid="30106"/>
                                         </p:tgtEl>
                                         <p:attrNameLst>
                                           <p:attrName>style.visibility</p:attrName>
@@ -28008,7 +28008,7 @@
                                           </p:stCondLst>
                                         </p:cTn>
                                         <p:tgtEl>
-                                          <p:spTgt spid="20707"/>
+                                          <p:spTgt spid="30107"/>
                                         </p:tgtEl>
                                         <p:attrNameLst>
                                           <p:attrName>style.visibility</p:attrName>
@@ -28035,7 +28035,7 @@
                                           </p:stCondLst>
                                         </p:cTn>
                                         <p:tgtEl>
-                                          <p:spTgt spid="20708"/>
+                                          <p:spTgt spid="30108"/>
                                         </p:tgtEl>
                                         <p:attrNameLst>
                                           <p:attrName>style.visibility</p:attrName>
@@ -28062,7 +28062,7 @@
                                           </p:stCondLst>
                                         </p:cTn>
                                         <p:tgtEl>
-                                          <p:spTgt spid="20709"/>
+                                          <p:spTgt spid="30109"/>
                                         </p:tgtEl>
                                         <p:attrNameLst>
                                           <p:attrName>style.visibility</p:attrName>
@@ -28089,7 +28089,7 @@
                                           </p:stCondLst>
                                         </p:cTn>
                                         <p:tgtEl>
-                                          <p:spTgt spid="20710"/>
+                                          <p:spTgt spid="30110"/>
                                         </p:tgtEl>
                                         <p:attrNameLst>
                                           <p:attrName>style.visibility</p:attrName>
@@ -28116,7 +28116,7 @@
                                           </p:stCondLst>
                                         </p:cTn>
                                         <p:tgtEl>
-                                          <p:spTgt spid="20711"/>
+                                          <p:spTgt spid="30111"/>
                                         </p:tgtEl>
                                         <p:attrNameLst>
                                           <p:attrName>style.visibility</p:attrName>
@@ -28143,7 +28143,7 @@
                                           </p:stCondLst>
                                         </p:cTn>
                                         <p:tgtEl>
-                                          <p:spTgt spid="20712"/>
+                                          <p:spTgt spid="30112"/>
                                         </p:tgtEl>
                                         <p:attrNameLst>
                                           <p:attrName>style.visibility</p:attrName>
@@ -28170,7 +28170,7 @@
                                           </p:stCondLst>
                                         </p:cTn>
                                         <p:tgtEl>
-                                          <p:spTgt spid="20713"/>
+                                          <p:spTgt spid="30113"/>
                                         </p:tgtEl>
                                         <p:attrNameLst>
                                           <p:attrName>style.visibility</p:attrName>
@@ -28197,7 +28197,7 @@
                                           </p:stCondLst>
                                         </p:cTn>
                                         <p:tgtEl>
-                                          <p:spTgt spid="20714"/>
+                                          <p:spTgt spid="30114"/>
                                         </p:tgtEl>
                                         <p:attrNameLst>
                                           <p:attrName>style.visibility</p:attrName>
@@ -28224,7 +28224,7 @@
                                           </p:stCondLst>
                                         </p:cTn>
                                         <p:tgtEl>
-                                          <p:spTgt spid="20715"/>
+                                          <p:spTgt spid="30115"/>
                                         </p:tgtEl>
                                         <p:attrNameLst>
                                           <p:attrName>style.visibility</p:attrName>
@@ -28251,7 +28251,7 @@
                                           </p:stCondLst>
                                         </p:cTn>
                                         <p:tgtEl>
-                                          <p:spTgt spid="20716"/>
+                                          <p:spTgt spid="30116"/>
                                         </p:tgtEl>
                                         <p:attrNameLst>
                                           <p:attrName>style.visibility</p:attrName>
@@ -28278,7 +28278,7 @@
                                           </p:stCondLst>
                                         </p:cTn>
                                         <p:tgtEl>
-                                          <p:spTgt spid="20717"/>
+                                          <p:spTgt spid="30117"/>
                                         </p:tgtEl>
                                         <p:attrNameLst>
                                           <p:attrName>style.visibility</p:attrName>
@@ -28305,7 +28305,7 @@
                                           </p:stCondLst>
                                         </p:cTn>
                                         <p:tgtEl>
-                                          <p:spTgt spid="20718"/>
+                                          <p:spTgt spid="30118"/>
                                         </p:tgtEl>
                                         <p:attrNameLst>
                                           <p:attrName>style.visibility</p:attrName>
@@ -28332,7 +28332,7 @@
                                           </p:stCondLst>
                                         </p:cTn>
                                         <p:tgtEl>
-                                          <p:spTgt spid="20719"/>
+                                          <p:spTgt spid="30119"/>
                                         </p:tgtEl>
                                         <p:attrNameLst>
                                           <p:attrName>style.visibility</p:attrName>
@@ -28359,7 +28359,7 @@
                                           </p:stCondLst>
                                         </p:cTn>
                                         <p:tgtEl>
-                                          <p:spTgt spid="20720"/>
+                                          <p:spTgt spid="30120"/>
                                         </p:tgtEl>
                                         <p:attrNameLst>
                                           <p:attrName>style.visibility</p:attrName>
@@ -28386,7 +28386,7 @@
                                           </p:stCondLst>
                                         </p:cTn>
                                         <p:tgtEl>
-                                          <p:spTgt spid="20721"/>
+                                          <p:spTgt spid="30121"/>
                                         </p:tgtEl>
                                         <p:attrNameLst>
                                           <p:attrName>style.visibility</p:attrName>
@@ -28413,7 +28413,7 @@
                                           </p:stCondLst>
                                         </p:cTn>
                                         <p:tgtEl>
-                                          <p:spTgt spid="20722"/>
+                                          <p:spTgt spid="30122"/>
                                         </p:tgtEl>
                                         <p:attrNameLst>
                                           <p:attrName>style.visibility</p:attrName>
@@ -28440,7 +28440,7 @@
                                           </p:stCondLst>
                                         </p:cTn>
                                         <p:tgtEl>
-                                          <p:spTgt spid="20723"/>
+                                          <p:spTgt spid="30123"/>
                                         </p:tgtEl>
                                         <p:attrNameLst>
                                           <p:attrName>style.visibility</p:attrName>
@@ -28467,7 +28467,7 @@
                                           </p:stCondLst>
                                         </p:cTn>
                                         <p:tgtEl>
-                                          <p:spTgt spid="20724"/>
+                                          <p:spTgt spid="30124"/>
                                         </p:tgtEl>
                                         <p:attrNameLst>
                                           <p:attrName>style.visibility</p:attrName>
@@ -28494,7 +28494,7 @@
                                           </p:stCondLst>
                                         </p:cTn>
                                         <p:tgtEl>
-                                          <p:spTgt spid="20725"/>
+                                          <p:spTgt spid="30125"/>
                                         </p:tgtEl>
                                         <p:attrNameLst>
                                           <p:attrName>style.visibility</p:attrName>
@@ -28521,7 +28521,7 @@
                                           </p:stCondLst>
                                         </p:cTn>
                                         <p:tgtEl>
-                                          <p:spTgt spid="20726"/>
+                                          <p:spTgt spid="30126"/>
                                         </p:tgtEl>
                                         <p:attrNameLst>
                                           <p:attrName>style.visibility</p:attrName>
@@ -28548,7 +28548,7 @@
                                           </p:stCondLst>
                                         </p:cTn>
                                         <p:tgtEl>
-                                          <p:spTgt spid="20727"/>
+                                          <p:spTgt spid="30127"/>
                                         </p:tgtEl>
                                         <p:attrNameLst>
                                           <p:attrName>style.visibility</p:attrName>
@@ -28575,7 +28575,7 @@
                                           </p:stCondLst>
                                         </p:cTn>
                                         <p:tgtEl>
-                                          <p:spTgt spid="20728"/>
+                                          <p:spTgt spid="30128"/>
                                         </p:tgtEl>
                                         <p:attrNameLst>
                                           <p:attrName>style.visibility</p:attrName>
@@ -28602,7 +28602,7 @@
                                           </p:stCondLst>
                                         </p:cTn>
                                         <p:tgtEl>
-                                          <p:spTgt spid="20729"/>
+                                          <p:spTgt spid="30129"/>
                                         </p:tgtEl>
                                         <p:attrNameLst>
                                           <p:attrName>style.visibility</p:attrName>
@@ -28629,7 +28629,7 @@
                                           </p:stCondLst>
                                         </p:cTn>
                                         <p:tgtEl>
-                                          <p:spTgt spid="20730"/>
+                                          <p:spTgt spid="30130"/>
                                         </p:tgtEl>
                                         <p:attrNameLst>
                                           <p:attrName>style.visibility</p:attrName>
@@ -28656,7 +28656,7 @@
                                           </p:stCondLst>
                                         </p:cTn>
                                         <p:tgtEl>
-                                          <p:spTgt spid="20731"/>
+                                          <p:spTgt spid="30131"/>
                                         </p:tgtEl>
                                         <p:attrNameLst>
                                           <p:attrName>style.visibility</p:attrName>
@@ -28683,7 +28683,7 @@
                                           </p:stCondLst>
                                         </p:cTn>
                                         <p:tgtEl>
-                                          <p:spTgt spid="20732"/>
+                                          <p:spTgt spid="30132"/>
                                         </p:tgtEl>
                                         <p:attrNameLst>
                                           <p:attrName>style.visibility</p:attrName>
@@ -28710,7 +28710,7 @@
                                           </p:stCondLst>
                                         </p:cTn>
                                         <p:tgtEl>
-                                          <p:spTgt spid="20733"/>
+                                          <p:spTgt spid="30133"/>
                                         </p:tgtEl>
                                         <p:attrNameLst>
                                           <p:attrName>style.visibility</p:attrName>
@@ -28737,7 +28737,7 @@
                                           </p:stCondLst>
                                         </p:cTn>
                                         <p:tgtEl>
-                                          <p:spTgt spid="20734"/>
+                                          <p:spTgt spid="30134"/>
                                         </p:tgtEl>
                                         <p:attrNameLst>
                                           <p:attrName>style.visibility</p:attrName>
@@ -28764,7 +28764,7 @@
                                           </p:stCondLst>
                                         </p:cTn>
                                         <p:tgtEl>
-                                          <p:spTgt spid="20735"/>
+                                          <p:spTgt spid="30135"/>
                                         </p:tgtEl>
                                         <p:attrNameLst>
                                           <p:attrName>style.visibility</p:attrName>
@@ -28791,7 +28791,7 @@
                                           </p:stCondLst>
                                         </p:cTn>
                                         <p:tgtEl>
-                                          <p:spTgt spid="20736"/>
+                                          <p:spTgt spid="30136"/>
                                         </p:tgtEl>
                                         <p:attrNameLst>
                                           <p:attrName>style.visibility</p:attrName>
@@ -28818,7 +28818,7 @@
                                           </p:stCondLst>
                                         </p:cTn>
                                         <p:tgtEl>
-                                          <p:spTgt spid="20737"/>
+                                          <p:spTgt spid="30137"/>
                                         </p:tgtEl>
                                         <p:attrNameLst>
                                           <p:attrName>style.visibility</p:attrName>
@@ -28845,7 +28845,7 @@
                                           </p:stCondLst>
                                         </p:cTn>
                                         <p:tgtEl>
-                                          <p:spTgt spid="20738"/>
+                                          <p:spTgt spid="30138"/>
                                         </p:tgtEl>
                                         <p:attrNameLst>
                                           <p:attrName>style.visibility</p:attrName>
@@ -28872,7 +28872,7 @@
                                           </p:stCondLst>
                                         </p:cTn>
                                         <p:tgtEl>
-                                          <p:spTgt spid="20739"/>
+                                          <p:spTgt spid="30139"/>
                                         </p:tgtEl>
                                         <p:attrNameLst>
                                           <p:attrName>style.visibility</p:attrName>
@@ -28899,7 +28899,7 @@
                                           </p:stCondLst>
                                         </p:cTn>
                                         <p:tgtEl>
-                                          <p:spTgt spid="20740"/>
+                                          <p:spTgt spid="30140"/>
                                         </p:tgtEl>
                                         <p:attrNameLst>
                                           <p:attrName>style.visibility</p:attrName>
@@ -28926,7 +28926,7 @@
                                           </p:stCondLst>
                                         </p:cTn>
                                         <p:tgtEl>
-                                          <p:spTgt spid="20741"/>
+                                          <p:spTgt spid="30141"/>
                                         </p:tgtEl>
                                         <p:attrNameLst>
                                           <p:attrName>style.visibility</p:attrName>
@@ -28953,7 +28953,7 @@
                                           </p:stCondLst>
                                         </p:cTn>
                                         <p:tgtEl>
-                                          <p:spTgt spid="20742"/>
+                                          <p:spTgt spid="30142"/>
                                         </p:tgtEl>
                                         <p:attrNameLst>
                                           <p:attrName>style.visibility</p:attrName>
@@ -28980,7 +28980,7 @@
                                           </p:stCondLst>
                                         </p:cTn>
                                         <p:tgtEl>
-                                          <p:spTgt spid="20743"/>
+                                          <p:spTgt spid="30143"/>
                                         </p:tgtEl>
                                         <p:attrNameLst>
                                           <p:attrName>style.visibility</p:attrName>
@@ -29007,7 +29007,7 @@
                                           </p:stCondLst>
                                         </p:cTn>
                                         <p:tgtEl>
-                                          <p:spTgt spid="20744"/>
+                                          <p:spTgt spid="30144"/>
                                         </p:tgtEl>
                                         <p:attrNameLst>
                                           <p:attrName>style.visibility</p:attrName>
@@ -29034,7 +29034,7 @@
                                           </p:stCondLst>
                                         </p:cTn>
                                         <p:tgtEl>
-                                          <p:spTgt spid="20745"/>
+                                          <p:spTgt spid="30145"/>
                                         </p:tgtEl>
                                         <p:attrNameLst>
                                           <p:attrName>style.visibility</p:attrName>
@@ -29061,7 +29061,7 @@
                                           </p:stCondLst>
                                         </p:cTn>
                                         <p:tgtEl>
-                                          <p:spTgt spid="20746"/>
+                                          <p:spTgt spid="30146"/>
                                         </p:tgtEl>
                                         <p:attrNameLst>
                                           <p:attrName>style.visibility</p:attrName>
@@ -29088,7 +29088,7 @@
                                           </p:stCondLst>
                                         </p:cTn>
                                         <p:tgtEl>
-                                          <p:spTgt spid="20747"/>
+                                          <p:spTgt spid="30147"/>
                                         </p:tgtEl>
                                         <p:attrNameLst>
                                           <p:attrName>style.visibility</p:attrName>
@@ -29115,7 +29115,7 @@
                                           </p:stCondLst>
                                         </p:cTn>
                                         <p:tgtEl>
-                                          <p:spTgt spid="20748"/>
+                                          <p:spTgt spid="30148"/>
                                         </p:tgtEl>
                                         <p:attrNameLst>
                                           <p:attrName>style.visibility</p:attrName>
@@ -29142,7 +29142,7 @@
                                           </p:stCondLst>
                                         </p:cTn>
                                         <p:tgtEl>
-                                          <p:spTgt spid="20749"/>
+                                          <p:spTgt spid="30149"/>
                                         </p:tgtEl>
                                         <p:attrNameLst>
                                           <p:attrName>style.visibility</p:attrName>
@@ -29169,7 +29169,7 @@
                                           </p:stCondLst>
                                         </p:cTn>
                                         <p:tgtEl>
-                                          <p:spTgt spid="20750"/>
+                                          <p:spTgt spid="30150"/>
                                         </p:tgtEl>
                                         <p:attrNameLst>
                                           <p:attrName>style.visibility</p:attrName>
@@ -29196,7 +29196,7 @@
                                           </p:stCondLst>
                                         </p:cTn>
                                         <p:tgtEl>
-                                          <p:spTgt spid="20751"/>
+                                          <p:spTgt spid="30151"/>
                                         </p:tgtEl>
                                         <p:attrNameLst>
                                           <p:attrName>style.visibility</p:attrName>
@@ -29223,7 +29223,7 @@
                                           </p:stCondLst>
                                         </p:cTn>
                                         <p:tgtEl>
-                                          <p:spTgt spid="20752"/>
+                                          <p:spTgt spid="30152"/>
                                         </p:tgtEl>
                                         <p:attrNameLst>
                                           <p:attrName>style.visibility</p:attrName>
@@ -29250,7 +29250,7 @@
                                           </p:stCondLst>
                                         </p:cTn>
                                         <p:tgtEl>
-                                          <p:spTgt spid="20753"/>
+                                          <p:spTgt spid="30153"/>
                                         </p:tgtEl>
                                         <p:attrNameLst>
                                           <p:attrName>style.visibility</p:attrName>
@@ -29277,7 +29277,7 @@
                                           </p:stCondLst>
                                         </p:cTn>
                                         <p:tgtEl>
-                                          <p:spTgt spid="20754"/>
+                                          <p:spTgt spid="30154"/>
                                         </p:tgtEl>
                                         <p:attrNameLst>
                                           <p:attrName>style.visibility</p:attrName>
@@ -29304,7 +29304,7 @@
                                           </p:stCondLst>
                                         </p:cTn>
                                         <p:tgtEl>
-                                          <p:spTgt spid="20755"/>
+                                          <p:spTgt spid="30155"/>
                                         </p:tgtEl>
                                         <p:attrNameLst>
                                           <p:attrName>style.visibility</p:attrName>
@@ -29331,7 +29331,7 @@
                                           </p:stCondLst>
                                         </p:cTn>
                                         <p:tgtEl>
-                                          <p:spTgt spid="20756"/>
+                                          <p:spTgt spid="30156"/>
                                         </p:tgtEl>
                                         <p:attrNameLst>
                                           <p:attrName>style.visibility</p:attrName>
@@ -29358,7 +29358,7 @@
                                           </p:stCondLst>
                                         </p:cTn>
                                         <p:tgtEl>
-                                          <p:spTgt spid="20757"/>
+                                          <p:spTgt spid="30157"/>
                                         </p:tgtEl>
                                         <p:attrNameLst>
                                           <p:attrName>style.visibility</p:attrName>
@@ -29385,7 +29385,7 @@
                                           </p:stCondLst>
                                         </p:cTn>
                                         <p:tgtEl>
-                                          <p:spTgt spid="20758"/>
+                                          <p:spTgt spid="30158"/>
                                         </p:tgtEl>
                                         <p:attrNameLst>
                                           <p:attrName>style.visibility</p:attrName>
@@ -29412,7 +29412,7 @@
                                           </p:stCondLst>
                                         </p:cTn>
                                         <p:tgtEl>
-                                          <p:spTgt spid="20759"/>
+                                          <p:spTgt spid="30159"/>
                                         </p:tgtEl>
                                         <p:attrNameLst>
                                           <p:attrName>style.visibility</p:attrName>
@@ -29439,7 +29439,7 @@
                                           </p:stCondLst>
                                         </p:cTn>
                                         <p:tgtEl>
-                                          <p:spTgt spid="20760"/>
+                                          <p:spTgt spid="30160"/>
                                         </p:tgtEl>
                                         <p:attrNameLst>
                                           <p:attrName>style.visibility</p:attrName>
@@ -29466,7 +29466,7 @@
                                           </p:stCondLst>
                                         </p:cTn>
                                         <p:tgtEl>
-                                          <p:spTgt spid="20761"/>
+                                          <p:spTgt spid="30161"/>
                                         </p:tgtEl>
                                         <p:attrNameLst>
                                           <p:attrName>style.visibility</p:attrName>
@@ -29493,7 +29493,7 @@
                                           </p:stCondLst>
                                         </p:cTn>
                                         <p:tgtEl>
-                                          <p:spTgt spid="20762"/>
+                                          <p:spTgt spid="30162"/>
                                         </p:tgtEl>
                                         <p:attrNameLst>
                                           <p:attrName>style.visibility</p:attrName>
@@ -29520,7 +29520,7 @@
                                           </p:stCondLst>
                                         </p:cTn>
                                         <p:tgtEl>
-                                          <p:spTgt spid="20763"/>
+                                          <p:spTgt spid="30163"/>
                                         </p:tgtEl>
                                         <p:attrNameLst>
                                           <p:attrName>style.visibility</p:attrName>
@@ -29547,7 +29547,7 @@
                                           </p:stCondLst>
                                         </p:cTn>
                                         <p:tgtEl>
-                                          <p:spTgt spid="20764"/>
+                                          <p:spTgt spid="30164"/>
                                         </p:tgtEl>
                                         <p:attrNameLst>
                                           <p:attrName>style.visibility</p:attrName>
@@ -29574,7 +29574,7 @@
                                           </p:stCondLst>
                                         </p:cTn>
                                         <p:tgtEl>
-                                          <p:spTgt spid="20765"/>
+                                          <p:spTgt spid="30165"/>
                                         </p:tgtEl>
                                         <p:attrNameLst>
                                           <p:attrName>style.visibility</p:attrName>
@@ -29601,7 +29601,7 @@
                                           </p:stCondLst>
                                         </p:cTn>
                                         <p:tgtEl>
-                                          <p:spTgt spid="20766"/>
+                                          <p:spTgt spid="30166"/>
                                         </p:tgtEl>
                                         <p:attrNameLst>
                                           <p:attrName>style.visibility</p:attrName>
@@ -29628,7 +29628,7 @@
                                           </p:stCondLst>
                                         </p:cTn>
                                         <p:tgtEl>
-                                          <p:spTgt spid="20767"/>
+                                          <p:spTgt spid="30167"/>
                                         </p:tgtEl>
                                         <p:attrNameLst>
                                           <p:attrName>style.visibility</p:attrName>
@@ -29655,7 +29655,7 @@
                                           </p:stCondLst>
                                         </p:cTn>
                                         <p:tgtEl>
-                                          <p:spTgt spid="20768"/>
+                                          <p:spTgt spid="30168"/>
                                         </p:tgtEl>
                                         <p:attrNameLst>
                                           <p:attrName>style.visibility</p:attrName>
@@ -29682,7 +29682,7 @@
                                           </p:stCondLst>
                                         </p:cTn>
                                         <p:tgtEl>
-                                          <p:spTgt spid="20769"/>
+                                          <p:spTgt spid="30169"/>
                                         </p:tgtEl>
                                         <p:attrNameLst>
                                           <p:attrName>style.visibility</p:attrName>
@@ -29709,7 +29709,7 @@
                                           </p:stCondLst>
                                         </p:cTn>
                                         <p:tgtEl>
-                                          <p:spTgt spid="20770"/>
+                                          <p:spTgt spid="30170"/>
                                         </p:tgtEl>
                                         <p:attrNameLst>
                                           <p:attrName>style.visibility</p:attrName>
@@ -29736,7 +29736,7 @@
                                           </p:stCondLst>
                                         </p:cTn>
                                         <p:tgtEl>
-                                          <p:spTgt spid="20771"/>
+                                          <p:spTgt spid="30171"/>
                                         </p:tgtEl>
                                         <p:attrNameLst>
                                           <p:attrName>style.visibility</p:attrName>
@@ -29763,7 +29763,7 @@
                                           </p:stCondLst>
                                         </p:cTn>
                                         <p:tgtEl>
-                                          <p:spTgt spid="20772"/>
+                                          <p:spTgt spid="30172"/>
                                         </p:tgtEl>
                                         <p:attrNameLst>
                                           <p:attrName>style.visibility</p:attrName>

--- a/org.mwc.debrief.legacy/test_data/master_template/long_tracks/long_tracks_temp.pptx
+++ b/org.mwc.debrief.legacy/test_data/master_template/long_tracks/long_tracks_temp.pptx
@@ -11127,7 +11127,7 @@
         <p:spPr>
           <a:xfrm>
             <a:off x="3387681" y="5825137"/>
-            <a:ext cx="2581828" cy="461665"/>
+            <a:ext cx="2581828" cy="861665"/>
           </a:xfrm>
           <a:prstGeom prst="rect">
             <a:avLst/>
@@ -11260,7 +11260,7 @@
         <p:spPr>
           <a:xfrm>
             <a:off x="3387681" y="5825137"/>
-            <a:ext cx="2581828" cy="461665"/>
+            <a:ext cx="2581828" cy="861665"/>
           </a:xfrm>
           <a:prstGeom prst="rect">
             <a:avLst/>
@@ -11393,7 +11393,7 @@
         <p:spPr>
           <a:xfrm>
             <a:off x="3387681" y="5825137"/>
-            <a:ext cx="2581828" cy="461665"/>
+            <a:ext cx="2581828" cy="861665"/>
           </a:xfrm>
           <a:prstGeom prst="rect">
             <a:avLst/>
@@ -11526,7 +11526,7 @@
         <p:spPr>
           <a:xfrm>
             <a:off x="3387681" y="5825137"/>
-            <a:ext cx="2581828" cy="461665"/>
+            <a:ext cx="2581828" cy="861665"/>
           </a:xfrm>
           <a:prstGeom prst="rect">
             <a:avLst/>
@@ -11659,7 +11659,7 @@
         <p:spPr>
           <a:xfrm>
             <a:off x="3387681" y="5825137"/>
-            <a:ext cx="2581828" cy="461665"/>
+            <a:ext cx="2581828" cy="861665"/>
           </a:xfrm>
           <a:prstGeom prst="rect">
             <a:avLst/>
@@ -11792,7 +11792,7 @@
         <p:spPr>
           <a:xfrm>
             <a:off x="3387681" y="5825137"/>
-            <a:ext cx="2581828" cy="461665"/>
+            <a:ext cx="2581828" cy="861665"/>
           </a:xfrm>
           <a:prstGeom prst="rect">
             <a:avLst/>
@@ -11925,7 +11925,7 @@
         <p:spPr>
           <a:xfrm>
             <a:off x="3387681" y="5825137"/>
-            <a:ext cx="2581828" cy="461665"/>
+            <a:ext cx="2581828" cy="861665"/>
           </a:xfrm>
           <a:prstGeom prst="rect">
             <a:avLst/>
@@ -12058,7 +12058,7 @@
         <p:spPr>
           <a:xfrm>
             <a:off x="3387681" y="5825137"/>
-            <a:ext cx="2581828" cy="461665"/>
+            <a:ext cx="2581828" cy="861665"/>
           </a:xfrm>
           <a:prstGeom prst="rect">
             <a:avLst/>
@@ -12191,7 +12191,7 @@
         <p:spPr>
           <a:xfrm>
             <a:off x="3387681" y="5825137"/>
-            <a:ext cx="2581828" cy="461665"/>
+            <a:ext cx="2581828" cy="861665"/>
           </a:xfrm>
           <a:prstGeom prst="rect">
             <a:avLst/>
@@ -12324,7 +12324,7 @@
         <p:spPr>
           <a:xfrm>
             <a:off x="3387681" y="5825137"/>
-            <a:ext cx="2581828" cy="461665"/>
+            <a:ext cx="2581828" cy="861665"/>
           </a:xfrm>
           <a:prstGeom prst="rect">
             <a:avLst/>
@@ -12457,7 +12457,7 @@
         <p:spPr>
           <a:xfrm>
             <a:off x="3387681" y="5825137"/>
-            <a:ext cx="2581828" cy="461665"/>
+            <a:ext cx="2581828" cy="861665"/>
           </a:xfrm>
           <a:prstGeom prst="rect">
             <a:avLst/>
@@ -12590,7 +12590,7 @@
         <p:spPr>
           <a:xfrm>
             <a:off x="3387681" y="5825137"/>
-            <a:ext cx="2581828" cy="461665"/>
+            <a:ext cx="2581828" cy="861665"/>
           </a:xfrm>
           <a:prstGeom prst="rect">
             <a:avLst/>
@@ -12723,7 +12723,7 @@
         <p:spPr>
           <a:xfrm>
             <a:off x="3387681" y="5825137"/>
-            <a:ext cx="2581828" cy="461665"/>
+            <a:ext cx="2581828" cy="861665"/>
           </a:xfrm>
           <a:prstGeom prst="rect">
             <a:avLst/>
@@ -12856,7 +12856,7 @@
         <p:spPr>
           <a:xfrm>
             <a:off x="3387681" y="5825137"/>
-            <a:ext cx="2581828" cy="461665"/>
+            <a:ext cx="2581828" cy="861665"/>
           </a:xfrm>
           <a:prstGeom prst="rect">
             <a:avLst/>
@@ -12989,7 +12989,7 @@
         <p:spPr>
           <a:xfrm>
             <a:off x="3387681" y="5825137"/>
-            <a:ext cx="2581828" cy="461665"/>
+            <a:ext cx="2581828" cy="861665"/>
           </a:xfrm>
           <a:prstGeom prst="rect">
             <a:avLst/>
@@ -13122,7 +13122,7 @@
         <p:spPr>
           <a:xfrm>
             <a:off x="3387681" y="5825137"/>
-            <a:ext cx="2581828" cy="461665"/>
+            <a:ext cx="2581828" cy="861665"/>
           </a:xfrm>
           <a:prstGeom prst="rect">
             <a:avLst/>
@@ -13255,7 +13255,7 @@
         <p:spPr>
           <a:xfrm>
             <a:off x="3387681" y="5825137"/>
-            <a:ext cx="2581828" cy="461665"/>
+            <a:ext cx="2581828" cy="861665"/>
           </a:xfrm>
           <a:prstGeom prst="rect">
             <a:avLst/>
@@ -13388,7 +13388,7 @@
         <p:spPr>
           <a:xfrm>
             <a:off x="3387681" y="5825137"/>
-            <a:ext cx="2581828" cy="461665"/>
+            <a:ext cx="2581828" cy="861665"/>
           </a:xfrm>
           <a:prstGeom prst="rect">
             <a:avLst/>
@@ -13521,7 +13521,7 @@
         <p:spPr>
           <a:xfrm>
             <a:off x="3387681" y="5825137"/>
-            <a:ext cx="2581828" cy="461665"/>
+            <a:ext cx="2581828" cy="861665"/>
           </a:xfrm>
           <a:prstGeom prst="rect">
             <a:avLst/>
@@ -13654,7 +13654,7 @@
         <p:spPr>
           <a:xfrm>
             <a:off x="3387681" y="5825137"/>
-            <a:ext cx="2581828" cy="461665"/>
+            <a:ext cx="2581828" cy="861665"/>
           </a:xfrm>
           <a:prstGeom prst="rect">
             <a:avLst/>
@@ -13787,7 +13787,7 @@
         <p:spPr>
           <a:xfrm>
             <a:off x="3387681" y="5825137"/>
-            <a:ext cx="2581828" cy="461665"/>
+            <a:ext cx="2581828" cy="861665"/>
           </a:xfrm>
           <a:prstGeom prst="rect">
             <a:avLst/>
@@ -13920,7 +13920,7 @@
         <p:spPr>
           <a:xfrm>
             <a:off x="3387681" y="5825137"/>
-            <a:ext cx="2581828" cy="461665"/>
+            <a:ext cx="2581828" cy="861665"/>
           </a:xfrm>
           <a:prstGeom prst="rect">
             <a:avLst/>
@@ -14053,7 +14053,7 @@
         <p:spPr>
           <a:xfrm>
             <a:off x="3387681" y="5825137"/>
-            <a:ext cx="2581828" cy="461665"/>
+            <a:ext cx="2581828" cy="861665"/>
           </a:xfrm>
           <a:prstGeom prst="rect">
             <a:avLst/>
@@ -14186,7 +14186,7 @@
         <p:spPr>
           <a:xfrm>
             <a:off x="3387681" y="5825137"/>
-            <a:ext cx="2581828" cy="461665"/>
+            <a:ext cx="2581828" cy="861665"/>
           </a:xfrm>
           <a:prstGeom prst="rect">
             <a:avLst/>
@@ -14319,7 +14319,7 @@
         <p:spPr>
           <a:xfrm>
             <a:off x="3387681" y="5825137"/>
-            <a:ext cx="2581828" cy="461665"/>
+            <a:ext cx="2581828" cy="861665"/>
           </a:xfrm>
           <a:prstGeom prst="rect">
             <a:avLst/>
@@ -14452,7 +14452,7 @@
         <p:spPr>
           <a:xfrm>
             <a:off x="3387681" y="5825137"/>
-            <a:ext cx="2581828" cy="461665"/>
+            <a:ext cx="2581828" cy="861665"/>
           </a:xfrm>
           <a:prstGeom prst="rect">
             <a:avLst/>
@@ -14585,7 +14585,7 @@
         <p:spPr>
           <a:xfrm>
             <a:off x="3387681" y="5825137"/>
-            <a:ext cx="2581828" cy="461665"/>
+            <a:ext cx="2581828" cy="861665"/>
           </a:xfrm>
           <a:prstGeom prst="rect">
             <a:avLst/>
@@ -14718,7 +14718,7 @@
         <p:spPr>
           <a:xfrm>
             <a:off x="3387681" y="5825137"/>
-            <a:ext cx="2581828" cy="461665"/>
+            <a:ext cx="2581828" cy="861665"/>
           </a:xfrm>
           <a:prstGeom prst="rect">
             <a:avLst/>
@@ -14851,7 +14851,7 @@
         <p:spPr>
           <a:xfrm>
             <a:off x="3387681" y="5825137"/>
-            <a:ext cx="2581828" cy="461665"/>
+            <a:ext cx="2581828" cy="861665"/>
           </a:xfrm>
           <a:prstGeom prst="rect">
             <a:avLst/>
@@ -14984,7 +14984,7 @@
         <p:spPr>
           <a:xfrm>
             <a:off x="3387681" y="5825137"/>
-            <a:ext cx="2581828" cy="461665"/>
+            <a:ext cx="2581828" cy="861665"/>
           </a:xfrm>
           <a:prstGeom prst="rect">
             <a:avLst/>
@@ -15117,7 +15117,7 @@
         <p:spPr>
           <a:xfrm>
             <a:off x="3387681" y="5825137"/>
-            <a:ext cx="2581828" cy="461665"/>
+            <a:ext cx="2581828" cy="861665"/>
           </a:xfrm>
           <a:prstGeom prst="rect">
             <a:avLst/>
@@ -15250,7 +15250,7 @@
         <p:spPr>
           <a:xfrm>
             <a:off x="3387681" y="5825137"/>
-            <a:ext cx="2581828" cy="461665"/>
+            <a:ext cx="2581828" cy="861665"/>
           </a:xfrm>
           <a:prstGeom prst="rect">
             <a:avLst/>
@@ -15383,7 +15383,7 @@
         <p:spPr>
           <a:xfrm>
             <a:off x="3387681" y="5825137"/>
-            <a:ext cx="2581828" cy="461665"/>
+            <a:ext cx="2581828" cy="861665"/>
           </a:xfrm>
           <a:prstGeom prst="rect">
             <a:avLst/>
@@ -15516,7 +15516,7 @@
         <p:spPr>
           <a:xfrm>
             <a:off x="3387681" y="5825137"/>
-            <a:ext cx="2581828" cy="461665"/>
+            <a:ext cx="2581828" cy="861665"/>
           </a:xfrm>
           <a:prstGeom prst="rect">
             <a:avLst/>
@@ -15649,7 +15649,7 @@
         <p:spPr>
           <a:xfrm>
             <a:off x="3387681" y="5825137"/>
-            <a:ext cx="2581828" cy="461665"/>
+            <a:ext cx="2581828" cy="861665"/>
           </a:xfrm>
           <a:prstGeom prst="rect">
             <a:avLst/>
@@ -15782,7 +15782,7 @@
         <p:spPr>
           <a:xfrm>
             <a:off x="3387681" y="5825137"/>
-            <a:ext cx="2581828" cy="461665"/>
+            <a:ext cx="2581828" cy="861665"/>
           </a:xfrm>
           <a:prstGeom prst="rect">
             <a:avLst/>
@@ -15915,7 +15915,7 @@
         <p:spPr>
           <a:xfrm>
             <a:off x="3387681" y="5825137"/>
-            <a:ext cx="2581828" cy="461665"/>
+            <a:ext cx="2581828" cy="861665"/>
           </a:xfrm>
           <a:prstGeom prst="rect">
             <a:avLst/>
@@ -16048,7 +16048,7 @@
         <p:spPr>
           <a:xfrm>
             <a:off x="3387681" y="5825137"/>
-            <a:ext cx="2581828" cy="461665"/>
+            <a:ext cx="2581828" cy="861665"/>
           </a:xfrm>
           <a:prstGeom prst="rect">
             <a:avLst/>
@@ -16181,7 +16181,7 @@
         <p:spPr>
           <a:xfrm>
             <a:off x="3387681" y="5825137"/>
-            <a:ext cx="2581828" cy="461665"/>
+            <a:ext cx="2581828" cy="861665"/>
           </a:xfrm>
           <a:prstGeom prst="rect">
             <a:avLst/>
@@ -16314,7 +16314,7 @@
         <p:spPr>
           <a:xfrm>
             <a:off x="3387681" y="5825137"/>
-            <a:ext cx="2581828" cy="461665"/>
+            <a:ext cx="2581828" cy="861665"/>
           </a:xfrm>
           <a:prstGeom prst="rect">
             <a:avLst/>
@@ -16447,7 +16447,7 @@
         <p:spPr>
           <a:xfrm>
             <a:off x="3387681" y="5825137"/>
-            <a:ext cx="2581828" cy="461665"/>
+            <a:ext cx="2581828" cy="861665"/>
           </a:xfrm>
           <a:prstGeom prst="rect">
             <a:avLst/>
@@ -16580,7 +16580,7 @@
         <p:spPr>
           <a:xfrm>
             <a:off x="3387681" y="5825137"/>
-            <a:ext cx="2581828" cy="461665"/>
+            <a:ext cx="2581828" cy="861665"/>
           </a:xfrm>
           <a:prstGeom prst="rect">
             <a:avLst/>
@@ -16713,7 +16713,7 @@
         <p:spPr>
           <a:xfrm>
             <a:off x="3387681" y="5825137"/>
-            <a:ext cx="2581828" cy="461665"/>
+            <a:ext cx="2581828" cy="861665"/>
           </a:xfrm>
           <a:prstGeom prst="rect">
             <a:avLst/>
@@ -16846,7 +16846,7 @@
         <p:spPr>
           <a:xfrm>
             <a:off x="3387681" y="5825137"/>
-            <a:ext cx="2581828" cy="461665"/>
+            <a:ext cx="2581828" cy="861665"/>
           </a:xfrm>
           <a:prstGeom prst="rect">
             <a:avLst/>
@@ -16979,7 +16979,7 @@
         <p:spPr>
           <a:xfrm>
             <a:off x="3387681" y="5825137"/>
-            <a:ext cx="2581828" cy="461665"/>
+            <a:ext cx="2581828" cy="861665"/>
           </a:xfrm>
           <a:prstGeom prst="rect">
             <a:avLst/>
@@ -17112,7 +17112,7 @@
         <p:spPr>
           <a:xfrm>
             <a:off x="3387681" y="5825137"/>
-            <a:ext cx="2581828" cy="461665"/>
+            <a:ext cx="2581828" cy="861665"/>
           </a:xfrm>
           <a:prstGeom prst="rect">
             <a:avLst/>
@@ -17245,7 +17245,7 @@
         <p:spPr>
           <a:xfrm>
             <a:off x="3387681" y="5825137"/>
-            <a:ext cx="2581828" cy="461665"/>
+            <a:ext cx="2581828" cy="861665"/>
           </a:xfrm>
           <a:prstGeom prst="rect">
             <a:avLst/>
@@ -17378,7 +17378,7 @@
         <p:spPr>
           <a:xfrm>
             <a:off x="3387681" y="5825137"/>
-            <a:ext cx="2581828" cy="461665"/>
+            <a:ext cx="2581828" cy="861665"/>
           </a:xfrm>
           <a:prstGeom prst="rect">
             <a:avLst/>
@@ -17511,7 +17511,7 @@
         <p:spPr>
           <a:xfrm>
             <a:off x="3387681" y="5825137"/>
-            <a:ext cx="2581828" cy="461665"/>
+            <a:ext cx="2581828" cy="861665"/>
           </a:xfrm>
           <a:prstGeom prst="rect">
             <a:avLst/>
@@ -17644,7 +17644,7 @@
         <p:spPr>
           <a:xfrm>
             <a:off x="3387681" y="5825137"/>
-            <a:ext cx="2581828" cy="461665"/>
+            <a:ext cx="2581828" cy="861665"/>
           </a:xfrm>
           <a:prstGeom prst="rect">
             <a:avLst/>
@@ -17777,7 +17777,7 @@
         <p:spPr>
           <a:xfrm>
             <a:off x="3387681" y="5825137"/>
-            <a:ext cx="2581828" cy="461665"/>
+            <a:ext cx="2581828" cy="861665"/>
           </a:xfrm>
           <a:prstGeom prst="rect">
             <a:avLst/>
@@ -17910,7 +17910,7 @@
         <p:spPr>
           <a:xfrm>
             <a:off x="3387681" y="5825137"/>
-            <a:ext cx="2581828" cy="461665"/>
+            <a:ext cx="2581828" cy="861665"/>
           </a:xfrm>
           <a:prstGeom prst="rect">
             <a:avLst/>
@@ -18043,7 +18043,7 @@
         <p:spPr>
           <a:xfrm>
             <a:off x="3387681" y="5825137"/>
-            <a:ext cx="2581828" cy="461665"/>
+            <a:ext cx="2581828" cy="861665"/>
           </a:xfrm>
           <a:prstGeom prst="rect">
             <a:avLst/>
@@ -18176,7 +18176,7 @@
         <p:spPr>
           <a:xfrm>
             <a:off x="3387681" y="5825137"/>
-            <a:ext cx="2581828" cy="461665"/>
+            <a:ext cx="2581828" cy="861665"/>
           </a:xfrm>
           <a:prstGeom prst="rect">
             <a:avLst/>
@@ -18309,7 +18309,7 @@
         <p:spPr>
           <a:xfrm>
             <a:off x="3387681" y="5825137"/>
-            <a:ext cx="2581828" cy="461665"/>
+            <a:ext cx="2581828" cy="861665"/>
           </a:xfrm>
           <a:prstGeom prst="rect">
             <a:avLst/>
@@ -18442,7 +18442,7 @@
         <p:spPr>
           <a:xfrm>
             <a:off x="3387681" y="5825137"/>
-            <a:ext cx="2581828" cy="461665"/>
+            <a:ext cx="2581828" cy="861665"/>
           </a:xfrm>
           <a:prstGeom prst="rect">
             <a:avLst/>
@@ -18575,7 +18575,7 @@
         <p:spPr>
           <a:xfrm>
             <a:off x="3387681" y="5825137"/>
-            <a:ext cx="2581828" cy="461665"/>
+            <a:ext cx="2581828" cy="861665"/>
           </a:xfrm>
           <a:prstGeom prst="rect">
             <a:avLst/>
@@ -18708,7 +18708,7 @@
         <p:spPr>
           <a:xfrm>
             <a:off x="3387681" y="5825137"/>
-            <a:ext cx="2581828" cy="461665"/>
+            <a:ext cx="2581828" cy="861665"/>
           </a:xfrm>
           <a:prstGeom prst="rect">
             <a:avLst/>
@@ -18841,7 +18841,7 @@
         <p:spPr>
           <a:xfrm>
             <a:off x="3387681" y="5825137"/>
-            <a:ext cx="2581828" cy="461665"/>
+            <a:ext cx="2581828" cy="861665"/>
           </a:xfrm>
           <a:prstGeom prst="rect">
             <a:avLst/>
@@ -18974,7 +18974,7 @@
         <p:spPr>
           <a:xfrm>
             <a:off x="3387681" y="5825137"/>
-            <a:ext cx="2581828" cy="461665"/>
+            <a:ext cx="2581828" cy="861665"/>
           </a:xfrm>
           <a:prstGeom prst="rect">
             <a:avLst/>
@@ -19107,7 +19107,7 @@
         <p:spPr>
           <a:xfrm>
             <a:off x="3387681" y="5825137"/>
-            <a:ext cx="2581828" cy="461665"/>
+            <a:ext cx="2581828" cy="861665"/>
           </a:xfrm>
           <a:prstGeom prst="rect">
             <a:avLst/>
@@ -19240,7 +19240,7 @@
         <p:spPr>
           <a:xfrm>
             <a:off x="3387681" y="5825137"/>
-            <a:ext cx="2581828" cy="461665"/>
+            <a:ext cx="2581828" cy="861665"/>
           </a:xfrm>
           <a:prstGeom prst="rect">
             <a:avLst/>
@@ -19373,7 +19373,7 @@
         <p:spPr>
           <a:xfrm>
             <a:off x="3387681" y="5825137"/>
-            <a:ext cx="2581828" cy="461665"/>
+            <a:ext cx="2581828" cy="861665"/>
           </a:xfrm>
           <a:prstGeom prst="rect">
             <a:avLst/>
@@ -19506,7 +19506,7 @@
         <p:spPr>
           <a:xfrm>
             <a:off x="3387681" y="5825137"/>
-            <a:ext cx="2581828" cy="461665"/>
+            <a:ext cx="2581828" cy="861665"/>
           </a:xfrm>
           <a:prstGeom prst="rect">
             <a:avLst/>
@@ -19639,7 +19639,7 @@
         <p:spPr>
           <a:xfrm>
             <a:off x="3387681" y="5825137"/>
-            <a:ext cx="2581828" cy="461665"/>
+            <a:ext cx="2581828" cy="861665"/>
           </a:xfrm>
           <a:prstGeom prst="rect">
             <a:avLst/>
@@ -19772,7 +19772,7 @@
         <p:spPr>
           <a:xfrm>
             <a:off x="3387681" y="5825137"/>
-            <a:ext cx="2581828" cy="461665"/>
+            <a:ext cx="2581828" cy="861665"/>
           </a:xfrm>
           <a:prstGeom prst="rect">
             <a:avLst/>
@@ -19905,7 +19905,7 @@
         <p:spPr>
           <a:xfrm>
             <a:off x="3387681" y="5825137"/>
-            <a:ext cx="2581828" cy="461665"/>
+            <a:ext cx="2581828" cy="861665"/>
           </a:xfrm>
           <a:prstGeom prst="rect">
             <a:avLst/>
@@ -20038,7 +20038,7 @@
         <p:spPr>
           <a:xfrm>
             <a:off x="3387681" y="5825137"/>
-            <a:ext cx="2581828" cy="461665"/>
+            <a:ext cx="2581828" cy="861665"/>
           </a:xfrm>
           <a:prstGeom prst="rect">
             <a:avLst/>
@@ -20171,7 +20171,7 @@
         <p:spPr>
           <a:xfrm>
             <a:off x="3387681" y="5825137"/>
-            <a:ext cx="2581828" cy="461665"/>
+            <a:ext cx="2581828" cy="861665"/>
           </a:xfrm>
           <a:prstGeom prst="rect">
             <a:avLst/>
@@ -20304,7 +20304,7 @@
         <p:spPr>
           <a:xfrm>
             <a:off x="3387681" y="5825137"/>
-            <a:ext cx="2581828" cy="461665"/>
+            <a:ext cx="2581828" cy="861665"/>
           </a:xfrm>
           <a:prstGeom prst="rect">
             <a:avLst/>
@@ -20437,7 +20437,7 @@
         <p:spPr>
           <a:xfrm>
             <a:off x="3387681" y="5825137"/>
-            <a:ext cx="2581828" cy="461665"/>
+            <a:ext cx="2581828" cy="861665"/>
           </a:xfrm>
           <a:prstGeom prst="rect">
             <a:avLst/>
@@ -20570,7 +20570,7 @@
         <p:spPr>
           <a:xfrm>
             <a:off x="3387681" y="5825137"/>
-            <a:ext cx="2581828" cy="461665"/>
+            <a:ext cx="2581828" cy="861665"/>
           </a:xfrm>
           <a:prstGeom prst="rect">
             <a:avLst/>
@@ -20703,7 +20703,7 @@
         <p:spPr>
           <a:xfrm>
             <a:off x="3387681" y="5825137"/>
-            <a:ext cx="2581828" cy="461665"/>
+            <a:ext cx="2581828" cy="861665"/>
           </a:xfrm>
           <a:prstGeom prst="rect">
             <a:avLst/>
@@ -20836,7 +20836,7 @@
         <p:spPr>
           <a:xfrm>
             <a:off x="3387681" y="5825137"/>
-            <a:ext cx="2581828" cy="461665"/>
+            <a:ext cx="2581828" cy="861665"/>
           </a:xfrm>
           <a:prstGeom prst="rect">
             <a:avLst/>
@@ -20969,7 +20969,7 @@
         <p:spPr>
           <a:xfrm>
             <a:off x="3387681" y="5825137"/>
-            <a:ext cx="2581828" cy="461665"/>
+            <a:ext cx="2581828" cy="861665"/>
           </a:xfrm>
           <a:prstGeom prst="rect">
             <a:avLst/>
@@ -21102,7 +21102,7 @@
         <p:spPr>
           <a:xfrm>
             <a:off x="3387681" y="5825137"/>
-            <a:ext cx="2581828" cy="461665"/>
+            <a:ext cx="2581828" cy="861665"/>
           </a:xfrm>
           <a:prstGeom prst="rect">
             <a:avLst/>
@@ -21235,7 +21235,7 @@
         <p:spPr>
           <a:xfrm>
             <a:off x="3387681" y="5825137"/>
-            <a:ext cx="2581828" cy="461665"/>
+            <a:ext cx="2581828" cy="861665"/>
           </a:xfrm>
           <a:prstGeom prst="rect">
             <a:avLst/>
@@ -21368,7 +21368,7 @@
         <p:spPr>
           <a:xfrm>
             <a:off x="3387681" y="5825137"/>
-            <a:ext cx="2581828" cy="461665"/>
+            <a:ext cx="2581828" cy="861665"/>
           </a:xfrm>
           <a:prstGeom prst="rect">
             <a:avLst/>
@@ -21501,7 +21501,7 @@
         <p:spPr>
           <a:xfrm>
             <a:off x="3387681" y="5825137"/>
-            <a:ext cx="2581828" cy="461665"/>
+            <a:ext cx="2581828" cy="861665"/>
           </a:xfrm>
           <a:prstGeom prst="rect">
             <a:avLst/>
@@ -21634,7 +21634,7 @@
         <p:spPr>
           <a:xfrm>
             <a:off x="3387681" y="5825137"/>
-            <a:ext cx="2581828" cy="461665"/>
+            <a:ext cx="2581828" cy="861665"/>
           </a:xfrm>
           <a:prstGeom prst="rect">
             <a:avLst/>
@@ -21767,7 +21767,7 @@
         <p:spPr>
           <a:xfrm>
             <a:off x="3387681" y="5825137"/>
-            <a:ext cx="2581828" cy="461665"/>
+            <a:ext cx="2581828" cy="861665"/>
           </a:xfrm>
           <a:prstGeom prst="rect">
             <a:avLst/>
@@ -21900,7 +21900,7 @@
         <p:spPr>
           <a:xfrm>
             <a:off x="3387681" y="5825137"/>
-            <a:ext cx="2581828" cy="461665"/>
+            <a:ext cx="2581828" cy="861665"/>
           </a:xfrm>
           <a:prstGeom prst="rect">
             <a:avLst/>
@@ -22033,7 +22033,7 @@
         <p:spPr>
           <a:xfrm>
             <a:off x="3387681" y="5825137"/>
-            <a:ext cx="2581828" cy="461665"/>
+            <a:ext cx="2581828" cy="861665"/>
           </a:xfrm>
           <a:prstGeom prst="rect">
             <a:avLst/>
@@ -22166,7 +22166,7 @@
         <p:spPr>
           <a:xfrm>
             <a:off x="3387681" y="5825137"/>
-            <a:ext cx="2581828" cy="461665"/>
+            <a:ext cx="2581828" cy="861665"/>
           </a:xfrm>
           <a:prstGeom prst="rect">
             <a:avLst/>
@@ -22299,7 +22299,7 @@
         <p:spPr>
           <a:xfrm>
             <a:off x="3387681" y="5825137"/>
-            <a:ext cx="2581828" cy="461665"/>
+            <a:ext cx="2581828" cy="861665"/>
           </a:xfrm>
           <a:prstGeom prst="rect">
             <a:avLst/>
@@ -22432,7 +22432,7 @@
         <p:spPr>
           <a:xfrm>
             <a:off x="3387681" y="5825137"/>
-            <a:ext cx="2581828" cy="461665"/>
+            <a:ext cx="2581828" cy="861665"/>
           </a:xfrm>
           <a:prstGeom prst="rect">
             <a:avLst/>
@@ -22565,7 +22565,7 @@
         <p:spPr>
           <a:xfrm>
             <a:off x="3387681" y="5825137"/>
-            <a:ext cx="2581828" cy="461665"/>
+            <a:ext cx="2581828" cy="861665"/>
           </a:xfrm>
           <a:prstGeom prst="rect">
             <a:avLst/>
